--- a/figures/v14/flow_chart/gen_fig_most_updated_1.pptx
+++ b/figures/v14/flow_chart/gen_fig_most_updated_1.pptx
@@ -117,7 +117,7 @@
 <file path=ppt/revisionInfo.xml><?xml version="1.0" encoding="utf-8"?>
 <p1510:revInfo xmlns:a="http://schemas.openxmlformats.org/drawingml/2006/main" xmlns:r="http://schemas.openxmlformats.org/officeDocument/2006/relationships" xmlns:p1510="http://schemas.microsoft.com/office/powerpoint/2015/10/main">
   <p1510:revLst>
-    <p1510:client id="{E1C7DD92-5C8B-6D40-8552-D1C6541AE98C}" v="26" dt="2020-03-28T17:05:24.147"/>
+    <p1510:client id="{E1C7DD92-5C8B-6D40-8552-D1C6541AE98C}" v="29" dt="2020-03-28T17:16:04.797"/>
   </p1510:revLst>
 </p1510:revInfo>
 </file>
@@ -4090,7 +4090,7 @@
         </p:nvGrpSpPr>
         <p:grpSpPr>
           <a:xfrm>
-            <a:off x="264694" y="475726"/>
+            <a:off x="346510" y="475726"/>
             <a:ext cx="7536580" cy="3163355"/>
             <a:chOff x="721894" y="992454"/>
             <a:chExt cx="7536580" cy="3163355"/>
@@ -4871,7 +4871,7 @@
                 <a:blipFill>
                   <a:blip r:embed="rId8"/>
                   <a:stretch>
-                    <a:fillRect l="-2581" t="-1786" b="-1786"/>
+                    <a:fillRect l="-1923" t="-1786" b="-1786"/>
                   </a:stretch>
                 </a:blipFill>
                 <a:ln>
@@ -5772,7 +5772,7 @@
                 <a:blipFill>
                   <a:blip r:embed="rId11"/>
                   <a:stretch>
-                    <a:fillRect l="-1734" t="-1887" b="-5660"/>
+                    <a:fillRect l="-2312" t="-1887" b="-5660"/>
                   </a:stretch>
                 </a:blipFill>
                 <a:ln>
@@ -6032,7 +6032,7 @@
                 <a:blipFill>
                   <a:blip r:embed="rId12"/>
                   <a:stretch>
-                    <a:fillRect l="-2128" t="-1818" r="-3546" b="-5455"/>
+                    <a:fillRect l="-2857" t="-1818" r="-4286" b="-5455"/>
                   </a:stretch>
                 </a:blipFill>
                 <a:ln>

--- a/figures/v14/flow_chart/gen_fig_most_updated_1.pptx
+++ b/figures/v14/flow_chart/gen_fig_most_updated_1.pptx
@@ -117,9 +117,132 @@
 <file path=ppt/revisionInfo.xml><?xml version="1.0" encoding="utf-8"?>
 <p1510:revInfo xmlns:a="http://schemas.openxmlformats.org/drawingml/2006/main" xmlns:r="http://schemas.openxmlformats.org/officeDocument/2006/relationships" xmlns:p1510="http://schemas.microsoft.com/office/powerpoint/2015/10/main">
   <p1510:revLst>
-    <p1510:client id="{E1C7DD92-5C8B-6D40-8552-D1C6541AE98C}" v="29" dt="2020-03-28T17:16:04.797"/>
+    <p1510:client id="{E1C7DD92-5C8B-6D40-8552-D1C6541AE98C}" v="32" dt="2020-03-28T17:19:18.235"/>
   </p1510:revLst>
 </p1510:revInfo>
+</file>
+
+<file path=ppt/changesInfos/changesInfo1.xml><?xml version="1.0" encoding="utf-8"?>
+<pc:chgInfo xmlns:a="http://schemas.openxmlformats.org/drawingml/2006/main" xmlns:r="http://schemas.openxmlformats.org/officeDocument/2006/relationships" xmlns:ac="http://schemas.microsoft.com/office/drawing/2013/main/command" xmlns:pc="http://schemas.microsoft.com/office/powerpoint/2013/main/command">
+  <pc:docChgLst>
+    <pc:chgData name="Kungang Zhang" userId="ebd511bc26b39877" providerId="LiveId" clId="{E1C7DD92-5C8B-6D40-8552-D1C6541AE98C}"/>
+    <pc:docChg chg="modSld">
+      <pc:chgData name="Kungang Zhang" userId="ebd511bc26b39877" providerId="LiveId" clId="{E1C7DD92-5C8B-6D40-8552-D1C6541AE98C}" dt="2020-03-28T17:19:18.235" v="2" actId="12789"/>
+      <pc:docMkLst>
+        <pc:docMk/>
+      </pc:docMkLst>
+      <pc:sldChg chg="modSp">
+        <pc:chgData name="Kungang Zhang" userId="ebd511bc26b39877" providerId="LiveId" clId="{E1C7DD92-5C8B-6D40-8552-D1C6541AE98C}" dt="2020-03-28T17:18:59.905" v="0" actId="12789"/>
+        <pc:sldMkLst>
+          <pc:docMk/>
+          <pc:sldMk cId="820415055" sldId="256"/>
+        </pc:sldMkLst>
+        <pc:grpChg chg="mod">
+          <ac:chgData name="Kungang Zhang" userId="ebd511bc26b39877" providerId="LiveId" clId="{E1C7DD92-5C8B-6D40-8552-D1C6541AE98C}" dt="2020-03-28T17:18:59.905" v="0" actId="12789"/>
+          <ac:grpSpMkLst>
+            <pc:docMk/>
+            <pc:sldMk cId="820415055" sldId="256"/>
+            <ac:grpSpMk id="17" creationId="{9D9A09EA-376D-D642-93A4-484B45351A63}"/>
+          </ac:grpSpMkLst>
+        </pc:grpChg>
+        <pc:grpChg chg="mod">
+          <ac:chgData name="Kungang Zhang" userId="ebd511bc26b39877" providerId="LiveId" clId="{E1C7DD92-5C8B-6D40-8552-D1C6541AE98C}" dt="2020-03-28T17:18:59.905" v="0" actId="12789"/>
+          <ac:grpSpMkLst>
+            <pc:docMk/>
+            <pc:sldMk cId="820415055" sldId="256"/>
+            <ac:grpSpMk id="56" creationId="{473724F2-88F0-3C46-AAB7-9E99343BA8AB}"/>
+          </ac:grpSpMkLst>
+        </pc:grpChg>
+        <pc:grpChg chg="mod">
+          <ac:chgData name="Kungang Zhang" userId="ebd511bc26b39877" providerId="LiveId" clId="{E1C7DD92-5C8B-6D40-8552-D1C6541AE98C}" dt="2020-03-28T17:18:59.905" v="0" actId="12789"/>
+          <ac:grpSpMkLst>
+            <pc:docMk/>
+            <pc:sldMk cId="820415055" sldId="256"/>
+            <ac:grpSpMk id="64" creationId="{CD62726B-C87F-6E4C-977B-48054FC0BF19}"/>
+          </ac:grpSpMkLst>
+        </pc:grpChg>
+      </pc:sldChg>
+      <pc:sldChg chg="modSp">
+        <pc:chgData name="Kungang Zhang" userId="ebd511bc26b39877" providerId="LiveId" clId="{E1C7DD92-5C8B-6D40-8552-D1C6541AE98C}" dt="2020-03-28T17:19:10.610" v="1" actId="12789"/>
+        <pc:sldMkLst>
+          <pc:docMk/>
+          <pc:sldMk cId="2672299946" sldId="257"/>
+        </pc:sldMkLst>
+        <pc:grpChg chg="mod">
+          <ac:chgData name="Kungang Zhang" userId="ebd511bc26b39877" providerId="LiveId" clId="{E1C7DD92-5C8B-6D40-8552-D1C6541AE98C}" dt="2020-03-28T17:19:10.610" v="1" actId="12789"/>
+          <ac:grpSpMkLst>
+            <pc:docMk/>
+            <pc:sldMk cId="2672299946" sldId="257"/>
+            <ac:grpSpMk id="47" creationId="{7898DA22-116E-764B-8877-DA936CA24D74}"/>
+          </ac:grpSpMkLst>
+        </pc:grpChg>
+        <pc:grpChg chg="mod">
+          <ac:chgData name="Kungang Zhang" userId="ebd511bc26b39877" providerId="LiveId" clId="{E1C7DD92-5C8B-6D40-8552-D1C6541AE98C}" dt="2020-03-28T17:19:10.610" v="1" actId="12789"/>
+          <ac:grpSpMkLst>
+            <pc:docMk/>
+            <pc:sldMk cId="2672299946" sldId="257"/>
+            <ac:grpSpMk id="83" creationId="{A70B81D6-9658-F745-89C7-354C52728E5D}"/>
+          </ac:grpSpMkLst>
+        </pc:grpChg>
+        <pc:grpChg chg="mod">
+          <ac:chgData name="Kungang Zhang" userId="ebd511bc26b39877" providerId="LiveId" clId="{E1C7DD92-5C8B-6D40-8552-D1C6541AE98C}" dt="2020-03-28T17:19:10.610" v="1" actId="12789"/>
+          <ac:grpSpMkLst>
+            <pc:docMk/>
+            <pc:sldMk cId="2672299946" sldId="257"/>
+            <ac:grpSpMk id="84" creationId="{06B3D412-0470-0C41-BDC6-236C5F3012E4}"/>
+          </ac:grpSpMkLst>
+        </pc:grpChg>
+        <pc:grpChg chg="mod">
+          <ac:chgData name="Kungang Zhang" userId="ebd511bc26b39877" providerId="LiveId" clId="{E1C7DD92-5C8B-6D40-8552-D1C6541AE98C}" dt="2020-03-28T17:19:10.610" v="1" actId="12789"/>
+          <ac:grpSpMkLst>
+            <pc:docMk/>
+            <pc:sldMk cId="2672299946" sldId="257"/>
+            <ac:grpSpMk id="88" creationId="{46D324F3-E63B-024E-8745-78408CC6554A}"/>
+          </ac:grpSpMkLst>
+        </pc:grpChg>
+      </pc:sldChg>
+      <pc:sldChg chg="modSp">
+        <pc:chgData name="Kungang Zhang" userId="ebd511bc26b39877" providerId="LiveId" clId="{E1C7DD92-5C8B-6D40-8552-D1C6541AE98C}" dt="2020-03-28T17:19:18.235" v="2" actId="12789"/>
+        <pc:sldMkLst>
+          <pc:docMk/>
+          <pc:sldMk cId="870818237" sldId="258"/>
+        </pc:sldMkLst>
+        <pc:grpChg chg="mod">
+          <ac:chgData name="Kungang Zhang" userId="ebd511bc26b39877" providerId="LiveId" clId="{E1C7DD92-5C8B-6D40-8552-D1C6541AE98C}" dt="2020-03-28T17:19:18.235" v="2" actId="12789"/>
+          <ac:grpSpMkLst>
+            <pc:docMk/>
+            <pc:sldMk cId="870818237" sldId="258"/>
+            <ac:grpSpMk id="2" creationId="{E7893B92-2981-F543-A96B-91A74BEE7A86}"/>
+          </ac:grpSpMkLst>
+        </pc:grpChg>
+        <pc:grpChg chg="mod">
+          <ac:chgData name="Kungang Zhang" userId="ebd511bc26b39877" providerId="LiveId" clId="{E1C7DD92-5C8B-6D40-8552-D1C6541AE98C}" dt="2020-03-28T17:19:18.235" v="2" actId="12789"/>
+          <ac:grpSpMkLst>
+            <pc:docMk/>
+            <pc:sldMk cId="870818237" sldId="258"/>
+            <ac:grpSpMk id="5" creationId="{3129F8D2-3A53-1B47-9795-A3B4803ED1C7}"/>
+          </ac:grpSpMkLst>
+        </pc:grpChg>
+        <pc:grpChg chg="mod">
+          <ac:chgData name="Kungang Zhang" userId="ebd511bc26b39877" providerId="LiveId" clId="{E1C7DD92-5C8B-6D40-8552-D1C6541AE98C}" dt="2020-03-28T17:19:18.235" v="2" actId="12789"/>
+          <ac:grpSpMkLst>
+            <pc:docMk/>
+            <pc:sldMk cId="870818237" sldId="258"/>
+            <ac:grpSpMk id="15" creationId="{0A71536A-AC2D-BA48-8C7C-B5437E331354}"/>
+          </ac:grpSpMkLst>
+        </pc:grpChg>
+        <pc:grpChg chg="mod">
+          <ac:chgData name="Kungang Zhang" userId="ebd511bc26b39877" providerId="LiveId" clId="{E1C7DD92-5C8B-6D40-8552-D1C6541AE98C}" dt="2020-03-28T17:19:18.235" v="2" actId="12789"/>
+          <ac:grpSpMkLst>
+            <pc:docMk/>
+            <pc:sldMk cId="870818237" sldId="258"/>
+            <ac:grpSpMk id="16" creationId="{CF645DDA-6C9A-AF43-8FBB-683FA32E1857}"/>
+          </ac:grpSpMkLst>
+        </pc:grpChg>
+      </pc:sldChg>
+    </pc:docChg>
+  </pc:docChgLst>
+</pc:chgInfo>
 </file>
 
 <file path=ppt/slideLayouts/slideLayout1.xml><?xml version="1.0" encoding="utf-8"?>
@@ -2997,14 +3120,14 @@
         </p:nvGrpSpPr>
         <p:grpSpPr>
           <a:xfrm>
-            <a:off x="345439" y="678224"/>
+            <a:off x="345439" y="649432"/>
             <a:ext cx="7538722" cy="2815936"/>
             <a:chOff x="345439" y="678224"/>
             <a:chExt cx="7538722" cy="2815936"/>
           </a:xfrm>
         </p:grpSpPr>
-        <mc:AlternateContent xmlns:mc="http://schemas.openxmlformats.org/markup-compatibility/2006">
-          <mc:Choice xmlns:a14="http://schemas.microsoft.com/office/drawing/2010/main" Requires="a14">
+        <mc:AlternateContent xmlns:mc="http://schemas.openxmlformats.org/markup-compatibility/2006" xmlns:a14="http://schemas.microsoft.com/office/drawing/2010/main">
+          <mc:Choice Requires="a14">
             <p:sp>
               <p:nvSpPr>
                 <p:cNvPr id="4" name="TextBox 3">
@@ -3171,7 +3294,7 @@
               </p:txBody>
             </p:sp>
           </mc:Choice>
-          <mc:Fallback>
+          <mc:Fallback xmlns="">
             <p:sp>
               <p:nvSpPr>
                 <p:cNvPr id="4" name="TextBox 3">
@@ -4090,7 +4213,7 @@
         </p:nvGrpSpPr>
         <p:grpSpPr>
           <a:xfrm>
-            <a:off x="346510" y="475726"/>
+            <a:off x="346510" y="475723"/>
             <a:ext cx="7536580" cy="3163355"/>
             <a:chOff x="721894" y="992454"/>
             <a:chExt cx="7536580" cy="3163355"/>
@@ -4403,8 +4526,8 @@
             </p:txBody>
           </p:sp>
         </p:grpSp>
-        <mc:AlternateContent xmlns:mc="http://schemas.openxmlformats.org/markup-compatibility/2006">
-          <mc:Choice xmlns:a14="http://schemas.microsoft.com/office/drawing/2010/main" Requires="a14">
+        <mc:AlternateContent xmlns:mc="http://schemas.openxmlformats.org/markup-compatibility/2006" xmlns:a14="http://schemas.microsoft.com/office/drawing/2010/main">
+          <mc:Choice Requires="a14">
             <p:sp>
               <p:nvSpPr>
                 <p:cNvPr id="12" name="TextBox 11">
@@ -4608,7 +4731,7 @@
               </p:txBody>
             </p:sp>
           </mc:Choice>
-          <mc:Fallback>
+          <mc:Fallback xmlns="">
             <p:sp>
               <p:nvSpPr>
                 <p:cNvPr id="12" name="TextBox 11">
@@ -4658,8 +4781,8 @@
             </p:sp>
           </mc:Fallback>
         </mc:AlternateContent>
-        <mc:AlternateContent xmlns:mc="http://schemas.openxmlformats.org/markup-compatibility/2006">
-          <mc:Choice xmlns:a14="http://schemas.microsoft.com/office/drawing/2010/main" Requires="a14">
+        <mc:AlternateContent xmlns:mc="http://schemas.openxmlformats.org/markup-compatibility/2006" xmlns:a14="http://schemas.microsoft.com/office/drawing/2010/main">
+          <mc:Choice Requires="a14">
             <p:sp>
               <p:nvSpPr>
                 <p:cNvPr id="9" name="TextBox 8">
@@ -4845,7 +4968,7 @@
               </p:txBody>
             </p:sp>
           </mc:Choice>
-          <mc:Fallback>
+          <mc:Fallback xmlns="">
             <p:sp>
               <p:nvSpPr>
                 <p:cNvPr id="9" name="TextBox 8">
@@ -5570,8 +5693,8 @@
             </a:fontRef>
           </p:style>
         </p:cxnSp>
-        <mc:AlternateContent xmlns:mc="http://schemas.openxmlformats.org/markup-compatibility/2006">
-          <mc:Choice xmlns:a14="http://schemas.microsoft.com/office/drawing/2010/main" Requires="a14">
+        <mc:AlternateContent xmlns:mc="http://schemas.openxmlformats.org/markup-compatibility/2006" xmlns:a14="http://schemas.microsoft.com/office/drawing/2010/main">
+          <mc:Choice Requires="a14">
             <p:sp>
               <p:nvSpPr>
                 <p:cNvPr id="5" name="TextBox 4">
@@ -5746,7 +5869,7 @@
               </p:txBody>
             </p:sp>
           </mc:Choice>
-          <mc:Fallback>
+          <mc:Fallback xmlns="">
             <p:sp>
               <p:nvSpPr>
                 <p:cNvPr id="5" name="TextBox 4">
@@ -5796,8 +5919,8 @@
             </p:sp>
           </mc:Fallback>
         </mc:AlternateContent>
-        <mc:AlternateContent xmlns:mc="http://schemas.openxmlformats.org/markup-compatibility/2006">
-          <mc:Choice xmlns:a14="http://schemas.microsoft.com/office/drawing/2010/main" Requires="a14">
+        <mc:AlternateContent xmlns:mc="http://schemas.openxmlformats.org/markup-compatibility/2006" xmlns:a14="http://schemas.microsoft.com/office/drawing/2010/main">
+          <mc:Choice Requires="a14">
             <p:sp>
               <p:nvSpPr>
                 <p:cNvPr id="40" name="TextBox 39">
@@ -6006,7 +6129,7 @@
               </p:txBody>
             </p:sp>
           </mc:Choice>
-          <mc:Fallback>
+          <mc:Fallback xmlns="">
             <p:sp>
               <p:nvSpPr>
                 <p:cNvPr id="40" name="TextBox 39">
@@ -6244,7 +6367,7 @@
         </p:nvGrpSpPr>
         <p:grpSpPr>
           <a:xfrm>
-            <a:off x="341698" y="468926"/>
+            <a:off x="341698" y="422429"/>
             <a:ext cx="7536580" cy="3269943"/>
             <a:chOff x="798898" y="985654"/>
             <a:chExt cx="7536580" cy="3269943"/>

--- a/figures/v14/flow_chart/gen_fig_most_updated_1.pptx
+++ b/figures/v14/flow_chart/gen_fig_most_updated_1.pptx
@@ -376,7 +376,7 @@
           <a:p>
             <a:fld id="{AC1F32C0-9D6C-C745-86B7-7A480FC22073}" type="datetimeFigureOut">
               <a:rPr lang="en-US" smtClean="0"/>
-              <a:t>3/28/20</a:t>
+              <a:t>4/6/20</a:t>
             </a:fld>
             <a:endParaRPr lang="en-US"/>
           </a:p>
@@ -546,7 +546,7 @@
           <a:p>
             <a:fld id="{AC1F32C0-9D6C-C745-86B7-7A480FC22073}" type="datetimeFigureOut">
               <a:rPr lang="en-US" smtClean="0"/>
-              <a:t>3/28/20</a:t>
+              <a:t>4/6/20</a:t>
             </a:fld>
             <a:endParaRPr lang="en-US"/>
           </a:p>
@@ -726,7 +726,7 @@
           <a:p>
             <a:fld id="{AC1F32C0-9D6C-C745-86B7-7A480FC22073}" type="datetimeFigureOut">
               <a:rPr lang="en-US" smtClean="0"/>
-              <a:t>3/28/20</a:t>
+              <a:t>4/6/20</a:t>
             </a:fld>
             <a:endParaRPr lang="en-US"/>
           </a:p>
@@ -896,7 +896,7 @@
           <a:p>
             <a:fld id="{AC1F32C0-9D6C-C745-86B7-7A480FC22073}" type="datetimeFigureOut">
               <a:rPr lang="en-US" smtClean="0"/>
-              <a:t>3/28/20</a:t>
+              <a:t>4/6/20</a:t>
             </a:fld>
             <a:endParaRPr lang="en-US"/>
           </a:p>
@@ -1142,7 +1142,7 @@
           <a:p>
             <a:fld id="{AC1F32C0-9D6C-C745-86B7-7A480FC22073}" type="datetimeFigureOut">
               <a:rPr lang="en-US" smtClean="0"/>
-              <a:t>3/28/20</a:t>
+              <a:t>4/6/20</a:t>
             </a:fld>
             <a:endParaRPr lang="en-US"/>
           </a:p>
@@ -1374,7 +1374,7 @@
           <a:p>
             <a:fld id="{AC1F32C0-9D6C-C745-86B7-7A480FC22073}" type="datetimeFigureOut">
               <a:rPr lang="en-US" smtClean="0"/>
-              <a:t>3/28/20</a:t>
+              <a:t>4/6/20</a:t>
             </a:fld>
             <a:endParaRPr lang="en-US"/>
           </a:p>
@@ -1741,7 +1741,7 @@
           <a:p>
             <a:fld id="{AC1F32C0-9D6C-C745-86B7-7A480FC22073}" type="datetimeFigureOut">
               <a:rPr lang="en-US" smtClean="0"/>
-              <a:t>3/28/20</a:t>
+              <a:t>4/6/20</a:t>
             </a:fld>
             <a:endParaRPr lang="en-US"/>
           </a:p>
@@ -1859,7 +1859,7 @@
           <a:p>
             <a:fld id="{AC1F32C0-9D6C-C745-86B7-7A480FC22073}" type="datetimeFigureOut">
               <a:rPr lang="en-US" smtClean="0"/>
-              <a:t>3/28/20</a:t>
+              <a:t>4/6/20</a:t>
             </a:fld>
             <a:endParaRPr lang="en-US"/>
           </a:p>
@@ -1954,7 +1954,7 @@
           <a:p>
             <a:fld id="{AC1F32C0-9D6C-C745-86B7-7A480FC22073}" type="datetimeFigureOut">
               <a:rPr lang="en-US" smtClean="0"/>
-              <a:t>3/28/20</a:t>
+              <a:t>4/6/20</a:t>
             </a:fld>
             <a:endParaRPr lang="en-US"/>
           </a:p>
@@ -2231,7 +2231,7 @@
           <a:p>
             <a:fld id="{AC1F32C0-9D6C-C745-86B7-7A480FC22073}" type="datetimeFigureOut">
               <a:rPr lang="en-US" smtClean="0"/>
-              <a:t>3/28/20</a:t>
+              <a:t>4/6/20</a:t>
             </a:fld>
             <a:endParaRPr lang="en-US"/>
           </a:p>
@@ -2488,7 +2488,7 @@
           <a:p>
             <a:fld id="{AC1F32C0-9D6C-C745-86B7-7A480FC22073}" type="datetimeFigureOut">
               <a:rPr lang="en-US" smtClean="0"/>
-              <a:t>3/28/20</a:t>
+              <a:t>4/6/20</a:t>
             </a:fld>
             <a:endParaRPr lang="en-US"/>
           </a:p>
@@ -2701,7 +2701,7 @@
           <a:p>
             <a:fld id="{AC1F32C0-9D6C-C745-86B7-7A480FC22073}" type="datetimeFigureOut">
               <a:rPr lang="en-US" smtClean="0"/>
-              <a:t>3/28/20</a:t>
+              <a:t>4/6/20</a:t>
             </a:fld>
             <a:endParaRPr lang="en-US"/>
           </a:p>
@@ -3106,940 +3106,453 @@
           <a:chExt cx="0" cy="0"/>
         </a:xfrm>
       </p:grpSpPr>
-      <p:grpSp>
-        <p:nvGrpSpPr>
-          <p:cNvPr id="64" name="Group 63">
-            <a:extLst>
-              <a:ext uri="{FF2B5EF4-FFF2-40B4-BE49-F238E27FC236}">
-                <a16:creationId xmlns:a16="http://schemas.microsoft.com/office/drawing/2014/main" id="{CD62726B-C87F-6E4C-977B-48054FC0BF19}"/>
-              </a:ext>
-            </a:extLst>
-          </p:cNvPr>
-          <p:cNvGrpSpPr/>
-          <p:nvPr/>
-        </p:nvGrpSpPr>
-        <p:grpSpPr>
-          <a:xfrm>
-            <a:off x="345439" y="649432"/>
-            <a:ext cx="7538722" cy="2815936"/>
-            <a:chOff x="345439" y="678224"/>
-            <a:chExt cx="7538722" cy="2815936"/>
-          </a:xfrm>
-        </p:grpSpPr>
-        <mc:AlternateContent xmlns:mc="http://schemas.openxmlformats.org/markup-compatibility/2006" xmlns:a14="http://schemas.microsoft.com/office/drawing/2010/main">
-          <mc:Choice Requires="a14">
-            <p:sp>
-              <p:nvSpPr>
-                <p:cNvPr id="4" name="TextBox 3">
-                  <a:extLst>
-                    <a:ext uri="{FF2B5EF4-FFF2-40B4-BE49-F238E27FC236}">
-                      <a16:creationId xmlns:a16="http://schemas.microsoft.com/office/drawing/2014/main" id="{A31694BD-2860-5046-A743-8E4B35BA6A6E}"/>
-                    </a:ext>
-                  </a:extLst>
-                </p:cNvPr>
-                <p:cNvSpPr txBox="1"/>
-                <p:nvPr/>
-              </p:nvSpPr>
-              <p:spPr>
-                <a:xfrm>
-                  <a:off x="880224" y="1686170"/>
-                  <a:ext cx="1693805" cy="708848"/>
-                </a:xfrm>
-                <a:prstGeom prst="rect">
-                  <a:avLst/>
-                </a:prstGeom>
-                <a:solidFill>
-                  <a:schemeClr val="accent6"/>
-                </a:solidFill>
-                <a:ln>
-                  <a:solidFill>
-                    <a:schemeClr val="tx1"/>
-                  </a:solidFill>
-                </a:ln>
-              </p:spPr>
-              <p:txBody>
-                <a:bodyPr wrap="square" rtlCol="0">
-                  <a:spAutoFit/>
-                </a:bodyPr>
-                <a:lstStyle/>
-                <a:p>
-                  <a:r>
-                    <a:rPr lang="en-US" sz="2000" dirty="0"/>
-                    <a:t>Initial Dataset: </a:t>
-                  </a:r>
-                  <a14:m>
-                    <m:oMath xmlns:m="http://schemas.openxmlformats.org/officeDocument/2006/math">
-                      <m:r>
-                        <m:rPr>
-                          <m:lit/>
-                        </m:rPr>
-                        <a:rPr lang="en-US" sz="2000" i="1">
-                          <a:latin typeface="Cambria Math" panose="02040503050406030204" pitchFamily="18" charset="0"/>
-                        </a:rPr>
-                        <m:t>{</m:t>
-                      </m:r>
-                      <m:d>
-                        <m:dPr>
-                          <m:ctrlPr>
-                            <a:rPr lang="en-US" sz="2000" i="1">
-                              <a:latin typeface="Cambria Math" panose="02040503050406030204" pitchFamily="18" charset="0"/>
-                            </a:rPr>
-                          </m:ctrlPr>
-                        </m:dPr>
-                        <m:e>
-                          <m:sSub>
-                            <m:sSubPr>
-                              <m:ctrlPr>
-                                <a:rPr lang="en-US" sz="2000" i="1">
-                                  <a:latin typeface="Cambria Math" panose="02040503050406030204" pitchFamily="18" charset="0"/>
-                                </a:rPr>
-                              </m:ctrlPr>
-                            </m:sSubPr>
-                            <m:e>
-                              <m:r>
-                                <a:rPr lang="en-US" sz="2000" b="1" i="1">
-                                  <a:latin typeface="Cambria Math" panose="02040503050406030204" pitchFamily="18" charset="0"/>
-                                </a:rPr>
-                                <m:t>𝒙</m:t>
-                              </m:r>
-                            </m:e>
-                            <m:sub>
-                              <m:r>
-                                <a:rPr lang="en-US" sz="2000" i="1">
-                                  <a:latin typeface="Cambria Math" panose="02040503050406030204" pitchFamily="18" charset="0"/>
-                                </a:rPr>
-                                <m:t>𝑖</m:t>
-                              </m:r>
-                            </m:sub>
-                          </m:sSub>
-                          <m:r>
-                            <a:rPr lang="en-US" sz="2000" i="1">
-                              <a:latin typeface="Cambria Math" panose="02040503050406030204" pitchFamily="18" charset="0"/>
-                            </a:rPr>
-                            <m:t>, </m:t>
-                          </m:r>
-                          <m:sSub>
-                            <m:sSubPr>
-                              <m:ctrlPr>
-                                <a:rPr lang="en-US" sz="2000" i="1">
-                                  <a:latin typeface="Cambria Math" panose="02040503050406030204" pitchFamily="18" charset="0"/>
-                                </a:rPr>
-                              </m:ctrlPr>
-                            </m:sSubPr>
-                            <m:e>
-                              <m:r>
-                                <a:rPr lang="en-US" sz="2000" i="1">
-                                  <a:latin typeface="Cambria Math" panose="02040503050406030204" pitchFamily="18" charset="0"/>
-                                </a:rPr>
-                                <m:t>𝑦</m:t>
-                              </m:r>
-                            </m:e>
-                            <m:sub>
-                              <m:r>
-                                <a:rPr lang="en-US" sz="2000" i="1">
-                                  <a:latin typeface="Cambria Math" panose="02040503050406030204" pitchFamily="18" charset="0"/>
-                                </a:rPr>
-                                <m:t>𝑖</m:t>
-                              </m:r>
-                            </m:sub>
-                          </m:sSub>
-                        </m:e>
-                      </m:d>
-                      <m:sSubSup>
-                        <m:sSubSupPr>
-                          <m:ctrlPr>
-                            <a:rPr lang="en-US" sz="2000" i="1">
-                              <a:latin typeface="Cambria Math" panose="02040503050406030204" pitchFamily="18" charset="0"/>
-                            </a:rPr>
-                          </m:ctrlPr>
-                        </m:sSubSupPr>
-                        <m:e>
-                          <m:r>
-                            <m:rPr>
-                              <m:lit/>
-                            </m:rPr>
-                            <a:rPr lang="en-US" sz="2000" i="1">
-                              <a:latin typeface="Cambria Math" panose="02040503050406030204" pitchFamily="18" charset="0"/>
-                            </a:rPr>
-                            <m:t>}</m:t>
-                          </m:r>
-                        </m:e>
-                        <m:sub>
-                          <m:r>
-                            <a:rPr lang="en-US" sz="2000" i="1">
-                              <a:latin typeface="Cambria Math" panose="02040503050406030204" pitchFamily="18" charset="0"/>
-                            </a:rPr>
-                            <m:t>𝑖</m:t>
-                          </m:r>
-                          <m:r>
-                            <a:rPr lang="en-US" sz="2000" i="1">
-                              <a:latin typeface="Cambria Math" panose="02040503050406030204" pitchFamily="18" charset="0"/>
-                            </a:rPr>
-                            <m:t>=1</m:t>
-                          </m:r>
-                        </m:sub>
-                        <m:sup>
-                          <m:r>
-                            <a:rPr lang="en-US" sz="2000" i="1">
-                              <a:latin typeface="Cambria Math" panose="02040503050406030204" pitchFamily="18" charset="0"/>
-                            </a:rPr>
-                            <m:t>𝑚</m:t>
-                          </m:r>
-                        </m:sup>
-                      </m:sSubSup>
-                    </m:oMath>
-                  </a14:m>
-                  <a:endParaRPr lang="en-US" sz="2000" dirty="0"/>
-                </a:p>
-              </p:txBody>
-            </p:sp>
-          </mc:Choice>
-          <mc:Fallback xmlns="">
-            <p:sp>
-              <p:nvSpPr>
-                <p:cNvPr id="4" name="TextBox 3">
-                  <a:extLst>
-                    <a:ext uri="{FF2B5EF4-FFF2-40B4-BE49-F238E27FC236}">
-                      <a16:creationId xmlns:a16="http://schemas.microsoft.com/office/drawing/2014/main" id="{A31694BD-2860-5046-A743-8E4B35BA6A6E}"/>
-                    </a:ext>
-                  </a:extLst>
-                </p:cNvPr>
-                <p:cNvSpPr txBox="1">
-                  <a:spLocks noRot="1" noChangeAspect="1" noMove="1" noResize="1" noEditPoints="1" noAdjustHandles="1" noChangeArrowheads="1" noChangeShapeType="1" noTextEdit="1"/>
-                </p:cNvSpPr>
-                <p:nvPr/>
-              </p:nvSpPr>
-              <p:spPr>
-                <a:xfrm>
-                  <a:off x="880224" y="1686170"/>
-                  <a:ext cx="1693805" cy="708848"/>
-                </a:xfrm>
-                <a:prstGeom prst="rect">
-                  <a:avLst/>
-                </a:prstGeom>
-                <a:blipFill>
-                  <a:blip r:embed="rId2"/>
-                  <a:stretch>
-                    <a:fillRect l="-2941" t="-3448" r="-5147" b="-3448"/>
-                  </a:stretch>
-                </a:blipFill>
-                <a:ln>
-                  <a:solidFill>
-                    <a:schemeClr val="tx1"/>
-                  </a:solidFill>
-                </a:ln>
-              </p:spPr>
-              <p:txBody>
-                <a:bodyPr/>
-                <a:lstStyle/>
-                <a:p>
-                  <a:r>
-                    <a:rPr lang="en-US">
-                      <a:noFill/>
-                    </a:rPr>
-                    <a:t> </a:t>
-                  </a:r>
-                </a:p>
-              </p:txBody>
-            </p:sp>
-          </mc:Fallback>
-        </mc:AlternateContent>
-        <p:cxnSp>
-          <p:nvCxnSpPr>
-            <p:cNvPr id="5" name="Straight Arrow Connector 4">
-              <a:extLst>
-                <a:ext uri="{FF2B5EF4-FFF2-40B4-BE49-F238E27FC236}">
-                  <a16:creationId xmlns:a16="http://schemas.microsoft.com/office/drawing/2014/main" id="{90B16711-508C-554E-86F8-B18486A903C1}"/>
-                </a:ext>
-              </a:extLst>
-            </p:cNvPr>
-            <p:cNvCxnSpPr>
-              <a:cxnSpLocks/>
-              <a:stCxn id="53" idx="3"/>
-              <a:endCxn id="14" idx="1"/>
-            </p:cNvCxnSpPr>
-            <p:nvPr/>
-          </p:nvCxnSpPr>
-          <p:spPr>
-            <a:xfrm flipV="1">
-              <a:off x="4696853" y="1441945"/>
-              <a:ext cx="577760" cy="752058"/>
-            </a:xfrm>
-            <a:prstGeom prst="straightConnector1">
-              <a:avLst/>
-            </a:prstGeom>
-            <a:ln w="28575">
-              <a:solidFill>
-                <a:schemeClr val="tx1"/>
-              </a:solidFill>
-              <a:tailEnd type="triangle"/>
-            </a:ln>
-          </p:spPr>
-          <p:style>
-            <a:lnRef idx="1">
-              <a:schemeClr val="accent1"/>
-            </a:lnRef>
-            <a:fillRef idx="0">
-              <a:schemeClr val="accent1"/>
-            </a:fillRef>
-            <a:effectRef idx="0">
-              <a:schemeClr val="accent1"/>
-            </a:effectRef>
-            <a:fontRef idx="minor">
-              <a:schemeClr val="tx1"/>
-            </a:fontRef>
-          </p:style>
-        </p:cxnSp>
-        <p:cxnSp>
-          <p:nvCxnSpPr>
-            <p:cNvPr id="6" name="Straight Arrow Connector 5">
-              <a:extLst>
-                <a:ext uri="{FF2B5EF4-FFF2-40B4-BE49-F238E27FC236}">
-                  <a16:creationId xmlns:a16="http://schemas.microsoft.com/office/drawing/2014/main" id="{07803F07-A468-9F43-B713-246F7BFE501D}"/>
-                </a:ext>
-              </a:extLst>
-            </p:cNvPr>
-            <p:cNvCxnSpPr>
-              <a:cxnSpLocks/>
-              <a:stCxn id="53" idx="3"/>
-              <a:endCxn id="20" idx="1"/>
-            </p:cNvCxnSpPr>
-            <p:nvPr/>
-          </p:nvCxnSpPr>
-          <p:spPr>
-            <a:xfrm>
-              <a:off x="4696853" y="2194003"/>
-              <a:ext cx="577760" cy="494752"/>
-            </a:xfrm>
-            <a:prstGeom prst="straightConnector1">
-              <a:avLst/>
-            </a:prstGeom>
-            <a:ln w="28575">
-              <a:solidFill>
-                <a:schemeClr val="tx1"/>
-              </a:solidFill>
-              <a:tailEnd type="triangle"/>
-            </a:ln>
-          </p:spPr>
-          <p:style>
-            <a:lnRef idx="1">
-              <a:schemeClr val="accent1"/>
-            </a:lnRef>
-            <a:fillRef idx="0">
-              <a:schemeClr val="accent1"/>
-            </a:fillRef>
-            <a:effectRef idx="0">
-              <a:schemeClr val="accent1"/>
-            </a:effectRef>
-            <a:fontRef idx="minor">
-              <a:schemeClr val="tx1"/>
-            </a:fontRef>
-          </p:style>
-        </p:cxnSp>
-        <p:sp>
-          <p:nvSpPr>
-            <p:cNvPr id="12" name="TextBox 11">
-              <a:extLst>
-                <a:ext uri="{FF2B5EF4-FFF2-40B4-BE49-F238E27FC236}">
-                  <a16:creationId xmlns:a16="http://schemas.microsoft.com/office/drawing/2014/main" id="{F7D9EAC5-66DB-FA44-92E4-77DF14A28004}"/>
-                </a:ext>
-              </a:extLst>
-            </p:cNvPr>
-            <p:cNvSpPr txBox="1"/>
-            <p:nvPr/>
-          </p:nvSpPr>
-          <p:spPr>
-            <a:xfrm>
-              <a:off x="2468213" y="825474"/>
-              <a:ext cx="2763473" cy="331629"/>
-            </a:xfrm>
-            <a:prstGeom prst="rect">
-              <a:avLst/>
-            </a:prstGeom>
-            <a:noFill/>
-            <a:ln>
-              <a:solidFill>
-                <a:schemeClr val="tx1"/>
-              </a:solidFill>
-            </a:ln>
-          </p:spPr>
-          <p:txBody>
-            <a:bodyPr wrap="square" rtlCol="0">
-              <a:spAutoFit/>
-            </a:bodyPr>
-            <a:lstStyle/>
-            <a:p>
-              <a:r>
-                <a:rPr lang="en-US" dirty="0"/>
-                <a:t>Method A: Score Clustering</a:t>
-              </a:r>
-            </a:p>
-          </p:txBody>
-        </p:sp>
-        <p:sp>
-          <p:nvSpPr>
-            <p:cNvPr id="13" name="TextBox 12">
-              <a:extLst>
-                <a:ext uri="{FF2B5EF4-FFF2-40B4-BE49-F238E27FC236}">
-                  <a16:creationId xmlns:a16="http://schemas.microsoft.com/office/drawing/2014/main" id="{85C70508-57C1-614F-AF08-60631301A406}"/>
-                </a:ext>
-              </a:extLst>
-            </p:cNvPr>
-            <p:cNvSpPr txBox="1"/>
-            <p:nvPr/>
-          </p:nvSpPr>
-          <p:spPr>
-            <a:xfrm>
-              <a:off x="2762495" y="1257405"/>
-              <a:ext cx="2174910" cy="331629"/>
-            </a:xfrm>
-            <a:prstGeom prst="rect">
-              <a:avLst/>
-            </a:prstGeom>
-            <a:noFill/>
-            <a:ln>
-              <a:solidFill>
-                <a:schemeClr val="tx1"/>
-              </a:solidFill>
-            </a:ln>
-          </p:spPr>
-          <p:txBody>
-            <a:bodyPr wrap="square" rtlCol="0">
-              <a:spAutoFit/>
-            </a:bodyPr>
-            <a:lstStyle/>
-            <a:p>
-              <a:r>
-                <a:rPr lang="en-US" dirty="0"/>
-                <a:t>Method B: MEWMA</a:t>
-              </a:r>
-            </a:p>
-          </p:txBody>
-        </p:sp>
-        <p:grpSp>
-          <p:nvGrpSpPr>
-            <p:cNvPr id="56" name="Group 55">
-              <a:extLst>
-                <a:ext uri="{FF2B5EF4-FFF2-40B4-BE49-F238E27FC236}">
-                  <a16:creationId xmlns:a16="http://schemas.microsoft.com/office/drawing/2014/main" id="{473724F2-88F0-3C46-AAB7-9E99343BA8AB}"/>
-                </a:ext>
-              </a:extLst>
-            </p:cNvPr>
-            <p:cNvGrpSpPr>
-              <a:grpSpLocks noChangeAspect="1"/>
-            </p:cNvGrpSpPr>
-            <p:nvPr/>
-          </p:nvGrpSpPr>
-          <p:grpSpPr>
-            <a:xfrm>
-              <a:off x="5274613" y="846013"/>
-              <a:ext cx="2377440" cy="1188720"/>
-              <a:chOff x="5371599" y="1209267"/>
-              <a:chExt cx="1982936" cy="985264"/>
-            </a:xfrm>
-          </p:grpSpPr>
-          <p:pic>
-            <p:nvPicPr>
-              <p:cNvPr id="84" name="Picture 83">
+      <mc:AlternateContent xmlns:mc="http://schemas.openxmlformats.org/markup-compatibility/2006">
+        <mc:Choice xmlns:a14="http://schemas.microsoft.com/office/drawing/2010/main" Requires="a14">
+          <p:sp>
+            <p:nvSpPr>
+              <p:cNvPr id="4" name="TextBox 3">
                 <a:extLst>
                   <a:ext uri="{FF2B5EF4-FFF2-40B4-BE49-F238E27FC236}">
-                    <a16:creationId xmlns:a16="http://schemas.microsoft.com/office/drawing/2014/main" id="{459AFE1D-38EB-1D4A-A436-315E658E8A7C}"/>
+                    <a16:creationId xmlns:a16="http://schemas.microsoft.com/office/drawing/2014/main" id="{A31694BD-2860-5046-A743-8E4B35BA6A6E}"/>
                   </a:ext>
                 </a:extLst>
               </p:cNvPr>
-              <p:cNvPicPr>
-                <a:picLocks noChangeAspect="1"/>
-              </p:cNvPicPr>
+              <p:cNvSpPr txBox="1"/>
               <p:nvPr/>
-            </p:nvPicPr>
-            <p:blipFill rotWithShape="1">
-              <a:blip r:embed="rId3"/>
-              <a:srcRect b="80245"/>
-              <a:stretch/>
-            </p:blipFill>
+            </p:nvSpPr>
             <p:spPr>
               <a:xfrm>
-                <a:off x="5405409" y="1786080"/>
-                <a:ext cx="1949126" cy="320040"/>
+                <a:off x="473864" y="1786788"/>
+                <a:ext cx="1032990" cy="523990"/>
               </a:xfrm>
               <a:prstGeom prst="rect">
                 <a:avLst/>
               </a:prstGeom>
-            </p:spPr>
-          </p:pic>
-          <p:pic>
-            <p:nvPicPr>
-              <p:cNvPr id="15" name="Picture 14">
-                <a:extLst>
-                  <a:ext uri="{FF2B5EF4-FFF2-40B4-BE49-F238E27FC236}">
-                    <a16:creationId xmlns:a16="http://schemas.microsoft.com/office/drawing/2014/main" id="{A46F8367-49FC-F440-BA5C-3C01251CEF42}"/>
-                  </a:ext>
-                </a:extLst>
-              </p:cNvPr>
-              <p:cNvPicPr>
-                <a:picLocks noChangeAspect="1"/>
-              </p:cNvPicPr>
-              <p:nvPr/>
-            </p:nvPicPr>
-            <p:blipFill>
-              <a:blip r:embed="rId4"/>
-              <a:stretch>
-                <a:fillRect/>
-              </a:stretch>
-            </p:blipFill>
-            <p:spPr>
-              <a:xfrm>
-                <a:off x="5991751" y="1209267"/>
-                <a:ext cx="753516" cy="626299"/>
-              </a:xfrm>
-              <a:prstGeom prst="rect">
-                <a:avLst/>
-              </a:prstGeom>
-            </p:spPr>
-          </p:pic>
-          <p:sp>
-            <p:nvSpPr>
-              <p:cNvPr id="14" name="Rectangle 13">
-                <a:extLst>
-                  <a:ext uri="{FF2B5EF4-FFF2-40B4-BE49-F238E27FC236}">
-                    <a16:creationId xmlns:a16="http://schemas.microsoft.com/office/drawing/2014/main" id="{F2B7E52E-6C32-894F-BBFA-4BBF9D357FE0}"/>
-                  </a:ext>
-                </a:extLst>
-              </p:cNvPr>
-              <p:cNvSpPr/>
-              <p:nvPr/>
-            </p:nvSpPr>
-            <p:spPr>
-              <a:xfrm>
-                <a:off x="5371599" y="1211872"/>
-                <a:ext cx="1973343" cy="982659"/>
-              </a:xfrm>
-              <a:prstGeom prst="rect">
-                <a:avLst/>
-              </a:prstGeom>
-              <a:noFill/>
+              <a:solidFill>
+                <a:schemeClr val="accent6"/>
+              </a:solidFill>
               <a:ln>
                 <a:solidFill>
                   <a:schemeClr val="tx1"/>
                 </a:solidFill>
               </a:ln>
             </p:spPr>
-            <p:style>
-              <a:lnRef idx="2">
-                <a:schemeClr val="accent1">
-                  <a:shade val="50000"/>
-                </a:schemeClr>
-              </a:lnRef>
-              <a:fillRef idx="1">
-                <a:schemeClr val="accent1"/>
-              </a:fillRef>
-              <a:effectRef idx="0">
-                <a:schemeClr val="accent1"/>
-              </a:effectRef>
-              <a:fontRef idx="minor">
-                <a:schemeClr val="lt1"/>
-              </a:fontRef>
-            </p:style>
             <p:txBody>
-              <a:bodyPr rtlCol="0" anchor="ctr"/>
+              <a:bodyPr wrap="square" rtlCol="0">
+                <a:spAutoFit/>
+              </a:bodyPr>
               <a:lstStyle/>
               <a:p>
-                <a:pPr algn="ctr"/>
-                <a:endParaRPr lang="en-US"/>
+                <a:r>
+                  <a:rPr lang="en-US" sz="1400" dirty="0"/>
+                  <a:t>Dataset: </a:t>
+                </a:r>
+                <a14:m>
+                  <m:oMath xmlns:m="http://schemas.openxmlformats.org/officeDocument/2006/math">
+                    <m:r>
+                      <m:rPr>
+                        <m:lit/>
+                      </m:rPr>
+                      <a:rPr lang="en-US" sz="1400" i="1">
+                        <a:latin typeface="Cambria Math" panose="02040503050406030204" pitchFamily="18" charset="0"/>
+                      </a:rPr>
+                      <m:t>{</m:t>
+                    </m:r>
+                    <m:d>
+                      <m:dPr>
+                        <m:ctrlPr>
+                          <a:rPr lang="en-US" sz="1400" i="1">
+                            <a:latin typeface="Cambria Math" panose="02040503050406030204" pitchFamily="18" charset="0"/>
+                          </a:rPr>
+                        </m:ctrlPr>
+                      </m:dPr>
+                      <m:e>
+                        <m:sSub>
+                          <m:sSubPr>
+                            <m:ctrlPr>
+                              <a:rPr lang="en-US" sz="1400" i="1">
+                                <a:latin typeface="Cambria Math" panose="02040503050406030204" pitchFamily="18" charset="0"/>
+                              </a:rPr>
+                            </m:ctrlPr>
+                          </m:sSubPr>
+                          <m:e>
+                            <m:r>
+                              <a:rPr lang="en-US" sz="1400" b="1" i="1">
+                                <a:latin typeface="Cambria Math" panose="02040503050406030204" pitchFamily="18" charset="0"/>
+                              </a:rPr>
+                              <m:t>𝒙</m:t>
+                            </m:r>
+                          </m:e>
+                          <m:sub>
+                            <m:r>
+                              <a:rPr lang="en-US" sz="1400" i="1">
+                                <a:latin typeface="Cambria Math" panose="02040503050406030204" pitchFamily="18" charset="0"/>
+                              </a:rPr>
+                              <m:t>𝑖</m:t>
+                            </m:r>
+                          </m:sub>
+                        </m:sSub>
+                        <m:r>
+                          <a:rPr lang="en-US" sz="1400" i="1">
+                            <a:latin typeface="Cambria Math" panose="02040503050406030204" pitchFamily="18" charset="0"/>
+                          </a:rPr>
+                          <m:t>, </m:t>
+                        </m:r>
+                        <m:sSub>
+                          <m:sSubPr>
+                            <m:ctrlPr>
+                              <a:rPr lang="en-US" sz="1400" i="1">
+                                <a:latin typeface="Cambria Math" panose="02040503050406030204" pitchFamily="18" charset="0"/>
+                              </a:rPr>
+                            </m:ctrlPr>
+                          </m:sSubPr>
+                          <m:e>
+                            <m:r>
+                              <a:rPr lang="en-US" sz="1400" i="1">
+                                <a:latin typeface="Cambria Math" panose="02040503050406030204" pitchFamily="18" charset="0"/>
+                              </a:rPr>
+                              <m:t>𝑦</m:t>
+                            </m:r>
+                          </m:e>
+                          <m:sub>
+                            <m:r>
+                              <a:rPr lang="en-US" sz="1400" i="1">
+                                <a:latin typeface="Cambria Math" panose="02040503050406030204" pitchFamily="18" charset="0"/>
+                              </a:rPr>
+                              <m:t>𝑖</m:t>
+                            </m:r>
+                          </m:sub>
+                        </m:sSub>
+                      </m:e>
+                    </m:d>
+                    <m:sSubSup>
+                      <m:sSubSupPr>
+                        <m:ctrlPr>
+                          <a:rPr lang="en-US" sz="1400" i="1">
+                            <a:latin typeface="Cambria Math" panose="02040503050406030204" pitchFamily="18" charset="0"/>
+                          </a:rPr>
+                        </m:ctrlPr>
+                      </m:sSubSupPr>
+                      <m:e>
+                        <m:r>
+                          <m:rPr>
+                            <m:lit/>
+                          </m:rPr>
+                          <a:rPr lang="en-US" sz="1400" i="1">
+                            <a:latin typeface="Cambria Math" panose="02040503050406030204" pitchFamily="18" charset="0"/>
+                          </a:rPr>
+                          <m:t>}</m:t>
+                        </m:r>
+                      </m:e>
+                      <m:sub>
+                        <m:r>
+                          <a:rPr lang="en-US" sz="1400" i="1">
+                            <a:latin typeface="Cambria Math" panose="02040503050406030204" pitchFamily="18" charset="0"/>
+                          </a:rPr>
+                          <m:t>𝑖</m:t>
+                        </m:r>
+                        <m:r>
+                          <a:rPr lang="en-US" sz="1400" i="1">
+                            <a:latin typeface="Cambria Math" panose="02040503050406030204" pitchFamily="18" charset="0"/>
+                          </a:rPr>
+                          <m:t>=1</m:t>
+                        </m:r>
+                      </m:sub>
+                      <m:sup>
+                        <m:r>
+                          <a:rPr lang="en-US" sz="1400" i="1">
+                            <a:latin typeface="Cambria Math" panose="02040503050406030204" pitchFamily="18" charset="0"/>
+                          </a:rPr>
+                          <m:t>𝑚</m:t>
+                        </m:r>
+                      </m:sup>
+                    </m:sSubSup>
+                  </m:oMath>
+                </a14:m>
+                <a:endParaRPr lang="en-US" sz="1400" dirty="0"/>
               </a:p>
             </p:txBody>
           </p:sp>
-        </p:grpSp>
-        <p:cxnSp>
-          <p:nvCxnSpPr>
-            <p:cNvPr id="9" name="Straight Arrow Connector 8">
-              <a:extLst>
-                <a:ext uri="{FF2B5EF4-FFF2-40B4-BE49-F238E27FC236}">
-                  <a16:creationId xmlns:a16="http://schemas.microsoft.com/office/drawing/2014/main" id="{AEF743D1-47EC-6640-8759-203BA4C3711B}"/>
-                </a:ext>
-              </a:extLst>
-            </p:cNvPr>
-            <p:cNvCxnSpPr>
-              <a:cxnSpLocks/>
-              <a:stCxn id="12" idx="3"/>
-              <a:endCxn id="15" idx="1"/>
-            </p:cNvCxnSpPr>
-            <p:nvPr/>
-          </p:nvCxnSpPr>
-          <p:spPr>
-            <a:xfrm>
-              <a:off x="5231686" y="991289"/>
-              <a:ext cx="786458" cy="232539"/>
-            </a:xfrm>
-            <a:prstGeom prst="straightConnector1">
-              <a:avLst/>
-            </a:prstGeom>
-            <a:ln w="12700">
-              <a:solidFill>
-                <a:schemeClr val="accent2"/>
-              </a:solidFill>
-              <a:tailEnd type="triangle"/>
-            </a:ln>
-          </p:spPr>
-          <p:style>
-            <a:lnRef idx="1">
-              <a:schemeClr val="accent1"/>
-            </a:lnRef>
-            <a:fillRef idx="0">
-              <a:schemeClr val="accent1"/>
-            </a:fillRef>
-            <a:effectRef idx="0">
-              <a:schemeClr val="accent1"/>
-            </a:effectRef>
-            <a:fontRef idx="minor">
-              <a:schemeClr val="tx1"/>
-            </a:fontRef>
-          </p:style>
-        </p:cxnSp>
-        <p:cxnSp>
-          <p:nvCxnSpPr>
-            <p:cNvPr id="10" name="Straight Arrow Connector 9">
-              <a:extLst>
-                <a:ext uri="{FF2B5EF4-FFF2-40B4-BE49-F238E27FC236}">
-                  <a16:creationId xmlns:a16="http://schemas.microsoft.com/office/drawing/2014/main" id="{FC1EE2C0-C31A-3446-B268-1449C5D094FF}"/>
-                </a:ext>
-              </a:extLst>
-            </p:cNvPr>
-            <p:cNvCxnSpPr>
-              <a:cxnSpLocks/>
-              <a:stCxn id="13" idx="3"/>
-              <a:endCxn id="84" idx="1"/>
-            </p:cNvCxnSpPr>
-            <p:nvPr/>
-          </p:nvCxnSpPr>
-          <p:spPr>
-            <a:xfrm>
-              <a:off x="4937405" y="1423220"/>
-              <a:ext cx="377744" cy="311781"/>
-            </a:xfrm>
-            <a:prstGeom prst="straightConnector1">
-              <a:avLst/>
-            </a:prstGeom>
-            <a:ln w="12700">
-              <a:solidFill>
-                <a:schemeClr val="accent2"/>
-              </a:solidFill>
-              <a:tailEnd type="triangle"/>
-            </a:ln>
-          </p:spPr>
-          <p:style>
-            <a:lnRef idx="1">
-              <a:schemeClr val="accent1"/>
-            </a:lnRef>
-            <a:fillRef idx="0">
-              <a:schemeClr val="accent1"/>
-            </a:fillRef>
-            <a:effectRef idx="0">
-              <a:schemeClr val="accent1"/>
-            </a:effectRef>
-            <a:fontRef idx="minor">
-              <a:schemeClr val="tx1"/>
-            </a:fontRef>
-          </p:style>
-        </p:cxnSp>
-        <p:grpSp>
-          <p:nvGrpSpPr>
-            <p:cNvPr id="17" name="Group 16">
-              <a:extLst>
-                <a:ext uri="{FF2B5EF4-FFF2-40B4-BE49-F238E27FC236}">
-                  <a16:creationId xmlns:a16="http://schemas.microsoft.com/office/drawing/2014/main" id="{9D9A09EA-376D-D642-93A4-484B45351A63}"/>
-                </a:ext>
-              </a:extLst>
-            </p:cNvPr>
-            <p:cNvGrpSpPr>
-              <a:grpSpLocks noChangeAspect="1"/>
-            </p:cNvGrpSpPr>
-            <p:nvPr/>
-          </p:nvGrpSpPr>
-          <p:grpSpPr>
-            <a:xfrm>
-              <a:off x="5274613" y="2096812"/>
-              <a:ext cx="2377440" cy="1183886"/>
-              <a:chOff x="1559498" y="1788247"/>
-              <a:chExt cx="1640182" cy="982659"/>
-            </a:xfrm>
-          </p:grpSpPr>
-          <p:pic>
-            <p:nvPicPr>
-              <p:cNvPr id="18" name="Picture 17">
+        </mc:Choice>
+        <mc:Fallback>
+          <p:sp>
+            <p:nvSpPr>
+              <p:cNvPr id="4" name="TextBox 3">
                 <a:extLst>
                   <a:ext uri="{FF2B5EF4-FFF2-40B4-BE49-F238E27FC236}">
-                    <a16:creationId xmlns:a16="http://schemas.microsoft.com/office/drawing/2014/main" id="{946DA3C0-37A4-2042-9284-3608CF5AAF10}"/>
+                    <a16:creationId xmlns:a16="http://schemas.microsoft.com/office/drawing/2014/main" id="{A31694BD-2860-5046-A743-8E4B35BA6A6E}"/>
                   </a:ext>
                 </a:extLst>
               </p:cNvPr>
-              <p:cNvPicPr>
-                <a:picLocks noChangeAspect="1"/>
-              </p:cNvPicPr>
+              <p:cNvSpPr txBox="1">
+                <a:spLocks noRot="1" noChangeAspect="1" noMove="1" noResize="1" noEditPoints="1" noAdjustHandles="1" noChangeArrowheads="1" noChangeShapeType="1" noTextEdit="1"/>
+              </p:cNvSpPr>
               <p:nvPr/>
-            </p:nvPicPr>
-            <p:blipFill>
-              <a:blip r:embed="rId5"/>
-              <a:srcRect/>
-              <a:stretch/>
-            </p:blipFill>
+            </p:nvSpPr>
             <p:spPr>
               <a:xfrm>
-                <a:off x="2064983" y="1838082"/>
-                <a:ext cx="621485" cy="621485"/>
+                <a:off x="473864" y="1786788"/>
+                <a:ext cx="1032990" cy="523990"/>
               </a:xfrm>
               <a:prstGeom prst="rect">
                 <a:avLst/>
               </a:prstGeom>
-            </p:spPr>
-          </p:pic>
-          <p:pic>
-            <p:nvPicPr>
-              <p:cNvPr id="19" name="Picture 18">
-                <a:extLst>
-                  <a:ext uri="{FF2B5EF4-FFF2-40B4-BE49-F238E27FC236}">
-                    <a16:creationId xmlns:a16="http://schemas.microsoft.com/office/drawing/2014/main" id="{1A7EDA6D-B7D2-E542-AA37-496714E23639}"/>
-                  </a:ext>
-                </a:extLst>
-              </p:cNvPr>
-              <p:cNvPicPr>
-                <a:picLocks noChangeAspect="1"/>
-              </p:cNvPicPr>
-              <p:nvPr/>
-            </p:nvPicPr>
-            <p:blipFill rotWithShape="1">
-              <a:blip r:embed="rId6"/>
-              <a:srcRect b="79986"/>
-              <a:stretch/>
-            </p:blipFill>
-            <p:spPr>
-              <a:xfrm>
-                <a:off x="1592049" y="2385097"/>
-                <a:ext cx="1599107" cy="320040"/>
-              </a:xfrm>
-              <a:prstGeom prst="rect">
-                <a:avLst/>
-              </a:prstGeom>
-            </p:spPr>
-          </p:pic>
-          <p:sp>
-            <p:nvSpPr>
-              <p:cNvPr id="20" name="Rectangle 19">
-                <a:extLst>
-                  <a:ext uri="{FF2B5EF4-FFF2-40B4-BE49-F238E27FC236}">
-                    <a16:creationId xmlns:a16="http://schemas.microsoft.com/office/drawing/2014/main" id="{819F1AF0-1768-5B40-9839-6BC5A7E97873}"/>
-                  </a:ext>
-                </a:extLst>
-              </p:cNvPr>
-              <p:cNvSpPr/>
-              <p:nvPr/>
-            </p:nvSpPr>
-            <p:spPr>
-              <a:xfrm>
-                <a:off x="1559498" y="1788247"/>
-                <a:ext cx="1640182" cy="982659"/>
-              </a:xfrm>
-              <a:prstGeom prst="rect">
-                <a:avLst/>
-              </a:prstGeom>
-              <a:noFill/>
+              <a:blipFill>
+                <a:blip r:embed="rId2"/>
+                <a:stretch>
+                  <a:fillRect t="-2326"/>
+                </a:stretch>
+              </a:blipFill>
               <a:ln>
                 <a:solidFill>
                   <a:schemeClr val="tx1"/>
                 </a:solidFill>
               </a:ln>
             </p:spPr>
-            <p:style>
-              <a:lnRef idx="2">
-                <a:schemeClr val="accent1">
-                  <a:shade val="50000"/>
-                </a:schemeClr>
-              </a:lnRef>
-              <a:fillRef idx="1">
-                <a:schemeClr val="accent1"/>
-              </a:fillRef>
-              <a:effectRef idx="0">
-                <a:schemeClr val="accent1"/>
-              </a:effectRef>
-              <a:fontRef idx="minor">
-                <a:schemeClr val="lt1"/>
-              </a:fontRef>
-            </p:style>
             <p:txBody>
-              <a:bodyPr rtlCol="0" anchor="ctr"/>
+              <a:bodyPr/>
               <a:lstStyle/>
               <a:p>
-                <a:pPr algn="ctr"/>
-                <a:endParaRPr lang="en-US"/>
+                <a:r>
+                  <a:rPr lang="en-US">
+                    <a:noFill/>
+                  </a:rPr>
+                  <a:t> </a:t>
+                </a:r>
               </a:p>
             </p:txBody>
           </p:sp>
-        </p:grpSp>
-        <p:cxnSp>
-          <p:nvCxnSpPr>
-            <p:cNvPr id="25" name="Elbow Connector 24">
+        </mc:Fallback>
+      </mc:AlternateContent>
+      <p:cxnSp>
+        <p:nvCxnSpPr>
+          <p:cNvPr id="5" name="Straight Arrow Connector 4">
+            <a:extLst>
+              <a:ext uri="{FF2B5EF4-FFF2-40B4-BE49-F238E27FC236}">
+                <a16:creationId xmlns:a16="http://schemas.microsoft.com/office/drawing/2014/main" id="{90B16711-508C-554E-86F8-B18486A903C1}"/>
+              </a:ext>
+            </a:extLst>
+          </p:cNvPr>
+          <p:cNvCxnSpPr>
+            <a:cxnSpLocks/>
+            <a:stCxn id="60" idx="0"/>
+            <a:endCxn id="14" idx="1"/>
+          </p:cNvCxnSpPr>
+          <p:nvPr/>
+        </p:nvCxnSpPr>
+        <p:spPr>
+          <a:xfrm flipV="1">
+            <a:off x="4226153" y="1413153"/>
+            <a:ext cx="516605" cy="408126"/>
+          </a:xfrm>
+          <a:prstGeom prst="straightConnector1">
+            <a:avLst/>
+          </a:prstGeom>
+          <a:ln w="28575">
+            <a:solidFill>
+              <a:schemeClr val="tx1"/>
+            </a:solidFill>
+            <a:tailEnd type="triangle"/>
+          </a:ln>
+        </p:spPr>
+        <p:style>
+          <a:lnRef idx="1">
+            <a:schemeClr val="accent1"/>
+          </a:lnRef>
+          <a:fillRef idx="0">
+            <a:schemeClr val="accent1"/>
+          </a:fillRef>
+          <a:effectRef idx="0">
+            <a:schemeClr val="accent1"/>
+          </a:effectRef>
+          <a:fontRef idx="minor">
+            <a:schemeClr val="tx1"/>
+          </a:fontRef>
+        </p:style>
+      </p:cxnSp>
+      <p:cxnSp>
+        <p:nvCxnSpPr>
+          <p:cNvPr id="6" name="Straight Arrow Connector 5">
+            <a:extLst>
+              <a:ext uri="{FF2B5EF4-FFF2-40B4-BE49-F238E27FC236}">
+                <a16:creationId xmlns:a16="http://schemas.microsoft.com/office/drawing/2014/main" id="{07803F07-A468-9F43-B713-246F7BFE501D}"/>
+              </a:ext>
+            </a:extLst>
+          </p:cNvPr>
+          <p:cNvCxnSpPr>
+            <a:cxnSpLocks/>
+            <a:stCxn id="60" idx="2"/>
+            <a:endCxn id="20" idx="1"/>
+          </p:cNvCxnSpPr>
+          <p:nvPr/>
+        </p:nvCxnSpPr>
+        <p:spPr>
+          <a:xfrm>
+            <a:off x="4226153" y="2276287"/>
+            <a:ext cx="516611" cy="383676"/>
+          </a:xfrm>
+          <a:prstGeom prst="straightConnector1">
+            <a:avLst/>
+          </a:prstGeom>
+          <a:ln w="28575">
+            <a:solidFill>
+              <a:schemeClr val="tx1"/>
+            </a:solidFill>
+            <a:tailEnd type="triangle"/>
+          </a:ln>
+        </p:spPr>
+        <p:style>
+          <a:lnRef idx="1">
+            <a:schemeClr val="accent1"/>
+          </a:lnRef>
+          <a:fillRef idx="0">
+            <a:schemeClr val="accent1"/>
+          </a:fillRef>
+          <a:effectRef idx="0">
+            <a:schemeClr val="accent1"/>
+          </a:effectRef>
+          <a:fontRef idx="minor">
+            <a:schemeClr val="tx1"/>
+          </a:fontRef>
+        </p:style>
+      </p:cxnSp>
+      <p:sp>
+        <p:nvSpPr>
+          <p:cNvPr id="12" name="TextBox 11">
+            <a:extLst>
+              <a:ext uri="{FF2B5EF4-FFF2-40B4-BE49-F238E27FC236}">
+                <a16:creationId xmlns:a16="http://schemas.microsoft.com/office/drawing/2014/main" id="{F7D9EAC5-66DB-FA44-92E4-77DF14A28004}"/>
+              </a:ext>
+            </a:extLst>
+          </p:cNvPr>
+          <p:cNvSpPr txBox="1"/>
+          <p:nvPr/>
+        </p:nvSpPr>
+        <p:spPr>
+          <a:xfrm>
+            <a:off x="2291666" y="806013"/>
+            <a:ext cx="2174910" cy="307777"/>
+          </a:xfrm>
+          <a:prstGeom prst="rect">
+            <a:avLst/>
+          </a:prstGeom>
+          <a:noFill/>
+          <a:ln>
+            <a:solidFill>
+              <a:schemeClr val="tx1"/>
+            </a:solidFill>
+          </a:ln>
+        </p:spPr>
+        <p:txBody>
+          <a:bodyPr wrap="square" rtlCol="0">
+            <a:spAutoFit/>
+          </a:bodyPr>
+          <a:lstStyle/>
+          <a:p>
+            <a:r>
+              <a:rPr lang="en-US" sz="1400" dirty="0"/>
+              <a:t>Method A: Score Clustering</a:t>
+            </a:r>
+          </a:p>
+        </p:txBody>
+      </p:sp>
+      <p:sp>
+        <p:nvSpPr>
+          <p:cNvPr id="13" name="TextBox 12">
+            <a:extLst>
+              <a:ext uri="{FF2B5EF4-FFF2-40B4-BE49-F238E27FC236}">
+                <a16:creationId xmlns:a16="http://schemas.microsoft.com/office/drawing/2014/main" id="{85C70508-57C1-614F-AF08-60631301A406}"/>
+              </a:ext>
+            </a:extLst>
+          </p:cNvPr>
+          <p:cNvSpPr txBox="1"/>
+          <p:nvPr/>
+        </p:nvSpPr>
+        <p:spPr>
+          <a:xfrm>
+            <a:off x="2543800" y="1228613"/>
+            <a:ext cx="1693805" cy="307777"/>
+          </a:xfrm>
+          <a:prstGeom prst="rect">
+            <a:avLst/>
+          </a:prstGeom>
+          <a:noFill/>
+          <a:ln>
+            <a:solidFill>
+              <a:schemeClr val="tx1"/>
+            </a:solidFill>
+          </a:ln>
+        </p:spPr>
+        <p:txBody>
+          <a:bodyPr wrap="square" rtlCol="0">
+            <a:spAutoFit/>
+          </a:bodyPr>
+          <a:lstStyle/>
+          <a:p>
+            <a:r>
+              <a:rPr lang="en-US" sz="1400" dirty="0"/>
+              <a:t>Method B: MEWMA</a:t>
+            </a:r>
+          </a:p>
+        </p:txBody>
+      </p:sp>
+      <p:grpSp>
+        <p:nvGrpSpPr>
+          <p:cNvPr id="56" name="Group 55">
+            <a:extLst>
+              <a:ext uri="{FF2B5EF4-FFF2-40B4-BE49-F238E27FC236}">
+                <a16:creationId xmlns:a16="http://schemas.microsoft.com/office/drawing/2014/main" id="{473724F2-88F0-3C46-AAB7-9E99343BA8AB}"/>
+              </a:ext>
+            </a:extLst>
+          </p:cNvPr>
+          <p:cNvGrpSpPr>
+            <a:grpSpLocks noChangeAspect="1"/>
+          </p:cNvGrpSpPr>
+          <p:nvPr/>
+        </p:nvGrpSpPr>
+        <p:grpSpPr>
+          <a:xfrm>
+            <a:off x="4742758" y="817221"/>
+            <a:ext cx="2377446" cy="1188720"/>
+            <a:chOff x="5371595" y="1209267"/>
+            <a:chExt cx="1982940" cy="985264"/>
+          </a:xfrm>
+        </p:grpSpPr>
+        <p:pic>
+          <p:nvPicPr>
+            <p:cNvPr id="84" name="Picture 83">
               <a:extLst>
                 <a:ext uri="{FF2B5EF4-FFF2-40B4-BE49-F238E27FC236}">
-                  <a16:creationId xmlns:a16="http://schemas.microsoft.com/office/drawing/2014/main" id="{411065AF-E81A-274A-B039-4A2B3E76069D}"/>
+                  <a16:creationId xmlns:a16="http://schemas.microsoft.com/office/drawing/2014/main" id="{459AFE1D-38EB-1D4A-A436-315E658E8A7C}"/>
                 </a:ext>
               </a:extLst>
             </p:cNvPr>
-            <p:cNvCxnSpPr>
-              <a:cxnSpLocks/>
-              <a:stCxn id="20" idx="2"/>
-            </p:cNvCxnSpPr>
+            <p:cNvPicPr>
+              <a:picLocks noChangeAspect="1"/>
+            </p:cNvPicPr>
             <p:nvPr/>
-          </p:nvCxnSpPr>
-          <p:spPr>
-            <a:xfrm rot="5400000">
-              <a:off x="4055320" y="952505"/>
-              <a:ext cx="79821" cy="4736206"/>
-            </a:xfrm>
-            <a:prstGeom prst="bentConnector2">
-              <a:avLst/>
-            </a:prstGeom>
-            <a:ln w="28575">
-              <a:solidFill>
-                <a:schemeClr val="tx1"/>
-              </a:solidFill>
-            </a:ln>
-          </p:spPr>
-          <p:style>
-            <a:lnRef idx="1">
-              <a:schemeClr val="accent1"/>
-            </a:lnRef>
-            <a:fillRef idx="0">
-              <a:schemeClr val="accent1"/>
-            </a:fillRef>
-            <a:effectRef idx="0">
-              <a:schemeClr val="accent1"/>
-            </a:effectRef>
-            <a:fontRef idx="minor">
-              <a:schemeClr val="tx1"/>
-            </a:fontRef>
-          </p:style>
-        </p:cxnSp>
-        <p:cxnSp>
-          <p:nvCxnSpPr>
-            <p:cNvPr id="27" name="Straight Arrow Connector 26">
-              <a:extLst>
-                <a:ext uri="{FF2B5EF4-FFF2-40B4-BE49-F238E27FC236}">
-                  <a16:creationId xmlns:a16="http://schemas.microsoft.com/office/drawing/2014/main" id="{6832457E-9B82-6043-AAA7-40CAC3EA50EF}"/>
-                </a:ext>
-              </a:extLst>
-            </p:cNvPr>
-            <p:cNvCxnSpPr>
-              <a:cxnSpLocks/>
-              <a:endCxn id="4" idx="2"/>
-            </p:cNvCxnSpPr>
-            <p:nvPr/>
-          </p:nvCxnSpPr>
-          <p:spPr>
-            <a:xfrm flipV="1">
-              <a:off x="1727127" y="2395018"/>
-              <a:ext cx="0" cy="965501"/>
-            </a:xfrm>
-            <a:prstGeom prst="straightConnector1">
-              <a:avLst/>
-            </a:prstGeom>
-            <a:ln w="28575">
-              <a:solidFill>
-                <a:schemeClr val="tx1"/>
-              </a:solidFill>
-              <a:tailEnd type="triangle"/>
-            </a:ln>
-          </p:spPr>
-          <p:style>
-            <a:lnRef idx="1">
-              <a:schemeClr val="accent1"/>
-            </a:lnRef>
-            <a:fillRef idx="0">
-              <a:schemeClr val="accent1"/>
-            </a:fillRef>
-            <a:effectRef idx="0">
-              <a:schemeClr val="accent1"/>
-            </a:effectRef>
-            <a:fontRef idx="minor">
-              <a:schemeClr val="tx1"/>
-            </a:fontRef>
-          </p:style>
-        </p:cxnSp>
-        <p:sp>
-          <p:nvSpPr>
-            <p:cNvPr id="42" name="TextBox 41">
-              <a:extLst>
-                <a:ext uri="{FF2B5EF4-FFF2-40B4-BE49-F238E27FC236}">
-                  <a16:creationId xmlns:a16="http://schemas.microsoft.com/office/drawing/2014/main" id="{46EEE423-DAE8-3E41-9D1A-8702DF5C18F2}"/>
-                </a:ext>
-              </a:extLst>
-            </p:cNvPr>
-            <p:cNvSpPr txBox="1"/>
-            <p:nvPr/>
-          </p:nvSpPr>
+          </p:nvPicPr>
+          <p:blipFill rotWithShape="1">
+            <a:blip r:embed="rId3"/>
+            <a:srcRect b="80245"/>
+            <a:stretch/>
+          </p:blipFill>
           <p:spPr>
             <a:xfrm>
-              <a:off x="2095376" y="2970263"/>
-              <a:ext cx="2589235" cy="331629"/>
+              <a:off x="5405409" y="1786080"/>
+              <a:ext cx="1949126" cy="320040"/>
             </a:xfrm>
             <a:prstGeom prst="rect">
               <a:avLst/>
             </a:prstGeom>
-            <a:noFill/>
           </p:spPr>
-          <p:txBody>
-            <a:bodyPr wrap="none" rtlCol="0">
-              <a:spAutoFit/>
-            </a:bodyPr>
-            <a:lstStyle/>
-            <a:p>
-              <a:r>
-                <a:rPr lang="en-US" dirty="0"/>
-                <a:t>The dataset has concept drift </a:t>
-              </a:r>
-            </a:p>
-          </p:txBody>
-        </p:sp>
-        <p:sp>
-          <p:nvSpPr>
-            <p:cNvPr id="43" name="TextBox 42">
+        </p:pic>
+        <p:pic>
+          <p:nvPicPr>
+            <p:cNvPr id="15" name="Picture 14">
               <a:extLst>
                 <a:ext uri="{FF2B5EF4-FFF2-40B4-BE49-F238E27FC236}">
-                  <a16:creationId xmlns:a16="http://schemas.microsoft.com/office/drawing/2014/main" id="{7A071DC3-D1A4-DD49-94E4-03A810AF279F}"/>
-                </a:ext>
-              </a:extLst>
-            </p:cNvPr>
-            <p:cNvSpPr txBox="1"/>
-            <p:nvPr/>
-          </p:nvSpPr>
-          <p:spPr>
-            <a:xfrm rot="16200000">
-              <a:off x="801359" y="2424888"/>
-              <a:ext cx="900955" cy="810222"/>
-            </a:xfrm>
-            <a:prstGeom prst="rect">
-              <a:avLst/>
-            </a:prstGeom>
-            <a:noFill/>
-          </p:spPr>
-          <p:txBody>
-            <a:bodyPr wrap="square" rtlCol="0">
-              <a:spAutoFit/>
-            </a:bodyPr>
-            <a:lstStyle/>
-            <a:p>
-              <a:r>
-                <a:rPr lang="en-US" dirty="0"/>
-                <a:t>Reduce sample size</a:t>
-              </a:r>
-            </a:p>
-          </p:txBody>
-        </p:sp>
-        <p:pic>
-          <p:nvPicPr>
-            <p:cNvPr id="53" name="Picture 52">
-              <a:extLst>
-                <a:ext uri="{FF2B5EF4-FFF2-40B4-BE49-F238E27FC236}">
-                  <a16:creationId xmlns:a16="http://schemas.microsoft.com/office/drawing/2014/main" id="{0B21975F-76C6-4C4C-9C42-9825CD4CE9A5}"/>
+                  <a16:creationId xmlns:a16="http://schemas.microsoft.com/office/drawing/2014/main" id="{A46F8367-49FC-F440-BA5C-3C01251CEF42}"/>
                 </a:ext>
               </a:extLst>
             </p:cNvPr>
@@ -4049,79 +3562,27 @@
             <p:nvPr/>
           </p:nvPicPr>
           <p:blipFill>
-            <a:blip r:embed="rId7">
-              <a:extLst>
-                <a:ext uri="{28A0092B-C50C-407E-A947-70E740481C1C}">
-                  <a14:useLocalDpi xmlns:a14="http://schemas.microsoft.com/office/drawing/2010/main" val="0"/>
-                </a:ext>
-              </a:extLst>
-            </a:blip>
+            <a:blip r:embed="rId4"/>
             <a:stretch>
               <a:fillRect/>
             </a:stretch>
           </p:blipFill>
           <p:spPr>
             <a:xfrm>
-              <a:off x="3003048" y="1666063"/>
-              <a:ext cx="1693805" cy="1055879"/>
+              <a:off x="5991751" y="1209267"/>
+              <a:ext cx="753516" cy="626299"/>
             </a:xfrm>
             <a:prstGeom prst="rect">
               <a:avLst/>
             </a:prstGeom>
           </p:spPr>
         </p:pic>
-        <p:cxnSp>
-          <p:nvCxnSpPr>
-            <p:cNvPr id="57" name="Straight Arrow Connector 56">
+        <p:sp>
+          <p:nvSpPr>
+            <p:cNvPr id="14" name="Rectangle 13">
               <a:extLst>
                 <a:ext uri="{FF2B5EF4-FFF2-40B4-BE49-F238E27FC236}">
-                  <a16:creationId xmlns:a16="http://schemas.microsoft.com/office/drawing/2014/main" id="{FA20AECA-F7CF-7E49-8D32-D250C2DEDB46}"/>
-                </a:ext>
-              </a:extLst>
-            </p:cNvPr>
-            <p:cNvCxnSpPr>
-              <a:cxnSpLocks/>
-              <a:stCxn id="4" idx="3"/>
-              <a:endCxn id="53" idx="1"/>
-            </p:cNvCxnSpPr>
-            <p:nvPr/>
-          </p:nvCxnSpPr>
-          <p:spPr>
-            <a:xfrm flipV="1">
-              <a:off x="2574029" y="2194003"/>
-              <a:ext cx="429018" cy="480"/>
-            </a:xfrm>
-            <a:prstGeom prst="straightConnector1">
-              <a:avLst/>
-            </a:prstGeom>
-            <a:ln w="28575">
-              <a:solidFill>
-                <a:schemeClr val="tx1"/>
-              </a:solidFill>
-              <a:tailEnd type="triangle"/>
-            </a:ln>
-          </p:spPr>
-          <p:style>
-            <a:lnRef idx="1">
-              <a:schemeClr val="accent1"/>
-            </a:lnRef>
-            <a:fillRef idx="0">
-              <a:schemeClr val="accent1"/>
-            </a:fillRef>
-            <a:effectRef idx="0">
-              <a:schemeClr val="accent1"/>
-            </a:effectRef>
-            <a:fontRef idx="minor">
-              <a:schemeClr val="tx1"/>
-            </a:fontRef>
-          </p:style>
-        </p:cxnSp>
-        <p:sp>
-          <p:nvSpPr>
-            <p:cNvPr id="88" name="Rounded Rectangle 87">
-              <a:extLst>
-                <a:ext uri="{FF2B5EF4-FFF2-40B4-BE49-F238E27FC236}">
-                  <a16:creationId xmlns:a16="http://schemas.microsoft.com/office/drawing/2014/main" id="{E7A586EF-D1AE-9D41-8381-90DF99027950}"/>
+                  <a16:creationId xmlns:a16="http://schemas.microsoft.com/office/drawing/2014/main" id="{F2B7E52E-6C32-894F-BBFA-4BBF9D357FE0}"/>
                 </a:ext>
               </a:extLst>
             </p:cNvPr>
@@ -4130,14 +3591,14 @@
           </p:nvSpPr>
           <p:spPr>
             <a:xfrm>
-              <a:off x="345439" y="678224"/>
-              <a:ext cx="7538722" cy="2815936"/>
+              <a:off x="5371595" y="1211872"/>
+              <a:ext cx="1973343" cy="982659"/>
             </a:xfrm>
-            <a:prstGeom prst="roundRect">
+            <a:prstGeom prst="rect">
               <a:avLst/>
             </a:prstGeom>
             <a:noFill/>
-            <a:ln w="38100">
+            <a:ln>
               <a:solidFill>
                 <a:schemeClr val="tx1"/>
               </a:solidFill>
@@ -4169,6 +3630,970 @@
           </p:txBody>
         </p:sp>
       </p:grpSp>
+      <p:cxnSp>
+        <p:nvCxnSpPr>
+          <p:cNvPr id="9" name="Straight Arrow Connector 8">
+            <a:extLst>
+              <a:ext uri="{FF2B5EF4-FFF2-40B4-BE49-F238E27FC236}">
+                <a16:creationId xmlns:a16="http://schemas.microsoft.com/office/drawing/2014/main" id="{AEF743D1-47EC-6640-8759-203BA4C3711B}"/>
+              </a:ext>
+            </a:extLst>
+          </p:cNvPr>
+          <p:cNvCxnSpPr>
+            <a:cxnSpLocks/>
+            <a:stCxn id="12" idx="3"/>
+            <a:endCxn id="15" idx="1"/>
+          </p:cNvCxnSpPr>
+          <p:nvPr/>
+        </p:nvCxnSpPr>
+        <p:spPr>
+          <a:xfrm>
+            <a:off x="4466576" y="959902"/>
+            <a:ext cx="1019718" cy="235134"/>
+          </a:xfrm>
+          <a:prstGeom prst="straightConnector1">
+            <a:avLst/>
+          </a:prstGeom>
+          <a:ln w="19050">
+            <a:solidFill>
+              <a:schemeClr val="accent2"/>
+            </a:solidFill>
+            <a:tailEnd type="triangle"/>
+          </a:ln>
+        </p:spPr>
+        <p:style>
+          <a:lnRef idx="1">
+            <a:schemeClr val="accent1"/>
+          </a:lnRef>
+          <a:fillRef idx="0">
+            <a:schemeClr val="accent1"/>
+          </a:fillRef>
+          <a:effectRef idx="0">
+            <a:schemeClr val="accent1"/>
+          </a:effectRef>
+          <a:fontRef idx="minor">
+            <a:schemeClr val="tx1"/>
+          </a:fontRef>
+        </p:style>
+      </p:cxnSp>
+      <p:cxnSp>
+        <p:nvCxnSpPr>
+          <p:cNvPr id="10" name="Straight Arrow Connector 9">
+            <a:extLst>
+              <a:ext uri="{FF2B5EF4-FFF2-40B4-BE49-F238E27FC236}">
+                <a16:creationId xmlns:a16="http://schemas.microsoft.com/office/drawing/2014/main" id="{FC1EE2C0-C31A-3446-B268-1449C5D094FF}"/>
+              </a:ext>
+            </a:extLst>
+          </p:cNvPr>
+          <p:cNvCxnSpPr>
+            <a:cxnSpLocks/>
+            <a:stCxn id="13" idx="3"/>
+            <a:endCxn id="84" idx="1"/>
+          </p:cNvCxnSpPr>
+          <p:nvPr/>
+        </p:nvCxnSpPr>
+        <p:spPr>
+          <a:xfrm>
+            <a:off x="4237605" y="1382502"/>
+            <a:ext cx="545694" cy="323707"/>
+          </a:xfrm>
+          <a:prstGeom prst="straightConnector1">
+            <a:avLst/>
+          </a:prstGeom>
+          <a:ln w="19050">
+            <a:solidFill>
+              <a:schemeClr val="accent2"/>
+            </a:solidFill>
+            <a:tailEnd type="triangle"/>
+          </a:ln>
+        </p:spPr>
+        <p:style>
+          <a:lnRef idx="1">
+            <a:schemeClr val="accent1"/>
+          </a:lnRef>
+          <a:fillRef idx="0">
+            <a:schemeClr val="accent1"/>
+          </a:fillRef>
+          <a:effectRef idx="0">
+            <a:schemeClr val="accent1"/>
+          </a:effectRef>
+          <a:fontRef idx="minor">
+            <a:schemeClr val="tx1"/>
+          </a:fontRef>
+        </p:style>
+      </p:cxnSp>
+      <p:grpSp>
+        <p:nvGrpSpPr>
+          <p:cNvPr id="17" name="Group 16">
+            <a:extLst>
+              <a:ext uri="{FF2B5EF4-FFF2-40B4-BE49-F238E27FC236}">
+                <a16:creationId xmlns:a16="http://schemas.microsoft.com/office/drawing/2014/main" id="{9D9A09EA-376D-D642-93A4-484B45351A63}"/>
+              </a:ext>
+            </a:extLst>
+          </p:cNvPr>
+          <p:cNvGrpSpPr>
+            <a:grpSpLocks noChangeAspect="1"/>
+          </p:cNvGrpSpPr>
+          <p:nvPr/>
+        </p:nvGrpSpPr>
+        <p:grpSpPr>
+          <a:xfrm>
+            <a:off x="4742764" y="2068020"/>
+            <a:ext cx="2377440" cy="1183886"/>
+            <a:chOff x="1559498" y="1788247"/>
+            <a:chExt cx="1640182" cy="982659"/>
+          </a:xfrm>
+        </p:grpSpPr>
+        <p:pic>
+          <p:nvPicPr>
+            <p:cNvPr id="18" name="Picture 17">
+              <a:extLst>
+                <a:ext uri="{FF2B5EF4-FFF2-40B4-BE49-F238E27FC236}">
+                  <a16:creationId xmlns:a16="http://schemas.microsoft.com/office/drawing/2014/main" id="{946DA3C0-37A4-2042-9284-3608CF5AAF10}"/>
+                </a:ext>
+              </a:extLst>
+            </p:cNvPr>
+            <p:cNvPicPr>
+              <a:picLocks noChangeAspect="1"/>
+            </p:cNvPicPr>
+            <p:nvPr/>
+          </p:nvPicPr>
+          <p:blipFill>
+            <a:blip r:embed="rId5"/>
+            <a:srcRect/>
+            <a:stretch/>
+          </p:blipFill>
+          <p:spPr>
+            <a:xfrm>
+              <a:off x="2064983" y="1838082"/>
+              <a:ext cx="621485" cy="621485"/>
+            </a:xfrm>
+            <a:prstGeom prst="rect">
+              <a:avLst/>
+            </a:prstGeom>
+          </p:spPr>
+        </p:pic>
+        <p:pic>
+          <p:nvPicPr>
+            <p:cNvPr id="19" name="Picture 18">
+              <a:extLst>
+                <a:ext uri="{FF2B5EF4-FFF2-40B4-BE49-F238E27FC236}">
+                  <a16:creationId xmlns:a16="http://schemas.microsoft.com/office/drawing/2014/main" id="{1A7EDA6D-B7D2-E542-AA37-496714E23639}"/>
+                </a:ext>
+              </a:extLst>
+            </p:cNvPr>
+            <p:cNvPicPr>
+              <a:picLocks noChangeAspect="1"/>
+            </p:cNvPicPr>
+            <p:nvPr/>
+          </p:nvPicPr>
+          <p:blipFill rotWithShape="1">
+            <a:blip r:embed="rId6"/>
+            <a:srcRect b="79986"/>
+            <a:stretch/>
+          </p:blipFill>
+          <p:spPr>
+            <a:xfrm>
+              <a:off x="1592049" y="2385097"/>
+              <a:ext cx="1599107" cy="320040"/>
+            </a:xfrm>
+            <a:prstGeom prst="rect">
+              <a:avLst/>
+            </a:prstGeom>
+          </p:spPr>
+        </p:pic>
+        <p:sp>
+          <p:nvSpPr>
+            <p:cNvPr id="20" name="Rectangle 19">
+              <a:extLst>
+                <a:ext uri="{FF2B5EF4-FFF2-40B4-BE49-F238E27FC236}">
+                  <a16:creationId xmlns:a16="http://schemas.microsoft.com/office/drawing/2014/main" id="{819F1AF0-1768-5B40-9839-6BC5A7E97873}"/>
+                </a:ext>
+              </a:extLst>
+            </p:cNvPr>
+            <p:cNvSpPr/>
+            <p:nvPr/>
+          </p:nvSpPr>
+          <p:spPr>
+            <a:xfrm>
+              <a:off x="1559498" y="1788247"/>
+              <a:ext cx="1640182" cy="982659"/>
+            </a:xfrm>
+            <a:prstGeom prst="rect">
+              <a:avLst/>
+            </a:prstGeom>
+            <a:noFill/>
+            <a:ln>
+              <a:solidFill>
+                <a:schemeClr val="tx1"/>
+              </a:solidFill>
+            </a:ln>
+          </p:spPr>
+          <p:style>
+            <a:lnRef idx="2">
+              <a:schemeClr val="accent1">
+                <a:shade val="50000"/>
+              </a:schemeClr>
+            </a:lnRef>
+            <a:fillRef idx="1">
+              <a:schemeClr val="accent1"/>
+            </a:fillRef>
+            <a:effectRef idx="0">
+              <a:schemeClr val="accent1"/>
+            </a:effectRef>
+            <a:fontRef idx="minor">
+              <a:schemeClr val="lt1"/>
+            </a:fontRef>
+          </p:style>
+          <p:txBody>
+            <a:bodyPr rtlCol="0" anchor="ctr"/>
+            <a:lstStyle/>
+            <a:p>
+              <a:pPr algn="ctr"/>
+              <a:endParaRPr lang="en-US"/>
+            </a:p>
+          </p:txBody>
+        </p:sp>
+      </p:grpSp>
+      <p:cxnSp>
+        <p:nvCxnSpPr>
+          <p:cNvPr id="25" name="Elbow Connector 24">
+            <a:extLst>
+              <a:ext uri="{FF2B5EF4-FFF2-40B4-BE49-F238E27FC236}">
+                <a16:creationId xmlns:a16="http://schemas.microsoft.com/office/drawing/2014/main" id="{411065AF-E81A-274A-B039-4A2B3E76069D}"/>
+              </a:ext>
+            </a:extLst>
+          </p:cNvPr>
+          <p:cNvCxnSpPr>
+            <a:cxnSpLocks/>
+            <a:stCxn id="95" idx="2"/>
+          </p:cNvCxnSpPr>
+          <p:nvPr/>
+        </p:nvCxnSpPr>
+        <p:spPr>
+          <a:xfrm rot="5400000">
+            <a:off x="3986430" y="-199963"/>
+            <a:ext cx="540727" cy="6532868"/>
+          </a:xfrm>
+          <a:prstGeom prst="bentConnector2">
+            <a:avLst/>
+          </a:prstGeom>
+          <a:ln w="28575">
+            <a:solidFill>
+              <a:schemeClr val="tx1"/>
+            </a:solidFill>
+          </a:ln>
+        </p:spPr>
+        <p:style>
+          <a:lnRef idx="1">
+            <a:schemeClr val="accent1"/>
+          </a:lnRef>
+          <a:fillRef idx="0">
+            <a:schemeClr val="accent1"/>
+          </a:fillRef>
+          <a:effectRef idx="0">
+            <a:schemeClr val="accent1"/>
+          </a:effectRef>
+          <a:fontRef idx="minor">
+            <a:schemeClr val="tx1"/>
+          </a:fontRef>
+        </p:style>
+      </p:cxnSp>
+      <p:cxnSp>
+        <p:nvCxnSpPr>
+          <p:cNvPr id="27" name="Straight Arrow Connector 26">
+            <a:extLst>
+              <a:ext uri="{FF2B5EF4-FFF2-40B4-BE49-F238E27FC236}">
+                <a16:creationId xmlns:a16="http://schemas.microsoft.com/office/drawing/2014/main" id="{6832457E-9B82-6043-AAA7-40CAC3EA50EF}"/>
+              </a:ext>
+            </a:extLst>
+          </p:cNvPr>
+          <p:cNvCxnSpPr>
+            <a:cxnSpLocks/>
+            <a:endCxn id="4" idx="2"/>
+          </p:cNvCxnSpPr>
+          <p:nvPr/>
+        </p:nvCxnSpPr>
+        <p:spPr>
+          <a:xfrm flipV="1">
+            <a:off x="990359" y="2310778"/>
+            <a:ext cx="0" cy="1031073"/>
+          </a:xfrm>
+          <a:prstGeom prst="straightConnector1">
+            <a:avLst/>
+          </a:prstGeom>
+          <a:ln w="28575">
+            <a:solidFill>
+              <a:schemeClr val="tx1"/>
+            </a:solidFill>
+            <a:tailEnd type="triangle"/>
+          </a:ln>
+        </p:spPr>
+        <p:style>
+          <a:lnRef idx="1">
+            <a:schemeClr val="accent1"/>
+          </a:lnRef>
+          <a:fillRef idx="0">
+            <a:schemeClr val="accent1"/>
+          </a:fillRef>
+          <a:effectRef idx="0">
+            <a:schemeClr val="accent1"/>
+          </a:effectRef>
+          <a:fontRef idx="minor">
+            <a:schemeClr val="tx1"/>
+          </a:fontRef>
+        </p:style>
+      </p:cxnSp>
+      <p:sp>
+        <p:nvSpPr>
+          <p:cNvPr id="42" name="TextBox 41">
+            <a:extLst>
+              <a:ext uri="{FF2B5EF4-FFF2-40B4-BE49-F238E27FC236}">
+                <a16:creationId xmlns:a16="http://schemas.microsoft.com/office/drawing/2014/main" id="{46EEE423-DAE8-3E41-9D1A-8702DF5C18F2}"/>
+              </a:ext>
+            </a:extLst>
+          </p:cNvPr>
+          <p:cNvSpPr txBox="1"/>
+          <p:nvPr/>
+        </p:nvSpPr>
+        <p:spPr>
+          <a:xfrm>
+            <a:off x="2067383" y="3006788"/>
+            <a:ext cx="2351285" cy="307777"/>
+          </a:xfrm>
+          <a:prstGeom prst="rect">
+            <a:avLst/>
+          </a:prstGeom>
+          <a:noFill/>
+          <a:ln>
+            <a:noFill/>
+          </a:ln>
+        </p:spPr>
+        <p:txBody>
+          <a:bodyPr wrap="none" rtlCol="0">
+            <a:spAutoFit/>
+          </a:bodyPr>
+          <a:lstStyle/>
+          <a:p>
+            <a:r>
+              <a:rPr lang="en-US" sz="1400" dirty="0"/>
+              <a:t>The dataset has concept drift </a:t>
+            </a:r>
+          </a:p>
+        </p:txBody>
+      </p:sp>
+      <p:sp>
+        <p:nvSpPr>
+          <p:cNvPr id="43" name="TextBox 42">
+            <a:extLst>
+              <a:ext uri="{FF2B5EF4-FFF2-40B4-BE49-F238E27FC236}">
+                <a16:creationId xmlns:a16="http://schemas.microsoft.com/office/drawing/2014/main" id="{7A071DC3-D1A4-DD49-94E4-03A810AF279F}"/>
+              </a:ext>
+            </a:extLst>
+          </p:cNvPr>
+          <p:cNvSpPr txBox="1"/>
+          <p:nvPr/>
+        </p:nvSpPr>
+        <p:spPr>
+          <a:xfrm rot="16200000">
+            <a:off x="949521" y="2488566"/>
+            <a:ext cx="899990" cy="738664"/>
+          </a:xfrm>
+          <a:prstGeom prst="rect">
+            <a:avLst/>
+          </a:prstGeom>
+          <a:noFill/>
+          <a:ln>
+            <a:noFill/>
+          </a:ln>
+        </p:spPr>
+        <p:txBody>
+          <a:bodyPr wrap="square" rtlCol="0">
+            <a:spAutoFit/>
+          </a:bodyPr>
+          <a:lstStyle/>
+          <a:p>
+            <a:r>
+              <a:rPr lang="en-US" sz="1400" dirty="0"/>
+              <a:t>Remove unstable data</a:t>
+            </a:r>
+          </a:p>
+        </p:txBody>
+      </p:sp>
+      <p:pic>
+        <p:nvPicPr>
+          <p:cNvPr id="53" name="Picture 52">
+            <a:extLst>
+              <a:ext uri="{FF2B5EF4-FFF2-40B4-BE49-F238E27FC236}">
+                <a16:creationId xmlns:a16="http://schemas.microsoft.com/office/drawing/2014/main" id="{0B21975F-76C6-4C4C-9C42-9825CD4CE9A5}"/>
+              </a:ext>
+            </a:extLst>
+          </p:cNvPr>
+          <p:cNvPicPr>
+            <a:picLocks noChangeAspect="1"/>
+          </p:cNvPicPr>
+          <p:nvPr/>
+        </p:nvPicPr>
+        <p:blipFill>
+          <a:blip r:embed="rId7">
+            <a:extLst>
+              <a:ext uri="{28A0092B-C50C-407E-A947-70E740481C1C}">
+                <a14:useLocalDpi xmlns:a14="http://schemas.microsoft.com/office/drawing/2010/main" val="0"/>
+              </a:ext>
+            </a:extLst>
+          </a:blip>
+          <a:stretch>
+            <a:fillRect/>
+          </a:stretch>
+        </p:blipFill>
+        <p:spPr>
+          <a:xfrm>
+            <a:off x="2637439" y="1745650"/>
+            <a:ext cx="972551" cy="606266"/>
+          </a:xfrm>
+          <a:prstGeom prst="rect">
+            <a:avLst/>
+          </a:prstGeom>
+        </p:spPr>
+      </p:pic>
+      <p:cxnSp>
+        <p:nvCxnSpPr>
+          <p:cNvPr id="57" name="Straight Arrow Connector 56">
+            <a:extLst>
+              <a:ext uri="{FF2B5EF4-FFF2-40B4-BE49-F238E27FC236}">
+                <a16:creationId xmlns:a16="http://schemas.microsoft.com/office/drawing/2014/main" id="{FA20AECA-F7CF-7E49-8D32-D250C2DEDB46}"/>
+              </a:ext>
+            </a:extLst>
+          </p:cNvPr>
+          <p:cNvCxnSpPr>
+            <a:cxnSpLocks/>
+            <a:stCxn id="4" idx="3"/>
+            <a:endCxn id="21" idx="1"/>
+          </p:cNvCxnSpPr>
+          <p:nvPr/>
+        </p:nvCxnSpPr>
+        <p:spPr>
+          <a:xfrm>
+            <a:off x="1506854" y="2048783"/>
+            <a:ext cx="172972" cy="1"/>
+          </a:xfrm>
+          <a:prstGeom prst="straightConnector1">
+            <a:avLst/>
+          </a:prstGeom>
+          <a:ln w="28575">
+            <a:solidFill>
+              <a:schemeClr val="tx1"/>
+            </a:solidFill>
+            <a:tailEnd type="triangle"/>
+          </a:ln>
+        </p:spPr>
+        <p:style>
+          <a:lnRef idx="1">
+            <a:schemeClr val="accent1"/>
+          </a:lnRef>
+          <a:fillRef idx="0">
+            <a:schemeClr val="accent1"/>
+          </a:fillRef>
+          <a:effectRef idx="0">
+            <a:schemeClr val="accent1"/>
+          </a:effectRef>
+          <a:fontRef idx="minor">
+            <a:schemeClr val="tx1"/>
+          </a:fontRef>
+        </p:style>
+      </p:cxnSp>
+      <p:sp>
+        <p:nvSpPr>
+          <p:cNvPr id="88" name="Rounded Rectangle 87">
+            <a:extLst>
+              <a:ext uri="{FF2B5EF4-FFF2-40B4-BE49-F238E27FC236}">
+                <a16:creationId xmlns:a16="http://schemas.microsoft.com/office/drawing/2014/main" id="{E7A586EF-D1AE-9D41-8381-90DF99027950}"/>
+              </a:ext>
+            </a:extLst>
+          </p:cNvPr>
+          <p:cNvSpPr/>
+          <p:nvPr/>
+        </p:nvSpPr>
+        <p:spPr>
+          <a:xfrm>
+            <a:off x="345439" y="649432"/>
+            <a:ext cx="7538722" cy="2815936"/>
+          </a:xfrm>
+          <a:prstGeom prst="roundRect">
+            <a:avLst/>
+          </a:prstGeom>
+          <a:noFill/>
+          <a:ln w="38100">
+            <a:solidFill>
+              <a:schemeClr val="tx1"/>
+            </a:solidFill>
+          </a:ln>
+        </p:spPr>
+        <p:style>
+          <a:lnRef idx="2">
+            <a:schemeClr val="accent1">
+              <a:shade val="50000"/>
+            </a:schemeClr>
+          </a:lnRef>
+          <a:fillRef idx="1">
+            <a:schemeClr val="accent1"/>
+          </a:fillRef>
+          <a:effectRef idx="0">
+            <a:schemeClr val="accent1"/>
+          </a:effectRef>
+          <a:fontRef idx="minor">
+            <a:schemeClr val="lt1"/>
+          </a:fontRef>
+        </p:style>
+        <p:txBody>
+          <a:bodyPr rtlCol="0" anchor="ctr"/>
+          <a:lstStyle/>
+          <a:p>
+            <a:pPr algn="ctr"/>
+            <a:endParaRPr lang="en-US"/>
+          </a:p>
+        </p:txBody>
+      </p:sp>
+      <p:sp>
+        <p:nvSpPr>
+          <p:cNvPr id="21" name="Rounded Rectangle 20">
+            <a:extLst>
+              <a:ext uri="{FF2B5EF4-FFF2-40B4-BE49-F238E27FC236}">
+                <a16:creationId xmlns:a16="http://schemas.microsoft.com/office/drawing/2014/main" id="{743C6CCE-BAA0-A54C-8470-BEB33A352F8B}"/>
+              </a:ext>
+            </a:extLst>
+          </p:cNvPr>
+          <p:cNvSpPr/>
+          <p:nvPr/>
+        </p:nvSpPr>
+        <p:spPr>
+          <a:xfrm>
+            <a:off x="1679826" y="1877370"/>
+            <a:ext cx="795854" cy="342827"/>
+          </a:xfrm>
+          <a:prstGeom prst="roundRect">
+            <a:avLst/>
+          </a:prstGeom>
+          <a:solidFill>
+            <a:schemeClr val="accent5">
+              <a:lumMod val="60000"/>
+              <a:lumOff val="40000"/>
+            </a:schemeClr>
+          </a:solidFill>
+          <a:ln>
+            <a:solidFill>
+              <a:schemeClr val="tx1"/>
+            </a:solidFill>
+          </a:ln>
+        </p:spPr>
+        <p:style>
+          <a:lnRef idx="2">
+            <a:schemeClr val="accent1">
+              <a:shade val="50000"/>
+            </a:schemeClr>
+          </a:lnRef>
+          <a:fillRef idx="1">
+            <a:schemeClr val="accent1"/>
+          </a:fillRef>
+          <a:effectRef idx="0">
+            <a:schemeClr val="accent1"/>
+          </a:effectRef>
+          <a:fontRef idx="minor">
+            <a:schemeClr val="lt1"/>
+          </a:fontRef>
+        </p:style>
+        <p:txBody>
+          <a:bodyPr rtlCol="0" anchor="ctr"/>
+          <a:lstStyle/>
+          <a:p>
+            <a:pPr algn="ctr"/>
+            <a:r>
+              <a:rPr lang="en-US" sz="1400" dirty="0">
+                <a:solidFill>
+                  <a:schemeClr val="tx1"/>
+                </a:solidFill>
+              </a:rPr>
+              <a:t>Training</a:t>
+            </a:r>
+          </a:p>
+        </p:txBody>
+      </p:sp>
+      <p:cxnSp>
+        <p:nvCxnSpPr>
+          <p:cNvPr id="33" name="Straight Arrow Connector 32">
+            <a:extLst>
+              <a:ext uri="{FF2B5EF4-FFF2-40B4-BE49-F238E27FC236}">
+                <a16:creationId xmlns:a16="http://schemas.microsoft.com/office/drawing/2014/main" id="{98547258-3BD5-1E47-BFDE-25FA57D86421}"/>
+              </a:ext>
+            </a:extLst>
+          </p:cNvPr>
+          <p:cNvCxnSpPr>
+            <a:cxnSpLocks/>
+            <a:stCxn id="21" idx="3"/>
+            <a:endCxn id="53" idx="1"/>
+          </p:cNvCxnSpPr>
+          <p:nvPr/>
+        </p:nvCxnSpPr>
+        <p:spPr>
+          <a:xfrm flipV="1">
+            <a:off x="2475680" y="2048783"/>
+            <a:ext cx="161759" cy="1"/>
+          </a:xfrm>
+          <a:prstGeom prst="straightConnector1">
+            <a:avLst/>
+          </a:prstGeom>
+          <a:ln w="28575">
+            <a:solidFill>
+              <a:schemeClr val="tx1"/>
+            </a:solidFill>
+            <a:tailEnd type="triangle"/>
+          </a:ln>
+        </p:spPr>
+        <p:style>
+          <a:lnRef idx="1">
+            <a:schemeClr val="accent1"/>
+          </a:lnRef>
+          <a:fillRef idx="0">
+            <a:schemeClr val="accent1"/>
+          </a:fillRef>
+          <a:effectRef idx="0">
+            <a:schemeClr val="accent1"/>
+          </a:effectRef>
+          <a:fontRef idx="minor">
+            <a:schemeClr val="tx1"/>
+          </a:fontRef>
+        </p:style>
+      </p:cxnSp>
+      <p:sp>
+        <p:nvSpPr>
+          <p:cNvPr id="60" name="Rounded Rectangle 59">
+            <a:extLst>
+              <a:ext uri="{FF2B5EF4-FFF2-40B4-BE49-F238E27FC236}">
+                <a16:creationId xmlns:a16="http://schemas.microsoft.com/office/drawing/2014/main" id="{ACE44DF8-4CAD-4A45-A48E-99D3B85B9202}"/>
+              </a:ext>
+            </a:extLst>
+          </p:cNvPr>
+          <p:cNvSpPr/>
+          <p:nvPr/>
+        </p:nvSpPr>
+        <p:spPr>
+          <a:xfrm>
+            <a:off x="3810137" y="1821279"/>
+            <a:ext cx="832031" cy="455008"/>
+          </a:xfrm>
+          <a:prstGeom prst="roundRect">
+            <a:avLst/>
+          </a:prstGeom>
+          <a:solidFill>
+            <a:schemeClr val="accent5">
+              <a:lumMod val="60000"/>
+              <a:lumOff val="40000"/>
+            </a:schemeClr>
+          </a:solidFill>
+          <a:ln>
+            <a:solidFill>
+              <a:schemeClr val="tx1"/>
+            </a:solidFill>
+          </a:ln>
+        </p:spPr>
+        <p:style>
+          <a:lnRef idx="2">
+            <a:schemeClr val="accent1">
+              <a:shade val="50000"/>
+            </a:schemeClr>
+          </a:lnRef>
+          <a:fillRef idx="1">
+            <a:schemeClr val="accent1"/>
+          </a:fillRef>
+          <a:effectRef idx="0">
+            <a:schemeClr val="accent1"/>
+          </a:effectRef>
+          <a:fontRef idx="minor">
+            <a:schemeClr val="lt1"/>
+          </a:fontRef>
+        </p:style>
+        <p:txBody>
+          <a:bodyPr rtlCol="0" anchor="ctr"/>
+          <a:lstStyle/>
+          <a:p>
+            <a:pPr algn="ctr"/>
+            <a:r>
+              <a:rPr lang="en-US" sz="1400" dirty="0">
+                <a:solidFill>
+                  <a:schemeClr val="tx1"/>
+                </a:solidFill>
+              </a:rPr>
+              <a:t>Concept Drift?</a:t>
+            </a:r>
+          </a:p>
+        </p:txBody>
+      </p:sp>
+      <p:cxnSp>
+        <p:nvCxnSpPr>
+          <p:cNvPr id="63" name="Straight Arrow Connector 62">
+            <a:extLst>
+              <a:ext uri="{FF2B5EF4-FFF2-40B4-BE49-F238E27FC236}">
+                <a16:creationId xmlns:a16="http://schemas.microsoft.com/office/drawing/2014/main" id="{9535B4C2-B5A1-D743-A94B-5E718A6E26C5}"/>
+              </a:ext>
+            </a:extLst>
+          </p:cNvPr>
+          <p:cNvCxnSpPr>
+            <a:cxnSpLocks/>
+            <a:stCxn id="53" idx="3"/>
+            <a:endCxn id="60" idx="1"/>
+          </p:cNvCxnSpPr>
+          <p:nvPr/>
+        </p:nvCxnSpPr>
+        <p:spPr>
+          <a:xfrm>
+            <a:off x="3609990" y="2048783"/>
+            <a:ext cx="200147" cy="0"/>
+          </a:xfrm>
+          <a:prstGeom prst="straightConnector1">
+            <a:avLst/>
+          </a:prstGeom>
+          <a:ln w="28575">
+            <a:solidFill>
+              <a:schemeClr val="tx1"/>
+            </a:solidFill>
+            <a:tailEnd type="triangle"/>
+          </a:ln>
+        </p:spPr>
+        <p:style>
+          <a:lnRef idx="1">
+            <a:schemeClr val="accent1"/>
+          </a:lnRef>
+          <a:fillRef idx="0">
+            <a:schemeClr val="accent1"/>
+          </a:fillRef>
+          <a:effectRef idx="0">
+            <a:schemeClr val="accent1"/>
+          </a:effectRef>
+          <a:fontRef idx="minor">
+            <a:schemeClr val="tx1"/>
+          </a:fontRef>
+        </p:style>
+      </p:cxnSp>
+      <p:cxnSp>
+        <p:nvCxnSpPr>
+          <p:cNvPr id="82" name="Straight Arrow Connector 81">
+            <a:extLst>
+              <a:ext uri="{FF2B5EF4-FFF2-40B4-BE49-F238E27FC236}">
+                <a16:creationId xmlns:a16="http://schemas.microsoft.com/office/drawing/2014/main" id="{15506030-1547-E94B-AD3B-85974E389D55}"/>
+              </a:ext>
+            </a:extLst>
+          </p:cNvPr>
+          <p:cNvCxnSpPr>
+            <a:cxnSpLocks/>
+            <a:stCxn id="14" idx="3"/>
+            <a:endCxn id="94" idx="1"/>
+          </p:cNvCxnSpPr>
+          <p:nvPr/>
+        </p:nvCxnSpPr>
+        <p:spPr>
+          <a:xfrm flipV="1">
+            <a:off x="7108698" y="1413152"/>
+            <a:ext cx="180858" cy="1"/>
+          </a:xfrm>
+          <a:prstGeom prst="straightConnector1">
+            <a:avLst/>
+          </a:prstGeom>
+          <a:ln w="28575">
+            <a:solidFill>
+              <a:schemeClr val="tx1"/>
+            </a:solidFill>
+            <a:tailEnd type="triangle"/>
+          </a:ln>
+        </p:spPr>
+        <p:style>
+          <a:lnRef idx="1">
+            <a:schemeClr val="accent1"/>
+          </a:lnRef>
+          <a:fillRef idx="0">
+            <a:schemeClr val="accent1"/>
+          </a:fillRef>
+          <a:effectRef idx="0">
+            <a:schemeClr val="accent1"/>
+          </a:effectRef>
+          <a:fontRef idx="minor">
+            <a:schemeClr val="tx1"/>
+          </a:fontRef>
+        </p:style>
+      </p:cxnSp>
+      <p:cxnSp>
+        <p:nvCxnSpPr>
+          <p:cNvPr id="86" name="Straight Arrow Connector 85">
+            <a:extLst>
+              <a:ext uri="{FF2B5EF4-FFF2-40B4-BE49-F238E27FC236}">
+                <a16:creationId xmlns:a16="http://schemas.microsoft.com/office/drawing/2014/main" id="{7FD2FE63-3B23-344C-BF30-E2A50F4F756A}"/>
+              </a:ext>
+            </a:extLst>
+          </p:cNvPr>
+          <p:cNvCxnSpPr>
+            <a:cxnSpLocks/>
+            <a:stCxn id="20" idx="3"/>
+            <a:endCxn id="95" idx="1"/>
+          </p:cNvCxnSpPr>
+          <p:nvPr/>
+        </p:nvCxnSpPr>
+        <p:spPr>
+          <a:xfrm>
+            <a:off x="7120204" y="2659963"/>
+            <a:ext cx="169352" cy="0"/>
+          </a:xfrm>
+          <a:prstGeom prst="straightConnector1">
+            <a:avLst/>
+          </a:prstGeom>
+          <a:ln w="28575">
+            <a:solidFill>
+              <a:schemeClr val="tx1"/>
+            </a:solidFill>
+            <a:tailEnd type="triangle"/>
+          </a:ln>
+        </p:spPr>
+        <p:style>
+          <a:lnRef idx="1">
+            <a:schemeClr val="accent1"/>
+          </a:lnRef>
+          <a:fillRef idx="0">
+            <a:schemeClr val="accent1"/>
+          </a:fillRef>
+          <a:effectRef idx="0">
+            <a:schemeClr val="accent1"/>
+          </a:effectRef>
+          <a:fontRef idx="minor">
+            <a:schemeClr val="tx1"/>
+          </a:fontRef>
+        </p:style>
+      </p:cxnSp>
+      <p:sp>
+        <p:nvSpPr>
+          <p:cNvPr id="94" name="Rounded Rectangle 93">
+            <a:extLst>
+              <a:ext uri="{FF2B5EF4-FFF2-40B4-BE49-F238E27FC236}">
+                <a16:creationId xmlns:a16="http://schemas.microsoft.com/office/drawing/2014/main" id="{DBC85158-F680-2045-8829-F2563FDC1C01}"/>
+              </a:ext>
+            </a:extLst>
+          </p:cNvPr>
+          <p:cNvSpPr/>
+          <p:nvPr/>
+        </p:nvSpPr>
+        <p:spPr>
+          <a:xfrm>
+            <a:off x="7289556" y="1277007"/>
+            <a:ext cx="467342" cy="272290"/>
+          </a:xfrm>
+          <a:prstGeom prst="roundRect">
+            <a:avLst/>
+          </a:prstGeom>
+          <a:solidFill>
+            <a:schemeClr val="accent5">
+              <a:lumMod val="60000"/>
+              <a:lumOff val="40000"/>
+            </a:schemeClr>
+          </a:solidFill>
+          <a:ln>
+            <a:solidFill>
+              <a:schemeClr val="tx1"/>
+            </a:solidFill>
+          </a:ln>
+        </p:spPr>
+        <p:style>
+          <a:lnRef idx="2">
+            <a:schemeClr val="accent1">
+              <a:shade val="50000"/>
+            </a:schemeClr>
+          </a:lnRef>
+          <a:fillRef idx="1">
+            <a:schemeClr val="accent1"/>
+          </a:fillRef>
+          <a:effectRef idx="0">
+            <a:schemeClr val="accent1"/>
+          </a:effectRef>
+          <a:fontRef idx="minor">
+            <a:schemeClr val="lt1"/>
+          </a:fontRef>
+        </p:style>
+        <p:txBody>
+          <a:bodyPr rtlCol="0" anchor="ctr"/>
+          <a:lstStyle/>
+          <a:p>
+            <a:pPr algn="ctr"/>
+            <a:r>
+              <a:rPr lang="en-US" sz="1400" dirty="0">
+                <a:solidFill>
+                  <a:schemeClr val="tx1"/>
+                </a:solidFill>
+              </a:rPr>
+              <a:t>No</a:t>
+            </a:r>
+          </a:p>
+        </p:txBody>
+      </p:sp>
+      <p:sp>
+        <p:nvSpPr>
+          <p:cNvPr id="95" name="Rounded Rectangle 94">
+            <a:extLst>
+              <a:ext uri="{FF2B5EF4-FFF2-40B4-BE49-F238E27FC236}">
+                <a16:creationId xmlns:a16="http://schemas.microsoft.com/office/drawing/2014/main" id="{C855DC51-EB63-D744-A5FE-183B0FC4C252}"/>
+              </a:ext>
+            </a:extLst>
+          </p:cNvPr>
+          <p:cNvSpPr/>
+          <p:nvPr/>
+        </p:nvSpPr>
+        <p:spPr>
+          <a:xfrm>
+            <a:off x="7289556" y="2523818"/>
+            <a:ext cx="467342" cy="272290"/>
+          </a:xfrm>
+          <a:prstGeom prst="roundRect">
+            <a:avLst/>
+          </a:prstGeom>
+          <a:solidFill>
+            <a:schemeClr val="accent5">
+              <a:lumMod val="60000"/>
+              <a:lumOff val="40000"/>
+            </a:schemeClr>
+          </a:solidFill>
+          <a:ln>
+            <a:solidFill>
+              <a:schemeClr val="tx1"/>
+            </a:solidFill>
+          </a:ln>
+        </p:spPr>
+        <p:style>
+          <a:lnRef idx="2">
+            <a:schemeClr val="accent1">
+              <a:shade val="50000"/>
+            </a:schemeClr>
+          </a:lnRef>
+          <a:fillRef idx="1">
+            <a:schemeClr val="accent1"/>
+          </a:fillRef>
+          <a:effectRef idx="0">
+            <a:schemeClr val="accent1"/>
+          </a:effectRef>
+          <a:fontRef idx="minor">
+            <a:schemeClr val="lt1"/>
+          </a:fontRef>
+        </p:style>
+        <p:txBody>
+          <a:bodyPr rtlCol="0" anchor="ctr"/>
+          <a:lstStyle/>
+          <a:p>
+            <a:pPr algn="ctr"/>
+            <a:r>
+              <a:rPr lang="en-US" sz="1400" dirty="0">
+                <a:solidFill>
+                  <a:schemeClr val="tx1"/>
+                </a:solidFill>
+              </a:rPr>
+              <a:t>Yes</a:t>
+            </a:r>
+          </a:p>
+        </p:txBody>
+      </p:sp>
     </p:spTree>
     <p:extLst>
       <p:ext uri="{BB962C8B-B14F-4D97-AF65-F5344CB8AC3E}">
@@ -4201,170 +4626,32 @@
       </p:grpSpPr>
       <p:grpSp>
         <p:nvGrpSpPr>
-          <p:cNvPr id="47" name="Group 46">
+          <p:cNvPr id="83" name="Group 82">
             <a:extLst>
               <a:ext uri="{FF2B5EF4-FFF2-40B4-BE49-F238E27FC236}">
-                <a16:creationId xmlns:a16="http://schemas.microsoft.com/office/drawing/2014/main" id="{7898DA22-116E-764B-8877-DA936CA24D74}"/>
+                <a16:creationId xmlns:a16="http://schemas.microsoft.com/office/drawing/2014/main" id="{A70B81D6-9658-F745-89C7-354C52728E5D}"/>
               </a:ext>
             </a:extLst>
           </p:cNvPr>
-          <p:cNvGrpSpPr/>
+          <p:cNvGrpSpPr>
+            <a:grpSpLocks noChangeAspect="1"/>
+          </p:cNvGrpSpPr>
           <p:nvPr/>
         </p:nvGrpSpPr>
         <p:grpSpPr>
           <a:xfrm>
-            <a:off x="346510" y="475723"/>
-            <a:ext cx="7536580" cy="3163355"/>
-            <a:chOff x="721894" y="992454"/>
-            <a:chExt cx="7536580" cy="3163355"/>
+            <a:off x="672435" y="2543277"/>
+            <a:ext cx="2286000" cy="856256"/>
+            <a:chOff x="-48680" y="4348307"/>
+            <a:chExt cx="2135694" cy="799956"/>
           </a:xfrm>
         </p:grpSpPr>
-        <p:grpSp>
-          <p:nvGrpSpPr>
-            <p:cNvPr id="83" name="Group 82">
+        <p:pic>
+          <p:nvPicPr>
+            <p:cNvPr id="80" name="Picture 79">
               <a:extLst>
                 <a:ext uri="{FF2B5EF4-FFF2-40B4-BE49-F238E27FC236}">
-                  <a16:creationId xmlns:a16="http://schemas.microsoft.com/office/drawing/2014/main" id="{A70B81D6-9658-F745-89C7-354C52728E5D}"/>
-                </a:ext>
-              </a:extLst>
-            </p:cNvPr>
-            <p:cNvGrpSpPr>
-              <a:grpSpLocks noChangeAspect="1"/>
-            </p:cNvGrpSpPr>
-            <p:nvPr/>
-          </p:nvGrpSpPr>
-          <p:grpSpPr>
-            <a:xfrm>
-              <a:off x="1047819" y="2966698"/>
-              <a:ext cx="2286000" cy="856256"/>
-              <a:chOff x="-48680" y="4348307"/>
-              <a:chExt cx="2135694" cy="799956"/>
-            </a:xfrm>
-          </p:grpSpPr>
-          <p:pic>
-            <p:nvPicPr>
-              <p:cNvPr id="80" name="Picture 79">
-                <a:extLst>
-                  <a:ext uri="{FF2B5EF4-FFF2-40B4-BE49-F238E27FC236}">
-                    <a16:creationId xmlns:a16="http://schemas.microsoft.com/office/drawing/2014/main" id="{3D21518E-9513-5045-9CEE-BF2EC36E5327}"/>
-                  </a:ext>
-                </a:extLst>
-              </p:cNvPr>
-              <p:cNvPicPr>
-                <a:picLocks noChangeAspect="1"/>
-              </p:cNvPicPr>
-              <p:nvPr/>
-            </p:nvPicPr>
-            <p:blipFill>
-              <a:blip r:embed="rId2"/>
-              <a:stretch>
-                <a:fillRect/>
-              </a:stretch>
-            </p:blipFill>
-            <p:spPr>
-              <a:xfrm>
-                <a:off x="1287059" y="4348307"/>
-                <a:ext cx="799955" cy="799955"/>
-              </a:xfrm>
-              <a:prstGeom prst="rect">
-                <a:avLst/>
-              </a:prstGeom>
-            </p:spPr>
-          </p:pic>
-          <p:pic>
-            <p:nvPicPr>
-              <p:cNvPr id="81" name="Picture 80">
-                <a:extLst>
-                  <a:ext uri="{FF2B5EF4-FFF2-40B4-BE49-F238E27FC236}">
-                    <a16:creationId xmlns:a16="http://schemas.microsoft.com/office/drawing/2014/main" id="{A755851F-4D9D-CE4B-863E-DC9E1672196F}"/>
-                  </a:ext>
-                </a:extLst>
-              </p:cNvPr>
-              <p:cNvPicPr>
-                <a:picLocks noChangeAspect="1"/>
-              </p:cNvPicPr>
-              <p:nvPr/>
-            </p:nvPicPr>
-            <p:blipFill>
-              <a:blip r:embed="rId3"/>
-              <a:stretch>
-                <a:fillRect/>
-              </a:stretch>
-            </p:blipFill>
-            <p:spPr>
-              <a:xfrm>
-                <a:off x="-48680" y="4348308"/>
-                <a:ext cx="1335739" cy="799955"/>
-              </a:xfrm>
-              <a:prstGeom prst="rect">
-                <a:avLst/>
-              </a:prstGeom>
-              <a:ln w="6350">
-                <a:solidFill>
-                  <a:schemeClr val="tx1"/>
-                </a:solidFill>
-              </a:ln>
-            </p:spPr>
-          </p:pic>
-          <p:sp>
-            <p:nvSpPr>
-              <p:cNvPr id="82" name="Rectangle 81">
-                <a:extLst>
-                  <a:ext uri="{FF2B5EF4-FFF2-40B4-BE49-F238E27FC236}">
-                    <a16:creationId xmlns:a16="http://schemas.microsoft.com/office/drawing/2014/main" id="{37DB7326-BAA0-D942-92D8-B4BA43988B85}"/>
-                  </a:ext>
-                </a:extLst>
-              </p:cNvPr>
-              <p:cNvSpPr/>
-              <p:nvPr/>
-            </p:nvSpPr>
-            <p:spPr>
-              <a:xfrm>
-                <a:off x="-48680" y="4348307"/>
-                <a:ext cx="2135694" cy="799955"/>
-              </a:xfrm>
-              <a:prstGeom prst="rect">
-                <a:avLst/>
-              </a:prstGeom>
-              <a:noFill/>
-              <a:ln w="19050">
-                <a:solidFill>
-                  <a:schemeClr val="tx1"/>
-                </a:solidFill>
-              </a:ln>
-            </p:spPr>
-            <p:style>
-              <a:lnRef idx="2">
-                <a:schemeClr val="accent1">
-                  <a:shade val="50000"/>
-                </a:schemeClr>
-              </a:lnRef>
-              <a:fillRef idx="1">
-                <a:schemeClr val="accent1"/>
-              </a:fillRef>
-              <a:effectRef idx="0">
-                <a:schemeClr val="accent1"/>
-              </a:effectRef>
-              <a:fontRef idx="minor">
-                <a:schemeClr val="lt1"/>
-              </a:fontRef>
-            </p:style>
-            <p:txBody>
-              <a:bodyPr rtlCol="0" anchor="ctr"/>
-              <a:lstStyle/>
-              <a:p>
-                <a:pPr algn="ctr"/>
-                <a:endParaRPr lang="en-US" dirty="0"/>
-              </a:p>
-            </p:txBody>
-          </p:sp>
-        </p:grpSp>
-        <p:pic>
-          <p:nvPicPr>
-            <p:cNvPr id="43" name="Picture 42">
-              <a:extLst>
-                <a:ext uri="{FF2B5EF4-FFF2-40B4-BE49-F238E27FC236}">
-                  <a16:creationId xmlns:a16="http://schemas.microsoft.com/office/drawing/2014/main" id="{D48EDCA5-89C0-1046-9920-6500616BF51B}"/>
+                  <a16:creationId xmlns:a16="http://schemas.microsoft.com/office/drawing/2014/main" id="{3D21518E-9513-5045-9CEE-BF2EC36E5327}"/>
                 </a:ext>
               </a:extLst>
             </p:cNvPr>
@@ -4373,795 +4660,63 @@
             </p:cNvPicPr>
             <p:nvPr/>
           </p:nvPicPr>
-          <p:blipFill rotWithShape="1">
-            <a:blip r:embed="rId4"/>
-            <a:srcRect l="6334" t="4340" r="7057" b="8807"/>
-            <a:stretch/>
+          <p:blipFill>
+            <a:blip r:embed="rId2"/>
+            <a:stretch>
+              <a:fillRect/>
+            </a:stretch>
           </p:blipFill>
           <p:spPr>
             <a:xfrm>
-              <a:off x="6422003" y="1020726"/>
-              <a:ext cx="1522033" cy="916064"/>
+              <a:off x="1287059" y="4348307"/>
+              <a:ext cx="799955" cy="799955"/>
             </a:xfrm>
             <a:prstGeom prst="rect">
               <a:avLst/>
             </a:prstGeom>
           </p:spPr>
         </p:pic>
-        <p:grpSp>
-          <p:nvGrpSpPr>
-            <p:cNvPr id="84" name="Group 83">
+        <p:pic>
+          <p:nvPicPr>
+            <p:cNvPr id="81" name="Picture 80">
               <a:extLst>
                 <a:ext uri="{FF2B5EF4-FFF2-40B4-BE49-F238E27FC236}">
-                  <a16:creationId xmlns:a16="http://schemas.microsoft.com/office/drawing/2014/main" id="{06B3D412-0470-0C41-BDC6-236C5F3012E4}"/>
+                  <a16:creationId xmlns:a16="http://schemas.microsoft.com/office/drawing/2014/main" id="{A755851F-4D9D-CE4B-863E-DC9E1672196F}"/>
                 </a:ext>
               </a:extLst>
             </p:cNvPr>
-            <p:cNvGrpSpPr>
-              <a:grpSpLocks noChangeAspect="1"/>
-            </p:cNvGrpSpPr>
+            <p:cNvPicPr>
+              <a:picLocks noChangeAspect="1"/>
+            </p:cNvPicPr>
             <p:nvPr/>
-          </p:nvGrpSpPr>
-          <p:grpSpPr>
+          </p:nvPicPr>
+          <p:blipFill>
+            <a:blip r:embed="rId3"/>
+            <a:stretch>
+              <a:fillRect/>
+            </a:stretch>
+          </p:blipFill>
+          <p:spPr>
             <a:xfrm>
-              <a:off x="3442776" y="2966699"/>
-              <a:ext cx="2286000" cy="856255"/>
-              <a:chOff x="-48680" y="4348307"/>
-              <a:chExt cx="2135694" cy="799956"/>
+              <a:off x="-48680" y="4348308"/>
+              <a:ext cx="1335739" cy="799955"/>
             </a:xfrm>
-          </p:grpSpPr>
-          <p:pic>
-            <p:nvPicPr>
-              <p:cNvPr id="85" name="Picture 84">
-                <a:extLst>
-                  <a:ext uri="{FF2B5EF4-FFF2-40B4-BE49-F238E27FC236}">
-                    <a16:creationId xmlns:a16="http://schemas.microsoft.com/office/drawing/2014/main" id="{1E69A0FF-0ECA-9B43-A718-FB63BFAFBF0D}"/>
-                  </a:ext>
-                </a:extLst>
-              </p:cNvPr>
-              <p:cNvPicPr>
-                <a:picLocks noChangeAspect="1"/>
-              </p:cNvPicPr>
-              <p:nvPr/>
-            </p:nvPicPr>
-            <p:blipFill>
-              <a:blip r:embed="rId5"/>
-              <a:srcRect/>
-              <a:stretch/>
-            </p:blipFill>
-            <p:spPr>
-              <a:xfrm>
-                <a:off x="1287059" y="4348307"/>
-                <a:ext cx="799955" cy="799955"/>
-              </a:xfrm>
-              <a:prstGeom prst="rect">
-                <a:avLst/>
-              </a:prstGeom>
-            </p:spPr>
-          </p:pic>
-          <p:pic>
-            <p:nvPicPr>
-              <p:cNvPr id="86" name="Picture 85">
-                <a:extLst>
-                  <a:ext uri="{FF2B5EF4-FFF2-40B4-BE49-F238E27FC236}">
-                    <a16:creationId xmlns:a16="http://schemas.microsoft.com/office/drawing/2014/main" id="{4B0A9A9A-EB5D-F54E-BD9F-5FFA0145E724}"/>
-                  </a:ext>
-                </a:extLst>
-              </p:cNvPr>
-              <p:cNvPicPr>
-                <a:picLocks noChangeAspect="1"/>
-              </p:cNvPicPr>
-              <p:nvPr/>
-            </p:nvPicPr>
-            <p:blipFill>
-              <a:blip r:embed="rId6"/>
-              <a:srcRect/>
-              <a:stretch/>
-            </p:blipFill>
-            <p:spPr>
-              <a:xfrm>
-                <a:off x="-48680" y="4348308"/>
-                <a:ext cx="1335738" cy="799955"/>
-              </a:xfrm>
-              <a:prstGeom prst="rect">
-                <a:avLst/>
-              </a:prstGeom>
-              <a:ln w="6350">
-                <a:solidFill>
-                  <a:schemeClr val="tx1"/>
-                </a:solidFill>
-              </a:ln>
-            </p:spPr>
-          </p:pic>
-          <p:sp>
-            <p:nvSpPr>
-              <p:cNvPr id="87" name="Rectangle 86">
-                <a:extLst>
-                  <a:ext uri="{FF2B5EF4-FFF2-40B4-BE49-F238E27FC236}">
-                    <a16:creationId xmlns:a16="http://schemas.microsoft.com/office/drawing/2014/main" id="{3D410FF3-BBBE-2C43-B9B8-65027349E20B}"/>
-                  </a:ext>
-                </a:extLst>
-              </p:cNvPr>
-              <p:cNvSpPr/>
-              <p:nvPr/>
-            </p:nvSpPr>
-            <p:spPr>
-              <a:xfrm>
-                <a:off x="-48680" y="4348307"/>
-                <a:ext cx="2135694" cy="799955"/>
-              </a:xfrm>
-              <a:prstGeom prst="rect">
-                <a:avLst/>
-              </a:prstGeom>
-              <a:noFill/>
-              <a:ln w="19050">
-                <a:solidFill>
-                  <a:schemeClr val="tx1"/>
-                </a:solidFill>
-              </a:ln>
-            </p:spPr>
-            <p:style>
-              <a:lnRef idx="2">
-                <a:schemeClr val="accent1">
-                  <a:shade val="50000"/>
-                </a:schemeClr>
-              </a:lnRef>
-              <a:fillRef idx="1">
-                <a:schemeClr val="accent1"/>
-              </a:fillRef>
-              <a:effectRef idx="0">
-                <a:schemeClr val="accent1"/>
-              </a:effectRef>
-              <a:fontRef idx="minor">
-                <a:schemeClr val="lt1"/>
-              </a:fontRef>
-            </p:style>
-            <p:txBody>
-              <a:bodyPr rtlCol="0" anchor="ctr"/>
-              <a:lstStyle/>
-              <a:p>
-                <a:pPr algn="ctr"/>
-                <a:endParaRPr lang="en-US"/>
-              </a:p>
-            </p:txBody>
-          </p:sp>
-        </p:grpSp>
-        <mc:AlternateContent xmlns:mc="http://schemas.openxmlformats.org/markup-compatibility/2006" xmlns:a14="http://schemas.microsoft.com/office/drawing/2010/main">
-          <mc:Choice Requires="a14">
-            <p:sp>
-              <p:nvSpPr>
-                <p:cNvPr id="12" name="TextBox 11">
-                  <a:extLst>
-                    <a:ext uri="{FF2B5EF4-FFF2-40B4-BE49-F238E27FC236}">
-                      <a16:creationId xmlns:a16="http://schemas.microsoft.com/office/drawing/2014/main" id="{B769E38E-BB4A-874B-9920-B65D02AF338A}"/>
-                    </a:ext>
-                  </a:extLst>
-                </p:cNvPr>
-                <p:cNvSpPr txBox="1"/>
-                <p:nvPr/>
-              </p:nvSpPr>
-              <p:spPr>
-                <a:xfrm>
-                  <a:off x="3226379" y="1976344"/>
-                  <a:ext cx="1949084" cy="680123"/>
-                </a:xfrm>
-                <a:prstGeom prst="rect">
-                  <a:avLst/>
-                </a:prstGeom>
-                <a:solidFill>
-                  <a:schemeClr val="accent6"/>
-                </a:solidFill>
-                <a:ln>
-                  <a:solidFill>
-                    <a:schemeClr val="tx1"/>
-                  </a:solidFill>
-                </a:ln>
-              </p:spPr>
-              <p:txBody>
-                <a:bodyPr wrap="square" rtlCol="0">
-                  <a:spAutoFit/>
-                </a:bodyPr>
-                <a:lstStyle/>
-                <a:p>
-                  <a:r>
-                    <a:rPr lang="en-US" dirty="0"/>
-                    <a:t>Phase-I Dataset: </a:t>
-                  </a:r>
-                  <a14:m>
-                    <m:oMath xmlns:m="http://schemas.openxmlformats.org/officeDocument/2006/math">
-                      <m:r>
-                        <m:rPr>
-                          <m:lit/>
-                        </m:rPr>
-                        <a:rPr lang="en-US" i="1">
-                          <a:latin typeface="Cambria Math" panose="02040503050406030204" pitchFamily="18" charset="0"/>
-                        </a:rPr>
-                        <m:t>{</m:t>
-                      </m:r>
-                      <m:d>
-                        <m:dPr>
-                          <m:ctrlPr>
-                            <a:rPr lang="en-US" i="1">
-                              <a:latin typeface="Cambria Math" panose="02040503050406030204" pitchFamily="18" charset="0"/>
-                            </a:rPr>
-                          </m:ctrlPr>
-                        </m:dPr>
-                        <m:e>
-                          <m:sSub>
-                            <m:sSubPr>
-                              <m:ctrlPr>
-                                <a:rPr lang="en-US" i="1">
-                                  <a:latin typeface="Cambria Math" panose="02040503050406030204" pitchFamily="18" charset="0"/>
-                                </a:rPr>
-                              </m:ctrlPr>
-                            </m:sSubPr>
-                            <m:e>
-                              <m:r>
-                                <a:rPr lang="en-US" b="1" i="1">
-                                  <a:latin typeface="Cambria Math" panose="02040503050406030204" pitchFamily="18" charset="0"/>
-                                </a:rPr>
-                                <m:t>𝒙</m:t>
-                              </m:r>
-                            </m:e>
-                            <m:sub>
-                              <m:r>
-                                <a:rPr lang="en-US" i="1">
-                                  <a:latin typeface="Cambria Math" panose="02040503050406030204" pitchFamily="18" charset="0"/>
-                                </a:rPr>
-                                <m:t>𝑖</m:t>
-                              </m:r>
-                            </m:sub>
-                          </m:sSub>
-                          <m:r>
-                            <a:rPr lang="en-US" i="1">
-                              <a:latin typeface="Cambria Math" panose="02040503050406030204" pitchFamily="18" charset="0"/>
-                            </a:rPr>
-                            <m:t>, </m:t>
-                          </m:r>
-                          <m:sSub>
-                            <m:sSubPr>
-                              <m:ctrlPr>
-                                <a:rPr lang="en-US" i="1">
-                                  <a:latin typeface="Cambria Math" panose="02040503050406030204" pitchFamily="18" charset="0"/>
-                                </a:rPr>
-                              </m:ctrlPr>
-                            </m:sSubPr>
-                            <m:e>
-                              <m:r>
-                                <a:rPr lang="en-US" i="1">
-                                  <a:latin typeface="Cambria Math" panose="02040503050406030204" pitchFamily="18" charset="0"/>
-                                </a:rPr>
-                                <m:t>𝑦</m:t>
-                              </m:r>
-                            </m:e>
-                            <m:sub>
-                              <m:r>
-                                <a:rPr lang="en-US" i="1">
-                                  <a:latin typeface="Cambria Math" panose="02040503050406030204" pitchFamily="18" charset="0"/>
-                                </a:rPr>
-                                <m:t>𝑖</m:t>
-                              </m:r>
-                            </m:sub>
-                          </m:sSub>
-                        </m:e>
-                      </m:d>
-                      <m:sSubSup>
-                        <m:sSubSupPr>
-                          <m:ctrlPr>
-                            <a:rPr lang="en-US" i="1">
-                              <a:latin typeface="Cambria Math" panose="02040503050406030204" pitchFamily="18" charset="0"/>
-                            </a:rPr>
-                          </m:ctrlPr>
-                        </m:sSubSupPr>
-                        <m:e>
-                          <m:r>
-                            <m:rPr>
-                              <m:lit/>
-                            </m:rPr>
-                            <a:rPr lang="en-US" i="1">
-                              <a:latin typeface="Cambria Math" panose="02040503050406030204" pitchFamily="18" charset="0"/>
-                            </a:rPr>
-                            <m:t>}</m:t>
-                          </m:r>
-                        </m:e>
-                        <m:sub>
-                          <m:r>
-                            <a:rPr lang="en-US" i="1">
-                              <a:latin typeface="Cambria Math" panose="02040503050406030204" pitchFamily="18" charset="0"/>
-                            </a:rPr>
-                            <m:t>𝑖</m:t>
-                          </m:r>
-                          <m:r>
-                            <a:rPr lang="en-US" i="1">
-                              <a:latin typeface="Cambria Math" panose="02040503050406030204" pitchFamily="18" charset="0"/>
-                            </a:rPr>
-                            <m:t>=</m:t>
-                          </m:r>
-                          <m:sSub>
-                            <m:sSubPr>
-                              <m:ctrlPr>
-                                <a:rPr lang="en-US" i="1">
-                                  <a:latin typeface="Cambria Math" panose="02040503050406030204" pitchFamily="18" charset="0"/>
-                                </a:rPr>
-                              </m:ctrlPr>
-                            </m:sSubPr>
-                            <m:e>
-                              <m:r>
-                                <a:rPr lang="en-US" i="1">
-                                  <a:latin typeface="Cambria Math" panose="02040503050406030204" pitchFamily="18" charset="0"/>
-                                </a:rPr>
-                                <m:t>𝑛</m:t>
-                              </m:r>
-                            </m:e>
-                            <m:sub>
-                              <m:r>
-                                <a:rPr lang="en-US" altLang="zh-CN" i="1">
-                                  <a:latin typeface="Cambria Math" panose="02040503050406030204" pitchFamily="18" charset="0"/>
-                                </a:rPr>
-                                <m:t>1</m:t>
-                              </m:r>
-                            </m:sub>
-                          </m:sSub>
-                          <m:r>
-                            <a:rPr lang="en-US" altLang="zh-CN" i="1">
-                              <a:latin typeface="Cambria Math" panose="02040503050406030204" pitchFamily="18" charset="0"/>
-                            </a:rPr>
-                            <m:t>+</m:t>
-                          </m:r>
-                          <m:r>
-                            <a:rPr lang="en-US" i="1">
-                              <a:latin typeface="Cambria Math" panose="02040503050406030204" pitchFamily="18" charset="0"/>
-                            </a:rPr>
-                            <m:t>1</m:t>
-                          </m:r>
-                        </m:sub>
-                        <m:sup>
-                          <m:r>
-                            <a:rPr lang="en-US" i="1">
-                              <a:latin typeface="Cambria Math" panose="02040503050406030204" pitchFamily="18" charset="0"/>
-                            </a:rPr>
-                            <m:t>𝑛</m:t>
-                          </m:r>
-                        </m:sup>
-                      </m:sSubSup>
-                    </m:oMath>
-                  </a14:m>
-                  <a:endParaRPr lang="en-US" dirty="0"/>
-                </a:p>
-              </p:txBody>
-            </p:sp>
-          </mc:Choice>
-          <mc:Fallback xmlns="">
-            <p:sp>
-              <p:nvSpPr>
-                <p:cNvPr id="12" name="TextBox 11">
-                  <a:extLst>
-                    <a:ext uri="{FF2B5EF4-FFF2-40B4-BE49-F238E27FC236}">
-                      <a16:creationId xmlns:a16="http://schemas.microsoft.com/office/drawing/2014/main" id="{B769E38E-BB4A-874B-9920-B65D02AF338A}"/>
-                    </a:ext>
-                  </a:extLst>
-                </p:cNvPr>
-                <p:cNvSpPr txBox="1">
-                  <a:spLocks noRot="1" noChangeAspect="1" noMove="1" noResize="1" noEditPoints="1" noAdjustHandles="1" noChangeArrowheads="1" noChangeShapeType="1" noTextEdit="1"/>
-                </p:cNvSpPr>
-                <p:nvPr/>
-              </p:nvSpPr>
-              <p:spPr>
-                <a:xfrm>
-                  <a:off x="3226379" y="1976344"/>
-                  <a:ext cx="1949084" cy="680123"/>
-                </a:xfrm>
-                <a:prstGeom prst="rect">
-                  <a:avLst/>
-                </a:prstGeom>
-                <a:blipFill>
-                  <a:blip r:embed="rId7"/>
-                  <a:stretch>
-                    <a:fillRect l="-1923" t="-3636" b="-1818"/>
-                  </a:stretch>
-                </a:blipFill>
-                <a:ln>
-                  <a:solidFill>
-                    <a:schemeClr val="tx1"/>
-                  </a:solidFill>
-                </a:ln>
-              </p:spPr>
-              <p:txBody>
-                <a:bodyPr/>
-                <a:lstStyle/>
-                <a:p>
-                  <a:r>
-                    <a:rPr lang="en-US">
-                      <a:noFill/>
-                    </a:rPr>
-                    <a:t> </a:t>
-                  </a:r>
-                </a:p>
-              </p:txBody>
-            </p:sp>
-          </mc:Fallback>
-        </mc:AlternateContent>
-        <mc:AlternateContent xmlns:mc="http://schemas.openxmlformats.org/markup-compatibility/2006" xmlns:a14="http://schemas.microsoft.com/office/drawing/2010/main">
-          <mc:Choice Requires="a14">
-            <p:sp>
-              <p:nvSpPr>
-                <p:cNvPr id="9" name="TextBox 8">
-                  <a:extLst>
-                    <a:ext uri="{FF2B5EF4-FFF2-40B4-BE49-F238E27FC236}">
-                      <a16:creationId xmlns:a16="http://schemas.microsoft.com/office/drawing/2014/main" id="{D71D5991-F741-3342-84D4-BBB622BA6CD9}"/>
-                    </a:ext>
-                  </a:extLst>
-                </p:cNvPr>
-                <p:cNvSpPr txBox="1"/>
-                <p:nvPr/>
-              </p:nvSpPr>
-              <p:spPr>
-                <a:xfrm>
-                  <a:off x="3236004" y="1142147"/>
-                  <a:ext cx="1949084" cy="682751"/>
-                </a:xfrm>
-                <a:prstGeom prst="rect">
-                  <a:avLst/>
-                </a:prstGeom>
-                <a:solidFill>
-                  <a:schemeClr val="accent6"/>
-                </a:solidFill>
-                <a:ln>
-                  <a:solidFill>
-                    <a:schemeClr val="tx1"/>
-                  </a:solidFill>
-                </a:ln>
-              </p:spPr>
-              <p:txBody>
-                <a:bodyPr wrap="square" rtlCol="0">
-                  <a:spAutoFit/>
-                </a:bodyPr>
-                <a:lstStyle/>
-                <a:p>
-                  <a:r>
-                    <a:rPr lang="en-US" dirty="0"/>
-                    <a:t>Training Dataset: </a:t>
-                  </a:r>
-                  <a14:m>
-                    <m:oMath xmlns:m="http://schemas.openxmlformats.org/officeDocument/2006/math">
-                      <m:r>
-                        <m:rPr>
-                          <m:lit/>
-                        </m:rPr>
-                        <a:rPr lang="en-US" i="1">
-                          <a:latin typeface="Cambria Math" panose="02040503050406030204" pitchFamily="18" charset="0"/>
-                        </a:rPr>
-                        <m:t>{</m:t>
-                      </m:r>
-                      <m:d>
-                        <m:dPr>
-                          <m:ctrlPr>
-                            <a:rPr lang="en-US" i="1">
-                              <a:latin typeface="Cambria Math" panose="02040503050406030204" pitchFamily="18" charset="0"/>
-                            </a:rPr>
-                          </m:ctrlPr>
-                        </m:dPr>
-                        <m:e>
-                          <m:sSub>
-                            <m:sSubPr>
-                              <m:ctrlPr>
-                                <a:rPr lang="en-US" i="1">
-                                  <a:latin typeface="Cambria Math" panose="02040503050406030204" pitchFamily="18" charset="0"/>
-                                </a:rPr>
-                              </m:ctrlPr>
-                            </m:sSubPr>
-                            <m:e>
-                              <m:r>
-                                <a:rPr lang="en-US" b="1" i="1">
-                                  <a:latin typeface="Cambria Math" panose="02040503050406030204" pitchFamily="18" charset="0"/>
-                                </a:rPr>
-                                <m:t>𝒙</m:t>
-                              </m:r>
-                            </m:e>
-                            <m:sub>
-                              <m:r>
-                                <a:rPr lang="en-US" i="1">
-                                  <a:latin typeface="Cambria Math" panose="02040503050406030204" pitchFamily="18" charset="0"/>
-                                </a:rPr>
-                                <m:t>𝑖</m:t>
-                              </m:r>
-                            </m:sub>
-                          </m:sSub>
-                          <m:r>
-                            <a:rPr lang="en-US" i="1">
-                              <a:latin typeface="Cambria Math" panose="02040503050406030204" pitchFamily="18" charset="0"/>
-                            </a:rPr>
-                            <m:t>, </m:t>
-                          </m:r>
-                          <m:sSub>
-                            <m:sSubPr>
-                              <m:ctrlPr>
-                                <a:rPr lang="en-US" i="1">
-                                  <a:latin typeface="Cambria Math" panose="02040503050406030204" pitchFamily="18" charset="0"/>
-                                </a:rPr>
-                              </m:ctrlPr>
-                            </m:sSubPr>
-                            <m:e>
-                              <m:r>
-                                <a:rPr lang="en-US" i="1">
-                                  <a:latin typeface="Cambria Math" panose="02040503050406030204" pitchFamily="18" charset="0"/>
-                                </a:rPr>
-                                <m:t>𝑦</m:t>
-                              </m:r>
-                            </m:e>
-                            <m:sub>
-                              <m:r>
-                                <a:rPr lang="en-US" i="1">
-                                  <a:latin typeface="Cambria Math" panose="02040503050406030204" pitchFamily="18" charset="0"/>
-                                </a:rPr>
-                                <m:t>𝑖</m:t>
-                              </m:r>
-                            </m:sub>
-                          </m:sSub>
-                        </m:e>
-                      </m:d>
-                      <m:sSubSup>
-                        <m:sSubSupPr>
-                          <m:ctrlPr>
-                            <a:rPr lang="en-US" i="1">
-                              <a:latin typeface="Cambria Math" panose="02040503050406030204" pitchFamily="18" charset="0"/>
-                            </a:rPr>
-                          </m:ctrlPr>
-                        </m:sSubSupPr>
-                        <m:e>
-                          <m:r>
-                            <m:rPr>
-                              <m:lit/>
-                            </m:rPr>
-                            <a:rPr lang="en-US" i="1">
-                              <a:latin typeface="Cambria Math" panose="02040503050406030204" pitchFamily="18" charset="0"/>
-                            </a:rPr>
-                            <m:t>}</m:t>
-                          </m:r>
-                        </m:e>
-                        <m:sub>
-                          <m:r>
-                            <a:rPr lang="en-US" i="1">
-                              <a:latin typeface="Cambria Math" panose="02040503050406030204" pitchFamily="18" charset="0"/>
-                            </a:rPr>
-                            <m:t>𝑖</m:t>
-                          </m:r>
-                          <m:r>
-                            <a:rPr lang="en-US" i="1">
-                              <a:latin typeface="Cambria Math" panose="02040503050406030204" pitchFamily="18" charset="0"/>
-                            </a:rPr>
-                            <m:t>=1</m:t>
-                          </m:r>
-                        </m:sub>
-                        <m:sup>
-                          <m:sSub>
-                            <m:sSubPr>
-                              <m:ctrlPr>
-                                <a:rPr lang="en-US" i="1">
-                                  <a:latin typeface="Cambria Math" panose="02040503050406030204" pitchFamily="18" charset="0"/>
-                                </a:rPr>
-                              </m:ctrlPr>
-                            </m:sSubPr>
-                            <m:e>
-                              <m:r>
-                                <a:rPr lang="en-US" i="1">
-                                  <a:latin typeface="Cambria Math" panose="02040503050406030204" pitchFamily="18" charset="0"/>
-                                </a:rPr>
-                                <m:t>𝑛</m:t>
-                              </m:r>
-                            </m:e>
-                            <m:sub>
-                              <m:r>
-                                <a:rPr lang="en-US" i="1">
-                                  <a:latin typeface="Cambria Math" panose="02040503050406030204" pitchFamily="18" charset="0"/>
-                                </a:rPr>
-                                <m:t>1</m:t>
-                              </m:r>
-                            </m:sub>
-                          </m:sSub>
-                        </m:sup>
-                      </m:sSubSup>
-                    </m:oMath>
-                  </a14:m>
-                  <a:endParaRPr lang="en-US" dirty="0"/>
-                </a:p>
-              </p:txBody>
-            </p:sp>
-          </mc:Choice>
-          <mc:Fallback xmlns="">
-            <p:sp>
-              <p:nvSpPr>
-                <p:cNvPr id="9" name="TextBox 8">
-                  <a:extLst>
-                    <a:ext uri="{FF2B5EF4-FFF2-40B4-BE49-F238E27FC236}">
-                      <a16:creationId xmlns:a16="http://schemas.microsoft.com/office/drawing/2014/main" id="{D71D5991-F741-3342-84D4-BBB622BA6CD9}"/>
-                    </a:ext>
-                  </a:extLst>
-                </p:cNvPr>
-                <p:cNvSpPr txBox="1">
-                  <a:spLocks noRot="1" noChangeAspect="1" noMove="1" noResize="1" noEditPoints="1" noAdjustHandles="1" noChangeArrowheads="1" noChangeShapeType="1" noTextEdit="1"/>
-                </p:cNvSpPr>
-                <p:nvPr/>
-              </p:nvSpPr>
-              <p:spPr>
-                <a:xfrm>
-                  <a:off x="3236004" y="1142147"/>
-                  <a:ext cx="1949084" cy="682751"/>
-                </a:xfrm>
-                <a:prstGeom prst="rect">
-                  <a:avLst/>
-                </a:prstGeom>
-                <a:blipFill>
-                  <a:blip r:embed="rId8"/>
-                  <a:stretch>
-                    <a:fillRect l="-1923" t="-1786" b="-1786"/>
-                  </a:stretch>
-                </a:blipFill>
-                <a:ln>
-                  <a:solidFill>
-                    <a:schemeClr val="tx1"/>
-                  </a:solidFill>
-                </a:ln>
-              </p:spPr>
-              <p:txBody>
-                <a:bodyPr/>
-                <a:lstStyle/>
-                <a:p>
-                  <a:r>
-                    <a:rPr lang="en-US">
-                      <a:noFill/>
-                    </a:rPr>
-                    <a:t> </a:t>
-                  </a:r>
-                </a:p>
-              </p:txBody>
-            </p:sp>
-          </mc:Fallback>
-        </mc:AlternateContent>
-        <p:cxnSp>
-          <p:nvCxnSpPr>
-            <p:cNvPr id="6" name="Straight Arrow Connector 5">
-              <a:extLst>
-                <a:ext uri="{FF2B5EF4-FFF2-40B4-BE49-F238E27FC236}">
-                  <a16:creationId xmlns:a16="http://schemas.microsoft.com/office/drawing/2014/main" id="{49C806A0-813B-D241-8A1A-FF670D4FBA80}"/>
-                </a:ext>
-              </a:extLst>
-            </p:cNvPr>
-            <p:cNvCxnSpPr>
-              <a:cxnSpLocks/>
-              <a:stCxn id="5" idx="3"/>
-              <a:endCxn id="9" idx="1"/>
-            </p:cNvCxnSpPr>
-            <p:nvPr/>
-          </p:nvCxnSpPr>
-          <p:spPr>
-            <a:xfrm flipV="1">
-              <a:off x="2989910" y="1483523"/>
-              <a:ext cx="246094" cy="416169"/>
-            </a:xfrm>
-            <a:prstGeom prst="straightConnector1">
+            <a:prstGeom prst="rect">
               <a:avLst/>
             </a:prstGeom>
-            <a:ln w="28575">
+            <a:ln w="6350">
               <a:solidFill>
                 <a:schemeClr val="tx1"/>
               </a:solidFill>
-              <a:tailEnd type="triangle"/>
             </a:ln>
           </p:spPr>
-          <p:style>
-            <a:lnRef idx="1">
-              <a:schemeClr val="accent1"/>
-            </a:lnRef>
-            <a:fillRef idx="0">
-              <a:schemeClr val="accent1"/>
-            </a:fillRef>
-            <a:effectRef idx="0">
-              <a:schemeClr val="accent1"/>
-            </a:effectRef>
-            <a:fontRef idx="minor">
-              <a:schemeClr val="tx1"/>
-            </a:fontRef>
-          </p:style>
-        </p:cxnSp>
-        <p:cxnSp>
-          <p:nvCxnSpPr>
-            <p:cNvPr id="17" name="Straight Arrow Connector 16">
+        </p:pic>
+        <p:sp>
+          <p:nvSpPr>
+            <p:cNvPr id="82" name="Rectangle 81">
               <a:extLst>
                 <a:ext uri="{FF2B5EF4-FFF2-40B4-BE49-F238E27FC236}">
-                  <a16:creationId xmlns:a16="http://schemas.microsoft.com/office/drawing/2014/main" id="{1EC5E9C2-E2D6-7E43-9896-CE98A068092E}"/>
-                </a:ext>
-              </a:extLst>
-            </p:cNvPr>
-            <p:cNvCxnSpPr>
-              <a:cxnSpLocks/>
-              <a:stCxn id="9" idx="3"/>
-              <a:endCxn id="19" idx="1"/>
-            </p:cNvCxnSpPr>
-            <p:nvPr/>
-          </p:nvCxnSpPr>
-          <p:spPr>
-            <a:xfrm>
-              <a:off x="5185088" y="1483523"/>
-              <a:ext cx="125128" cy="446914"/>
-            </a:xfrm>
-            <a:prstGeom prst="straightConnector1">
-              <a:avLst/>
-            </a:prstGeom>
-            <a:ln w="28575">
-              <a:solidFill>
-                <a:schemeClr val="tx1"/>
-              </a:solidFill>
-              <a:tailEnd type="triangle"/>
-            </a:ln>
-          </p:spPr>
-          <p:style>
-            <a:lnRef idx="1">
-              <a:schemeClr val="accent1"/>
-            </a:lnRef>
-            <a:fillRef idx="0">
-              <a:schemeClr val="accent1"/>
-            </a:fillRef>
-            <a:effectRef idx="0">
-              <a:schemeClr val="accent1"/>
-            </a:effectRef>
-            <a:fontRef idx="minor">
-              <a:schemeClr val="tx1"/>
-            </a:fontRef>
-          </p:style>
-        </p:cxnSp>
-        <p:cxnSp>
-          <p:nvCxnSpPr>
-            <p:cNvPr id="45" name="Straight Arrow Connector 44">
-              <a:extLst>
-                <a:ext uri="{FF2B5EF4-FFF2-40B4-BE49-F238E27FC236}">
-                  <a16:creationId xmlns:a16="http://schemas.microsoft.com/office/drawing/2014/main" id="{5D9D6A46-5B4C-AC40-9697-DF13E525C583}"/>
-                </a:ext>
-              </a:extLst>
-            </p:cNvPr>
-            <p:cNvCxnSpPr>
-              <a:cxnSpLocks/>
-              <a:stCxn id="12" idx="3"/>
-              <a:endCxn id="19" idx="1"/>
-            </p:cNvCxnSpPr>
-            <p:nvPr/>
-          </p:nvCxnSpPr>
-          <p:spPr>
-            <a:xfrm flipV="1">
-              <a:off x="5175463" y="1930437"/>
-              <a:ext cx="134753" cy="385969"/>
-            </a:xfrm>
-            <a:prstGeom prst="straightConnector1">
-              <a:avLst/>
-            </a:prstGeom>
-            <a:ln w="28575">
-              <a:solidFill>
-                <a:schemeClr val="tx1"/>
-              </a:solidFill>
-              <a:tailEnd type="triangle"/>
-            </a:ln>
-          </p:spPr>
-          <p:style>
-            <a:lnRef idx="1">
-              <a:schemeClr val="accent1"/>
-            </a:lnRef>
-            <a:fillRef idx="0">
-              <a:schemeClr val="accent1"/>
-            </a:fillRef>
-            <a:effectRef idx="0">
-              <a:schemeClr val="accent1"/>
-            </a:effectRef>
-            <a:fontRef idx="minor">
-              <a:schemeClr val="tx1"/>
-            </a:fontRef>
-          </p:style>
-        </p:cxnSp>
-        <p:sp>
-          <p:nvSpPr>
-            <p:cNvPr id="19" name="Rounded Rectangle 18">
-              <a:extLst>
-                <a:ext uri="{FF2B5EF4-FFF2-40B4-BE49-F238E27FC236}">
-                  <a16:creationId xmlns:a16="http://schemas.microsoft.com/office/drawing/2014/main" id="{137FB4BA-8BFD-704E-B6BA-915F83B40ACF}"/>
+                  <a16:creationId xmlns:a16="http://schemas.microsoft.com/office/drawing/2014/main" id="{37DB7326-BAA0-D942-92D8-B4BA43988B85}"/>
                 </a:ext>
               </a:extLst>
             </p:cNvPr>
@@ -5170,19 +4725,14 @@
           </p:nvSpPr>
           <p:spPr>
             <a:xfrm>
-              <a:off x="5310216" y="1759698"/>
-              <a:ext cx="952312" cy="341478"/>
+              <a:off x="-48680" y="4348307"/>
+              <a:ext cx="2135694" cy="799955"/>
             </a:xfrm>
-            <a:prstGeom prst="roundRect">
+            <a:prstGeom prst="rect">
               <a:avLst/>
             </a:prstGeom>
-            <a:solidFill>
-              <a:schemeClr val="accent4">
-                <a:lumMod val="20000"/>
-                <a:lumOff val="80000"/>
-              </a:schemeClr>
-            </a:solidFill>
-            <a:ln>
+            <a:noFill/>
+            <a:ln w="19050">
               <a:solidFill>
                 <a:schemeClr val="tx1"/>
               </a:solidFill>
@@ -5209,982 +4759,131 @@
             <a:lstStyle/>
             <a:p>
               <a:pPr algn="ctr"/>
-              <a:r>
-                <a:rPr lang="en-US" dirty="0">
-                  <a:solidFill>
-                    <a:schemeClr val="tx1"/>
-                  </a:solidFill>
-                </a:rPr>
-                <a:t>Model</a:t>
-              </a:r>
+              <a:endParaRPr lang="en-US" dirty="0"/>
             </a:p>
           </p:txBody>
         </p:sp>
-        <p:cxnSp>
-          <p:nvCxnSpPr>
-            <p:cNvPr id="48" name="Straight Arrow Connector 47">
+      </p:grpSp>
+      <p:pic>
+        <p:nvPicPr>
+          <p:cNvPr id="43" name="Picture 42">
+            <a:extLst>
+              <a:ext uri="{FF2B5EF4-FFF2-40B4-BE49-F238E27FC236}">
+                <a16:creationId xmlns:a16="http://schemas.microsoft.com/office/drawing/2014/main" id="{D48EDCA5-89C0-1046-9920-6500616BF51B}"/>
+              </a:ext>
+            </a:extLst>
+          </p:cNvPr>
+          <p:cNvPicPr>
+            <a:picLocks noChangeAspect="1"/>
+          </p:cNvPicPr>
+          <p:nvPr/>
+        </p:nvPicPr>
+        <p:blipFill rotWithShape="1">
+          <a:blip r:embed="rId4"/>
+          <a:srcRect l="6334" t="4340" r="7057" b="8807"/>
+          <a:stretch/>
+        </p:blipFill>
+        <p:spPr>
+          <a:xfrm>
+            <a:off x="5999247" y="558113"/>
+            <a:ext cx="1522033" cy="916064"/>
+          </a:xfrm>
+          <a:prstGeom prst="rect">
+            <a:avLst/>
+          </a:prstGeom>
+        </p:spPr>
+      </p:pic>
+      <p:grpSp>
+        <p:nvGrpSpPr>
+          <p:cNvPr id="84" name="Group 83">
+            <a:extLst>
+              <a:ext uri="{FF2B5EF4-FFF2-40B4-BE49-F238E27FC236}">
+                <a16:creationId xmlns:a16="http://schemas.microsoft.com/office/drawing/2014/main" id="{06B3D412-0470-0C41-BDC6-236C5F3012E4}"/>
+              </a:ext>
+            </a:extLst>
+          </p:cNvPr>
+          <p:cNvGrpSpPr>
+            <a:grpSpLocks noChangeAspect="1"/>
+          </p:cNvGrpSpPr>
+          <p:nvPr/>
+        </p:nvGrpSpPr>
+        <p:grpSpPr>
+          <a:xfrm>
+            <a:off x="3067392" y="2543278"/>
+            <a:ext cx="2286000" cy="856255"/>
+            <a:chOff x="-48680" y="4348307"/>
+            <a:chExt cx="2135694" cy="799956"/>
+          </a:xfrm>
+        </p:grpSpPr>
+        <p:pic>
+          <p:nvPicPr>
+            <p:cNvPr id="85" name="Picture 84">
               <a:extLst>
                 <a:ext uri="{FF2B5EF4-FFF2-40B4-BE49-F238E27FC236}">
-                  <a16:creationId xmlns:a16="http://schemas.microsoft.com/office/drawing/2014/main" id="{BFEF1553-7ACA-6448-AE5A-C23C6984DBC5}"/>
+                  <a16:creationId xmlns:a16="http://schemas.microsoft.com/office/drawing/2014/main" id="{1E69A0FF-0ECA-9B43-A718-FB63BFAFBF0D}"/>
                 </a:ext>
               </a:extLst>
             </p:cNvPr>
-            <p:cNvCxnSpPr>
-              <a:cxnSpLocks/>
-              <a:stCxn id="43" idx="2"/>
-              <a:endCxn id="40" idx="0"/>
-            </p:cNvCxnSpPr>
+            <p:cNvPicPr>
+              <a:picLocks noChangeAspect="1"/>
+            </p:cNvPicPr>
             <p:nvPr/>
-          </p:nvCxnSpPr>
-          <p:spPr>
-            <a:xfrm flipH="1">
-              <a:off x="7182968" y="1936790"/>
-              <a:ext cx="52" cy="120667"/>
-            </a:xfrm>
-            <a:prstGeom prst="straightConnector1">
-              <a:avLst/>
-            </a:prstGeom>
-            <a:ln w="28575">
-              <a:solidFill>
-                <a:schemeClr val="tx1"/>
-              </a:solidFill>
-              <a:tailEnd type="triangle"/>
-            </a:ln>
-          </p:spPr>
-          <p:style>
-            <a:lnRef idx="1">
-              <a:schemeClr val="accent1"/>
-            </a:lnRef>
-            <a:fillRef idx="0">
-              <a:schemeClr val="accent1"/>
-            </a:fillRef>
-            <a:effectRef idx="0">
-              <a:schemeClr val="accent1"/>
-            </a:effectRef>
-            <a:fontRef idx="minor">
-              <a:schemeClr val="tx1"/>
-            </a:fontRef>
-          </p:style>
-        </p:cxnSp>
-        <p:cxnSp>
-          <p:nvCxnSpPr>
-            <p:cNvPr id="55" name="Straight Arrow Connector 54">
-              <a:extLst>
-                <a:ext uri="{FF2B5EF4-FFF2-40B4-BE49-F238E27FC236}">
-                  <a16:creationId xmlns:a16="http://schemas.microsoft.com/office/drawing/2014/main" id="{59D9343F-C586-0849-9443-4F7D6F639232}"/>
-                </a:ext>
-              </a:extLst>
-            </p:cNvPr>
-            <p:cNvCxnSpPr>
-              <a:cxnSpLocks/>
-              <a:stCxn id="40" idx="2"/>
-              <a:endCxn id="82" idx="0"/>
-            </p:cNvCxnSpPr>
-            <p:nvPr/>
-          </p:nvCxnSpPr>
-          <p:spPr>
-            <a:xfrm flipH="1">
-              <a:off x="2190819" y="2730013"/>
-              <a:ext cx="4992149" cy="236685"/>
-            </a:xfrm>
-            <a:prstGeom prst="straightConnector1">
-              <a:avLst/>
-            </a:prstGeom>
-            <a:ln w="28575">
-              <a:solidFill>
-                <a:schemeClr val="tx1"/>
-              </a:solidFill>
-              <a:tailEnd type="triangle"/>
-            </a:ln>
-          </p:spPr>
-          <p:style>
-            <a:lnRef idx="1">
-              <a:schemeClr val="accent1"/>
-            </a:lnRef>
-            <a:fillRef idx="0">
-              <a:schemeClr val="accent1"/>
-            </a:fillRef>
-            <a:effectRef idx="0">
-              <a:schemeClr val="accent1"/>
-            </a:effectRef>
-            <a:fontRef idx="minor">
-              <a:schemeClr val="tx1"/>
-            </a:fontRef>
-          </p:style>
-        </p:cxnSp>
-        <p:cxnSp>
-          <p:nvCxnSpPr>
-            <p:cNvPr id="58" name="Straight Arrow Connector 57">
-              <a:extLst>
-                <a:ext uri="{FF2B5EF4-FFF2-40B4-BE49-F238E27FC236}">
-                  <a16:creationId xmlns:a16="http://schemas.microsoft.com/office/drawing/2014/main" id="{0C77AA27-B398-794E-A38B-B4B5EBA97F94}"/>
-                </a:ext>
-              </a:extLst>
-            </p:cNvPr>
-            <p:cNvCxnSpPr>
-              <a:cxnSpLocks/>
-              <a:stCxn id="40" idx="2"/>
-              <a:endCxn id="91" idx="0"/>
-            </p:cNvCxnSpPr>
-            <p:nvPr/>
-          </p:nvCxnSpPr>
-          <p:spPr>
-            <a:xfrm flipH="1">
-              <a:off x="6980733" y="2730013"/>
-              <a:ext cx="202235" cy="236686"/>
-            </a:xfrm>
-            <a:prstGeom prst="straightConnector1">
-              <a:avLst/>
-            </a:prstGeom>
-            <a:ln w="28575">
-              <a:solidFill>
-                <a:schemeClr val="tx1"/>
-              </a:solidFill>
-              <a:tailEnd type="triangle"/>
-            </a:ln>
-          </p:spPr>
-          <p:style>
-            <a:lnRef idx="1">
-              <a:schemeClr val="accent1"/>
-            </a:lnRef>
-            <a:fillRef idx="0">
-              <a:schemeClr val="accent1"/>
-            </a:fillRef>
-            <a:effectRef idx="0">
-              <a:schemeClr val="accent1"/>
-            </a:effectRef>
-            <a:fontRef idx="minor">
-              <a:schemeClr val="tx1"/>
-            </a:fontRef>
-          </p:style>
-        </p:cxnSp>
-        <p:cxnSp>
-          <p:nvCxnSpPr>
-            <p:cNvPr id="61" name="Straight Arrow Connector 60">
-              <a:extLst>
-                <a:ext uri="{FF2B5EF4-FFF2-40B4-BE49-F238E27FC236}">
-                  <a16:creationId xmlns:a16="http://schemas.microsoft.com/office/drawing/2014/main" id="{504E96F7-8D62-9B49-9246-F29BEEB01327}"/>
-                </a:ext>
-              </a:extLst>
-            </p:cNvPr>
-            <p:cNvCxnSpPr>
-              <a:cxnSpLocks/>
-              <a:stCxn id="40" idx="2"/>
-              <a:endCxn id="87" idx="0"/>
-            </p:cNvCxnSpPr>
-            <p:nvPr/>
-          </p:nvCxnSpPr>
-          <p:spPr>
-            <a:xfrm flipH="1">
-              <a:off x="4585776" y="2730013"/>
-              <a:ext cx="2597192" cy="236686"/>
-            </a:xfrm>
-            <a:prstGeom prst="straightConnector1">
-              <a:avLst/>
-            </a:prstGeom>
-            <a:ln w="28575">
-              <a:solidFill>
-                <a:schemeClr val="tx1"/>
-              </a:solidFill>
-              <a:tailEnd type="triangle"/>
-            </a:ln>
-          </p:spPr>
-          <p:style>
-            <a:lnRef idx="1">
-              <a:schemeClr val="accent1"/>
-            </a:lnRef>
-            <a:fillRef idx="0">
-              <a:schemeClr val="accent1"/>
-            </a:fillRef>
-            <a:effectRef idx="0">
-              <a:schemeClr val="accent1"/>
-            </a:effectRef>
-            <a:fontRef idx="minor">
-              <a:schemeClr val="tx1"/>
-            </a:fontRef>
-          </p:style>
-        </p:cxnSp>
-        <p:sp>
-          <p:nvSpPr>
-            <p:cNvPr id="73" name="TextBox 72">
-              <a:extLst>
-                <a:ext uri="{FF2B5EF4-FFF2-40B4-BE49-F238E27FC236}">
-                  <a16:creationId xmlns:a16="http://schemas.microsoft.com/office/drawing/2014/main" id="{6F7EB666-A889-4C4F-BAE1-3040939C05D1}"/>
-                </a:ext>
-              </a:extLst>
-            </p:cNvPr>
-            <p:cNvSpPr txBox="1"/>
-            <p:nvPr/>
-          </p:nvSpPr>
+          </p:nvPicPr>
+          <p:blipFill>
+            <a:blip r:embed="rId5"/>
+            <a:srcRect/>
+            <a:stretch/>
+          </p:blipFill>
           <p:spPr>
             <a:xfrm>
-              <a:off x="1728962" y="3786477"/>
-              <a:ext cx="923714" cy="369332"/>
+              <a:off x="1287059" y="4348307"/>
+              <a:ext cx="799955" cy="799955"/>
             </a:xfrm>
             <a:prstGeom prst="rect">
               <a:avLst/>
             </a:prstGeom>
-            <a:noFill/>
           </p:spPr>
-          <p:txBody>
-            <a:bodyPr wrap="none" rtlCol="0">
-              <a:spAutoFit/>
-            </a:bodyPr>
-            <a:lstStyle/>
-            <a:p>
-              <a:r>
-                <a:rPr lang="en-US" dirty="0"/>
-                <a:t>Gradual</a:t>
-              </a:r>
-            </a:p>
-          </p:txBody>
-        </p:sp>
-        <p:sp>
-          <p:nvSpPr>
-            <p:cNvPr id="74" name="TextBox 73">
+        </p:pic>
+        <p:pic>
+          <p:nvPicPr>
+            <p:cNvPr id="86" name="Picture 85">
               <a:extLst>
                 <a:ext uri="{FF2B5EF4-FFF2-40B4-BE49-F238E27FC236}">
-                  <a16:creationId xmlns:a16="http://schemas.microsoft.com/office/drawing/2014/main" id="{D55780FA-4F1F-3342-8DA9-E19A7601CC6F}"/>
+                  <a16:creationId xmlns:a16="http://schemas.microsoft.com/office/drawing/2014/main" id="{4B0A9A9A-EB5D-F54E-BD9F-5FFA0145E724}"/>
                 </a:ext>
               </a:extLst>
             </p:cNvPr>
-            <p:cNvSpPr txBox="1"/>
+            <p:cNvPicPr>
+              <a:picLocks noChangeAspect="1"/>
+            </p:cNvPicPr>
             <p:nvPr/>
-          </p:nvSpPr>
+          </p:nvPicPr>
+          <p:blipFill>
+            <a:blip r:embed="rId6"/>
+            <a:srcRect/>
+            <a:stretch/>
+          </p:blipFill>
           <p:spPr>
             <a:xfrm>
-              <a:off x="4115117" y="3786477"/>
-              <a:ext cx="839269" cy="369332"/>
+              <a:off x="-48680" y="4348308"/>
+              <a:ext cx="1335738" cy="799955"/>
             </a:xfrm>
             <a:prstGeom prst="rect">
               <a:avLst/>
             </a:prstGeom>
-            <a:noFill/>
-          </p:spPr>
-          <p:txBody>
-            <a:bodyPr wrap="none" rtlCol="0">
-              <a:spAutoFit/>
-            </a:bodyPr>
-            <a:lstStyle/>
-            <a:p>
-              <a:r>
-                <a:rPr lang="en-US" dirty="0"/>
-                <a:t>Abrupt</a:t>
-              </a:r>
-            </a:p>
-          </p:txBody>
-        </p:sp>
-        <p:sp>
-          <p:nvSpPr>
-            <p:cNvPr id="75" name="TextBox 74">
-              <a:extLst>
-                <a:ext uri="{FF2B5EF4-FFF2-40B4-BE49-F238E27FC236}">
-                  <a16:creationId xmlns:a16="http://schemas.microsoft.com/office/drawing/2014/main" id="{0B8AA886-D242-6048-90F8-6954B30993B9}"/>
-                </a:ext>
-              </a:extLst>
-            </p:cNvPr>
-            <p:cNvSpPr txBox="1"/>
-            <p:nvPr/>
-          </p:nvSpPr>
-          <p:spPr>
-            <a:xfrm>
-              <a:off x="6416828" y="3786477"/>
-              <a:ext cx="1127809" cy="369332"/>
-            </a:xfrm>
-            <a:prstGeom prst="rect">
-              <a:avLst/>
-            </a:prstGeom>
-            <a:noFill/>
-          </p:spPr>
-          <p:txBody>
-            <a:bodyPr wrap="none" rtlCol="0">
-              <a:spAutoFit/>
-            </a:bodyPr>
-            <a:lstStyle/>
-            <a:p>
-              <a:r>
-                <a:rPr lang="en-US" dirty="0"/>
-                <a:t>In-Control</a:t>
-              </a:r>
-            </a:p>
-          </p:txBody>
-        </p:sp>
-        <p:grpSp>
-          <p:nvGrpSpPr>
-            <p:cNvPr id="88" name="Group 87">
-              <a:extLst>
-                <a:ext uri="{FF2B5EF4-FFF2-40B4-BE49-F238E27FC236}">
-                  <a16:creationId xmlns:a16="http://schemas.microsoft.com/office/drawing/2014/main" id="{46D324F3-E63B-024E-8745-78408CC6554A}"/>
-                </a:ext>
-              </a:extLst>
-            </p:cNvPr>
-            <p:cNvGrpSpPr>
-              <a:grpSpLocks noChangeAspect="1"/>
-            </p:cNvGrpSpPr>
-            <p:nvPr/>
-          </p:nvGrpSpPr>
-          <p:grpSpPr>
-            <a:xfrm>
-              <a:off x="5837733" y="2966699"/>
-              <a:ext cx="2286000" cy="856254"/>
-              <a:chOff x="-48680" y="4348307"/>
-              <a:chExt cx="2135694" cy="799955"/>
-            </a:xfrm>
-          </p:grpSpPr>
-          <p:pic>
-            <p:nvPicPr>
-              <p:cNvPr id="89" name="Picture 88">
-                <a:extLst>
-                  <a:ext uri="{FF2B5EF4-FFF2-40B4-BE49-F238E27FC236}">
-                    <a16:creationId xmlns:a16="http://schemas.microsoft.com/office/drawing/2014/main" id="{0DDEC995-B303-6B4A-B803-641581F6E3B2}"/>
-                  </a:ext>
-                </a:extLst>
-              </p:cNvPr>
-              <p:cNvPicPr>
-                <a:picLocks noChangeAspect="1"/>
-              </p:cNvPicPr>
-              <p:nvPr/>
-            </p:nvPicPr>
-            <p:blipFill>
-              <a:blip r:embed="rId9"/>
-              <a:srcRect/>
-              <a:stretch/>
-            </p:blipFill>
-            <p:spPr>
-              <a:xfrm>
-                <a:off x="1287059" y="4348307"/>
-                <a:ext cx="799955" cy="799955"/>
-              </a:xfrm>
-              <a:prstGeom prst="rect">
-                <a:avLst/>
-              </a:prstGeom>
-            </p:spPr>
-          </p:pic>
-          <p:pic>
-            <p:nvPicPr>
-              <p:cNvPr id="90" name="Picture 89">
-                <a:extLst>
-                  <a:ext uri="{FF2B5EF4-FFF2-40B4-BE49-F238E27FC236}">
-                    <a16:creationId xmlns:a16="http://schemas.microsoft.com/office/drawing/2014/main" id="{20F0A21B-10A6-6948-B09B-46F47EE3AD93}"/>
-                  </a:ext>
-                </a:extLst>
-              </p:cNvPr>
-              <p:cNvPicPr>
-                <a:picLocks noChangeAspect="1"/>
-              </p:cNvPicPr>
-              <p:nvPr/>
-            </p:nvPicPr>
-            <p:blipFill>
-              <a:blip r:embed="rId10"/>
-              <a:srcRect/>
-              <a:stretch/>
-            </p:blipFill>
-            <p:spPr>
-              <a:xfrm>
-                <a:off x="-48680" y="4348308"/>
-                <a:ext cx="1335738" cy="799954"/>
-              </a:xfrm>
-              <a:prstGeom prst="rect">
-                <a:avLst/>
-              </a:prstGeom>
-              <a:ln w="6350">
-                <a:solidFill>
-                  <a:schemeClr val="tx1"/>
-                </a:solidFill>
-              </a:ln>
-            </p:spPr>
-          </p:pic>
-          <p:sp>
-            <p:nvSpPr>
-              <p:cNvPr id="91" name="Rectangle 90">
-                <a:extLst>
-                  <a:ext uri="{FF2B5EF4-FFF2-40B4-BE49-F238E27FC236}">
-                    <a16:creationId xmlns:a16="http://schemas.microsoft.com/office/drawing/2014/main" id="{FCACA341-D586-D24A-AFC0-39EEB44547ED}"/>
-                  </a:ext>
-                </a:extLst>
-              </p:cNvPr>
-              <p:cNvSpPr/>
-              <p:nvPr/>
-            </p:nvSpPr>
-            <p:spPr>
-              <a:xfrm>
-                <a:off x="-48680" y="4348307"/>
-                <a:ext cx="2135694" cy="799955"/>
-              </a:xfrm>
-              <a:prstGeom prst="rect">
-                <a:avLst/>
-              </a:prstGeom>
-              <a:noFill/>
-              <a:ln w="19050">
-                <a:solidFill>
-                  <a:schemeClr val="tx1"/>
-                </a:solidFill>
-              </a:ln>
-            </p:spPr>
-            <p:style>
-              <a:lnRef idx="2">
-                <a:schemeClr val="accent1">
-                  <a:shade val="50000"/>
-                </a:schemeClr>
-              </a:lnRef>
-              <a:fillRef idx="1">
-                <a:schemeClr val="accent1"/>
-              </a:fillRef>
-              <a:effectRef idx="0">
-                <a:schemeClr val="accent1"/>
-              </a:effectRef>
-              <a:fontRef idx="minor">
-                <a:schemeClr val="lt1"/>
-              </a:fontRef>
-            </p:style>
-            <p:txBody>
-              <a:bodyPr rtlCol="0" anchor="ctr"/>
-              <a:lstStyle/>
-              <a:p>
-                <a:pPr algn="ctr"/>
-                <a:endParaRPr lang="en-US"/>
-              </a:p>
-            </p:txBody>
-          </p:sp>
-        </p:grpSp>
-        <p:cxnSp>
-          <p:nvCxnSpPr>
-            <p:cNvPr id="13" name="Straight Arrow Connector 12">
-              <a:extLst>
-                <a:ext uri="{FF2B5EF4-FFF2-40B4-BE49-F238E27FC236}">
-                  <a16:creationId xmlns:a16="http://schemas.microsoft.com/office/drawing/2014/main" id="{AB12DE88-3BCC-5840-A00B-73EB3D8DD482}"/>
-                </a:ext>
-              </a:extLst>
-            </p:cNvPr>
-            <p:cNvCxnSpPr>
-              <a:cxnSpLocks/>
-              <a:stCxn id="5" idx="3"/>
-              <a:endCxn id="12" idx="1"/>
-            </p:cNvCxnSpPr>
-            <p:nvPr/>
-          </p:nvCxnSpPr>
-          <p:spPr>
-            <a:xfrm>
-              <a:off x="2989910" y="1899692"/>
-              <a:ext cx="236469" cy="416714"/>
-            </a:xfrm>
-            <a:prstGeom prst="straightConnector1">
-              <a:avLst/>
-            </a:prstGeom>
-            <a:ln w="28575">
+            <a:ln w="6350">
               <a:solidFill>
                 <a:schemeClr val="tx1"/>
               </a:solidFill>
-              <a:tailEnd type="triangle"/>
             </a:ln>
           </p:spPr>
-          <p:style>
-            <a:lnRef idx="1">
-              <a:schemeClr val="accent1"/>
-            </a:lnRef>
-            <a:fillRef idx="0">
-              <a:schemeClr val="accent1"/>
-            </a:fillRef>
-            <a:effectRef idx="0">
-              <a:schemeClr val="accent1"/>
-            </a:effectRef>
-            <a:fontRef idx="minor">
-              <a:schemeClr val="tx1"/>
-            </a:fontRef>
-          </p:style>
-        </p:cxnSp>
-        <mc:AlternateContent xmlns:mc="http://schemas.openxmlformats.org/markup-compatibility/2006" xmlns:a14="http://schemas.microsoft.com/office/drawing/2010/main">
-          <mc:Choice Requires="a14">
-            <p:sp>
-              <p:nvSpPr>
-                <p:cNvPr id="5" name="TextBox 4">
-                  <a:extLst>
-                    <a:ext uri="{FF2B5EF4-FFF2-40B4-BE49-F238E27FC236}">
-                      <a16:creationId xmlns:a16="http://schemas.microsoft.com/office/drawing/2014/main" id="{7100BC10-7CEF-A947-81B8-16607851B162}"/>
-                    </a:ext>
-                  </a:extLst>
-                </p:cNvPr>
-                <p:cNvSpPr txBox="1"/>
-                <p:nvPr/>
-              </p:nvSpPr>
-              <p:spPr>
-                <a:xfrm>
-                  <a:off x="818148" y="1576013"/>
-                  <a:ext cx="2171762" cy="647357"/>
-                </a:xfrm>
-                <a:prstGeom prst="rect">
-                  <a:avLst/>
-                </a:prstGeom>
-                <a:solidFill>
-                  <a:schemeClr val="accent6"/>
-                </a:solidFill>
-                <a:ln>
-                  <a:solidFill>
-                    <a:schemeClr val="tx1"/>
-                  </a:solidFill>
-                </a:ln>
-              </p:spPr>
-              <p:txBody>
-                <a:bodyPr wrap="square" rtlCol="0">
-                  <a:spAutoFit/>
-                </a:bodyPr>
-                <a:lstStyle/>
-                <a:p>
-                  <a:r>
-                    <a:rPr lang="en-US" dirty="0"/>
-                    <a:t>Stationary</a:t>
-                  </a:r>
-                  <a:r>
-                    <a:rPr lang="zh-CN" altLang="en-US" dirty="0"/>
-                    <a:t> </a:t>
-                  </a:r>
-                  <a:r>
-                    <a:rPr lang="en-US" dirty="0"/>
-                    <a:t>Dataset: </a:t>
-                  </a:r>
-                  <a14:m>
-                    <m:oMath xmlns:m="http://schemas.openxmlformats.org/officeDocument/2006/math">
-                      <m:r>
-                        <m:rPr>
-                          <m:lit/>
-                        </m:rPr>
-                        <a:rPr lang="en-US" i="1">
-                          <a:latin typeface="Cambria Math" panose="02040503050406030204" pitchFamily="18" charset="0"/>
-                        </a:rPr>
-                        <m:t>{</m:t>
-                      </m:r>
-                      <m:d>
-                        <m:dPr>
-                          <m:ctrlPr>
-                            <a:rPr lang="en-US" i="1">
-                              <a:latin typeface="Cambria Math" panose="02040503050406030204" pitchFamily="18" charset="0"/>
-                            </a:rPr>
-                          </m:ctrlPr>
-                        </m:dPr>
-                        <m:e>
-                          <m:sSub>
-                            <m:sSubPr>
-                              <m:ctrlPr>
-                                <a:rPr lang="en-US" i="1">
-                                  <a:latin typeface="Cambria Math" panose="02040503050406030204" pitchFamily="18" charset="0"/>
-                                </a:rPr>
-                              </m:ctrlPr>
-                            </m:sSubPr>
-                            <m:e>
-                              <m:r>
-                                <a:rPr lang="en-US" b="1" i="1">
-                                  <a:latin typeface="Cambria Math" panose="02040503050406030204" pitchFamily="18" charset="0"/>
-                                </a:rPr>
-                                <m:t>𝒙</m:t>
-                              </m:r>
-                            </m:e>
-                            <m:sub>
-                              <m:r>
-                                <a:rPr lang="en-US" i="1">
-                                  <a:latin typeface="Cambria Math" panose="02040503050406030204" pitchFamily="18" charset="0"/>
-                                </a:rPr>
-                                <m:t>𝑖</m:t>
-                              </m:r>
-                            </m:sub>
-                          </m:sSub>
-                          <m:r>
-                            <a:rPr lang="en-US" i="1">
-                              <a:latin typeface="Cambria Math" panose="02040503050406030204" pitchFamily="18" charset="0"/>
-                            </a:rPr>
-                            <m:t>, </m:t>
-                          </m:r>
-                          <m:sSub>
-                            <m:sSubPr>
-                              <m:ctrlPr>
-                                <a:rPr lang="en-US" i="1">
-                                  <a:latin typeface="Cambria Math" panose="02040503050406030204" pitchFamily="18" charset="0"/>
-                                </a:rPr>
-                              </m:ctrlPr>
-                            </m:sSubPr>
-                            <m:e>
-                              <m:r>
-                                <a:rPr lang="en-US" i="1">
-                                  <a:latin typeface="Cambria Math" panose="02040503050406030204" pitchFamily="18" charset="0"/>
-                                </a:rPr>
-                                <m:t>𝑦</m:t>
-                              </m:r>
-                            </m:e>
-                            <m:sub>
-                              <m:r>
-                                <a:rPr lang="en-US" i="1">
-                                  <a:latin typeface="Cambria Math" panose="02040503050406030204" pitchFamily="18" charset="0"/>
-                                </a:rPr>
-                                <m:t>𝑖</m:t>
-                              </m:r>
-                            </m:sub>
-                          </m:sSub>
-                        </m:e>
-                      </m:d>
-                      <m:sSubSup>
-                        <m:sSubSupPr>
-                          <m:ctrlPr>
-                            <a:rPr lang="en-US" i="1">
-                              <a:latin typeface="Cambria Math" panose="02040503050406030204" pitchFamily="18" charset="0"/>
-                            </a:rPr>
-                          </m:ctrlPr>
-                        </m:sSubSupPr>
-                        <m:e>
-                          <m:r>
-                            <m:rPr>
-                              <m:lit/>
-                            </m:rPr>
-                            <a:rPr lang="en-US" i="1">
-                              <a:latin typeface="Cambria Math" panose="02040503050406030204" pitchFamily="18" charset="0"/>
-                            </a:rPr>
-                            <m:t>}</m:t>
-                          </m:r>
-                        </m:e>
-                        <m:sub>
-                          <m:r>
-                            <a:rPr lang="en-US" i="1">
-                              <a:latin typeface="Cambria Math" panose="02040503050406030204" pitchFamily="18" charset="0"/>
-                            </a:rPr>
-                            <m:t>𝑖</m:t>
-                          </m:r>
-                          <m:r>
-                            <a:rPr lang="en-US" i="1">
-                              <a:latin typeface="Cambria Math" panose="02040503050406030204" pitchFamily="18" charset="0"/>
-                            </a:rPr>
-                            <m:t>=1</m:t>
-                          </m:r>
-                        </m:sub>
-                        <m:sup>
-                          <m:r>
-                            <a:rPr lang="en-US" i="1">
-                              <a:latin typeface="Cambria Math" panose="02040503050406030204" pitchFamily="18" charset="0"/>
-                            </a:rPr>
-                            <m:t>𝑛</m:t>
-                          </m:r>
-                        </m:sup>
-                      </m:sSubSup>
-                    </m:oMath>
-                  </a14:m>
-                  <a:endParaRPr lang="en-US" dirty="0"/>
-                </a:p>
-              </p:txBody>
-            </p:sp>
-          </mc:Choice>
-          <mc:Fallback xmlns="">
-            <p:sp>
-              <p:nvSpPr>
-                <p:cNvPr id="5" name="TextBox 4">
-                  <a:extLst>
-                    <a:ext uri="{FF2B5EF4-FFF2-40B4-BE49-F238E27FC236}">
-                      <a16:creationId xmlns:a16="http://schemas.microsoft.com/office/drawing/2014/main" id="{7100BC10-7CEF-A947-81B8-16607851B162}"/>
-                    </a:ext>
-                  </a:extLst>
-                </p:cNvPr>
-                <p:cNvSpPr txBox="1">
-                  <a:spLocks noRot="1" noChangeAspect="1" noMove="1" noResize="1" noEditPoints="1" noAdjustHandles="1" noChangeArrowheads="1" noChangeShapeType="1" noTextEdit="1"/>
-                </p:cNvSpPr>
-                <p:nvPr/>
-              </p:nvSpPr>
-              <p:spPr>
-                <a:xfrm>
-                  <a:off x="818148" y="1576013"/>
-                  <a:ext cx="2171762" cy="647357"/>
-                </a:xfrm>
-                <a:prstGeom prst="rect">
-                  <a:avLst/>
-                </a:prstGeom>
-                <a:blipFill>
-                  <a:blip r:embed="rId11"/>
-                  <a:stretch>
-                    <a:fillRect l="-2312" t="-1887" b="-5660"/>
-                  </a:stretch>
-                </a:blipFill>
-                <a:ln>
-                  <a:solidFill>
-                    <a:schemeClr val="tx1"/>
-                  </a:solidFill>
-                </a:ln>
-              </p:spPr>
-              <p:txBody>
-                <a:bodyPr/>
-                <a:lstStyle/>
-                <a:p>
-                  <a:r>
-                    <a:rPr lang="en-US">
-                      <a:noFill/>
-                    </a:rPr>
-                    <a:t> </a:t>
-                  </a:r>
-                </a:p>
-              </p:txBody>
-            </p:sp>
-          </mc:Fallback>
-        </mc:AlternateContent>
-        <mc:AlternateContent xmlns:mc="http://schemas.openxmlformats.org/markup-compatibility/2006" xmlns:a14="http://schemas.microsoft.com/office/drawing/2010/main">
-          <mc:Choice Requires="a14">
-            <p:sp>
-              <p:nvSpPr>
-                <p:cNvPr id="40" name="TextBox 39">
-                  <a:extLst>
-                    <a:ext uri="{FF2B5EF4-FFF2-40B4-BE49-F238E27FC236}">
-                      <a16:creationId xmlns:a16="http://schemas.microsoft.com/office/drawing/2014/main" id="{BA87C1E8-BDF9-614C-89A5-FBDAACC5C88E}"/>
-                    </a:ext>
-                  </a:extLst>
-                </p:cNvPr>
-                <p:cNvSpPr txBox="1"/>
-                <p:nvPr/>
-              </p:nvSpPr>
-              <p:spPr>
-                <a:xfrm>
-                  <a:off x="6304549" y="2057457"/>
-                  <a:ext cx="1756837" cy="672556"/>
-                </a:xfrm>
-                <a:prstGeom prst="rect">
-                  <a:avLst/>
-                </a:prstGeom>
-                <a:solidFill>
-                  <a:schemeClr val="accent6"/>
-                </a:solidFill>
-                <a:ln>
-                  <a:solidFill>
-                    <a:schemeClr val="tx1"/>
-                  </a:solidFill>
-                </a:ln>
-              </p:spPr>
-              <p:txBody>
-                <a:bodyPr wrap="square" rtlCol="0">
-                  <a:spAutoFit/>
-                </a:bodyPr>
-                <a:lstStyle/>
-                <a:p>
-                  <a:r>
-                    <a:rPr lang="en-US" dirty="0"/>
-                    <a:t>Phase-II Dataset: </a:t>
-                  </a:r>
-                  <a14:m>
-                    <m:oMath xmlns:m="http://schemas.openxmlformats.org/officeDocument/2006/math">
-                      <m:r>
-                        <m:rPr>
-                          <m:lit/>
-                        </m:rPr>
-                        <a:rPr lang="en-US" i="1">
-                          <a:latin typeface="Cambria Math" panose="02040503050406030204" pitchFamily="18" charset="0"/>
-                        </a:rPr>
-                        <m:t>{</m:t>
-                      </m:r>
-                      <m:d>
-                        <m:dPr>
-                          <m:ctrlPr>
-                            <a:rPr lang="en-US" i="1">
-                              <a:latin typeface="Cambria Math" panose="02040503050406030204" pitchFamily="18" charset="0"/>
-                            </a:rPr>
-                          </m:ctrlPr>
-                        </m:dPr>
-                        <m:e>
-                          <m:sSub>
-                            <m:sSubPr>
-                              <m:ctrlPr>
-                                <a:rPr lang="en-US" i="1">
-                                  <a:latin typeface="Cambria Math" panose="02040503050406030204" pitchFamily="18" charset="0"/>
-                                </a:rPr>
-                              </m:ctrlPr>
-                            </m:sSubPr>
-                            <m:e>
-                              <m:acc>
-                                <m:accPr>
-                                  <m:chr m:val="̃"/>
-                                  <m:ctrlPr>
-                                    <a:rPr lang="en-US" b="1" i="1">
-                                      <a:latin typeface="Cambria Math" panose="02040503050406030204" pitchFamily="18" charset="0"/>
-                                    </a:rPr>
-                                  </m:ctrlPr>
-                                </m:accPr>
-                                <m:e>
-                                  <m:r>
-                                    <a:rPr lang="en-US" b="1" i="1">
-                                      <a:latin typeface="Cambria Math" panose="02040503050406030204" pitchFamily="18" charset="0"/>
-                                    </a:rPr>
-                                    <m:t>𝒙</m:t>
-                                  </m:r>
-                                </m:e>
-                              </m:acc>
-                            </m:e>
-                            <m:sub>
-                              <m:r>
-                                <a:rPr lang="en-US" i="1">
-                                  <a:latin typeface="Cambria Math" panose="02040503050406030204" pitchFamily="18" charset="0"/>
-                                </a:rPr>
-                                <m:t>𝑖</m:t>
-                              </m:r>
-                            </m:sub>
-                          </m:sSub>
-                          <m:r>
-                            <a:rPr lang="en-US" i="1">
-                              <a:latin typeface="Cambria Math" panose="02040503050406030204" pitchFamily="18" charset="0"/>
-                            </a:rPr>
-                            <m:t>, </m:t>
-                          </m:r>
-                          <m:sSub>
-                            <m:sSubPr>
-                              <m:ctrlPr>
-                                <a:rPr lang="en-US" i="1">
-                                  <a:latin typeface="Cambria Math" panose="02040503050406030204" pitchFamily="18" charset="0"/>
-                                </a:rPr>
-                              </m:ctrlPr>
-                            </m:sSubPr>
-                            <m:e>
-                              <m:acc>
-                                <m:accPr>
-                                  <m:chr m:val="̃"/>
-                                  <m:ctrlPr>
-                                    <a:rPr lang="en-US" i="1">
-                                      <a:latin typeface="Cambria Math" panose="02040503050406030204" pitchFamily="18" charset="0"/>
-                                    </a:rPr>
-                                  </m:ctrlPr>
-                                </m:accPr>
-                                <m:e>
-                                  <m:r>
-                                    <a:rPr lang="en-US" i="1">
-                                      <a:latin typeface="Cambria Math" panose="02040503050406030204" pitchFamily="18" charset="0"/>
-                                    </a:rPr>
-                                    <m:t>𝑦</m:t>
-                                  </m:r>
-                                </m:e>
-                              </m:acc>
-                            </m:e>
-                            <m:sub>
-                              <m:r>
-                                <a:rPr lang="en-US" i="1">
-                                  <a:latin typeface="Cambria Math" panose="02040503050406030204" pitchFamily="18" charset="0"/>
-                                </a:rPr>
-                                <m:t>𝑖</m:t>
-                              </m:r>
-                            </m:sub>
-                          </m:sSub>
-                        </m:e>
-                      </m:d>
-                      <m:sSubSup>
-                        <m:sSubSupPr>
-                          <m:ctrlPr>
-                            <a:rPr lang="en-US" i="1">
-                              <a:latin typeface="Cambria Math" panose="02040503050406030204" pitchFamily="18" charset="0"/>
-                            </a:rPr>
-                          </m:ctrlPr>
-                        </m:sSubSupPr>
-                        <m:e>
-                          <m:r>
-                            <m:rPr>
-                              <m:lit/>
-                            </m:rPr>
-                            <a:rPr lang="en-US" i="1">
-                              <a:latin typeface="Cambria Math" panose="02040503050406030204" pitchFamily="18" charset="0"/>
-                            </a:rPr>
-                            <m:t>}</m:t>
-                          </m:r>
-                        </m:e>
-                        <m:sub>
-                          <m:r>
-                            <a:rPr lang="en-US" i="1">
-                              <a:latin typeface="Cambria Math" panose="02040503050406030204" pitchFamily="18" charset="0"/>
-                            </a:rPr>
-                            <m:t>𝑖</m:t>
-                          </m:r>
-                          <m:r>
-                            <a:rPr lang="en-US" i="1">
-                              <a:latin typeface="Cambria Math" panose="02040503050406030204" pitchFamily="18" charset="0"/>
-                            </a:rPr>
-                            <m:t>=1</m:t>
-                          </m:r>
-                        </m:sub>
-                        <m:sup>
-                          <m:acc>
-                            <m:accPr>
-                              <m:chr m:val="̃"/>
-                              <m:ctrlPr>
-                                <a:rPr lang="en-US" i="1">
-                                  <a:latin typeface="Cambria Math" panose="02040503050406030204" pitchFamily="18" charset="0"/>
-                                </a:rPr>
-                              </m:ctrlPr>
-                            </m:accPr>
-                            <m:e>
-                              <m:r>
-                                <a:rPr lang="en-US" i="1">
-                                  <a:latin typeface="Cambria Math" panose="02040503050406030204" pitchFamily="18" charset="0"/>
-                                </a:rPr>
-                                <m:t>𝑛</m:t>
-                              </m:r>
-                            </m:e>
-                          </m:acc>
-                          <m:r>
-                            <a:rPr lang="en-US" i="1">
-                              <a:latin typeface="Cambria Math" panose="02040503050406030204" pitchFamily="18" charset="0"/>
-                            </a:rPr>
-                            <m:t> </m:t>
-                          </m:r>
-                        </m:sup>
-                      </m:sSubSup>
-                    </m:oMath>
-                  </a14:m>
-                  <a:endParaRPr lang="en-US" dirty="0"/>
-                </a:p>
-              </p:txBody>
-            </p:sp>
-          </mc:Choice>
-          <mc:Fallback xmlns="">
-            <p:sp>
-              <p:nvSpPr>
-                <p:cNvPr id="40" name="TextBox 39">
-                  <a:extLst>
-                    <a:ext uri="{FF2B5EF4-FFF2-40B4-BE49-F238E27FC236}">
-                      <a16:creationId xmlns:a16="http://schemas.microsoft.com/office/drawing/2014/main" id="{BA87C1E8-BDF9-614C-89A5-FBDAACC5C88E}"/>
-                    </a:ext>
-                  </a:extLst>
-                </p:cNvPr>
-                <p:cNvSpPr txBox="1">
-                  <a:spLocks noRot="1" noChangeAspect="1" noMove="1" noResize="1" noEditPoints="1" noAdjustHandles="1" noChangeArrowheads="1" noChangeShapeType="1" noTextEdit="1"/>
-                </p:cNvSpPr>
-                <p:nvPr/>
-              </p:nvSpPr>
-              <p:spPr>
-                <a:xfrm>
-                  <a:off x="6304549" y="2057457"/>
-                  <a:ext cx="1756837" cy="672556"/>
-                </a:xfrm>
-                <a:prstGeom prst="rect">
-                  <a:avLst/>
-                </a:prstGeom>
-                <a:blipFill>
-                  <a:blip r:embed="rId12"/>
-                  <a:stretch>
-                    <a:fillRect l="-2857" t="-1818" r="-4286" b="-5455"/>
-                  </a:stretch>
-                </a:blipFill>
-                <a:ln>
-                  <a:solidFill>
-                    <a:schemeClr val="tx1"/>
-                  </a:solidFill>
-                </a:ln>
-              </p:spPr>
-              <p:txBody>
-                <a:bodyPr/>
-                <a:lstStyle/>
-                <a:p>
-                  <a:r>
-                    <a:rPr lang="en-US">
-                      <a:noFill/>
-                    </a:rPr>
-                    <a:t> </a:t>
-                  </a:r>
-                </a:p>
-              </p:txBody>
-            </p:sp>
-          </mc:Fallback>
-        </mc:AlternateContent>
+        </p:pic>
         <p:sp>
           <p:nvSpPr>
-            <p:cNvPr id="76" name="Rounded Rectangle 75">
+            <p:cNvPr id="87" name="Rectangle 86">
               <a:extLst>
                 <a:ext uri="{FF2B5EF4-FFF2-40B4-BE49-F238E27FC236}">
-                  <a16:creationId xmlns:a16="http://schemas.microsoft.com/office/drawing/2014/main" id="{406D56CB-86AF-D04D-A732-681A4D7E6BDE}"/>
+                  <a16:creationId xmlns:a16="http://schemas.microsoft.com/office/drawing/2014/main" id="{3D410FF3-BBBE-2C43-B9B8-65027349E20B}"/>
                 </a:ext>
               </a:extLst>
             </p:cNvPr>
@@ -6193,14 +4892,14 @@
           </p:nvSpPr>
           <p:spPr>
             <a:xfrm>
-              <a:off x="721894" y="992454"/>
-              <a:ext cx="7536580" cy="3163355"/>
+              <a:off x="-48680" y="4348307"/>
+              <a:ext cx="2135694" cy="799955"/>
             </a:xfrm>
-            <a:prstGeom prst="roundRect">
+            <a:prstGeom prst="rect">
               <a:avLst/>
             </a:prstGeom>
             <a:noFill/>
-            <a:ln w="38100">
+            <a:ln w="19050">
               <a:solidFill>
                 <a:schemeClr val="tx1"/>
               </a:solidFill>
@@ -6231,98 +4930,1979 @@
             </a:p>
           </p:txBody>
         </p:sp>
-        <p:cxnSp>
-          <p:nvCxnSpPr>
-            <p:cNvPr id="38" name="Elbow Connector 37">
+      </p:grpSp>
+      <mc:AlternateContent xmlns:mc="http://schemas.openxmlformats.org/markup-compatibility/2006">
+        <mc:Choice xmlns:a14="http://schemas.microsoft.com/office/drawing/2010/main" Requires="a14">
+          <p:sp>
+            <p:nvSpPr>
+              <p:cNvPr id="12" name="TextBox 11">
+                <a:extLst>
+                  <a:ext uri="{FF2B5EF4-FFF2-40B4-BE49-F238E27FC236}">
+                    <a16:creationId xmlns:a16="http://schemas.microsoft.com/office/drawing/2014/main" id="{B769E38E-BB4A-874B-9920-B65D02AF338A}"/>
+                  </a:ext>
+                </a:extLst>
+              </p:cNvPr>
+              <p:cNvSpPr txBox="1"/>
+              <p:nvPr/>
+            </p:nvSpPr>
+            <p:spPr>
+              <a:xfrm>
+                <a:off x="2431412" y="1547513"/>
+                <a:ext cx="1531658" cy="549509"/>
+              </a:xfrm>
+              <a:prstGeom prst="rect">
+                <a:avLst/>
+              </a:prstGeom>
+              <a:solidFill>
+                <a:schemeClr val="accent6"/>
+              </a:solidFill>
+              <a:ln>
+                <a:solidFill>
+                  <a:schemeClr val="tx1"/>
+                </a:solidFill>
+              </a:ln>
+            </p:spPr>
+            <p:txBody>
+              <a:bodyPr wrap="square" rtlCol="0">
+                <a:spAutoFit/>
+              </a:bodyPr>
+              <a:lstStyle/>
+              <a:p>
+                <a:r>
+                  <a:rPr lang="en-US" sz="1400" dirty="0"/>
+                  <a:t>Phase-I Dataset: </a:t>
+                </a:r>
+                <a14:m>
+                  <m:oMath xmlns:m="http://schemas.openxmlformats.org/officeDocument/2006/math">
+                    <m:r>
+                      <m:rPr>
+                        <m:lit/>
+                      </m:rPr>
+                      <a:rPr lang="en-US" sz="1400" i="1">
+                        <a:latin typeface="Cambria Math" panose="02040503050406030204" pitchFamily="18" charset="0"/>
+                      </a:rPr>
+                      <m:t>{</m:t>
+                    </m:r>
+                    <m:d>
+                      <m:dPr>
+                        <m:ctrlPr>
+                          <a:rPr lang="en-US" sz="1400" i="1">
+                            <a:latin typeface="Cambria Math" panose="02040503050406030204" pitchFamily="18" charset="0"/>
+                          </a:rPr>
+                        </m:ctrlPr>
+                      </m:dPr>
+                      <m:e>
+                        <m:sSub>
+                          <m:sSubPr>
+                            <m:ctrlPr>
+                              <a:rPr lang="en-US" sz="1400" i="1">
+                                <a:latin typeface="Cambria Math" panose="02040503050406030204" pitchFamily="18" charset="0"/>
+                              </a:rPr>
+                            </m:ctrlPr>
+                          </m:sSubPr>
+                          <m:e>
+                            <m:r>
+                              <a:rPr lang="en-US" sz="1400" b="1" i="1">
+                                <a:latin typeface="Cambria Math" panose="02040503050406030204" pitchFamily="18" charset="0"/>
+                              </a:rPr>
+                              <m:t>𝒙</m:t>
+                            </m:r>
+                          </m:e>
+                          <m:sub>
+                            <m:r>
+                              <a:rPr lang="en-US" sz="1400" i="1">
+                                <a:latin typeface="Cambria Math" panose="02040503050406030204" pitchFamily="18" charset="0"/>
+                              </a:rPr>
+                              <m:t>𝑖</m:t>
+                            </m:r>
+                          </m:sub>
+                        </m:sSub>
+                        <m:r>
+                          <a:rPr lang="en-US" sz="1400" i="1">
+                            <a:latin typeface="Cambria Math" panose="02040503050406030204" pitchFamily="18" charset="0"/>
+                          </a:rPr>
+                          <m:t>, </m:t>
+                        </m:r>
+                        <m:sSub>
+                          <m:sSubPr>
+                            <m:ctrlPr>
+                              <a:rPr lang="en-US" sz="1400" i="1">
+                                <a:latin typeface="Cambria Math" panose="02040503050406030204" pitchFamily="18" charset="0"/>
+                              </a:rPr>
+                            </m:ctrlPr>
+                          </m:sSubPr>
+                          <m:e>
+                            <m:r>
+                              <a:rPr lang="en-US" sz="1400" i="1">
+                                <a:latin typeface="Cambria Math" panose="02040503050406030204" pitchFamily="18" charset="0"/>
+                              </a:rPr>
+                              <m:t>𝑦</m:t>
+                            </m:r>
+                          </m:e>
+                          <m:sub>
+                            <m:r>
+                              <a:rPr lang="en-US" sz="1400" i="1">
+                                <a:latin typeface="Cambria Math" panose="02040503050406030204" pitchFamily="18" charset="0"/>
+                              </a:rPr>
+                              <m:t>𝑖</m:t>
+                            </m:r>
+                          </m:sub>
+                        </m:sSub>
+                      </m:e>
+                    </m:d>
+                    <m:sSubSup>
+                      <m:sSubSupPr>
+                        <m:ctrlPr>
+                          <a:rPr lang="en-US" sz="1400" i="1">
+                            <a:latin typeface="Cambria Math" panose="02040503050406030204" pitchFamily="18" charset="0"/>
+                          </a:rPr>
+                        </m:ctrlPr>
+                      </m:sSubSupPr>
+                      <m:e>
+                        <m:r>
+                          <m:rPr>
+                            <m:lit/>
+                          </m:rPr>
+                          <a:rPr lang="en-US" sz="1400" i="1">
+                            <a:latin typeface="Cambria Math" panose="02040503050406030204" pitchFamily="18" charset="0"/>
+                          </a:rPr>
+                          <m:t>}</m:t>
+                        </m:r>
+                      </m:e>
+                      <m:sub>
+                        <m:r>
+                          <a:rPr lang="en-US" sz="1400" i="1">
+                            <a:latin typeface="Cambria Math" panose="02040503050406030204" pitchFamily="18" charset="0"/>
+                          </a:rPr>
+                          <m:t>𝑖</m:t>
+                        </m:r>
+                        <m:r>
+                          <a:rPr lang="en-US" sz="1400" i="1">
+                            <a:latin typeface="Cambria Math" panose="02040503050406030204" pitchFamily="18" charset="0"/>
+                          </a:rPr>
+                          <m:t>=</m:t>
+                        </m:r>
+                        <m:sSub>
+                          <m:sSubPr>
+                            <m:ctrlPr>
+                              <a:rPr lang="en-US" sz="1400" i="1">
+                                <a:latin typeface="Cambria Math" panose="02040503050406030204" pitchFamily="18" charset="0"/>
+                              </a:rPr>
+                            </m:ctrlPr>
+                          </m:sSubPr>
+                          <m:e>
+                            <m:r>
+                              <a:rPr lang="en-US" sz="1400" i="1">
+                                <a:latin typeface="Cambria Math" panose="02040503050406030204" pitchFamily="18" charset="0"/>
+                              </a:rPr>
+                              <m:t>𝑛</m:t>
+                            </m:r>
+                          </m:e>
+                          <m:sub>
+                            <m:r>
+                              <a:rPr lang="en-US" altLang="zh-CN" sz="1400" i="1">
+                                <a:latin typeface="Cambria Math" panose="02040503050406030204" pitchFamily="18" charset="0"/>
+                              </a:rPr>
+                              <m:t>1</m:t>
+                            </m:r>
+                          </m:sub>
+                        </m:sSub>
+                        <m:r>
+                          <a:rPr lang="en-US" altLang="zh-CN" sz="1400" i="1">
+                            <a:latin typeface="Cambria Math" panose="02040503050406030204" pitchFamily="18" charset="0"/>
+                          </a:rPr>
+                          <m:t>+</m:t>
+                        </m:r>
+                        <m:r>
+                          <a:rPr lang="en-US" sz="1400" i="1">
+                            <a:latin typeface="Cambria Math" panose="02040503050406030204" pitchFamily="18" charset="0"/>
+                          </a:rPr>
+                          <m:t>1</m:t>
+                        </m:r>
+                      </m:sub>
+                      <m:sup>
+                        <m:r>
+                          <a:rPr lang="en-US" sz="1400" i="1">
+                            <a:latin typeface="Cambria Math" panose="02040503050406030204" pitchFamily="18" charset="0"/>
+                          </a:rPr>
+                          <m:t>𝑛</m:t>
+                        </m:r>
+                      </m:sup>
+                    </m:sSubSup>
+                  </m:oMath>
+                </a14:m>
+                <a:endParaRPr lang="en-US" sz="1400" dirty="0"/>
+              </a:p>
+            </p:txBody>
+          </p:sp>
+        </mc:Choice>
+        <mc:Fallback>
+          <p:sp>
+            <p:nvSpPr>
+              <p:cNvPr id="12" name="TextBox 11">
+                <a:extLst>
+                  <a:ext uri="{FF2B5EF4-FFF2-40B4-BE49-F238E27FC236}">
+                    <a16:creationId xmlns:a16="http://schemas.microsoft.com/office/drawing/2014/main" id="{B769E38E-BB4A-874B-9920-B65D02AF338A}"/>
+                  </a:ext>
+                </a:extLst>
+              </p:cNvPr>
+              <p:cNvSpPr txBox="1">
+                <a:spLocks noRot="1" noChangeAspect="1" noMove="1" noResize="1" noEditPoints="1" noAdjustHandles="1" noChangeArrowheads="1" noChangeShapeType="1" noTextEdit="1"/>
+              </p:cNvSpPr>
+              <p:nvPr/>
+            </p:nvSpPr>
+            <p:spPr>
+              <a:xfrm>
+                <a:off x="2431412" y="1547513"/>
+                <a:ext cx="1531658" cy="549509"/>
+              </a:xfrm>
+              <a:prstGeom prst="rect">
+                <a:avLst/>
+              </a:prstGeom>
+              <a:blipFill>
+                <a:blip r:embed="rId7"/>
+                <a:stretch>
+                  <a:fillRect t="-2222"/>
+                </a:stretch>
+              </a:blipFill>
+              <a:ln>
+                <a:solidFill>
+                  <a:schemeClr val="tx1"/>
+                </a:solidFill>
+              </a:ln>
+            </p:spPr>
+            <p:txBody>
+              <a:bodyPr/>
+              <a:lstStyle/>
+              <a:p>
+                <a:r>
+                  <a:rPr lang="en-US">
+                    <a:noFill/>
+                  </a:rPr>
+                  <a:t> </a:t>
+                </a:r>
+              </a:p>
+            </p:txBody>
+          </p:sp>
+        </mc:Fallback>
+      </mc:AlternateContent>
+      <mc:AlternateContent xmlns:mc="http://schemas.openxmlformats.org/markup-compatibility/2006">
+        <mc:Choice xmlns:a14="http://schemas.microsoft.com/office/drawing/2010/main" Requires="a14">
+          <p:sp>
+            <p:nvSpPr>
+              <p:cNvPr id="9" name="TextBox 8">
+                <a:extLst>
+                  <a:ext uri="{FF2B5EF4-FFF2-40B4-BE49-F238E27FC236}">
+                    <a16:creationId xmlns:a16="http://schemas.microsoft.com/office/drawing/2014/main" id="{D71D5991-F741-3342-84D4-BBB622BA6CD9}"/>
+                  </a:ext>
+                </a:extLst>
+              </p:cNvPr>
+              <p:cNvSpPr txBox="1"/>
+              <p:nvPr/>
+            </p:nvSpPr>
+            <p:spPr>
+              <a:xfrm>
+                <a:off x="2431412" y="811859"/>
+                <a:ext cx="1522033" cy="551498"/>
+              </a:xfrm>
+              <a:prstGeom prst="rect">
+                <a:avLst/>
+              </a:prstGeom>
+              <a:solidFill>
+                <a:schemeClr val="accent6"/>
+              </a:solidFill>
+              <a:ln>
+                <a:solidFill>
+                  <a:schemeClr val="tx1"/>
+                </a:solidFill>
+              </a:ln>
+            </p:spPr>
+            <p:txBody>
+              <a:bodyPr wrap="square" rtlCol="0">
+                <a:spAutoFit/>
+              </a:bodyPr>
+              <a:lstStyle/>
+              <a:p>
+                <a:r>
+                  <a:rPr lang="en-US" sz="1400" dirty="0"/>
+                  <a:t>Training Dataset: </a:t>
+                </a:r>
+                <a14:m>
+                  <m:oMath xmlns:m="http://schemas.openxmlformats.org/officeDocument/2006/math">
+                    <m:r>
+                      <m:rPr>
+                        <m:lit/>
+                      </m:rPr>
+                      <a:rPr lang="en-US" sz="1400" i="1">
+                        <a:latin typeface="Cambria Math" panose="02040503050406030204" pitchFamily="18" charset="0"/>
+                      </a:rPr>
+                      <m:t>{</m:t>
+                    </m:r>
+                    <m:d>
+                      <m:dPr>
+                        <m:ctrlPr>
+                          <a:rPr lang="en-US" sz="1400" i="1">
+                            <a:latin typeface="Cambria Math" panose="02040503050406030204" pitchFamily="18" charset="0"/>
+                          </a:rPr>
+                        </m:ctrlPr>
+                      </m:dPr>
+                      <m:e>
+                        <m:sSub>
+                          <m:sSubPr>
+                            <m:ctrlPr>
+                              <a:rPr lang="en-US" sz="1400" i="1">
+                                <a:latin typeface="Cambria Math" panose="02040503050406030204" pitchFamily="18" charset="0"/>
+                              </a:rPr>
+                            </m:ctrlPr>
+                          </m:sSubPr>
+                          <m:e>
+                            <m:r>
+                              <a:rPr lang="en-US" sz="1400" b="1" i="1">
+                                <a:latin typeface="Cambria Math" panose="02040503050406030204" pitchFamily="18" charset="0"/>
+                              </a:rPr>
+                              <m:t>𝒙</m:t>
+                            </m:r>
+                          </m:e>
+                          <m:sub>
+                            <m:r>
+                              <a:rPr lang="en-US" sz="1400" i="1">
+                                <a:latin typeface="Cambria Math" panose="02040503050406030204" pitchFamily="18" charset="0"/>
+                              </a:rPr>
+                              <m:t>𝑖</m:t>
+                            </m:r>
+                          </m:sub>
+                        </m:sSub>
+                        <m:r>
+                          <a:rPr lang="en-US" sz="1400" i="1">
+                            <a:latin typeface="Cambria Math" panose="02040503050406030204" pitchFamily="18" charset="0"/>
+                          </a:rPr>
+                          <m:t>, </m:t>
+                        </m:r>
+                        <m:sSub>
+                          <m:sSubPr>
+                            <m:ctrlPr>
+                              <a:rPr lang="en-US" sz="1400" i="1">
+                                <a:latin typeface="Cambria Math" panose="02040503050406030204" pitchFamily="18" charset="0"/>
+                              </a:rPr>
+                            </m:ctrlPr>
+                          </m:sSubPr>
+                          <m:e>
+                            <m:r>
+                              <a:rPr lang="en-US" sz="1400" i="1">
+                                <a:latin typeface="Cambria Math" panose="02040503050406030204" pitchFamily="18" charset="0"/>
+                              </a:rPr>
+                              <m:t>𝑦</m:t>
+                            </m:r>
+                          </m:e>
+                          <m:sub>
+                            <m:r>
+                              <a:rPr lang="en-US" sz="1400" i="1">
+                                <a:latin typeface="Cambria Math" panose="02040503050406030204" pitchFamily="18" charset="0"/>
+                              </a:rPr>
+                              <m:t>𝑖</m:t>
+                            </m:r>
+                          </m:sub>
+                        </m:sSub>
+                      </m:e>
+                    </m:d>
+                    <m:sSubSup>
+                      <m:sSubSupPr>
+                        <m:ctrlPr>
+                          <a:rPr lang="en-US" sz="1400" i="1">
+                            <a:latin typeface="Cambria Math" panose="02040503050406030204" pitchFamily="18" charset="0"/>
+                          </a:rPr>
+                        </m:ctrlPr>
+                      </m:sSubSupPr>
+                      <m:e>
+                        <m:r>
+                          <m:rPr>
+                            <m:lit/>
+                          </m:rPr>
+                          <a:rPr lang="en-US" sz="1400" i="1">
+                            <a:latin typeface="Cambria Math" panose="02040503050406030204" pitchFamily="18" charset="0"/>
+                          </a:rPr>
+                          <m:t>}</m:t>
+                        </m:r>
+                      </m:e>
+                      <m:sub>
+                        <m:r>
+                          <a:rPr lang="en-US" sz="1400" i="1">
+                            <a:latin typeface="Cambria Math" panose="02040503050406030204" pitchFamily="18" charset="0"/>
+                          </a:rPr>
+                          <m:t>𝑖</m:t>
+                        </m:r>
+                        <m:r>
+                          <a:rPr lang="en-US" sz="1400" i="1">
+                            <a:latin typeface="Cambria Math" panose="02040503050406030204" pitchFamily="18" charset="0"/>
+                          </a:rPr>
+                          <m:t>=1</m:t>
+                        </m:r>
+                      </m:sub>
+                      <m:sup>
+                        <m:sSub>
+                          <m:sSubPr>
+                            <m:ctrlPr>
+                              <a:rPr lang="en-US" sz="1400" i="1">
+                                <a:latin typeface="Cambria Math" panose="02040503050406030204" pitchFamily="18" charset="0"/>
+                              </a:rPr>
+                            </m:ctrlPr>
+                          </m:sSubPr>
+                          <m:e>
+                            <m:r>
+                              <a:rPr lang="en-US" sz="1400" i="1">
+                                <a:latin typeface="Cambria Math" panose="02040503050406030204" pitchFamily="18" charset="0"/>
+                              </a:rPr>
+                              <m:t>𝑛</m:t>
+                            </m:r>
+                          </m:e>
+                          <m:sub>
+                            <m:r>
+                              <a:rPr lang="en-US" sz="1400" i="1">
+                                <a:latin typeface="Cambria Math" panose="02040503050406030204" pitchFamily="18" charset="0"/>
+                              </a:rPr>
+                              <m:t>1</m:t>
+                            </m:r>
+                          </m:sub>
+                        </m:sSub>
+                      </m:sup>
+                    </m:sSubSup>
+                  </m:oMath>
+                </a14:m>
+                <a:endParaRPr lang="en-US" sz="1400" dirty="0"/>
+              </a:p>
+            </p:txBody>
+          </p:sp>
+        </mc:Choice>
+        <mc:Fallback>
+          <p:sp>
+            <p:nvSpPr>
+              <p:cNvPr id="9" name="TextBox 8">
+                <a:extLst>
+                  <a:ext uri="{FF2B5EF4-FFF2-40B4-BE49-F238E27FC236}">
+                    <a16:creationId xmlns:a16="http://schemas.microsoft.com/office/drawing/2014/main" id="{D71D5991-F741-3342-84D4-BBB622BA6CD9}"/>
+                  </a:ext>
+                </a:extLst>
+              </p:cNvPr>
+              <p:cNvSpPr txBox="1">
+                <a:spLocks noRot="1" noChangeAspect="1" noMove="1" noResize="1" noEditPoints="1" noAdjustHandles="1" noChangeArrowheads="1" noChangeShapeType="1" noTextEdit="1"/>
+              </p:cNvSpPr>
+              <p:nvPr/>
+            </p:nvSpPr>
+            <p:spPr>
+              <a:xfrm>
+                <a:off x="2431412" y="811859"/>
+                <a:ext cx="1522033" cy="551498"/>
+              </a:xfrm>
+              <a:prstGeom prst="rect">
+                <a:avLst/>
+              </a:prstGeom>
+              <a:blipFill>
+                <a:blip r:embed="rId8"/>
+                <a:stretch>
+                  <a:fillRect t="-2222"/>
+                </a:stretch>
+              </a:blipFill>
+              <a:ln>
+                <a:solidFill>
+                  <a:schemeClr val="tx1"/>
+                </a:solidFill>
+              </a:ln>
+            </p:spPr>
+            <p:txBody>
+              <a:bodyPr/>
+              <a:lstStyle/>
+              <a:p>
+                <a:r>
+                  <a:rPr lang="en-US">
+                    <a:noFill/>
+                  </a:rPr>
+                  <a:t> </a:t>
+                </a:r>
+              </a:p>
+            </p:txBody>
+          </p:sp>
+        </mc:Fallback>
+      </mc:AlternateContent>
+      <p:cxnSp>
+        <p:nvCxnSpPr>
+          <p:cNvPr id="6" name="Straight Arrow Connector 5">
+            <a:extLst>
+              <a:ext uri="{FF2B5EF4-FFF2-40B4-BE49-F238E27FC236}">
+                <a16:creationId xmlns:a16="http://schemas.microsoft.com/office/drawing/2014/main" id="{49C806A0-813B-D241-8A1A-FF670D4FBA80}"/>
+              </a:ext>
+            </a:extLst>
+          </p:cNvPr>
+          <p:cNvCxnSpPr>
+            <a:cxnSpLocks/>
+            <a:stCxn id="5" idx="3"/>
+            <a:endCxn id="9" idx="1"/>
+          </p:cNvCxnSpPr>
+          <p:nvPr/>
+        </p:nvCxnSpPr>
+        <p:spPr>
+          <a:xfrm flipV="1">
+            <a:off x="2170930" y="1087608"/>
+            <a:ext cx="260482" cy="405982"/>
+          </a:xfrm>
+          <a:prstGeom prst="straightConnector1">
+            <a:avLst/>
+          </a:prstGeom>
+          <a:ln w="28575">
+            <a:solidFill>
+              <a:schemeClr val="tx1"/>
+            </a:solidFill>
+            <a:tailEnd type="triangle"/>
+          </a:ln>
+        </p:spPr>
+        <p:style>
+          <a:lnRef idx="1">
+            <a:schemeClr val="accent1"/>
+          </a:lnRef>
+          <a:fillRef idx="0">
+            <a:schemeClr val="accent1"/>
+          </a:fillRef>
+          <a:effectRef idx="0">
+            <a:schemeClr val="accent1"/>
+          </a:effectRef>
+          <a:fontRef idx="minor">
+            <a:schemeClr val="tx1"/>
+          </a:fontRef>
+        </p:style>
+      </p:cxnSp>
+      <p:cxnSp>
+        <p:nvCxnSpPr>
+          <p:cNvPr id="17" name="Straight Arrow Connector 16">
+            <a:extLst>
+              <a:ext uri="{FF2B5EF4-FFF2-40B4-BE49-F238E27FC236}">
+                <a16:creationId xmlns:a16="http://schemas.microsoft.com/office/drawing/2014/main" id="{1EC5E9C2-E2D6-7E43-9896-CE98A068092E}"/>
+              </a:ext>
+            </a:extLst>
+          </p:cNvPr>
+          <p:cNvCxnSpPr>
+            <a:cxnSpLocks/>
+            <a:stCxn id="9" idx="3"/>
+            <a:endCxn id="19" idx="1"/>
+          </p:cNvCxnSpPr>
+          <p:nvPr/>
+        </p:nvCxnSpPr>
+        <p:spPr>
+          <a:xfrm>
+            <a:off x="3953445" y="1087608"/>
+            <a:ext cx="548968" cy="405983"/>
+          </a:xfrm>
+          <a:prstGeom prst="straightConnector1">
+            <a:avLst/>
+          </a:prstGeom>
+          <a:ln w="28575">
+            <a:solidFill>
+              <a:schemeClr val="tx1"/>
+            </a:solidFill>
+            <a:tailEnd type="triangle"/>
+          </a:ln>
+        </p:spPr>
+        <p:style>
+          <a:lnRef idx="1">
+            <a:schemeClr val="accent1"/>
+          </a:lnRef>
+          <a:fillRef idx="0">
+            <a:schemeClr val="accent1"/>
+          </a:fillRef>
+          <a:effectRef idx="0">
+            <a:schemeClr val="accent1"/>
+          </a:effectRef>
+          <a:fontRef idx="minor">
+            <a:schemeClr val="tx1"/>
+          </a:fontRef>
+        </p:style>
+      </p:cxnSp>
+      <p:cxnSp>
+        <p:nvCxnSpPr>
+          <p:cNvPr id="45" name="Straight Arrow Connector 44">
+            <a:extLst>
+              <a:ext uri="{FF2B5EF4-FFF2-40B4-BE49-F238E27FC236}">
+                <a16:creationId xmlns:a16="http://schemas.microsoft.com/office/drawing/2014/main" id="{5D9D6A46-5B4C-AC40-9697-DF13E525C583}"/>
+              </a:ext>
+            </a:extLst>
+          </p:cNvPr>
+          <p:cNvCxnSpPr>
+            <a:cxnSpLocks/>
+            <a:stCxn id="12" idx="3"/>
+            <a:endCxn id="19" idx="1"/>
+          </p:cNvCxnSpPr>
+          <p:nvPr/>
+        </p:nvCxnSpPr>
+        <p:spPr>
+          <a:xfrm flipV="1">
+            <a:off x="3963070" y="1493591"/>
+            <a:ext cx="539343" cy="328677"/>
+          </a:xfrm>
+          <a:prstGeom prst="straightConnector1">
+            <a:avLst/>
+          </a:prstGeom>
+          <a:ln w="28575">
+            <a:solidFill>
+              <a:schemeClr val="tx1"/>
+            </a:solidFill>
+            <a:tailEnd type="triangle"/>
+          </a:ln>
+        </p:spPr>
+        <p:style>
+          <a:lnRef idx="1">
+            <a:schemeClr val="accent1"/>
+          </a:lnRef>
+          <a:fillRef idx="0">
+            <a:schemeClr val="accent1"/>
+          </a:fillRef>
+          <a:effectRef idx="0">
+            <a:schemeClr val="accent1"/>
+          </a:effectRef>
+          <a:fontRef idx="minor">
+            <a:schemeClr val="tx1"/>
+          </a:fontRef>
+        </p:style>
+      </p:cxnSp>
+      <p:sp>
+        <p:nvSpPr>
+          <p:cNvPr id="19" name="Rounded Rectangle 18">
+            <a:extLst>
+              <a:ext uri="{FF2B5EF4-FFF2-40B4-BE49-F238E27FC236}">
+                <a16:creationId xmlns:a16="http://schemas.microsoft.com/office/drawing/2014/main" id="{137FB4BA-8BFD-704E-B6BA-915F83B40ACF}"/>
+              </a:ext>
+            </a:extLst>
+          </p:cNvPr>
+          <p:cNvSpPr/>
+          <p:nvPr/>
+        </p:nvSpPr>
+        <p:spPr>
+          <a:xfrm>
+            <a:off x="4502413" y="1353235"/>
+            <a:ext cx="782845" cy="280711"/>
+          </a:xfrm>
+          <a:prstGeom prst="roundRect">
+            <a:avLst/>
+          </a:prstGeom>
+          <a:solidFill>
+            <a:schemeClr val="accent4">
+              <a:lumMod val="20000"/>
+              <a:lumOff val="80000"/>
+            </a:schemeClr>
+          </a:solidFill>
+          <a:ln>
+            <a:solidFill>
+              <a:schemeClr val="tx1"/>
+            </a:solidFill>
+          </a:ln>
+        </p:spPr>
+        <p:style>
+          <a:lnRef idx="2">
+            <a:schemeClr val="accent1">
+              <a:shade val="50000"/>
+            </a:schemeClr>
+          </a:lnRef>
+          <a:fillRef idx="1">
+            <a:schemeClr val="accent1"/>
+          </a:fillRef>
+          <a:effectRef idx="0">
+            <a:schemeClr val="accent1"/>
+          </a:effectRef>
+          <a:fontRef idx="minor">
+            <a:schemeClr val="lt1"/>
+          </a:fontRef>
+        </p:style>
+        <p:txBody>
+          <a:bodyPr rtlCol="0" anchor="ctr"/>
+          <a:lstStyle/>
+          <a:p>
+            <a:pPr algn="ctr"/>
+            <a:r>
+              <a:rPr lang="en-US" sz="1400" dirty="0">
+                <a:solidFill>
+                  <a:schemeClr val="tx1"/>
+                </a:solidFill>
+              </a:rPr>
+              <a:t>Model</a:t>
+            </a:r>
+          </a:p>
+        </p:txBody>
+      </p:sp>
+      <p:cxnSp>
+        <p:nvCxnSpPr>
+          <p:cNvPr id="48" name="Straight Arrow Connector 47">
+            <a:extLst>
+              <a:ext uri="{FF2B5EF4-FFF2-40B4-BE49-F238E27FC236}">
+                <a16:creationId xmlns:a16="http://schemas.microsoft.com/office/drawing/2014/main" id="{BFEF1553-7ACA-6448-AE5A-C23C6984DBC5}"/>
+              </a:ext>
+            </a:extLst>
+          </p:cNvPr>
+          <p:cNvCxnSpPr>
+            <a:cxnSpLocks/>
+            <a:stCxn id="43" idx="2"/>
+            <a:endCxn id="40" idx="0"/>
+          </p:cNvCxnSpPr>
+          <p:nvPr/>
+        </p:nvCxnSpPr>
+        <p:spPr>
+          <a:xfrm>
+            <a:off x="6760264" y="1474177"/>
+            <a:ext cx="0" cy="215787"/>
+          </a:xfrm>
+          <a:prstGeom prst="straightConnector1">
+            <a:avLst/>
+          </a:prstGeom>
+          <a:ln w="28575">
+            <a:solidFill>
+              <a:schemeClr val="tx1"/>
+            </a:solidFill>
+            <a:tailEnd type="triangle"/>
+          </a:ln>
+        </p:spPr>
+        <p:style>
+          <a:lnRef idx="1">
+            <a:schemeClr val="accent1"/>
+          </a:lnRef>
+          <a:fillRef idx="0">
+            <a:schemeClr val="accent1"/>
+          </a:fillRef>
+          <a:effectRef idx="0">
+            <a:schemeClr val="accent1"/>
+          </a:effectRef>
+          <a:fontRef idx="minor">
+            <a:schemeClr val="tx1"/>
+          </a:fontRef>
+        </p:style>
+      </p:cxnSp>
+      <p:cxnSp>
+        <p:nvCxnSpPr>
+          <p:cNvPr id="55" name="Straight Arrow Connector 54">
+            <a:extLst>
+              <a:ext uri="{FF2B5EF4-FFF2-40B4-BE49-F238E27FC236}">
+                <a16:creationId xmlns:a16="http://schemas.microsoft.com/office/drawing/2014/main" id="{59D9343F-C586-0849-9443-4F7D6F639232}"/>
+              </a:ext>
+            </a:extLst>
+          </p:cNvPr>
+          <p:cNvCxnSpPr>
+            <a:cxnSpLocks/>
+            <a:stCxn id="40" idx="2"/>
+            <a:endCxn id="82" idx="0"/>
+          </p:cNvCxnSpPr>
+          <p:nvPr/>
+        </p:nvCxnSpPr>
+        <p:spPr>
+          <a:xfrm flipH="1">
+            <a:off x="1815435" y="2233511"/>
+            <a:ext cx="4944829" cy="309766"/>
+          </a:xfrm>
+          <a:prstGeom prst="straightConnector1">
+            <a:avLst/>
+          </a:prstGeom>
+          <a:ln w="28575">
+            <a:solidFill>
+              <a:schemeClr val="tx1"/>
+            </a:solidFill>
+            <a:tailEnd type="triangle"/>
+          </a:ln>
+        </p:spPr>
+        <p:style>
+          <a:lnRef idx="1">
+            <a:schemeClr val="accent1"/>
+          </a:lnRef>
+          <a:fillRef idx="0">
+            <a:schemeClr val="accent1"/>
+          </a:fillRef>
+          <a:effectRef idx="0">
+            <a:schemeClr val="accent1"/>
+          </a:effectRef>
+          <a:fontRef idx="minor">
+            <a:schemeClr val="tx1"/>
+          </a:fontRef>
+        </p:style>
+      </p:cxnSp>
+      <p:cxnSp>
+        <p:nvCxnSpPr>
+          <p:cNvPr id="58" name="Straight Arrow Connector 57">
+            <a:extLst>
+              <a:ext uri="{FF2B5EF4-FFF2-40B4-BE49-F238E27FC236}">
+                <a16:creationId xmlns:a16="http://schemas.microsoft.com/office/drawing/2014/main" id="{0C77AA27-B398-794E-A38B-B4B5EBA97F94}"/>
+              </a:ext>
+            </a:extLst>
+          </p:cNvPr>
+          <p:cNvCxnSpPr>
+            <a:cxnSpLocks/>
+            <a:stCxn id="40" idx="2"/>
+            <a:endCxn id="91" idx="0"/>
+          </p:cNvCxnSpPr>
+          <p:nvPr/>
+        </p:nvCxnSpPr>
+        <p:spPr>
+          <a:xfrm flipH="1">
+            <a:off x="6605349" y="2233511"/>
+            <a:ext cx="154915" cy="309767"/>
+          </a:xfrm>
+          <a:prstGeom prst="straightConnector1">
+            <a:avLst/>
+          </a:prstGeom>
+          <a:ln w="28575">
+            <a:solidFill>
+              <a:schemeClr val="tx1"/>
+            </a:solidFill>
+            <a:tailEnd type="triangle"/>
+          </a:ln>
+        </p:spPr>
+        <p:style>
+          <a:lnRef idx="1">
+            <a:schemeClr val="accent1"/>
+          </a:lnRef>
+          <a:fillRef idx="0">
+            <a:schemeClr val="accent1"/>
+          </a:fillRef>
+          <a:effectRef idx="0">
+            <a:schemeClr val="accent1"/>
+          </a:effectRef>
+          <a:fontRef idx="minor">
+            <a:schemeClr val="tx1"/>
+          </a:fontRef>
+        </p:style>
+      </p:cxnSp>
+      <p:cxnSp>
+        <p:nvCxnSpPr>
+          <p:cNvPr id="61" name="Straight Arrow Connector 60">
+            <a:extLst>
+              <a:ext uri="{FF2B5EF4-FFF2-40B4-BE49-F238E27FC236}">
+                <a16:creationId xmlns:a16="http://schemas.microsoft.com/office/drawing/2014/main" id="{504E96F7-8D62-9B49-9246-F29BEEB01327}"/>
+              </a:ext>
+            </a:extLst>
+          </p:cNvPr>
+          <p:cNvCxnSpPr>
+            <a:cxnSpLocks/>
+            <a:stCxn id="40" idx="2"/>
+            <a:endCxn id="87" idx="0"/>
+          </p:cNvCxnSpPr>
+          <p:nvPr/>
+        </p:nvCxnSpPr>
+        <p:spPr>
+          <a:xfrm flipH="1">
+            <a:off x="4210392" y="2233511"/>
+            <a:ext cx="2549872" cy="309767"/>
+          </a:xfrm>
+          <a:prstGeom prst="straightConnector1">
+            <a:avLst/>
+          </a:prstGeom>
+          <a:ln w="28575">
+            <a:solidFill>
+              <a:schemeClr val="tx1"/>
+            </a:solidFill>
+            <a:tailEnd type="triangle"/>
+          </a:ln>
+        </p:spPr>
+        <p:style>
+          <a:lnRef idx="1">
+            <a:schemeClr val="accent1"/>
+          </a:lnRef>
+          <a:fillRef idx="0">
+            <a:schemeClr val="accent1"/>
+          </a:fillRef>
+          <a:effectRef idx="0">
+            <a:schemeClr val="accent1"/>
+          </a:effectRef>
+          <a:fontRef idx="minor">
+            <a:schemeClr val="tx1"/>
+          </a:fontRef>
+        </p:style>
+      </p:cxnSp>
+      <p:sp>
+        <p:nvSpPr>
+          <p:cNvPr id="73" name="TextBox 72">
+            <a:extLst>
+              <a:ext uri="{FF2B5EF4-FFF2-40B4-BE49-F238E27FC236}">
+                <a16:creationId xmlns:a16="http://schemas.microsoft.com/office/drawing/2014/main" id="{6F7EB666-A889-4C4F-BAE1-3040939C05D1}"/>
+              </a:ext>
+            </a:extLst>
+          </p:cNvPr>
+          <p:cNvSpPr txBox="1"/>
+          <p:nvPr/>
+        </p:nvSpPr>
+        <p:spPr>
+          <a:xfrm>
+            <a:off x="1353578" y="3353725"/>
+            <a:ext cx="761299" cy="307777"/>
+          </a:xfrm>
+          <a:prstGeom prst="rect">
+            <a:avLst/>
+          </a:prstGeom>
+          <a:noFill/>
+        </p:spPr>
+        <p:txBody>
+          <a:bodyPr wrap="none" rtlCol="0">
+            <a:spAutoFit/>
+          </a:bodyPr>
+          <a:lstStyle/>
+          <a:p>
+            <a:r>
+              <a:rPr lang="en-US" sz="1400" dirty="0"/>
+              <a:t>Gradual</a:t>
+            </a:r>
+          </a:p>
+        </p:txBody>
+      </p:sp>
+      <p:sp>
+        <p:nvSpPr>
+          <p:cNvPr id="74" name="TextBox 73">
+            <a:extLst>
+              <a:ext uri="{FF2B5EF4-FFF2-40B4-BE49-F238E27FC236}">
+                <a16:creationId xmlns:a16="http://schemas.microsoft.com/office/drawing/2014/main" id="{D55780FA-4F1F-3342-8DA9-E19A7601CC6F}"/>
+              </a:ext>
+            </a:extLst>
+          </p:cNvPr>
+          <p:cNvSpPr txBox="1"/>
+          <p:nvPr/>
+        </p:nvSpPr>
+        <p:spPr>
+          <a:xfrm>
+            <a:off x="3739733" y="3353725"/>
+            <a:ext cx="695255" cy="307777"/>
+          </a:xfrm>
+          <a:prstGeom prst="rect">
+            <a:avLst/>
+          </a:prstGeom>
+          <a:noFill/>
+        </p:spPr>
+        <p:txBody>
+          <a:bodyPr wrap="none" rtlCol="0">
+            <a:spAutoFit/>
+          </a:bodyPr>
+          <a:lstStyle/>
+          <a:p>
+            <a:r>
+              <a:rPr lang="en-US" sz="1400" dirty="0"/>
+              <a:t>Abrupt</a:t>
+            </a:r>
+          </a:p>
+        </p:txBody>
+      </p:sp>
+      <p:sp>
+        <p:nvSpPr>
+          <p:cNvPr id="75" name="TextBox 74">
+            <a:extLst>
+              <a:ext uri="{FF2B5EF4-FFF2-40B4-BE49-F238E27FC236}">
+                <a16:creationId xmlns:a16="http://schemas.microsoft.com/office/drawing/2014/main" id="{0B8AA886-D242-6048-90F8-6954B30993B9}"/>
+              </a:ext>
+            </a:extLst>
+          </p:cNvPr>
+          <p:cNvSpPr txBox="1"/>
+          <p:nvPr/>
+        </p:nvSpPr>
+        <p:spPr>
+          <a:xfrm>
+            <a:off x="6041444" y="3353725"/>
+            <a:ext cx="919098" cy="307777"/>
+          </a:xfrm>
+          <a:prstGeom prst="rect">
+            <a:avLst/>
+          </a:prstGeom>
+          <a:noFill/>
+        </p:spPr>
+        <p:txBody>
+          <a:bodyPr wrap="none" rtlCol="0">
+            <a:spAutoFit/>
+          </a:bodyPr>
+          <a:lstStyle/>
+          <a:p>
+            <a:r>
+              <a:rPr lang="en-US" sz="1400" dirty="0"/>
+              <a:t>In-Control</a:t>
+            </a:r>
+          </a:p>
+        </p:txBody>
+      </p:sp>
+      <p:grpSp>
+        <p:nvGrpSpPr>
+          <p:cNvPr id="88" name="Group 87">
+            <a:extLst>
+              <a:ext uri="{FF2B5EF4-FFF2-40B4-BE49-F238E27FC236}">
+                <a16:creationId xmlns:a16="http://schemas.microsoft.com/office/drawing/2014/main" id="{46D324F3-E63B-024E-8745-78408CC6554A}"/>
+              </a:ext>
+            </a:extLst>
+          </p:cNvPr>
+          <p:cNvGrpSpPr>
+            <a:grpSpLocks noChangeAspect="1"/>
+          </p:cNvGrpSpPr>
+          <p:nvPr/>
+        </p:nvGrpSpPr>
+        <p:grpSpPr>
+          <a:xfrm>
+            <a:off x="5462349" y="2543278"/>
+            <a:ext cx="2286000" cy="856254"/>
+            <a:chOff x="-48680" y="4348307"/>
+            <a:chExt cx="2135694" cy="799955"/>
+          </a:xfrm>
+        </p:grpSpPr>
+        <p:pic>
+          <p:nvPicPr>
+            <p:cNvPr id="89" name="Picture 88">
               <a:extLst>
                 <a:ext uri="{FF2B5EF4-FFF2-40B4-BE49-F238E27FC236}">
-                  <a16:creationId xmlns:a16="http://schemas.microsoft.com/office/drawing/2014/main" id="{AA110424-7A0C-9F45-99E3-9A5FD7502EA0}"/>
+                  <a16:creationId xmlns:a16="http://schemas.microsoft.com/office/drawing/2014/main" id="{0DDEC995-B303-6B4A-B803-641581F6E3B2}"/>
                 </a:ext>
               </a:extLst>
             </p:cNvPr>
-            <p:cNvCxnSpPr>
-              <a:stCxn id="19" idx="0"/>
-              <a:endCxn id="43" idx="1"/>
-            </p:cNvCxnSpPr>
+            <p:cNvPicPr>
+              <a:picLocks noChangeAspect="1"/>
+            </p:cNvPicPr>
             <p:nvPr/>
-          </p:nvCxnSpPr>
+          </p:nvPicPr>
+          <p:blipFill>
+            <a:blip r:embed="rId9"/>
+            <a:srcRect/>
+            <a:stretch/>
+          </p:blipFill>
           <p:spPr>
-            <a:xfrm rot="5400000" flipH="1" flipV="1">
-              <a:off x="5963717" y="1301413"/>
-              <a:ext cx="280940" cy="635631"/>
+            <a:xfrm>
+              <a:off x="1287059" y="4348307"/>
+              <a:ext cx="799955" cy="799955"/>
             </a:xfrm>
-            <a:prstGeom prst="bentConnector2">
+            <a:prstGeom prst="rect">
               <a:avLst/>
             </a:prstGeom>
-            <a:ln w="28575">
+          </p:spPr>
+        </p:pic>
+        <p:pic>
+          <p:nvPicPr>
+            <p:cNvPr id="90" name="Picture 89">
+              <a:extLst>
+                <a:ext uri="{FF2B5EF4-FFF2-40B4-BE49-F238E27FC236}">
+                  <a16:creationId xmlns:a16="http://schemas.microsoft.com/office/drawing/2014/main" id="{20F0A21B-10A6-6948-B09B-46F47EE3AD93}"/>
+                </a:ext>
+              </a:extLst>
+            </p:cNvPr>
+            <p:cNvPicPr>
+              <a:picLocks noChangeAspect="1"/>
+            </p:cNvPicPr>
+            <p:nvPr/>
+          </p:nvPicPr>
+          <p:blipFill>
+            <a:blip r:embed="rId10"/>
+            <a:srcRect/>
+            <a:stretch/>
+          </p:blipFill>
+          <p:spPr>
+            <a:xfrm>
+              <a:off x="-48680" y="4348308"/>
+              <a:ext cx="1335738" cy="799954"/>
+            </a:xfrm>
+            <a:prstGeom prst="rect">
+              <a:avLst/>
+            </a:prstGeom>
+            <a:ln w="6350">
               <a:solidFill>
                 <a:schemeClr val="tx1"/>
               </a:solidFill>
-              <a:tailEnd type="triangle"/>
+            </a:ln>
+          </p:spPr>
+        </p:pic>
+        <p:sp>
+          <p:nvSpPr>
+            <p:cNvPr id="91" name="Rectangle 90">
+              <a:extLst>
+                <a:ext uri="{FF2B5EF4-FFF2-40B4-BE49-F238E27FC236}">
+                  <a16:creationId xmlns:a16="http://schemas.microsoft.com/office/drawing/2014/main" id="{FCACA341-D586-D24A-AFC0-39EEB44547ED}"/>
+                </a:ext>
+              </a:extLst>
+            </p:cNvPr>
+            <p:cNvSpPr/>
+            <p:nvPr/>
+          </p:nvSpPr>
+          <p:spPr>
+            <a:xfrm>
+              <a:off x="-48680" y="4348307"/>
+              <a:ext cx="2135694" cy="799955"/>
+            </a:xfrm>
+            <a:prstGeom prst="rect">
+              <a:avLst/>
+            </a:prstGeom>
+            <a:noFill/>
+            <a:ln w="19050">
+              <a:solidFill>
+                <a:schemeClr val="tx1"/>
+              </a:solidFill>
             </a:ln>
           </p:spPr>
           <p:style>
-            <a:lnRef idx="1">
-              <a:schemeClr val="accent1"/>
+            <a:lnRef idx="2">
+              <a:schemeClr val="accent1">
+                <a:shade val="50000"/>
+              </a:schemeClr>
             </a:lnRef>
-            <a:fillRef idx="0">
+            <a:fillRef idx="1">
               <a:schemeClr val="accent1"/>
             </a:fillRef>
             <a:effectRef idx="0">
               <a:schemeClr val="accent1"/>
             </a:effectRef>
             <a:fontRef idx="minor">
-              <a:schemeClr val="tx1"/>
+              <a:schemeClr val="lt1"/>
             </a:fontRef>
           </p:style>
-        </p:cxnSp>
-        <p:cxnSp>
-          <p:nvCxnSpPr>
-            <p:cNvPr id="65" name="Elbow Connector 64">
-              <a:extLst>
-                <a:ext uri="{FF2B5EF4-FFF2-40B4-BE49-F238E27FC236}">
-                  <a16:creationId xmlns:a16="http://schemas.microsoft.com/office/drawing/2014/main" id="{D4C43AC1-D224-DB4C-8C3E-6BEAB32DB796}"/>
-                </a:ext>
-              </a:extLst>
-            </p:cNvPr>
-            <p:cNvCxnSpPr>
-              <a:cxnSpLocks/>
-              <a:stCxn id="19" idx="2"/>
-              <a:endCxn id="40" idx="1"/>
-            </p:cNvCxnSpPr>
-            <p:nvPr/>
-          </p:nvCxnSpPr>
-          <p:spPr>
-            <a:xfrm rot="16200000" flipH="1">
-              <a:off x="5899181" y="1988366"/>
-              <a:ext cx="292559" cy="518177"/>
-            </a:xfrm>
-            <a:prstGeom prst="bentConnector2">
-              <a:avLst/>
-            </a:prstGeom>
-            <a:ln w="28575">
+          <p:txBody>
+            <a:bodyPr rtlCol="0" anchor="ctr"/>
+            <a:lstStyle/>
+            <a:p>
+              <a:pPr algn="ctr"/>
+              <a:endParaRPr lang="en-US"/>
+            </a:p>
+          </p:txBody>
+        </p:sp>
+      </p:grpSp>
+      <p:cxnSp>
+        <p:nvCxnSpPr>
+          <p:cNvPr id="13" name="Straight Arrow Connector 12">
+            <a:extLst>
+              <a:ext uri="{FF2B5EF4-FFF2-40B4-BE49-F238E27FC236}">
+                <a16:creationId xmlns:a16="http://schemas.microsoft.com/office/drawing/2014/main" id="{AB12DE88-3BCC-5840-A00B-73EB3D8DD482}"/>
+              </a:ext>
+            </a:extLst>
+          </p:cNvPr>
+          <p:cNvCxnSpPr>
+            <a:cxnSpLocks/>
+            <a:stCxn id="5" idx="3"/>
+            <a:endCxn id="12" idx="1"/>
+          </p:cNvCxnSpPr>
+          <p:nvPr/>
+        </p:nvCxnSpPr>
+        <p:spPr>
+          <a:xfrm>
+            <a:off x="2170930" y="1493590"/>
+            <a:ext cx="260482" cy="328678"/>
+          </a:xfrm>
+          <a:prstGeom prst="straightConnector1">
+            <a:avLst/>
+          </a:prstGeom>
+          <a:ln w="28575">
+            <a:solidFill>
+              <a:schemeClr val="tx1"/>
+            </a:solidFill>
+            <a:tailEnd type="triangle"/>
+          </a:ln>
+        </p:spPr>
+        <p:style>
+          <a:lnRef idx="1">
+            <a:schemeClr val="accent1"/>
+          </a:lnRef>
+          <a:fillRef idx="0">
+            <a:schemeClr val="accent1"/>
+          </a:fillRef>
+          <a:effectRef idx="0">
+            <a:schemeClr val="accent1"/>
+          </a:effectRef>
+          <a:fontRef idx="minor">
+            <a:schemeClr val="tx1"/>
+          </a:fontRef>
+        </p:style>
+      </p:cxnSp>
+      <mc:AlternateContent xmlns:mc="http://schemas.openxmlformats.org/markup-compatibility/2006">
+        <mc:Choice xmlns:a14="http://schemas.microsoft.com/office/drawing/2010/main" Requires="a14">
+          <p:sp>
+            <p:nvSpPr>
+              <p:cNvPr id="5" name="TextBox 4">
+                <a:extLst>
+                  <a:ext uri="{FF2B5EF4-FFF2-40B4-BE49-F238E27FC236}">
+                    <a16:creationId xmlns:a16="http://schemas.microsoft.com/office/drawing/2014/main" id="{7100BC10-7CEF-A947-81B8-16607851B162}"/>
+                  </a:ext>
+                </a:extLst>
+              </p:cNvPr>
+              <p:cNvSpPr txBox="1"/>
+              <p:nvPr/>
+            </p:nvSpPr>
+            <p:spPr>
+              <a:xfrm>
+                <a:off x="514090" y="1231595"/>
+                <a:ext cx="1656840" cy="523990"/>
+              </a:xfrm>
+              <a:prstGeom prst="rect">
+                <a:avLst/>
+              </a:prstGeom>
               <a:solidFill>
-                <a:schemeClr val="tx1"/>
+                <a:schemeClr val="accent6"/>
               </a:solidFill>
-              <a:tailEnd type="triangle"/>
-            </a:ln>
-          </p:spPr>
-          <p:style>
-            <a:lnRef idx="1">
-              <a:schemeClr val="accent1"/>
-            </a:lnRef>
-            <a:fillRef idx="0">
-              <a:schemeClr val="accent1"/>
-            </a:fillRef>
-            <a:effectRef idx="0">
-              <a:schemeClr val="accent1"/>
-            </a:effectRef>
-            <a:fontRef idx="minor">
+              <a:ln>
+                <a:solidFill>
+                  <a:schemeClr val="tx1"/>
+                </a:solidFill>
+              </a:ln>
+            </p:spPr>
+            <p:txBody>
+              <a:bodyPr wrap="square" rtlCol="0">
+                <a:spAutoFit/>
+              </a:bodyPr>
+              <a:lstStyle/>
+              <a:p>
+                <a:r>
+                  <a:rPr lang="en-US" sz="1400" dirty="0"/>
+                  <a:t>Stationary</a:t>
+                </a:r>
+                <a:r>
+                  <a:rPr lang="zh-CN" altLang="en-US" sz="1400" dirty="0"/>
+                  <a:t> </a:t>
+                </a:r>
+                <a:r>
+                  <a:rPr lang="en-US" sz="1400" dirty="0"/>
+                  <a:t>Dataset: </a:t>
+                </a:r>
+                <a14:m>
+                  <m:oMath xmlns:m="http://schemas.openxmlformats.org/officeDocument/2006/math">
+                    <m:r>
+                      <m:rPr>
+                        <m:lit/>
+                      </m:rPr>
+                      <a:rPr lang="en-US" sz="1400" i="1">
+                        <a:latin typeface="Cambria Math" panose="02040503050406030204" pitchFamily="18" charset="0"/>
+                      </a:rPr>
+                      <m:t>{</m:t>
+                    </m:r>
+                    <m:d>
+                      <m:dPr>
+                        <m:ctrlPr>
+                          <a:rPr lang="en-US" sz="1400" i="1">
+                            <a:latin typeface="Cambria Math" panose="02040503050406030204" pitchFamily="18" charset="0"/>
+                          </a:rPr>
+                        </m:ctrlPr>
+                      </m:dPr>
+                      <m:e>
+                        <m:sSub>
+                          <m:sSubPr>
+                            <m:ctrlPr>
+                              <a:rPr lang="en-US" sz="1400" i="1">
+                                <a:latin typeface="Cambria Math" panose="02040503050406030204" pitchFamily="18" charset="0"/>
+                              </a:rPr>
+                            </m:ctrlPr>
+                          </m:sSubPr>
+                          <m:e>
+                            <m:r>
+                              <a:rPr lang="en-US" sz="1400" b="1" i="1">
+                                <a:latin typeface="Cambria Math" panose="02040503050406030204" pitchFamily="18" charset="0"/>
+                              </a:rPr>
+                              <m:t>𝒙</m:t>
+                            </m:r>
+                          </m:e>
+                          <m:sub>
+                            <m:r>
+                              <a:rPr lang="en-US" sz="1400" i="1">
+                                <a:latin typeface="Cambria Math" panose="02040503050406030204" pitchFamily="18" charset="0"/>
+                              </a:rPr>
+                              <m:t>𝑖</m:t>
+                            </m:r>
+                          </m:sub>
+                        </m:sSub>
+                        <m:r>
+                          <a:rPr lang="en-US" sz="1400" i="1">
+                            <a:latin typeface="Cambria Math" panose="02040503050406030204" pitchFamily="18" charset="0"/>
+                          </a:rPr>
+                          <m:t>, </m:t>
+                        </m:r>
+                        <m:sSub>
+                          <m:sSubPr>
+                            <m:ctrlPr>
+                              <a:rPr lang="en-US" sz="1400" i="1">
+                                <a:latin typeface="Cambria Math" panose="02040503050406030204" pitchFamily="18" charset="0"/>
+                              </a:rPr>
+                            </m:ctrlPr>
+                          </m:sSubPr>
+                          <m:e>
+                            <m:r>
+                              <a:rPr lang="en-US" sz="1400" i="1">
+                                <a:latin typeface="Cambria Math" panose="02040503050406030204" pitchFamily="18" charset="0"/>
+                              </a:rPr>
+                              <m:t>𝑦</m:t>
+                            </m:r>
+                          </m:e>
+                          <m:sub>
+                            <m:r>
+                              <a:rPr lang="en-US" sz="1400" i="1">
+                                <a:latin typeface="Cambria Math" panose="02040503050406030204" pitchFamily="18" charset="0"/>
+                              </a:rPr>
+                              <m:t>𝑖</m:t>
+                            </m:r>
+                          </m:sub>
+                        </m:sSub>
+                      </m:e>
+                    </m:d>
+                    <m:sSubSup>
+                      <m:sSubSupPr>
+                        <m:ctrlPr>
+                          <a:rPr lang="en-US" sz="1400" i="1">
+                            <a:latin typeface="Cambria Math" panose="02040503050406030204" pitchFamily="18" charset="0"/>
+                          </a:rPr>
+                        </m:ctrlPr>
+                      </m:sSubSupPr>
+                      <m:e>
+                        <m:r>
+                          <m:rPr>
+                            <m:lit/>
+                          </m:rPr>
+                          <a:rPr lang="en-US" sz="1400" i="1">
+                            <a:latin typeface="Cambria Math" panose="02040503050406030204" pitchFamily="18" charset="0"/>
+                          </a:rPr>
+                          <m:t>}</m:t>
+                        </m:r>
+                      </m:e>
+                      <m:sub>
+                        <m:r>
+                          <a:rPr lang="en-US" sz="1400" i="1">
+                            <a:latin typeface="Cambria Math" panose="02040503050406030204" pitchFamily="18" charset="0"/>
+                          </a:rPr>
+                          <m:t>𝑖</m:t>
+                        </m:r>
+                        <m:r>
+                          <a:rPr lang="en-US" sz="1400" i="1">
+                            <a:latin typeface="Cambria Math" panose="02040503050406030204" pitchFamily="18" charset="0"/>
+                          </a:rPr>
+                          <m:t>=1</m:t>
+                        </m:r>
+                      </m:sub>
+                      <m:sup>
+                        <m:r>
+                          <a:rPr lang="en-US" sz="1400" i="1">
+                            <a:latin typeface="Cambria Math" panose="02040503050406030204" pitchFamily="18" charset="0"/>
+                          </a:rPr>
+                          <m:t>𝑛</m:t>
+                        </m:r>
+                      </m:sup>
+                    </m:sSubSup>
+                  </m:oMath>
+                </a14:m>
+                <a:endParaRPr lang="en-US" sz="1400" dirty="0"/>
+              </a:p>
+            </p:txBody>
+          </p:sp>
+        </mc:Choice>
+        <mc:Fallback>
+          <p:sp>
+            <p:nvSpPr>
+              <p:cNvPr id="5" name="TextBox 4">
+                <a:extLst>
+                  <a:ext uri="{FF2B5EF4-FFF2-40B4-BE49-F238E27FC236}">
+                    <a16:creationId xmlns:a16="http://schemas.microsoft.com/office/drawing/2014/main" id="{7100BC10-7CEF-A947-81B8-16607851B162}"/>
+                  </a:ext>
+                </a:extLst>
+              </p:cNvPr>
+              <p:cNvSpPr txBox="1">
+                <a:spLocks noRot="1" noChangeAspect="1" noMove="1" noResize="1" noEditPoints="1" noAdjustHandles="1" noChangeArrowheads="1" noChangeShapeType="1" noTextEdit="1"/>
+              </p:cNvSpPr>
+              <p:nvPr/>
+            </p:nvSpPr>
+            <p:spPr>
+              <a:xfrm>
+                <a:off x="514090" y="1231595"/>
+                <a:ext cx="1656840" cy="523990"/>
+              </a:xfrm>
+              <a:prstGeom prst="rect">
+                <a:avLst/>
+              </a:prstGeom>
+              <a:blipFill>
+                <a:blip r:embed="rId11"/>
+                <a:stretch>
+                  <a:fillRect l="-752" b="-2326"/>
+                </a:stretch>
+              </a:blipFill>
+              <a:ln>
+                <a:solidFill>
+                  <a:schemeClr val="tx1"/>
+                </a:solidFill>
+              </a:ln>
+            </p:spPr>
+            <p:txBody>
+              <a:bodyPr/>
+              <a:lstStyle/>
+              <a:p>
+                <a:r>
+                  <a:rPr lang="en-US">
+                    <a:noFill/>
+                  </a:rPr>
+                  <a:t> </a:t>
+                </a:r>
+              </a:p>
+            </p:txBody>
+          </p:sp>
+        </mc:Fallback>
+      </mc:AlternateContent>
+      <mc:AlternateContent xmlns:mc="http://schemas.openxmlformats.org/markup-compatibility/2006">
+        <mc:Choice xmlns:a14="http://schemas.microsoft.com/office/drawing/2010/main" Requires="a14">
+          <p:sp>
+            <p:nvSpPr>
+              <p:cNvPr id="40" name="TextBox 39">
+                <a:extLst>
+                  <a:ext uri="{FF2B5EF4-FFF2-40B4-BE49-F238E27FC236}">
+                    <a16:creationId xmlns:a16="http://schemas.microsoft.com/office/drawing/2014/main" id="{BA87C1E8-BDF9-614C-89A5-FBDAACC5C88E}"/>
+                  </a:ext>
+                </a:extLst>
+              </p:cNvPr>
+              <p:cNvSpPr txBox="1"/>
+              <p:nvPr/>
+            </p:nvSpPr>
+            <p:spPr>
+              <a:xfrm>
+                <a:off x="6029237" y="1689964"/>
+                <a:ext cx="1462053" cy="543547"/>
+              </a:xfrm>
+              <a:prstGeom prst="rect">
+                <a:avLst/>
+              </a:prstGeom>
+              <a:solidFill>
+                <a:schemeClr val="accent6"/>
+              </a:solidFill>
+              <a:ln>
+                <a:solidFill>
+                  <a:schemeClr val="tx1"/>
+                </a:solidFill>
+              </a:ln>
+            </p:spPr>
+            <p:txBody>
+              <a:bodyPr wrap="square" rtlCol="0">
+                <a:spAutoFit/>
+              </a:bodyPr>
+              <a:lstStyle/>
+              <a:p>
+                <a:r>
+                  <a:rPr lang="en-US" sz="1400" dirty="0"/>
+                  <a:t>Phase-II Dataset: </a:t>
+                </a:r>
+                <a14:m>
+                  <m:oMath xmlns:m="http://schemas.openxmlformats.org/officeDocument/2006/math">
+                    <m:r>
+                      <m:rPr>
+                        <m:lit/>
+                      </m:rPr>
+                      <a:rPr lang="en-US" sz="1400" i="1">
+                        <a:latin typeface="Cambria Math" panose="02040503050406030204" pitchFamily="18" charset="0"/>
+                      </a:rPr>
+                      <m:t>{</m:t>
+                    </m:r>
+                    <m:d>
+                      <m:dPr>
+                        <m:ctrlPr>
+                          <a:rPr lang="en-US" sz="1400" i="1">
+                            <a:latin typeface="Cambria Math" panose="02040503050406030204" pitchFamily="18" charset="0"/>
+                          </a:rPr>
+                        </m:ctrlPr>
+                      </m:dPr>
+                      <m:e>
+                        <m:sSub>
+                          <m:sSubPr>
+                            <m:ctrlPr>
+                              <a:rPr lang="en-US" sz="1400" i="1">
+                                <a:latin typeface="Cambria Math" panose="02040503050406030204" pitchFamily="18" charset="0"/>
+                              </a:rPr>
+                            </m:ctrlPr>
+                          </m:sSubPr>
+                          <m:e>
+                            <m:acc>
+                              <m:accPr>
+                                <m:chr m:val="̃"/>
+                                <m:ctrlPr>
+                                  <a:rPr lang="en-US" sz="1400" b="1" i="1">
+                                    <a:latin typeface="Cambria Math" panose="02040503050406030204" pitchFamily="18" charset="0"/>
+                                  </a:rPr>
+                                </m:ctrlPr>
+                              </m:accPr>
+                              <m:e>
+                                <m:r>
+                                  <a:rPr lang="en-US" sz="1400" b="1" i="1">
+                                    <a:latin typeface="Cambria Math" panose="02040503050406030204" pitchFamily="18" charset="0"/>
+                                  </a:rPr>
+                                  <m:t>𝒙</m:t>
+                                </m:r>
+                              </m:e>
+                            </m:acc>
+                          </m:e>
+                          <m:sub>
+                            <m:r>
+                              <a:rPr lang="en-US" sz="1400" i="1">
+                                <a:latin typeface="Cambria Math" panose="02040503050406030204" pitchFamily="18" charset="0"/>
+                              </a:rPr>
+                              <m:t>𝑖</m:t>
+                            </m:r>
+                          </m:sub>
+                        </m:sSub>
+                        <m:r>
+                          <a:rPr lang="en-US" sz="1400" i="1">
+                            <a:latin typeface="Cambria Math" panose="02040503050406030204" pitchFamily="18" charset="0"/>
+                          </a:rPr>
+                          <m:t>, </m:t>
+                        </m:r>
+                        <m:sSub>
+                          <m:sSubPr>
+                            <m:ctrlPr>
+                              <a:rPr lang="en-US" sz="1400" i="1">
+                                <a:latin typeface="Cambria Math" panose="02040503050406030204" pitchFamily="18" charset="0"/>
+                              </a:rPr>
+                            </m:ctrlPr>
+                          </m:sSubPr>
+                          <m:e>
+                            <m:acc>
+                              <m:accPr>
+                                <m:chr m:val="̃"/>
+                                <m:ctrlPr>
+                                  <a:rPr lang="en-US" sz="1400" i="1">
+                                    <a:latin typeface="Cambria Math" panose="02040503050406030204" pitchFamily="18" charset="0"/>
+                                  </a:rPr>
+                                </m:ctrlPr>
+                              </m:accPr>
+                              <m:e>
+                                <m:r>
+                                  <a:rPr lang="en-US" sz="1400" i="1">
+                                    <a:latin typeface="Cambria Math" panose="02040503050406030204" pitchFamily="18" charset="0"/>
+                                  </a:rPr>
+                                  <m:t>𝑦</m:t>
+                                </m:r>
+                              </m:e>
+                            </m:acc>
+                          </m:e>
+                          <m:sub>
+                            <m:r>
+                              <a:rPr lang="en-US" sz="1400" i="1">
+                                <a:latin typeface="Cambria Math" panose="02040503050406030204" pitchFamily="18" charset="0"/>
+                              </a:rPr>
+                              <m:t>𝑖</m:t>
+                            </m:r>
+                          </m:sub>
+                        </m:sSub>
+                      </m:e>
+                    </m:d>
+                    <m:sSubSup>
+                      <m:sSubSupPr>
+                        <m:ctrlPr>
+                          <a:rPr lang="en-US" sz="1400" i="1">
+                            <a:latin typeface="Cambria Math" panose="02040503050406030204" pitchFamily="18" charset="0"/>
+                          </a:rPr>
+                        </m:ctrlPr>
+                      </m:sSubSupPr>
+                      <m:e>
+                        <m:r>
+                          <m:rPr>
+                            <m:lit/>
+                          </m:rPr>
+                          <a:rPr lang="en-US" sz="1400" i="1">
+                            <a:latin typeface="Cambria Math" panose="02040503050406030204" pitchFamily="18" charset="0"/>
+                          </a:rPr>
+                          <m:t>}</m:t>
+                        </m:r>
+                      </m:e>
+                      <m:sub>
+                        <m:r>
+                          <a:rPr lang="en-US" sz="1400" i="1">
+                            <a:latin typeface="Cambria Math" panose="02040503050406030204" pitchFamily="18" charset="0"/>
+                          </a:rPr>
+                          <m:t>𝑖</m:t>
+                        </m:r>
+                        <m:r>
+                          <a:rPr lang="en-US" sz="1400" i="1">
+                            <a:latin typeface="Cambria Math" panose="02040503050406030204" pitchFamily="18" charset="0"/>
+                          </a:rPr>
+                          <m:t>=1</m:t>
+                        </m:r>
+                      </m:sub>
+                      <m:sup>
+                        <m:acc>
+                          <m:accPr>
+                            <m:chr m:val="̃"/>
+                            <m:ctrlPr>
+                              <a:rPr lang="en-US" sz="1400" i="1">
+                                <a:latin typeface="Cambria Math" panose="02040503050406030204" pitchFamily="18" charset="0"/>
+                              </a:rPr>
+                            </m:ctrlPr>
+                          </m:accPr>
+                          <m:e>
+                            <m:r>
+                              <a:rPr lang="en-US" sz="1400" i="1">
+                                <a:latin typeface="Cambria Math" panose="02040503050406030204" pitchFamily="18" charset="0"/>
+                              </a:rPr>
+                              <m:t>𝑛</m:t>
+                            </m:r>
+                          </m:e>
+                        </m:acc>
+                        <m:r>
+                          <a:rPr lang="en-US" sz="1400" i="1">
+                            <a:latin typeface="Cambria Math" panose="02040503050406030204" pitchFamily="18" charset="0"/>
+                          </a:rPr>
+                          <m:t> </m:t>
+                        </m:r>
+                      </m:sup>
+                    </m:sSubSup>
+                  </m:oMath>
+                </a14:m>
+                <a:endParaRPr lang="en-US" sz="1400" dirty="0"/>
+              </a:p>
+            </p:txBody>
+          </p:sp>
+        </mc:Choice>
+        <mc:Fallback>
+          <p:sp>
+            <p:nvSpPr>
+              <p:cNvPr id="40" name="TextBox 39">
+                <a:extLst>
+                  <a:ext uri="{FF2B5EF4-FFF2-40B4-BE49-F238E27FC236}">
+                    <a16:creationId xmlns:a16="http://schemas.microsoft.com/office/drawing/2014/main" id="{BA87C1E8-BDF9-614C-89A5-FBDAACC5C88E}"/>
+                  </a:ext>
+                </a:extLst>
+              </p:cNvPr>
+              <p:cNvSpPr txBox="1">
+                <a:spLocks noRot="1" noChangeAspect="1" noMove="1" noResize="1" noEditPoints="1" noAdjustHandles="1" noChangeArrowheads="1" noChangeShapeType="1" noTextEdit="1"/>
+              </p:cNvSpPr>
+              <p:nvPr/>
+            </p:nvSpPr>
+            <p:spPr>
+              <a:xfrm>
+                <a:off x="6029237" y="1689964"/>
+                <a:ext cx="1462053" cy="543547"/>
+              </a:xfrm>
+              <a:prstGeom prst="rect">
+                <a:avLst/>
+              </a:prstGeom>
+              <a:blipFill>
+                <a:blip r:embed="rId12"/>
+                <a:stretch>
+                  <a:fillRect l="-855" b="-2222"/>
+                </a:stretch>
+              </a:blipFill>
+              <a:ln>
+                <a:solidFill>
+                  <a:schemeClr val="tx1"/>
+                </a:solidFill>
+              </a:ln>
+            </p:spPr>
+            <p:txBody>
+              <a:bodyPr/>
+              <a:lstStyle/>
+              <a:p>
+                <a:r>
+                  <a:rPr lang="en-US">
+                    <a:noFill/>
+                  </a:rPr>
+                  <a:t> </a:t>
+                </a:r>
+              </a:p>
+            </p:txBody>
+          </p:sp>
+        </mc:Fallback>
+      </mc:AlternateContent>
+      <p:sp>
+        <p:nvSpPr>
+          <p:cNvPr id="76" name="Rounded Rectangle 75">
+            <a:extLst>
+              <a:ext uri="{FF2B5EF4-FFF2-40B4-BE49-F238E27FC236}">
+                <a16:creationId xmlns:a16="http://schemas.microsoft.com/office/drawing/2014/main" id="{406D56CB-86AF-D04D-A732-681A4D7E6BDE}"/>
+              </a:ext>
+            </a:extLst>
+          </p:cNvPr>
+          <p:cNvSpPr/>
+          <p:nvPr/>
+        </p:nvSpPr>
+        <p:spPr>
+          <a:xfrm>
+            <a:off x="346510" y="475723"/>
+            <a:ext cx="7536580" cy="3163355"/>
+          </a:xfrm>
+          <a:prstGeom prst="roundRect">
+            <a:avLst/>
+          </a:prstGeom>
+          <a:noFill/>
+          <a:ln w="38100">
+            <a:solidFill>
               <a:schemeClr val="tx1"/>
-            </a:fontRef>
-          </p:style>
-        </p:cxnSp>
-      </p:grpSp>
+            </a:solidFill>
+          </a:ln>
+        </p:spPr>
+        <p:style>
+          <a:lnRef idx="2">
+            <a:schemeClr val="accent1">
+              <a:shade val="50000"/>
+            </a:schemeClr>
+          </a:lnRef>
+          <a:fillRef idx="1">
+            <a:schemeClr val="accent1"/>
+          </a:fillRef>
+          <a:effectRef idx="0">
+            <a:schemeClr val="accent1"/>
+          </a:effectRef>
+          <a:fontRef idx="minor">
+            <a:schemeClr val="lt1"/>
+          </a:fontRef>
+        </p:style>
+        <p:txBody>
+          <a:bodyPr rtlCol="0" anchor="ctr"/>
+          <a:lstStyle/>
+          <a:p>
+            <a:pPr algn="ctr"/>
+            <a:endParaRPr lang="en-US"/>
+          </a:p>
+        </p:txBody>
+      </p:sp>
+      <p:cxnSp>
+        <p:nvCxnSpPr>
+          <p:cNvPr id="38" name="Elbow Connector 37">
+            <a:extLst>
+              <a:ext uri="{FF2B5EF4-FFF2-40B4-BE49-F238E27FC236}">
+                <a16:creationId xmlns:a16="http://schemas.microsoft.com/office/drawing/2014/main" id="{AA110424-7A0C-9F45-99E3-9A5FD7502EA0}"/>
+              </a:ext>
+            </a:extLst>
+          </p:cNvPr>
+          <p:cNvCxnSpPr>
+            <a:cxnSpLocks/>
+            <a:stCxn id="19" idx="0"/>
+            <a:endCxn id="43" idx="1"/>
+          </p:cNvCxnSpPr>
+          <p:nvPr/>
+        </p:nvCxnSpPr>
+        <p:spPr>
+          <a:xfrm rot="5400000" flipH="1" flipV="1">
+            <a:off x="5277996" y="631985"/>
+            <a:ext cx="337090" cy="1105411"/>
+          </a:xfrm>
+          <a:prstGeom prst="bentConnector2">
+            <a:avLst/>
+          </a:prstGeom>
+          <a:ln w="28575">
+            <a:solidFill>
+              <a:schemeClr val="tx1"/>
+            </a:solidFill>
+            <a:tailEnd type="triangle"/>
+          </a:ln>
+        </p:spPr>
+        <p:style>
+          <a:lnRef idx="1">
+            <a:schemeClr val="accent1"/>
+          </a:lnRef>
+          <a:fillRef idx="0">
+            <a:schemeClr val="accent1"/>
+          </a:fillRef>
+          <a:effectRef idx="0">
+            <a:schemeClr val="accent1"/>
+          </a:effectRef>
+          <a:fontRef idx="minor">
+            <a:schemeClr val="tx1"/>
+          </a:fontRef>
+        </p:style>
+      </p:cxnSp>
+      <p:cxnSp>
+        <p:nvCxnSpPr>
+          <p:cNvPr id="65" name="Elbow Connector 64">
+            <a:extLst>
+              <a:ext uri="{FF2B5EF4-FFF2-40B4-BE49-F238E27FC236}">
+                <a16:creationId xmlns:a16="http://schemas.microsoft.com/office/drawing/2014/main" id="{D4C43AC1-D224-DB4C-8C3E-6BEAB32DB796}"/>
+              </a:ext>
+            </a:extLst>
+          </p:cNvPr>
+          <p:cNvCxnSpPr>
+            <a:cxnSpLocks/>
+            <a:stCxn id="19" idx="2"/>
+            <a:endCxn id="40" idx="1"/>
+          </p:cNvCxnSpPr>
+          <p:nvPr/>
+        </p:nvCxnSpPr>
+        <p:spPr>
+          <a:xfrm rot="16200000" flipH="1">
+            <a:off x="5297640" y="1230141"/>
+            <a:ext cx="327792" cy="1135401"/>
+          </a:xfrm>
+          <a:prstGeom prst="bentConnector2">
+            <a:avLst/>
+          </a:prstGeom>
+          <a:ln w="28575">
+            <a:solidFill>
+              <a:schemeClr val="tx1"/>
+            </a:solidFill>
+            <a:tailEnd type="triangle"/>
+          </a:ln>
+        </p:spPr>
+        <p:style>
+          <a:lnRef idx="1">
+            <a:schemeClr val="accent1"/>
+          </a:lnRef>
+          <a:fillRef idx="0">
+            <a:schemeClr val="accent1"/>
+          </a:fillRef>
+          <a:effectRef idx="0">
+            <a:schemeClr val="accent1"/>
+          </a:effectRef>
+          <a:fontRef idx="minor">
+            <a:schemeClr val="tx1"/>
+          </a:fontRef>
+        </p:style>
+      </p:cxnSp>
+      <p:sp>
+        <p:nvSpPr>
+          <p:cNvPr id="15" name="TextBox 14">
+            <a:extLst>
+              <a:ext uri="{FF2B5EF4-FFF2-40B4-BE49-F238E27FC236}">
+                <a16:creationId xmlns:a16="http://schemas.microsoft.com/office/drawing/2014/main" id="{77452524-3615-F84A-96ED-C5D796A64479}"/>
+              </a:ext>
+            </a:extLst>
+          </p:cNvPr>
+          <p:cNvSpPr txBox="1"/>
+          <p:nvPr/>
+        </p:nvSpPr>
+        <p:spPr>
+          <a:xfrm>
+            <a:off x="4043340" y="1010927"/>
+            <a:ext cx="676917" cy="276999"/>
+          </a:xfrm>
+          <a:prstGeom prst="rect">
+            <a:avLst/>
+          </a:prstGeom>
+          <a:noFill/>
+        </p:spPr>
+        <p:txBody>
+          <a:bodyPr wrap="none" rtlCol="0">
+            <a:spAutoFit/>
+          </a:bodyPr>
+          <a:lstStyle/>
+          <a:p>
+            <a:r>
+              <a:rPr lang="en-US" sz="1200" dirty="0"/>
+              <a:t>Training</a:t>
+            </a:r>
+          </a:p>
+        </p:txBody>
+      </p:sp>
+      <p:sp>
+        <p:nvSpPr>
+          <p:cNvPr id="44" name="TextBox 43">
+            <a:extLst>
+              <a:ext uri="{FF2B5EF4-FFF2-40B4-BE49-F238E27FC236}">
+                <a16:creationId xmlns:a16="http://schemas.microsoft.com/office/drawing/2014/main" id="{F90E22BC-D3C2-9F4C-90BC-6921DB6E02FC}"/>
+              </a:ext>
+            </a:extLst>
+          </p:cNvPr>
+          <p:cNvSpPr txBox="1"/>
+          <p:nvPr/>
+        </p:nvSpPr>
+        <p:spPr>
+          <a:xfrm>
+            <a:off x="3898369" y="1764154"/>
+            <a:ext cx="966859" cy="276999"/>
+          </a:xfrm>
+          <a:prstGeom prst="rect">
+            <a:avLst/>
+          </a:prstGeom>
+          <a:noFill/>
+        </p:spPr>
+        <p:txBody>
+          <a:bodyPr wrap="square" rtlCol="0">
+            <a:spAutoFit/>
+          </a:bodyPr>
+          <a:lstStyle/>
+          <a:p>
+            <a:r>
+              <a:rPr lang="en-US" sz="1200" dirty="0"/>
+              <a:t>Calculate CL</a:t>
+            </a:r>
+          </a:p>
+        </p:txBody>
+      </p:sp>
+      <p:sp>
+        <p:nvSpPr>
+          <p:cNvPr id="68" name="TextBox 67">
+            <a:extLst>
+              <a:ext uri="{FF2B5EF4-FFF2-40B4-BE49-F238E27FC236}">
+                <a16:creationId xmlns:a16="http://schemas.microsoft.com/office/drawing/2014/main" id="{DFE0CF83-98DB-D94B-958C-B2B201BBCC1A}"/>
+              </a:ext>
+            </a:extLst>
+          </p:cNvPr>
+          <p:cNvSpPr txBox="1"/>
+          <p:nvPr/>
+        </p:nvSpPr>
+        <p:spPr>
+          <a:xfrm>
+            <a:off x="5040334" y="753062"/>
+            <a:ext cx="786434" cy="276999"/>
+          </a:xfrm>
+          <a:prstGeom prst="rect">
+            <a:avLst/>
+          </a:prstGeom>
+          <a:noFill/>
+        </p:spPr>
+        <p:txBody>
+          <a:bodyPr wrap="none" rtlCol="0">
+            <a:spAutoFit/>
+          </a:bodyPr>
+          <a:lstStyle/>
+          <a:p>
+            <a:r>
+              <a:rPr lang="en-US" sz="1200" dirty="0"/>
+              <a:t>Obtain CL</a:t>
+            </a:r>
+          </a:p>
+        </p:txBody>
+      </p:sp>
+      <p:sp>
+        <p:nvSpPr>
+          <p:cNvPr id="69" name="TextBox 68">
+            <a:extLst>
+              <a:ext uri="{FF2B5EF4-FFF2-40B4-BE49-F238E27FC236}">
+                <a16:creationId xmlns:a16="http://schemas.microsoft.com/office/drawing/2014/main" id="{659DBE75-9370-B940-A8F6-DF4669788F9B}"/>
+              </a:ext>
+            </a:extLst>
+          </p:cNvPr>
+          <p:cNvSpPr txBox="1"/>
+          <p:nvPr/>
+        </p:nvSpPr>
+        <p:spPr>
+          <a:xfrm>
+            <a:off x="4990898" y="1708054"/>
+            <a:ext cx="885307" cy="276999"/>
+          </a:xfrm>
+          <a:prstGeom prst="rect">
+            <a:avLst/>
+          </a:prstGeom>
+          <a:noFill/>
+        </p:spPr>
+        <p:txBody>
+          <a:bodyPr wrap="none" rtlCol="0">
+            <a:spAutoFit/>
+          </a:bodyPr>
+          <a:lstStyle/>
+          <a:p>
+            <a:r>
+              <a:rPr lang="en-US" sz="1200" dirty="0"/>
+              <a:t>Monitoring</a:t>
+            </a:r>
+          </a:p>
+        </p:txBody>
+      </p:sp>
+      <p:sp>
+        <p:nvSpPr>
+          <p:cNvPr id="70" name="TextBox 69">
+            <a:extLst>
+              <a:ext uri="{FF2B5EF4-FFF2-40B4-BE49-F238E27FC236}">
+                <a16:creationId xmlns:a16="http://schemas.microsoft.com/office/drawing/2014/main" id="{50FCEE3F-3D29-684A-A4F0-9AB2D3F5EAEF}"/>
+              </a:ext>
+            </a:extLst>
+          </p:cNvPr>
+          <p:cNvSpPr txBox="1"/>
+          <p:nvPr/>
+        </p:nvSpPr>
+        <p:spPr>
+          <a:xfrm>
+            <a:off x="6012822" y="1418414"/>
+            <a:ext cx="720069" cy="276999"/>
+          </a:xfrm>
+          <a:prstGeom prst="rect">
+            <a:avLst/>
+          </a:prstGeom>
+          <a:noFill/>
+        </p:spPr>
+        <p:txBody>
+          <a:bodyPr wrap="none" rtlCol="0">
+            <a:spAutoFit/>
+          </a:bodyPr>
+          <a:lstStyle/>
+          <a:p>
+            <a:r>
+              <a:rPr lang="en-US" sz="1200" dirty="0"/>
+              <a:t>Apply CL</a:t>
+            </a:r>
+          </a:p>
+        </p:txBody>
+      </p:sp>
     </p:spTree>
     <p:extLst>
       <p:ext uri="{BB962C8B-B14F-4D97-AF65-F5344CB8AC3E}">

--- a/figures/v14/flow_chart/gen_fig_most_updated_1.pptx
+++ b/figures/v14/flow_chart/gen_fig_most_updated_1.pptx
@@ -4048,12 +4048,17 @@
         </p:blipFill>
         <p:spPr>
           <a:xfrm>
-            <a:off x="2637439" y="1745650"/>
+            <a:off x="2656101" y="1745650"/>
             <a:ext cx="972551" cy="606266"/>
           </a:xfrm>
           <a:prstGeom prst="rect">
             <a:avLst/>
           </a:prstGeom>
+          <a:ln>
+            <a:solidFill>
+              <a:schemeClr val="tx1"/>
+            </a:solidFill>
+          </a:ln>
         </p:spPr>
       </p:pic>
       <p:cxnSp>
@@ -4237,7 +4242,7 @@
         <p:spPr>
           <a:xfrm flipV="1">
             <a:off x="2475680" y="2048783"/>
-            <a:ext cx="161759" cy="1"/>
+            <a:ext cx="180421" cy="1"/>
           </a:xfrm>
           <a:prstGeom prst="straightConnector1">
             <a:avLst/>
@@ -4346,8 +4351,8 @@
         </p:nvCxnSpPr>
         <p:spPr>
           <a:xfrm>
-            <a:off x="3609990" y="2048783"/>
-            <a:ext cx="200147" cy="0"/>
+            <a:off x="3628652" y="2048783"/>
+            <a:ext cx="181485" cy="0"/>
           </a:xfrm>
           <a:prstGeom prst="straightConnector1">
             <a:avLst/>

--- a/figures/v14/flow_chart/gen_fig_most_updated_1.pptx
+++ b/figures/v14/flow_chart/gen_fig_most_updated_1.pptx
@@ -4953,7 +4953,7 @@
             <p:spPr>
               <a:xfrm>
                 <a:off x="2431412" y="1547513"/>
-                <a:ext cx="1531658" cy="549509"/>
+                <a:ext cx="1436661" cy="549509"/>
               </a:xfrm>
               <a:prstGeom prst="rect">
                 <a:avLst/>
@@ -5159,7 +5159,7 @@
             <p:spPr>
               <a:xfrm>
                 <a:off x="2431412" y="1547513"/>
-                <a:ext cx="1531658" cy="549509"/>
+                <a:ext cx="1436661" cy="549509"/>
               </a:xfrm>
               <a:prstGeom prst="rect">
                 <a:avLst/>
@@ -5207,8 +5207,8 @@
             </p:nvSpPr>
             <p:spPr>
               <a:xfrm>
-                <a:off x="2431412" y="811859"/>
-                <a:ext cx="1522033" cy="551498"/>
+                <a:off x="2431413" y="811859"/>
+                <a:ext cx="1436660" cy="551498"/>
               </a:xfrm>
               <a:prstGeom prst="rect">
                 <a:avLst/>
@@ -5395,8 +5395,8 @@
             </p:nvSpPr>
             <p:spPr>
               <a:xfrm>
-                <a:off x="2431412" y="811859"/>
-                <a:ext cx="1522033" cy="551498"/>
+                <a:off x="2431413" y="811859"/>
+                <a:ext cx="1436660" cy="551498"/>
               </a:xfrm>
               <a:prstGeom prst="rect">
                 <a:avLst/>
@@ -5446,8 +5446,8 @@
         </p:nvCxnSpPr>
         <p:spPr>
           <a:xfrm flipV="1">
-            <a:off x="2170930" y="1087608"/>
-            <a:ext cx="260482" cy="405982"/>
+            <a:off x="2102181" y="1087608"/>
+            <a:ext cx="329232" cy="405982"/>
           </a:xfrm>
           <a:prstGeom prst="straightConnector1">
             <a:avLst/>
@@ -5492,8 +5492,8 @@
         </p:nvCxnSpPr>
         <p:spPr>
           <a:xfrm>
-            <a:off x="3953445" y="1087608"/>
-            <a:ext cx="548968" cy="405983"/>
+            <a:off x="3868073" y="1087608"/>
+            <a:ext cx="634340" cy="405983"/>
           </a:xfrm>
           <a:prstGeom prst="straightConnector1">
             <a:avLst/>
@@ -5538,8 +5538,8 @@
         </p:nvCxnSpPr>
         <p:spPr>
           <a:xfrm flipV="1">
-            <a:off x="3963070" y="1493591"/>
-            <a:ext cx="539343" cy="328677"/>
+            <a:off x="3868073" y="1493591"/>
+            <a:ext cx="634340" cy="328677"/>
           </a:xfrm>
           <a:prstGeom prst="straightConnector1">
             <a:avLst/>
@@ -5700,7 +5700,7 @@
           <a:prstGeom prst="straightConnector1">
             <a:avLst/>
           </a:prstGeom>
-          <a:ln w="28575">
+          <a:ln w="19050">
             <a:solidFill>
               <a:schemeClr val="tx1"/>
             </a:solidFill>
@@ -5746,7 +5746,7 @@
           <a:prstGeom prst="straightConnector1">
             <a:avLst/>
           </a:prstGeom>
-          <a:ln w="28575">
+          <a:ln w="19050">
             <a:solidFill>
               <a:schemeClr val="tx1"/>
             </a:solidFill>
@@ -5792,7 +5792,7 @@
           <a:prstGeom prst="straightConnector1">
             <a:avLst/>
           </a:prstGeom>
-          <a:ln w="28575">
+          <a:ln w="19050">
             <a:solidFill>
               <a:schemeClr val="tx1"/>
             </a:solidFill>
@@ -6075,8 +6075,8 @@
         </p:nvCxnSpPr>
         <p:spPr>
           <a:xfrm>
-            <a:off x="2170930" y="1493590"/>
-            <a:ext cx="260482" cy="328678"/>
+            <a:off x="2102181" y="1493590"/>
+            <a:ext cx="329231" cy="328678"/>
           </a:xfrm>
           <a:prstGeom prst="straightConnector1">
             <a:avLst/>
@@ -6120,7 +6120,7 @@
             <p:spPr>
               <a:xfrm>
                 <a:off x="514090" y="1231595"/>
-                <a:ext cx="1656840" cy="523990"/>
+                <a:ext cx="1588091" cy="523990"/>
               </a:xfrm>
               <a:prstGeom prst="rect">
                 <a:avLst/>
@@ -6297,7 +6297,7 @@
             <p:spPr>
               <a:xfrm>
                 <a:off x="514090" y="1231595"/>
-                <a:ext cx="1656840" cy="523990"/>
+                <a:ext cx="1588091" cy="523990"/>
               </a:xfrm>
               <a:prstGeom prst="rect">
                 <a:avLst/>
@@ -6305,7 +6305,7 @@
               <a:blipFill>
                 <a:blip r:embed="rId11"/>
                 <a:stretch>
-                  <a:fillRect l="-752" b="-2326"/>
+                  <a:fillRect l="-781" r="-781" b="-2326"/>
                 </a:stretch>
               </a:blipFill>
               <a:ln>
@@ -6345,8 +6345,8 @@
             </p:nvSpPr>
             <p:spPr>
               <a:xfrm>
-                <a:off x="6029237" y="1689964"/>
-                <a:ext cx="1462053" cy="543547"/>
+                <a:off x="6060072" y="1689964"/>
+                <a:ext cx="1400384" cy="543547"/>
               </a:xfrm>
               <a:prstGeom prst="rect">
                 <a:avLst/>
@@ -6556,8 +6556,8 @@
             </p:nvSpPr>
             <p:spPr>
               <a:xfrm>
-                <a:off x="6029237" y="1689964"/>
-                <a:ext cx="1462053" cy="543547"/>
+                <a:off x="6060072" y="1689964"/>
+                <a:ext cx="1400384" cy="543547"/>
               </a:xfrm>
               <a:prstGeom prst="rect">
                 <a:avLst/>
@@ -6565,7 +6565,7 @@
               <a:blipFill>
                 <a:blip r:embed="rId12"/>
                 <a:stretch>
-                  <a:fillRect l="-855" b="-2222"/>
+                  <a:fillRect l="-893" r="-2679" b="-2222"/>
                 </a:stretch>
               </a:blipFill>
               <a:ln>
@@ -6705,8 +6705,8 @@
         </p:nvCxnSpPr>
         <p:spPr>
           <a:xfrm rot="16200000" flipH="1">
-            <a:off x="5297640" y="1230141"/>
-            <a:ext cx="327792" cy="1135401"/>
+            <a:off x="5313058" y="1214724"/>
+            <a:ext cx="327792" cy="1166236"/>
           </a:xfrm>
           <a:prstGeom prst="bentConnector2">
             <a:avLst/>
@@ -6747,7 +6747,7 @@
         </p:nvSpPr>
         <p:spPr>
           <a:xfrm>
-            <a:off x="4043340" y="1010927"/>
+            <a:off x="3987354" y="1010927"/>
             <a:ext cx="676917" cy="276999"/>
           </a:xfrm>
           <a:prstGeom prst="rect">
@@ -6782,7 +6782,7 @@
         </p:nvSpPr>
         <p:spPr>
           <a:xfrm>
-            <a:off x="3898369" y="1764154"/>
+            <a:off x="3842383" y="1736161"/>
             <a:ext cx="966859" cy="276999"/>
           </a:xfrm>
           <a:prstGeom prst="rect">

--- a/figures/v14/flow_chart/gen_fig_most_updated_1.pptx
+++ b/figures/v14/flow_chart/gen_fig_most_updated_1.pptx
@@ -4629,146 +4629,6 @@
           <a:chExt cx="0" cy="0"/>
         </a:xfrm>
       </p:grpSpPr>
-      <p:grpSp>
-        <p:nvGrpSpPr>
-          <p:cNvPr id="83" name="Group 82">
-            <a:extLst>
-              <a:ext uri="{FF2B5EF4-FFF2-40B4-BE49-F238E27FC236}">
-                <a16:creationId xmlns:a16="http://schemas.microsoft.com/office/drawing/2014/main" id="{A70B81D6-9658-F745-89C7-354C52728E5D}"/>
-              </a:ext>
-            </a:extLst>
-          </p:cNvPr>
-          <p:cNvGrpSpPr>
-            <a:grpSpLocks noChangeAspect="1"/>
-          </p:cNvGrpSpPr>
-          <p:nvPr/>
-        </p:nvGrpSpPr>
-        <p:grpSpPr>
-          <a:xfrm>
-            <a:off x="672435" y="2543277"/>
-            <a:ext cx="2286000" cy="856256"/>
-            <a:chOff x="-48680" y="4348307"/>
-            <a:chExt cx="2135694" cy="799956"/>
-          </a:xfrm>
-        </p:grpSpPr>
-        <p:pic>
-          <p:nvPicPr>
-            <p:cNvPr id="80" name="Picture 79">
-              <a:extLst>
-                <a:ext uri="{FF2B5EF4-FFF2-40B4-BE49-F238E27FC236}">
-                  <a16:creationId xmlns:a16="http://schemas.microsoft.com/office/drawing/2014/main" id="{3D21518E-9513-5045-9CEE-BF2EC36E5327}"/>
-                </a:ext>
-              </a:extLst>
-            </p:cNvPr>
-            <p:cNvPicPr>
-              <a:picLocks noChangeAspect="1"/>
-            </p:cNvPicPr>
-            <p:nvPr/>
-          </p:nvPicPr>
-          <p:blipFill>
-            <a:blip r:embed="rId2"/>
-            <a:stretch>
-              <a:fillRect/>
-            </a:stretch>
-          </p:blipFill>
-          <p:spPr>
-            <a:xfrm>
-              <a:off x="1287059" y="4348307"/>
-              <a:ext cx="799955" cy="799955"/>
-            </a:xfrm>
-            <a:prstGeom prst="rect">
-              <a:avLst/>
-            </a:prstGeom>
-          </p:spPr>
-        </p:pic>
-        <p:pic>
-          <p:nvPicPr>
-            <p:cNvPr id="81" name="Picture 80">
-              <a:extLst>
-                <a:ext uri="{FF2B5EF4-FFF2-40B4-BE49-F238E27FC236}">
-                  <a16:creationId xmlns:a16="http://schemas.microsoft.com/office/drawing/2014/main" id="{A755851F-4D9D-CE4B-863E-DC9E1672196F}"/>
-                </a:ext>
-              </a:extLst>
-            </p:cNvPr>
-            <p:cNvPicPr>
-              <a:picLocks noChangeAspect="1"/>
-            </p:cNvPicPr>
-            <p:nvPr/>
-          </p:nvPicPr>
-          <p:blipFill>
-            <a:blip r:embed="rId3"/>
-            <a:stretch>
-              <a:fillRect/>
-            </a:stretch>
-          </p:blipFill>
-          <p:spPr>
-            <a:xfrm>
-              <a:off x="-48680" y="4348308"/>
-              <a:ext cx="1335739" cy="799955"/>
-            </a:xfrm>
-            <a:prstGeom prst="rect">
-              <a:avLst/>
-            </a:prstGeom>
-            <a:ln w="6350">
-              <a:solidFill>
-                <a:schemeClr val="tx1"/>
-              </a:solidFill>
-            </a:ln>
-          </p:spPr>
-        </p:pic>
-        <p:sp>
-          <p:nvSpPr>
-            <p:cNvPr id="82" name="Rectangle 81">
-              <a:extLst>
-                <a:ext uri="{FF2B5EF4-FFF2-40B4-BE49-F238E27FC236}">
-                  <a16:creationId xmlns:a16="http://schemas.microsoft.com/office/drawing/2014/main" id="{37DB7326-BAA0-D942-92D8-B4BA43988B85}"/>
-                </a:ext>
-              </a:extLst>
-            </p:cNvPr>
-            <p:cNvSpPr/>
-            <p:nvPr/>
-          </p:nvSpPr>
-          <p:spPr>
-            <a:xfrm>
-              <a:off x="-48680" y="4348307"/>
-              <a:ext cx="2135694" cy="799955"/>
-            </a:xfrm>
-            <a:prstGeom prst="rect">
-              <a:avLst/>
-            </a:prstGeom>
-            <a:noFill/>
-            <a:ln w="19050">
-              <a:solidFill>
-                <a:schemeClr val="tx1"/>
-              </a:solidFill>
-            </a:ln>
-          </p:spPr>
-          <p:style>
-            <a:lnRef idx="2">
-              <a:schemeClr val="accent1">
-                <a:shade val="50000"/>
-              </a:schemeClr>
-            </a:lnRef>
-            <a:fillRef idx="1">
-              <a:schemeClr val="accent1"/>
-            </a:fillRef>
-            <a:effectRef idx="0">
-              <a:schemeClr val="accent1"/>
-            </a:effectRef>
-            <a:fontRef idx="minor">
-              <a:schemeClr val="lt1"/>
-            </a:fontRef>
-          </p:style>
-          <p:txBody>
-            <a:bodyPr rtlCol="0" anchor="ctr"/>
-            <a:lstStyle/>
-            <a:p>
-              <a:pPr algn="ctr"/>
-              <a:endParaRPr lang="en-US" dirty="0"/>
-            </a:p>
-          </p:txBody>
-        </p:sp>
-      </p:grpSp>
       <p:pic>
         <p:nvPicPr>
           <p:cNvPr id="43" name="Picture 42">
@@ -4784,7 +4644,7 @@
           <p:nvPr/>
         </p:nvPicPr>
         <p:blipFill rotWithShape="1">
-          <a:blip r:embed="rId4"/>
+          <a:blip r:embed="rId2"/>
           <a:srcRect l="6334" t="4340" r="7057" b="8807"/>
           <a:stretch/>
         </p:blipFill>
@@ -4798,144 +4658,6 @@
           </a:prstGeom>
         </p:spPr>
       </p:pic>
-      <p:grpSp>
-        <p:nvGrpSpPr>
-          <p:cNvPr id="84" name="Group 83">
-            <a:extLst>
-              <a:ext uri="{FF2B5EF4-FFF2-40B4-BE49-F238E27FC236}">
-                <a16:creationId xmlns:a16="http://schemas.microsoft.com/office/drawing/2014/main" id="{06B3D412-0470-0C41-BDC6-236C5F3012E4}"/>
-              </a:ext>
-            </a:extLst>
-          </p:cNvPr>
-          <p:cNvGrpSpPr>
-            <a:grpSpLocks noChangeAspect="1"/>
-          </p:cNvGrpSpPr>
-          <p:nvPr/>
-        </p:nvGrpSpPr>
-        <p:grpSpPr>
-          <a:xfrm>
-            <a:off x="3067392" y="2543278"/>
-            <a:ext cx="2286000" cy="856255"/>
-            <a:chOff x="-48680" y="4348307"/>
-            <a:chExt cx="2135694" cy="799956"/>
-          </a:xfrm>
-        </p:grpSpPr>
-        <p:pic>
-          <p:nvPicPr>
-            <p:cNvPr id="85" name="Picture 84">
-              <a:extLst>
-                <a:ext uri="{FF2B5EF4-FFF2-40B4-BE49-F238E27FC236}">
-                  <a16:creationId xmlns:a16="http://schemas.microsoft.com/office/drawing/2014/main" id="{1E69A0FF-0ECA-9B43-A718-FB63BFAFBF0D}"/>
-                </a:ext>
-              </a:extLst>
-            </p:cNvPr>
-            <p:cNvPicPr>
-              <a:picLocks noChangeAspect="1"/>
-            </p:cNvPicPr>
-            <p:nvPr/>
-          </p:nvPicPr>
-          <p:blipFill>
-            <a:blip r:embed="rId5"/>
-            <a:srcRect/>
-            <a:stretch/>
-          </p:blipFill>
-          <p:spPr>
-            <a:xfrm>
-              <a:off x="1287059" y="4348307"/>
-              <a:ext cx="799955" cy="799955"/>
-            </a:xfrm>
-            <a:prstGeom prst="rect">
-              <a:avLst/>
-            </a:prstGeom>
-          </p:spPr>
-        </p:pic>
-        <p:pic>
-          <p:nvPicPr>
-            <p:cNvPr id="86" name="Picture 85">
-              <a:extLst>
-                <a:ext uri="{FF2B5EF4-FFF2-40B4-BE49-F238E27FC236}">
-                  <a16:creationId xmlns:a16="http://schemas.microsoft.com/office/drawing/2014/main" id="{4B0A9A9A-EB5D-F54E-BD9F-5FFA0145E724}"/>
-                </a:ext>
-              </a:extLst>
-            </p:cNvPr>
-            <p:cNvPicPr>
-              <a:picLocks noChangeAspect="1"/>
-            </p:cNvPicPr>
-            <p:nvPr/>
-          </p:nvPicPr>
-          <p:blipFill>
-            <a:blip r:embed="rId6"/>
-            <a:srcRect/>
-            <a:stretch/>
-          </p:blipFill>
-          <p:spPr>
-            <a:xfrm>
-              <a:off x="-48680" y="4348308"/>
-              <a:ext cx="1335738" cy="799955"/>
-            </a:xfrm>
-            <a:prstGeom prst="rect">
-              <a:avLst/>
-            </a:prstGeom>
-            <a:ln w="6350">
-              <a:solidFill>
-                <a:schemeClr val="tx1"/>
-              </a:solidFill>
-            </a:ln>
-          </p:spPr>
-        </p:pic>
-        <p:sp>
-          <p:nvSpPr>
-            <p:cNvPr id="87" name="Rectangle 86">
-              <a:extLst>
-                <a:ext uri="{FF2B5EF4-FFF2-40B4-BE49-F238E27FC236}">
-                  <a16:creationId xmlns:a16="http://schemas.microsoft.com/office/drawing/2014/main" id="{3D410FF3-BBBE-2C43-B9B8-65027349E20B}"/>
-                </a:ext>
-              </a:extLst>
-            </p:cNvPr>
-            <p:cNvSpPr/>
-            <p:nvPr/>
-          </p:nvSpPr>
-          <p:spPr>
-            <a:xfrm>
-              <a:off x="-48680" y="4348307"/>
-              <a:ext cx="2135694" cy="799955"/>
-            </a:xfrm>
-            <a:prstGeom prst="rect">
-              <a:avLst/>
-            </a:prstGeom>
-            <a:noFill/>
-            <a:ln w="19050">
-              <a:solidFill>
-                <a:schemeClr val="tx1"/>
-              </a:solidFill>
-            </a:ln>
-          </p:spPr>
-          <p:style>
-            <a:lnRef idx="2">
-              <a:schemeClr val="accent1">
-                <a:shade val="50000"/>
-              </a:schemeClr>
-            </a:lnRef>
-            <a:fillRef idx="1">
-              <a:schemeClr val="accent1"/>
-            </a:fillRef>
-            <a:effectRef idx="0">
-              <a:schemeClr val="accent1"/>
-            </a:effectRef>
-            <a:fontRef idx="minor">
-              <a:schemeClr val="lt1"/>
-            </a:fontRef>
-          </p:style>
-          <p:txBody>
-            <a:bodyPr rtlCol="0" anchor="ctr"/>
-            <a:lstStyle/>
-            <a:p>
-              <a:pPr algn="ctr"/>
-              <a:endParaRPr lang="en-US"/>
-            </a:p>
-          </p:txBody>
-        </p:sp>
-      </p:grpSp>
       <mc:AlternateContent xmlns:mc="http://schemas.openxmlformats.org/markup-compatibility/2006">
         <mc:Choice xmlns:a14="http://schemas.microsoft.com/office/drawing/2010/main" Requires="a14">
           <p:sp>
@@ -5165,7 +4887,7 @@
                 <a:avLst/>
               </a:prstGeom>
               <a:blipFill>
-                <a:blip r:embed="rId7"/>
+                <a:blip r:embed="rId3"/>
                 <a:stretch>
                   <a:fillRect t="-2222"/>
                 </a:stretch>
@@ -5402,7 +5124,7 @@
                 <a:avLst/>
               </a:prstGeom>
               <a:blipFill>
-                <a:blip r:embed="rId8"/>
+                <a:blip r:embed="rId4"/>
                 <a:stretch>
                   <a:fillRect t="-2222"/>
                 </a:stretch>
@@ -5694,8 +5416,8 @@
         </p:nvCxnSpPr>
         <p:spPr>
           <a:xfrm flipH="1">
-            <a:off x="1815435" y="2233511"/>
-            <a:ext cx="4944829" cy="309766"/>
+            <a:off x="1722125" y="2233511"/>
+            <a:ext cx="5038139" cy="309766"/>
           </a:xfrm>
           <a:prstGeom prst="straightConnector1">
             <a:avLst/>
@@ -5740,8 +5462,8 @@
         </p:nvCxnSpPr>
         <p:spPr>
           <a:xfrm flipH="1">
-            <a:off x="6605349" y="2233511"/>
-            <a:ext cx="154915" cy="309767"/>
+            <a:off x="6512039" y="2233511"/>
+            <a:ext cx="248225" cy="309767"/>
           </a:xfrm>
           <a:prstGeom prst="straightConnector1">
             <a:avLst/>
@@ -5786,8 +5508,8 @@
         </p:nvCxnSpPr>
         <p:spPr>
           <a:xfrm flipH="1">
-            <a:off x="4210392" y="2233511"/>
-            <a:ext cx="2549872" cy="309767"/>
+            <a:off x="4117082" y="2233511"/>
+            <a:ext cx="2643182" cy="309767"/>
           </a:xfrm>
           <a:prstGeom prst="straightConnector1">
             <a:avLst/>
@@ -5814,248 +5536,589 @@
           </a:fontRef>
         </p:style>
       </p:cxnSp>
-      <p:sp>
-        <p:nvSpPr>
-          <p:cNvPr id="73" name="TextBox 72">
+      <p:grpSp>
+        <p:nvGrpSpPr>
+          <p:cNvPr id="95" name="Group 94">
             <a:extLst>
               <a:ext uri="{FF2B5EF4-FFF2-40B4-BE49-F238E27FC236}">
-                <a16:creationId xmlns:a16="http://schemas.microsoft.com/office/drawing/2014/main" id="{6F7EB666-A889-4C4F-BAE1-3040939C05D1}"/>
+                <a16:creationId xmlns:a16="http://schemas.microsoft.com/office/drawing/2014/main" id="{B8F2A698-36E5-5C4B-AC8B-BFAE6F936E5D}"/>
               </a:ext>
             </a:extLst>
           </p:cNvPr>
-          <p:cNvSpPr txBox="1"/>
-          <p:nvPr/>
-        </p:nvSpPr>
-        <p:spPr>
-          <a:xfrm>
-            <a:off x="1353578" y="3353725"/>
-            <a:ext cx="761299" cy="307777"/>
-          </a:xfrm>
-          <a:prstGeom prst="rect">
-            <a:avLst/>
-          </a:prstGeom>
-          <a:noFill/>
-        </p:spPr>
-        <p:txBody>
-          <a:bodyPr wrap="none" rtlCol="0">
-            <a:spAutoFit/>
-          </a:bodyPr>
-          <a:lstStyle/>
-          <a:p>
-            <a:r>
-              <a:rPr lang="en-US" sz="1400" dirty="0"/>
-              <a:t>Gradual</a:t>
-            </a:r>
-          </a:p>
-        </p:txBody>
-      </p:sp>
-      <p:sp>
-        <p:nvSpPr>
-          <p:cNvPr id="74" name="TextBox 73">
-            <a:extLst>
-              <a:ext uri="{FF2B5EF4-FFF2-40B4-BE49-F238E27FC236}">
-                <a16:creationId xmlns:a16="http://schemas.microsoft.com/office/drawing/2014/main" id="{D55780FA-4F1F-3342-8DA9-E19A7601CC6F}"/>
-              </a:ext>
-            </a:extLst>
-          </p:cNvPr>
-          <p:cNvSpPr txBox="1"/>
-          <p:nvPr/>
-        </p:nvSpPr>
-        <p:spPr>
-          <a:xfrm>
-            <a:off x="3739733" y="3353725"/>
-            <a:ext cx="695255" cy="307777"/>
-          </a:xfrm>
-          <a:prstGeom prst="rect">
-            <a:avLst/>
-          </a:prstGeom>
-          <a:noFill/>
-        </p:spPr>
-        <p:txBody>
-          <a:bodyPr wrap="none" rtlCol="0">
-            <a:spAutoFit/>
-          </a:bodyPr>
-          <a:lstStyle/>
-          <a:p>
-            <a:r>
-              <a:rPr lang="en-US" sz="1400" dirty="0"/>
-              <a:t>Abrupt</a:t>
-            </a:r>
-          </a:p>
-        </p:txBody>
-      </p:sp>
-      <p:sp>
-        <p:nvSpPr>
-          <p:cNvPr id="75" name="TextBox 74">
-            <a:extLst>
-              <a:ext uri="{FF2B5EF4-FFF2-40B4-BE49-F238E27FC236}">
-                <a16:creationId xmlns:a16="http://schemas.microsoft.com/office/drawing/2014/main" id="{0B8AA886-D242-6048-90F8-6954B30993B9}"/>
-              </a:ext>
-            </a:extLst>
-          </p:cNvPr>
-          <p:cNvSpPr txBox="1"/>
-          <p:nvPr/>
-        </p:nvSpPr>
-        <p:spPr>
-          <a:xfrm>
-            <a:off x="6041444" y="3353725"/>
-            <a:ext cx="919098" cy="307777"/>
-          </a:xfrm>
-          <a:prstGeom prst="rect">
-            <a:avLst/>
-          </a:prstGeom>
-          <a:noFill/>
-        </p:spPr>
-        <p:txBody>
-          <a:bodyPr wrap="none" rtlCol="0">
-            <a:spAutoFit/>
-          </a:bodyPr>
-          <a:lstStyle/>
-          <a:p>
-            <a:r>
-              <a:rPr lang="en-US" sz="1400" dirty="0"/>
-              <a:t>In-Control</a:t>
-            </a:r>
-          </a:p>
-        </p:txBody>
-      </p:sp>
-      <p:grpSp>
-        <p:nvGrpSpPr>
-          <p:cNvPr id="88" name="Group 87">
-            <a:extLst>
-              <a:ext uri="{FF2B5EF4-FFF2-40B4-BE49-F238E27FC236}">
-                <a16:creationId xmlns:a16="http://schemas.microsoft.com/office/drawing/2014/main" id="{46D324F3-E63B-024E-8745-78408CC6554A}"/>
-              </a:ext>
-            </a:extLst>
-          </p:cNvPr>
-          <p:cNvGrpSpPr>
-            <a:grpSpLocks noChangeAspect="1"/>
-          </p:cNvGrpSpPr>
+          <p:cNvGrpSpPr/>
           <p:nvPr/>
         </p:nvGrpSpPr>
         <p:grpSpPr>
           <a:xfrm>
-            <a:off x="5462349" y="2543278"/>
-            <a:ext cx="2286000" cy="856254"/>
-            <a:chOff x="-48680" y="4348307"/>
-            <a:chExt cx="2135694" cy="799955"/>
+            <a:off x="579125" y="2543277"/>
+            <a:ext cx="2286000" cy="1118225"/>
+            <a:chOff x="672435" y="2543277"/>
+            <a:chExt cx="2286000" cy="1118225"/>
           </a:xfrm>
         </p:grpSpPr>
-        <p:pic>
-          <p:nvPicPr>
-            <p:cNvPr id="89" name="Picture 88">
+        <p:grpSp>
+          <p:nvGrpSpPr>
+            <p:cNvPr id="83" name="Group 82">
               <a:extLst>
                 <a:ext uri="{FF2B5EF4-FFF2-40B4-BE49-F238E27FC236}">
-                  <a16:creationId xmlns:a16="http://schemas.microsoft.com/office/drawing/2014/main" id="{0DDEC995-B303-6B4A-B803-641581F6E3B2}"/>
+                  <a16:creationId xmlns:a16="http://schemas.microsoft.com/office/drawing/2014/main" id="{A70B81D6-9658-F745-89C7-354C52728E5D}"/>
                 </a:ext>
               </a:extLst>
             </p:cNvPr>
-            <p:cNvPicPr>
-              <a:picLocks noChangeAspect="1"/>
-            </p:cNvPicPr>
+            <p:cNvGrpSpPr>
+              <a:grpSpLocks noChangeAspect="1"/>
+            </p:cNvGrpSpPr>
             <p:nvPr/>
-          </p:nvPicPr>
-          <p:blipFill>
-            <a:blip r:embed="rId9"/>
-            <a:srcRect/>
-            <a:stretch/>
-          </p:blipFill>
-          <p:spPr>
+          </p:nvGrpSpPr>
+          <p:grpSpPr>
             <a:xfrm>
-              <a:off x="1287059" y="4348307"/>
-              <a:ext cx="799955" cy="799955"/>
+              <a:off x="672435" y="2543277"/>
+              <a:ext cx="2286000" cy="856256"/>
+              <a:chOff x="-48680" y="4348307"/>
+              <a:chExt cx="2135694" cy="799956"/>
             </a:xfrm>
-            <a:prstGeom prst="rect">
-              <a:avLst/>
-            </a:prstGeom>
-          </p:spPr>
-        </p:pic>
-        <p:pic>
-          <p:nvPicPr>
-            <p:cNvPr id="90" name="Picture 89">
+          </p:grpSpPr>
+          <p:pic>
+            <p:nvPicPr>
+              <p:cNvPr id="80" name="Picture 79">
+                <a:extLst>
+                  <a:ext uri="{FF2B5EF4-FFF2-40B4-BE49-F238E27FC236}">
+                    <a16:creationId xmlns:a16="http://schemas.microsoft.com/office/drawing/2014/main" id="{3D21518E-9513-5045-9CEE-BF2EC36E5327}"/>
+                  </a:ext>
+                </a:extLst>
+              </p:cNvPr>
+              <p:cNvPicPr>
+                <a:picLocks noChangeAspect="1"/>
+              </p:cNvPicPr>
+              <p:nvPr/>
+            </p:nvPicPr>
+            <p:blipFill>
+              <a:blip r:embed="rId5"/>
+              <a:stretch>
+                <a:fillRect/>
+              </a:stretch>
+            </p:blipFill>
+            <p:spPr>
+              <a:xfrm>
+                <a:off x="1287059" y="4348307"/>
+                <a:ext cx="799955" cy="799955"/>
+              </a:xfrm>
+              <a:prstGeom prst="rect">
+                <a:avLst/>
+              </a:prstGeom>
+            </p:spPr>
+          </p:pic>
+          <p:pic>
+            <p:nvPicPr>
+              <p:cNvPr id="81" name="Picture 80">
+                <a:extLst>
+                  <a:ext uri="{FF2B5EF4-FFF2-40B4-BE49-F238E27FC236}">
+                    <a16:creationId xmlns:a16="http://schemas.microsoft.com/office/drawing/2014/main" id="{A755851F-4D9D-CE4B-863E-DC9E1672196F}"/>
+                  </a:ext>
+                </a:extLst>
+              </p:cNvPr>
+              <p:cNvPicPr>
+                <a:picLocks noChangeAspect="1"/>
+              </p:cNvPicPr>
+              <p:nvPr/>
+            </p:nvPicPr>
+            <p:blipFill>
+              <a:blip r:embed="rId6"/>
+              <a:stretch>
+                <a:fillRect/>
+              </a:stretch>
+            </p:blipFill>
+            <p:spPr>
+              <a:xfrm>
+                <a:off x="-48680" y="4348308"/>
+                <a:ext cx="1335739" cy="799955"/>
+              </a:xfrm>
+              <a:prstGeom prst="rect">
+                <a:avLst/>
+              </a:prstGeom>
+              <a:ln w="6350">
+                <a:solidFill>
+                  <a:schemeClr val="tx1"/>
+                </a:solidFill>
+              </a:ln>
+            </p:spPr>
+          </p:pic>
+          <p:sp>
+            <p:nvSpPr>
+              <p:cNvPr id="82" name="Rectangle 81">
+                <a:extLst>
+                  <a:ext uri="{FF2B5EF4-FFF2-40B4-BE49-F238E27FC236}">
+                    <a16:creationId xmlns:a16="http://schemas.microsoft.com/office/drawing/2014/main" id="{37DB7326-BAA0-D942-92D8-B4BA43988B85}"/>
+                  </a:ext>
+                </a:extLst>
+              </p:cNvPr>
+              <p:cNvSpPr/>
+              <p:nvPr/>
+            </p:nvSpPr>
+            <p:spPr>
+              <a:xfrm>
+                <a:off x="-48680" y="4348307"/>
+                <a:ext cx="2135694" cy="799955"/>
+              </a:xfrm>
+              <a:prstGeom prst="rect">
+                <a:avLst/>
+              </a:prstGeom>
+              <a:noFill/>
+              <a:ln w="19050">
+                <a:solidFill>
+                  <a:schemeClr val="tx1"/>
+                </a:solidFill>
+              </a:ln>
+            </p:spPr>
+            <p:style>
+              <a:lnRef idx="2">
+                <a:schemeClr val="accent1">
+                  <a:shade val="50000"/>
+                </a:schemeClr>
+              </a:lnRef>
+              <a:fillRef idx="1">
+                <a:schemeClr val="accent1"/>
+              </a:fillRef>
+              <a:effectRef idx="0">
+                <a:schemeClr val="accent1"/>
+              </a:effectRef>
+              <a:fontRef idx="minor">
+                <a:schemeClr val="lt1"/>
+              </a:fontRef>
+            </p:style>
+            <p:txBody>
+              <a:bodyPr rtlCol="0" anchor="ctr"/>
+              <a:lstStyle/>
+              <a:p>
+                <a:pPr algn="ctr"/>
+                <a:endParaRPr lang="en-US" dirty="0"/>
+              </a:p>
+            </p:txBody>
+          </p:sp>
+        </p:grpSp>
+        <p:sp>
+          <p:nvSpPr>
+            <p:cNvPr id="73" name="TextBox 72">
               <a:extLst>
                 <a:ext uri="{FF2B5EF4-FFF2-40B4-BE49-F238E27FC236}">
-                  <a16:creationId xmlns:a16="http://schemas.microsoft.com/office/drawing/2014/main" id="{20F0A21B-10A6-6948-B09B-46F47EE3AD93}"/>
+                  <a16:creationId xmlns:a16="http://schemas.microsoft.com/office/drawing/2014/main" id="{6F7EB666-A889-4C4F-BAE1-3040939C05D1}"/>
                 </a:ext>
               </a:extLst>
             </p:cNvPr>
-            <p:cNvPicPr>
-              <a:picLocks noChangeAspect="1"/>
-            </p:cNvPicPr>
-            <p:nvPr/>
-          </p:nvPicPr>
-          <p:blipFill>
-            <a:blip r:embed="rId10"/>
-            <a:srcRect/>
-            <a:stretch/>
-          </p:blipFill>
-          <p:spPr>
-            <a:xfrm>
-              <a:off x="-48680" y="4348308"/>
-              <a:ext cx="1335738" cy="799954"/>
-            </a:xfrm>
-            <a:prstGeom prst="rect">
-              <a:avLst/>
-            </a:prstGeom>
-            <a:ln w="6350">
-              <a:solidFill>
-                <a:schemeClr val="tx1"/>
-              </a:solidFill>
-            </a:ln>
-          </p:spPr>
-        </p:pic>
-        <p:sp>
-          <p:nvSpPr>
-            <p:cNvPr id="91" name="Rectangle 90">
-              <a:extLst>
-                <a:ext uri="{FF2B5EF4-FFF2-40B4-BE49-F238E27FC236}">
-                  <a16:creationId xmlns:a16="http://schemas.microsoft.com/office/drawing/2014/main" id="{FCACA341-D586-D24A-AFC0-39EEB44547ED}"/>
-                </a:ext>
-              </a:extLst>
-            </p:cNvPr>
-            <p:cNvSpPr/>
+            <p:cNvSpPr txBox="1"/>
             <p:nvPr/>
           </p:nvSpPr>
           <p:spPr>
             <a:xfrm>
-              <a:off x="-48680" y="4348307"/>
-              <a:ext cx="2135694" cy="799955"/>
+              <a:off x="1353578" y="3353725"/>
+              <a:ext cx="761299" cy="307777"/>
             </a:xfrm>
             <a:prstGeom prst="rect">
               <a:avLst/>
             </a:prstGeom>
             <a:noFill/>
-            <a:ln w="19050">
-              <a:solidFill>
-                <a:schemeClr val="tx1"/>
-              </a:solidFill>
-            </a:ln>
           </p:spPr>
-          <p:style>
-            <a:lnRef idx="2">
-              <a:schemeClr val="accent1">
-                <a:shade val="50000"/>
-              </a:schemeClr>
-            </a:lnRef>
-            <a:fillRef idx="1">
-              <a:schemeClr val="accent1"/>
-            </a:fillRef>
-            <a:effectRef idx="0">
-              <a:schemeClr val="accent1"/>
-            </a:effectRef>
-            <a:fontRef idx="minor">
-              <a:schemeClr val="lt1"/>
-            </a:fontRef>
-          </p:style>
           <p:txBody>
-            <a:bodyPr rtlCol="0" anchor="ctr"/>
+            <a:bodyPr wrap="none" rtlCol="0">
+              <a:spAutoFit/>
+            </a:bodyPr>
             <a:lstStyle/>
             <a:p>
-              <a:pPr algn="ctr"/>
-              <a:endParaRPr lang="en-US"/>
+              <a:r>
+                <a:rPr lang="en-US" sz="1400" dirty="0"/>
+                <a:t>Gradual</a:t>
+              </a:r>
             </a:p>
           </p:txBody>
         </p:sp>
+      </p:grpSp>
+      <p:grpSp>
+        <p:nvGrpSpPr>
+          <p:cNvPr id="96" name="Group 95">
+            <a:extLst>
+              <a:ext uri="{FF2B5EF4-FFF2-40B4-BE49-F238E27FC236}">
+                <a16:creationId xmlns:a16="http://schemas.microsoft.com/office/drawing/2014/main" id="{2B8BBD00-D6D1-434A-9117-FE8D968E7D28}"/>
+              </a:ext>
+            </a:extLst>
+          </p:cNvPr>
+          <p:cNvGrpSpPr/>
+          <p:nvPr/>
+        </p:nvGrpSpPr>
+        <p:grpSpPr>
+          <a:xfrm>
+            <a:off x="2974082" y="2543278"/>
+            <a:ext cx="2286000" cy="1118224"/>
+            <a:chOff x="3067392" y="2543278"/>
+            <a:chExt cx="2286000" cy="1118224"/>
+          </a:xfrm>
+        </p:grpSpPr>
+        <p:grpSp>
+          <p:nvGrpSpPr>
+            <p:cNvPr id="84" name="Group 83">
+              <a:extLst>
+                <a:ext uri="{FF2B5EF4-FFF2-40B4-BE49-F238E27FC236}">
+                  <a16:creationId xmlns:a16="http://schemas.microsoft.com/office/drawing/2014/main" id="{06B3D412-0470-0C41-BDC6-236C5F3012E4}"/>
+                </a:ext>
+              </a:extLst>
+            </p:cNvPr>
+            <p:cNvGrpSpPr>
+              <a:grpSpLocks noChangeAspect="1"/>
+            </p:cNvGrpSpPr>
+            <p:nvPr/>
+          </p:nvGrpSpPr>
+          <p:grpSpPr>
+            <a:xfrm>
+              <a:off x="3067392" y="2543278"/>
+              <a:ext cx="2286000" cy="856255"/>
+              <a:chOff x="-48680" y="4348307"/>
+              <a:chExt cx="2135694" cy="799956"/>
+            </a:xfrm>
+          </p:grpSpPr>
+          <p:pic>
+            <p:nvPicPr>
+              <p:cNvPr id="85" name="Picture 84">
+                <a:extLst>
+                  <a:ext uri="{FF2B5EF4-FFF2-40B4-BE49-F238E27FC236}">
+                    <a16:creationId xmlns:a16="http://schemas.microsoft.com/office/drawing/2014/main" id="{1E69A0FF-0ECA-9B43-A718-FB63BFAFBF0D}"/>
+                  </a:ext>
+                </a:extLst>
+              </p:cNvPr>
+              <p:cNvPicPr>
+                <a:picLocks noChangeAspect="1"/>
+              </p:cNvPicPr>
+              <p:nvPr/>
+            </p:nvPicPr>
+            <p:blipFill>
+              <a:blip r:embed="rId7"/>
+              <a:srcRect/>
+              <a:stretch/>
+            </p:blipFill>
+            <p:spPr>
+              <a:xfrm>
+                <a:off x="1287059" y="4348307"/>
+                <a:ext cx="799955" cy="799955"/>
+              </a:xfrm>
+              <a:prstGeom prst="rect">
+                <a:avLst/>
+              </a:prstGeom>
+            </p:spPr>
+          </p:pic>
+          <p:pic>
+            <p:nvPicPr>
+              <p:cNvPr id="86" name="Picture 85">
+                <a:extLst>
+                  <a:ext uri="{FF2B5EF4-FFF2-40B4-BE49-F238E27FC236}">
+                    <a16:creationId xmlns:a16="http://schemas.microsoft.com/office/drawing/2014/main" id="{4B0A9A9A-EB5D-F54E-BD9F-5FFA0145E724}"/>
+                  </a:ext>
+                </a:extLst>
+              </p:cNvPr>
+              <p:cNvPicPr>
+                <a:picLocks noChangeAspect="1"/>
+              </p:cNvPicPr>
+              <p:nvPr/>
+            </p:nvPicPr>
+            <p:blipFill>
+              <a:blip r:embed="rId8"/>
+              <a:srcRect/>
+              <a:stretch/>
+            </p:blipFill>
+            <p:spPr>
+              <a:xfrm>
+                <a:off x="-48680" y="4348308"/>
+                <a:ext cx="1335738" cy="799955"/>
+              </a:xfrm>
+              <a:prstGeom prst="rect">
+                <a:avLst/>
+              </a:prstGeom>
+              <a:ln w="6350">
+                <a:solidFill>
+                  <a:schemeClr val="tx1"/>
+                </a:solidFill>
+              </a:ln>
+            </p:spPr>
+          </p:pic>
+          <p:sp>
+            <p:nvSpPr>
+              <p:cNvPr id="87" name="Rectangle 86">
+                <a:extLst>
+                  <a:ext uri="{FF2B5EF4-FFF2-40B4-BE49-F238E27FC236}">
+                    <a16:creationId xmlns:a16="http://schemas.microsoft.com/office/drawing/2014/main" id="{3D410FF3-BBBE-2C43-B9B8-65027349E20B}"/>
+                  </a:ext>
+                </a:extLst>
+              </p:cNvPr>
+              <p:cNvSpPr/>
+              <p:nvPr/>
+            </p:nvSpPr>
+            <p:spPr>
+              <a:xfrm>
+                <a:off x="-48680" y="4348307"/>
+                <a:ext cx="2135694" cy="799955"/>
+              </a:xfrm>
+              <a:prstGeom prst="rect">
+                <a:avLst/>
+              </a:prstGeom>
+              <a:noFill/>
+              <a:ln w="19050">
+                <a:solidFill>
+                  <a:schemeClr val="tx1"/>
+                </a:solidFill>
+              </a:ln>
+            </p:spPr>
+            <p:style>
+              <a:lnRef idx="2">
+                <a:schemeClr val="accent1">
+                  <a:shade val="50000"/>
+                </a:schemeClr>
+              </a:lnRef>
+              <a:fillRef idx="1">
+                <a:schemeClr val="accent1"/>
+              </a:fillRef>
+              <a:effectRef idx="0">
+                <a:schemeClr val="accent1"/>
+              </a:effectRef>
+              <a:fontRef idx="minor">
+                <a:schemeClr val="lt1"/>
+              </a:fontRef>
+            </p:style>
+            <p:txBody>
+              <a:bodyPr rtlCol="0" anchor="ctr"/>
+              <a:lstStyle/>
+              <a:p>
+                <a:pPr algn="ctr"/>
+                <a:endParaRPr lang="en-US"/>
+              </a:p>
+            </p:txBody>
+          </p:sp>
+        </p:grpSp>
+        <p:sp>
+          <p:nvSpPr>
+            <p:cNvPr id="74" name="TextBox 73">
+              <a:extLst>
+                <a:ext uri="{FF2B5EF4-FFF2-40B4-BE49-F238E27FC236}">
+                  <a16:creationId xmlns:a16="http://schemas.microsoft.com/office/drawing/2014/main" id="{D55780FA-4F1F-3342-8DA9-E19A7601CC6F}"/>
+                </a:ext>
+              </a:extLst>
+            </p:cNvPr>
+            <p:cNvSpPr txBox="1"/>
+            <p:nvPr/>
+          </p:nvSpPr>
+          <p:spPr>
+            <a:xfrm>
+              <a:off x="3739733" y="3353725"/>
+              <a:ext cx="695255" cy="307777"/>
+            </a:xfrm>
+            <a:prstGeom prst="rect">
+              <a:avLst/>
+            </a:prstGeom>
+            <a:noFill/>
+          </p:spPr>
+          <p:txBody>
+            <a:bodyPr wrap="none" rtlCol="0">
+              <a:spAutoFit/>
+            </a:bodyPr>
+            <a:lstStyle/>
+            <a:p>
+              <a:r>
+                <a:rPr lang="en-US" sz="1400" dirty="0"/>
+                <a:t>Abrupt</a:t>
+              </a:r>
+            </a:p>
+          </p:txBody>
+        </p:sp>
+      </p:grpSp>
+      <p:grpSp>
+        <p:nvGrpSpPr>
+          <p:cNvPr id="97" name="Group 96">
+            <a:extLst>
+              <a:ext uri="{FF2B5EF4-FFF2-40B4-BE49-F238E27FC236}">
+                <a16:creationId xmlns:a16="http://schemas.microsoft.com/office/drawing/2014/main" id="{48207D39-7FC8-5142-98CE-ECEF70F9E929}"/>
+              </a:ext>
+            </a:extLst>
+          </p:cNvPr>
+          <p:cNvGrpSpPr/>
+          <p:nvPr/>
+        </p:nvGrpSpPr>
+        <p:grpSpPr>
+          <a:xfrm>
+            <a:off x="5369039" y="2543278"/>
+            <a:ext cx="2286000" cy="1118224"/>
+            <a:chOff x="5462349" y="2543278"/>
+            <a:chExt cx="2286000" cy="1118224"/>
+          </a:xfrm>
+        </p:grpSpPr>
+        <p:sp>
+          <p:nvSpPr>
+            <p:cNvPr id="75" name="TextBox 74">
+              <a:extLst>
+                <a:ext uri="{FF2B5EF4-FFF2-40B4-BE49-F238E27FC236}">
+                  <a16:creationId xmlns:a16="http://schemas.microsoft.com/office/drawing/2014/main" id="{0B8AA886-D242-6048-90F8-6954B30993B9}"/>
+                </a:ext>
+              </a:extLst>
+            </p:cNvPr>
+            <p:cNvSpPr txBox="1"/>
+            <p:nvPr/>
+          </p:nvSpPr>
+          <p:spPr>
+            <a:xfrm>
+              <a:off x="6041444" y="3353725"/>
+              <a:ext cx="919098" cy="307777"/>
+            </a:xfrm>
+            <a:prstGeom prst="rect">
+              <a:avLst/>
+            </a:prstGeom>
+            <a:noFill/>
+          </p:spPr>
+          <p:txBody>
+            <a:bodyPr wrap="none" rtlCol="0">
+              <a:spAutoFit/>
+            </a:bodyPr>
+            <a:lstStyle/>
+            <a:p>
+              <a:r>
+                <a:rPr lang="en-US" sz="1400" dirty="0"/>
+                <a:t>In-Control</a:t>
+              </a:r>
+            </a:p>
+          </p:txBody>
+        </p:sp>
+        <p:grpSp>
+          <p:nvGrpSpPr>
+            <p:cNvPr id="88" name="Group 87">
+              <a:extLst>
+                <a:ext uri="{FF2B5EF4-FFF2-40B4-BE49-F238E27FC236}">
+                  <a16:creationId xmlns:a16="http://schemas.microsoft.com/office/drawing/2014/main" id="{46D324F3-E63B-024E-8745-78408CC6554A}"/>
+                </a:ext>
+              </a:extLst>
+            </p:cNvPr>
+            <p:cNvGrpSpPr>
+              <a:grpSpLocks noChangeAspect="1"/>
+            </p:cNvGrpSpPr>
+            <p:nvPr/>
+          </p:nvGrpSpPr>
+          <p:grpSpPr>
+            <a:xfrm>
+              <a:off x="5462349" y="2543278"/>
+              <a:ext cx="2286000" cy="856254"/>
+              <a:chOff x="-48680" y="4348307"/>
+              <a:chExt cx="2135694" cy="799955"/>
+            </a:xfrm>
+          </p:grpSpPr>
+          <p:pic>
+            <p:nvPicPr>
+              <p:cNvPr id="89" name="Picture 88">
+                <a:extLst>
+                  <a:ext uri="{FF2B5EF4-FFF2-40B4-BE49-F238E27FC236}">
+                    <a16:creationId xmlns:a16="http://schemas.microsoft.com/office/drawing/2014/main" id="{0DDEC995-B303-6B4A-B803-641581F6E3B2}"/>
+                  </a:ext>
+                </a:extLst>
+              </p:cNvPr>
+              <p:cNvPicPr>
+                <a:picLocks noChangeAspect="1"/>
+              </p:cNvPicPr>
+              <p:nvPr/>
+            </p:nvPicPr>
+            <p:blipFill>
+              <a:blip r:embed="rId9"/>
+              <a:srcRect/>
+              <a:stretch/>
+            </p:blipFill>
+            <p:spPr>
+              <a:xfrm>
+                <a:off x="1287059" y="4348307"/>
+                <a:ext cx="799955" cy="799955"/>
+              </a:xfrm>
+              <a:prstGeom prst="rect">
+                <a:avLst/>
+              </a:prstGeom>
+            </p:spPr>
+          </p:pic>
+          <p:pic>
+            <p:nvPicPr>
+              <p:cNvPr id="90" name="Picture 89">
+                <a:extLst>
+                  <a:ext uri="{FF2B5EF4-FFF2-40B4-BE49-F238E27FC236}">
+                    <a16:creationId xmlns:a16="http://schemas.microsoft.com/office/drawing/2014/main" id="{20F0A21B-10A6-6948-B09B-46F47EE3AD93}"/>
+                  </a:ext>
+                </a:extLst>
+              </p:cNvPr>
+              <p:cNvPicPr>
+                <a:picLocks noChangeAspect="1"/>
+              </p:cNvPicPr>
+              <p:nvPr/>
+            </p:nvPicPr>
+            <p:blipFill>
+              <a:blip r:embed="rId10"/>
+              <a:srcRect/>
+              <a:stretch/>
+            </p:blipFill>
+            <p:spPr>
+              <a:xfrm>
+                <a:off x="-48680" y="4348308"/>
+                <a:ext cx="1335738" cy="799954"/>
+              </a:xfrm>
+              <a:prstGeom prst="rect">
+                <a:avLst/>
+              </a:prstGeom>
+              <a:ln w="6350">
+                <a:solidFill>
+                  <a:schemeClr val="tx1"/>
+                </a:solidFill>
+              </a:ln>
+            </p:spPr>
+          </p:pic>
+          <p:sp>
+            <p:nvSpPr>
+              <p:cNvPr id="91" name="Rectangle 90">
+                <a:extLst>
+                  <a:ext uri="{FF2B5EF4-FFF2-40B4-BE49-F238E27FC236}">
+                    <a16:creationId xmlns:a16="http://schemas.microsoft.com/office/drawing/2014/main" id="{FCACA341-D586-D24A-AFC0-39EEB44547ED}"/>
+                  </a:ext>
+                </a:extLst>
+              </p:cNvPr>
+              <p:cNvSpPr/>
+              <p:nvPr/>
+            </p:nvSpPr>
+            <p:spPr>
+              <a:xfrm>
+                <a:off x="-48680" y="4348307"/>
+                <a:ext cx="2135694" cy="799955"/>
+              </a:xfrm>
+              <a:prstGeom prst="rect">
+                <a:avLst/>
+              </a:prstGeom>
+              <a:noFill/>
+              <a:ln w="19050">
+                <a:solidFill>
+                  <a:schemeClr val="tx1"/>
+                </a:solidFill>
+              </a:ln>
+            </p:spPr>
+            <p:style>
+              <a:lnRef idx="2">
+                <a:schemeClr val="accent1">
+                  <a:shade val="50000"/>
+                </a:schemeClr>
+              </a:lnRef>
+              <a:fillRef idx="1">
+                <a:schemeClr val="accent1"/>
+              </a:fillRef>
+              <a:effectRef idx="0">
+                <a:schemeClr val="accent1"/>
+              </a:effectRef>
+              <a:fontRef idx="minor">
+                <a:schemeClr val="lt1"/>
+              </a:fontRef>
+            </p:style>
+            <p:txBody>
+              <a:bodyPr rtlCol="0" anchor="ctr"/>
+              <a:lstStyle/>
+              <a:p>
+                <a:pPr algn="ctr"/>
+                <a:endParaRPr lang="en-US"/>
+              </a:p>
+            </p:txBody>
+          </p:sp>
+        </p:grpSp>
       </p:grpSp>
       <p:cxnSp>
         <p:nvCxnSpPr>

--- a/figures/v14/flow_chart/gen_fig_most_updated_1.pptx
+++ b/figures/v14/flow_chart/gen_fig_most_updated_1.pptx
@@ -7,7 +7,9 @@
   <p:sldIdLst>
     <p:sldId id="256" r:id="rId2"/>
     <p:sldId id="257" r:id="rId3"/>
-    <p:sldId id="258" r:id="rId4"/>
+    <p:sldId id="259" r:id="rId4"/>
+    <p:sldId id="260" r:id="rId5"/>
+    <p:sldId id="258" r:id="rId6"/>
   </p:sldIdLst>
   <p:sldSz cx="8229600" cy="4114800"/>
   <p:notesSz cx="6858000" cy="9144000"/>
@@ -3106,8 +3108,8 @@
           <a:chExt cx="0" cy="0"/>
         </a:xfrm>
       </p:grpSpPr>
-      <mc:AlternateContent xmlns:mc="http://schemas.openxmlformats.org/markup-compatibility/2006">
-        <mc:Choice xmlns:a14="http://schemas.microsoft.com/office/drawing/2010/main" Requires="a14">
+      <mc:AlternateContent xmlns:mc="http://schemas.openxmlformats.org/markup-compatibility/2006" xmlns:a14="http://schemas.microsoft.com/office/drawing/2010/main">
+        <mc:Choice Requires="a14">
           <p:sp>
             <p:nvSpPr>
               <p:cNvPr id="4" name="TextBox 3">
@@ -3274,7 +3276,7 @@
             </p:txBody>
           </p:sp>
         </mc:Choice>
-        <mc:Fallback>
+        <mc:Fallback xmlns="">
           <p:sp>
             <p:nvSpPr>
               <p:cNvPr id="4" name="TextBox 3">
@@ -4658,8 +4660,8 @@
           </a:prstGeom>
         </p:spPr>
       </p:pic>
-      <mc:AlternateContent xmlns:mc="http://schemas.openxmlformats.org/markup-compatibility/2006">
-        <mc:Choice xmlns:a14="http://schemas.microsoft.com/office/drawing/2010/main" Requires="a14">
+      <mc:AlternateContent xmlns:mc="http://schemas.openxmlformats.org/markup-compatibility/2006" xmlns:a14="http://schemas.microsoft.com/office/drawing/2010/main">
+        <mc:Choice Requires="a14">
           <p:sp>
             <p:nvSpPr>
               <p:cNvPr id="12" name="TextBox 11">
@@ -4863,7 +4865,7 @@
             </p:txBody>
           </p:sp>
         </mc:Choice>
-        <mc:Fallback>
+        <mc:Fallback xmlns="">
           <p:sp>
             <p:nvSpPr>
               <p:cNvPr id="12" name="TextBox 11">
@@ -4913,8 +4915,8 @@
           </p:sp>
         </mc:Fallback>
       </mc:AlternateContent>
-      <mc:AlternateContent xmlns:mc="http://schemas.openxmlformats.org/markup-compatibility/2006">
-        <mc:Choice xmlns:a14="http://schemas.microsoft.com/office/drawing/2010/main" Requires="a14">
+      <mc:AlternateContent xmlns:mc="http://schemas.openxmlformats.org/markup-compatibility/2006" xmlns:a14="http://schemas.microsoft.com/office/drawing/2010/main">
+        <mc:Choice Requires="a14">
           <p:sp>
             <p:nvSpPr>
               <p:cNvPr id="9" name="TextBox 8">
@@ -5100,7 +5102,7 @@
             </p:txBody>
           </p:sp>
         </mc:Choice>
-        <mc:Fallback>
+        <mc:Fallback xmlns="">
           <p:sp>
             <p:nvSpPr>
               <p:cNvPr id="9" name="TextBox 8">
@@ -6166,8 +6168,8 @@
           </a:fontRef>
         </p:style>
       </p:cxnSp>
-      <mc:AlternateContent xmlns:mc="http://schemas.openxmlformats.org/markup-compatibility/2006">
-        <mc:Choice xmlns:a14="http://schemas.microsoft.com/office/drawing/2010/main" Requires="a14">
+      <mc:AlternateContent xmlns:mc="http://schemas.openxmlformats.org/markup-compatibility/2006" xmlns:a14="http://schemas.microsoft.com/office/drawing/2010/main">
+        <mc:Choice Requires="a14">
           <p:sp>
             <p:nvSpPr>
               <p:cNvPr id="5" name="TextBox 4">
@@ -6342,7 +6344,7 @@
             </p:txBody>
           </p:sp>
         </mc:Choice>
-        <mc:Fallback>
+        <mc:Fallback xmlns="">
           <p:sp>
             <p:nvSpPr>
               <p:cNvPr id="5" name="TextBox 4">
@@ -6392,6 +6394,3684 @@
           </p:sp>
         </mc:Fallback>
       </mc:AlternateContent>
+      <mc:AlternateContent xmlns:mc="http://schemas.openxmlformats.org/markup-compatibility/2006" xmlns:a14="http://schemas.microsoft.com/office/drawing/2010/main">
+        <mc:Choice Requires="a14">
+          <p:sp>
+            <p:nvSpPr>
+              <p:cNvPr id="40" name="TextBox 39">
+                <a:extLst>
+                  <a:ext uri="{FF2B5EF4-FFF2-40B4-BE49-F238E27FC236}">
+                    <a16:creationId xmlns:a16="http://schemas.microsoft.com/office/drawing/2014/main" id="{BA87C1E8-BDF9-614C-89A5-FBDAACC5C88E}"/>
+                  </a:ext>
+                </a:extLst>
+              </p:cNvPr>
+              <p:cNvSpPr txBox="1"/>
+              <p:nvPr/>
+            </p:nvSpPr>
+            <p:spPr>
+              <a:xfrm>
+                <a:off x="6060072" y="1689964"/>
+                <a:ext cx="1400384" cy="543547"/>
+              </a:xfrm>
+              <a:prstGeom prst="rect">
+                <a:avLst/>
+              </a:prstGeom>
+              <a:solidFill>
+                <a:schemeClr val="accent6"/>
+              </a:solidFill>
+              <a:ln>
+                <a:solidFill>
+                  <a:schemeClr val="tx1"/>
+                </a:solidFill>
+              </a:ln>
+            </p:spPr>
+            <p:txBody>
+              <a:bodyPr wrap="square" rtlCol="0">
+                <a:spAutoFit/>
+              </a:bodyPr>
+              <a:lstStyle/>
+              <a:p>
+                <a:r>
+                  <a:rPr lang="en-US" sz="1400" dirty="0"/>
+                  <a:t>Phase-II Dataset: </a:t>
+                </a:r>
+                <a14:m>
+                  <m:oMath xmlns:m="http://schemas.openxmlformats.org/officeDocument/2006/math">
+                    <m:r>
+                      <m:rPr>
+                        <m:lit/>
+                      </m:rPr>
+                      <a:rPr lang="en-US" sz="1400" i="1">
+                        <a:latin typeface="Cambria Math" panose="02040503050406030204" pitchFamily="18" charset="0"/>
+                      </a:rPr>
+                      <m:t>{</m:t>
+                    </m:r>
+                    <m:d>
+                      <m:dPr>
+                        <m:ctrlPr>
+                          <a:rPr lang="en-US" sz="1400" i="1">
+                            <a:latin typeface="Cambria Math" panose="02040503050406030204" pitchFamily="18" charset="0"/>
+                          </a:rPr>
+                        </m:ctrlPr>
+                      </m:dPr>
+                      <m:e>
+                        <m:sSub>
+                          <m:sSubPr>
+                            <m:ctrlPr>
+                              <a:rPr lang="en-US" sz="1400" i="1">
+                                <a:latin typeface="Cambria Math" panose="02040503050406030204" pitchFamily="18" charset="0"/>
+                              </a:rPr>
+                            </m:ctrlPr>
+                          </m:sSubPr>
+                          <m:e>
+                            <m:acc>
+                              <m:accPr>
+                                <m:chr m:val="̃"/>
+                                <m:ctrlPr>
+                                  <a:rPr lang="en-US" sz="1400" b="1" i="1">
+                                    <a:latin typeface="Cambria Math" panose="02040503050406030204" pitchFamily="18" charset="0"/>
+                                  </a:rPr>
+                                </m:ctrlPr>
+                              </m:accPr>
+                              <m:e>
+                                <m:r>
+                                  <a:rPr lang="en-US" sz="1400" b="1" i="1">
+                                    <a:latin typeface="Cambria Math" panose="02040503050406030204" pitchFamily="18" charset="0"/>
+                                  </a:rPr>
+                                  <m:t>𝒙</m:t>
+                                </m:r>
+                              </m:e>
+                            </m:acc>
+                          </m:e>
+                          <m:sub>
+                            <m:r>
+                              <a:rPr lang="en-US" sz="1400" i="1">
+                                <a:latin typeface="Cambria Math" panose="02040503050406030204" pitchFamily="18" charset="0"/>
+                              </a:rPr>
+                              <m:t>𝑖</m:t>
+                            </m:r>
+                          </m:sub>
+                        </m:sSub>
+                        <m:r>
+                          <a:rPr lang="en-US" sz="1400" i="1">
+                            <a:latin typeface="Cambria Math" panose="02040503050406030204" pitchFamily="18" charset="0"/>
+                          </a:rPr>
+                          <m:t>, </m:t>
+                        </m:r>
+                        <m:sSub>
+                          <m:sSubPr>
+                            <m:ctrlPr>
+                              <a:rPr lang="en-US" sz="1400" i="1">
+                                <a:latin typeface="Cambria Math" panose="02040503050406030204" pitchFamily="18" charset="0"/>
+                              </a:rPr>
+                            </m:ctrlPr>
+                          </m:sSubPr>
+                          <m:e>
+                            <m:acc>
+                              <m:accPr>
+                                <m:chr m:val="̃"/>
+                                <m:ctrlPr>
+                                  <a:rPr lang="en-US" sz="1400" i="1">
+                                    <a:latin typeface="Cambria Math" panose="02040503050406030204" pitchFamily="18" charset="0"/>
+                                  </a:rPr>
+                                </m:ctrlPr>
+                              </m:accPr>
+                              <m:e>
+                                <m:r>
+                                  <a:rPr lang="en-US" sz="1400" i="1">
+                                    <a:latin typeface="Cambria Math" panose="02040503050406030204" pitchFamily="18" charset="0"/>
+                                  </a:rPr>
+                                  <m:t>𝑦</m:t>
+                                </m:r>
+                              </m:e>
+                            </m:acc>
+                          </m:e>
+                          <m:sub>
+                            <m:r>
+                              <a:rPr lang="en-US" sz="1400" i="1">
+                                <a:latin typeface="Cambria Math" panose="02040503050406030204" pitchFamily="18" charset="0"/>
+                              </a:rPr>
+                              <m:t>𝑖</m:t>
+                            </m:r>
+                          </m:sub>
+                        </m:sSub>
+                      </m:e>
+                    </m:d>
+                    <m:sSubSup>
+                      <m:sSubSupPr>
+                        <m:ctrlPr>
+                          <a:rPr lang="en-US" sz="1400" i="1">
+                            <a:latin typeface="Cambria Math" panose="02040503050406030204" pitchFamily="18" charset="0"/>
+                          </a:rPr>
+                        </m:ctrlPr>
+                      </m:sSubSupPr>
+                      <m:e>
+                        <m:r>
+                          <m:rPr>
+                            <m:lit/>
+                          </m:rPr>
+                          <a:rPr lang="en-US" sz="1400" i="1">
+                            <a:latin typeface="Cambria Math" panose="02040503050406030204" pitchFamily="18" charset="0"/>
+                          </a:rPr>
+                          <m:t>}</m:t>
+                        </m:r>
+                      </m:e>
+                      <m:sub>
+                        <m:r>
+                          <a:rPr lang="en-US" sz="1400" i="1">
+                            <a:latin typeface="Cambria Math" panose="02040503050406030204" pitchFamily="18" charset="0"/>
+                          </a:rPr>
+                          <m:t>𝑖</m:t>
+                        </m:r>
+                        <m:r>
+                          <a:rPr lang="en-US" sz="1400" i="1">
+                            <a:latin typeface="Cambria Math" panose="02040503050406030204" pitchFamily="18" charset="0"/>
+                          </a:rPr>
+                          <m:t>=1</m:t>
+                        </m:r>
+                      </m:sub>
+                      <m:sup>
+                        <m:acc>
+                          <m:accPr>
+                            <m:chr m:val="̃"/>
+                            <m:ctrlPr>
+                              <a:rPr lang="en-US" sz="1400" i="1">
+                                <a:latin typeface="Cambria Math" panose="02040503050406030204" pitchFamily="18" charset="0"/>
+                              </a:rPr>
+                            </m:ctrlPr>
+                          </m:accPr>
+                          <m:e>
+                            <m:r>
+                              <a:rPr lang="en-US" sz="1400" i="1">
+                                <a:latin typeface="Cambria Math" panose="02040503050406030204" pitchFamily="18" charset="0"/>
+                              </a:rPr>
+                              <m:t>𝑛</m:t>
+                            </m:r>
+                          </m:e>
+                        </m:acc>
+                        <m:r>
+                          <a:rPr lang="en-US" sz="1400" i="1">
+                            <a:latin typeface="Cambria Math" panose="02040503050406030204" pitchFamily="18" charset="0"/>
+                          </a:rPr>
+                          <m:t> </m:t>
+                        </m:r>
+                      </m:sup>
+                    </m:sSubSup>
+                  </m:oMath>
+                </a14:m>
+                <a:endParaRPr lang="en-US" sz="1400" dirty="0"/>
+              </a:p>
+            </p:txBody>
+          </p:sp>
+        </mc:Choice>
+        <mc:Fallback xmlns="">
+          <p:sp>
+            <p:nvSpPr>
+              <p:cNvPr id="40" name="TextBox 39">
+                <a:extLst>
+                  <a:ext uri="{FF2B5EF4-FFF2-40B4-BE49-F238E27FC236}">
+                    <a16:creationId xmlns:a16="http://schemas.microsoft.com/office/drawing/2014/main" id="{BA87C1E8-BDF9-614C-89A5-FBDAACC5C88E}"/>
+                  </a:ext>
+                </a:extLst>
+              </p:cNvPr>
+              <p:cNvSpPr txBox="1">
+                <a:spLocks noRot="1" noChangeAspect="1" noMove="1" noResize="1" noEditPoints="1" noAdjustHandles="1" noChangeArrowheads="1" noChangeShapeType="1" noTextEdit="1"/>
+              </p:cNvSpPr>
+              <p:nvPr/>
+            </p:nvSpPr>
+            <p:spPr>
+              <a:xfrm>
+                <a:off x="6060072" y="1689964"/>
+                <a:ext cx="1400384" cy="543547"/>
+              </a:xfrm>
+              <a:prstGeom prst="rect">
+                <a:avLst/>
+              </a:prstGeom>
+              <a:blipFill>
+                <a:blip r:embed="rId12"/>
+                <a:stretch>
+                  <a:fillRect l="-893" r="-2679" b="-2222"/>
+                </a:stretch>
+              </a:blipFill>
+              <a:ln>
+                <a:solidFill>
+                  <a:schemeClr val="tx1"/>
+                </a:solidFill>
+              </a:ln>
+            </p:spPr>
+            <p:txBody>
+              <a:bodyPr/>
+              <a:lstStyle/>
+              <a:p>
+                <a:r>
+                  <a:rPr lang="en-US">
+                    <a:noFill/>
+                  </a:rPr>
+                  <a:t> </a:t>
+                </a:r>
+              </a:p>
+            </p:txBody>
+          </p:sp>
+        </mc:Fallback>
+      </mc:AlternateContent>
+      <p:sp>
+        <p:nvSpPr>
+          <p:cNvPr id="76" name="Rounded Rectangle 75">
+            <a:extLst>
+              <a:ext uri="{FF2B5EF4-FFF2-40B4-BE49-F238E27FC236}">
+                <a16:creationId xmlns:a16="http://schemas.microsoft.com/office/drawing/2014/main" id="{406D56CB-86AF-D04D-A732-681A4D7E6BDE}"/>
+              </a:ext>
+            </a:extLst>
+          </p:cNvPr>
+          <p:cNvSpPr/>
+          <p:nvPr/>
+        </p:nvSpPr>
+        <p:spPr>
+          <a:xfrm>
+            <a:off x="346510" y="475723"/>
+            <a:ext cx="7536580" cy="3163355"/>
+          </a:xfrm>
+          <a:prstGeom prst="roundRect">
+            <a:avLst/>
+          </a:prstGeom>
+          <a:noFill/>
+          <a:ln w="38100">
+            <a:solidFill>
+              <a:schemeClr val="tx1"/>
+            </a:solidFill>
+          </a:ln>
+        </p:spPr>
+        <p:style>
+          <a:lnRef idx="2">
+            <a:schemeClr val="accent1">
+              <a:shade val="50000"/>
+            </a:schemeClr>
+          </a:lnRef>
+          <a:fillRef idx="1">
+            <a:schemeClr val="accent1"/>
+          </a:fillRef>
+          <a:effectRef idx="0">
+            <a:schemeClr val="accent1"/>
+          </a:effectRef>
+          <a:fontRef idx="minor">
+            <a:schemeClr val="lt1"/>
+          </a:fontRef>
+        </p:style>
+        <p:txBody>
+          <a:bodyPr rtlCol="0" anchor="ctr"/>
+          <a:lstStyle/>
+          <a:p>
+            <a:pPr algn="ctr"/>
+            <a:endParaRPr lang="en-US"/>
+          </a:p>
+        </p:txBody>
+      </p:sp>
+      <p:cxnSp>
+        <p:nvCxnSpPr>
+          <p:cNvPr id="38" name="Elbow Connector 37">
+            <a:extLst>
+              <a:ext uri="{FF2B5EF4-FFF2-40B4-BE49-F238E27FC236}">
+                <a16:creationId xmlns:a16="http://schemas.microsoft.com/office/drawing/2014/main" id="{AA110424-7A0C-9F45-99E3-9A5FD7502EA0}"/>
+              </a:ext>
+            </a:extLst>
+          </p:cNvPr>
+          <p:cNvCxnSpPr>
+            <a:cxnSpLocks/>
+            <a:stCxn id="19" idx="0"/>
+            <a:endCxn id="43" idx="1"/>
+          </p:cNvCxnSpPr>
+          <p:nvPr/>
+        </p:nvCxnSpPr>
+        <p:spPr>
+          <a:xfrm rot="5400000" flipH="1" flipV="1">
+            <a:off x="5277996" y="631985"/>
+            <a:ext cx="337090" cy="1105411"/>
+          </a:xfrm>
+          <a:prstGeom prst="bentConnector2">
+            <a:avLst/>
+          </a:prstGeom>
+          <a:ln w="28575">
+            <a:solidFill>
+              <a:schemeClr val="tx1"/>
+            </a:solidFill>
+            <a:tailEnd type="triangle"/>
+          </a:ln>
+        </p:spPr>
+        <p:style>
+          <a:lnRef idx="1">
+            <a:schemeClr val="accent1"/>
+          </a:lnRef>
+          <a:fillRef idx="0">
+            <a:schemeClr val="accent1"/>
+          </a:fillRef>
+          <a:effectRef idx="0">
+            <a:schemeClr val="accent1"/>
+          </a:effectRef>
+          <a:fontRef idx="minor">
+            <a:schemeClr val="tx1"/>
+          </a:fontRef>
+        </p:style>
+      </p:cxnSp>
+      <p:cxnSp>
+        <p:nvCxnSpPr>
+          <p:cNvPr id="65" name="Elbow Connector 64">
+            <a:extLst>
+              <a:ext uri="{FF2B5EF4-FFF2-40B4-BE49-F238E27FC236}">
+                <a16:creationId xmlns:a16="http://schemas.microsoft.com/office/drawing/2014/main" id="{D4C43AC1-D224-DB4C-8C3E-6BEAB32DB796}"/>
+              </a:ext>
+            </a:extLst>
+          </p:cNvPr>
+          <p:cNvCxnSpPr>
+            <a:cxnSpLocks/>
+            <a:stCxn id="19" idx="2"/>
+            <a:endCxn id="40" idx="1"/>
+          </p:cNvCxnSpPr>
+          <p:nvPr/>
+        </p:nvCxnSpPr>
+        <p:spPr>
+          <a:xfrm rot="16200000" flipH="1">
+            <a:off x="5313058" y="1214724"/>
+            <a:ext cx="327792" cy="1166236"/>
+          </a:xfrm>
+          <a:prstGeom prst="bentConnector2">
+            <a:avLst/>
+          </a:prstGeom>
+          <a:ln w="28575">
+            <a:solidFill>
+              <a:schemeClr val="tx1"/>
+            </a:solidFill>
+            <a:tailEnd type="triangle"/>
+          </a:ln>
+        </p:spPr>
+        <p:style>
+          <a:lnRef idx="1">
+            <a:schemeClr val="accent1"/>
+          </a:lnRef>
+          <a:fillRef idx="0">
+            <a:schemeClr val="accent1"/>
+          </a:fillRef>
+          <a:effectRef idx="0">
+            <a:schemeClr val="accent1"/>
+          </a:effectRef>
+          <a:fontRef idx="minor">
+            <a:schemeClr val="tx1"/>
+          </a:fontRef>
+        </p:style>
+      </p:cxnSp>
+      <p:sp>
+        <p:nvSpPr>
+          <p:cNvPr id="15" name="TextBox 14">
+            <a:extLst>
+              <a:ext uri="{FF2B5EF4-FFF2-40B4-BE49-F238E27FC236}">
+                <a16:creationId xmlns:a16="http://schemas.microsoft.com/office/drawing/2014/main" id="{77452524-3615-F84A-96ED-C5D796A64479}"/>
+              </a:ext>
+            </a:extLst>
+          </p:cNvPr>
+          <p:cNvSpPr txBox="1"/>
+          <p:nvPr/>
+        </p:nvSpPr>
+        <p:spPr>
+          <a:xfrm>
+            <a:off x="3987354" y="1010927"/>
+            <a:ext cx="676917" cy="276999"/>
+          </a:xfrm>
+          <a:prstGeom prst="rect">
+            <a:avLst/>
+          </a:prstGeom>
+          <a:noFill/>
+        </p:spPr>
+        <p:txBody>
+          <a:bodyPr wrap="none" rtlCol="0">
+            <a:spAutoFit/>
+          </a:bodyPr>
+          <a:lstStyle/>
+          <a:p>
+            <a:r>
+              <a:rPr lang="en-US" sz="1200" dirty="0"/>
+              <a:t>Training</a:t>
+            </a:r>
+          </a:p>
+        </p:txBody>
+      </p:sp>
+      <p:sp>
+        <p:nvSpPr>
+          <p:cNvPr id="44" name="TextBox 43">
+            <a:extLst>
+              <a:ext uri="{FF2B5EF4-FFF2-40B4-BE49-F238E27FC236}">
+                <a16:creationId xmlns:a16="http://schemas.microsoft.com/office/drawing/2014/main" id="{F90E22BC-D3C2-9F4C-90BC-6921DB6E02FC}"/>
+              </a:ext>
+            </a:extLst>
+          </p:cNvPr>
+          <p:cNvSpPr txBox="1"/>
+          <p:nvPr/>
+        </p:nvSpPr>
+        <p:spPr>
+          <a:xfrm>
+            <a:off x="3842383" y="1736161"/>
+            <a:ext cx="966859" cy="276999"/>
+          </a:xfrm>
+          <a:prstGeom prst="rect">
+            <a:avLst/>
+          </a:prstGeom>
+          <a:noFill/>
+        </p:spPr>
+        <p:txBody>
+          <a:bodyPr wrap="square" rtlCol="0">
+            <a:spAutoFit/>
+          </a:bodyPr>
+          <a:lstStyle/>
+          <a:p>
+            <a:r>
+              <a:rPr lang="en-US" sz="1200" dirty="0"/>
+              <a:t>Calculate CL</a:t>
+            </a:r>
+          </a:p>
+        </p:txBody>
+      </p:sp>
+      <p:sp>
+        <p:nvSpPr>
+          <p:cNvPr id="68" name="TextBox 67">
+            <a:extLst>
+              <a:ext uri="{FF2B5EF4-FFF2-40B4-BE49-F238E27FC236}">
+                <a16:creationId xmlns:a16="http://schemas.microsoft.com/office/drawing/2014/main" id="{DFE0CF83-98DB-D94B-958C-B2B201BBCC1A}"/>
+              </a:ext>
+            </a:extLst>
+          </p:cNvPr>
+          <p:cNvSpPr txBox="1"/>
+          <p:nvPr/>
+        </p:nvSpPr>
+        <p:spPr>
+          <a:xfrm>
+            <a:off x="5040334" y="753062"/>
+            <a:ext cx="786434" cy="276999"/>
+          </a:xfrm>
+          <a:prstGeom prst="rect">
+            <a:avLst/>
+          </a:prstGeom>
+          <a:noFill/>
+        </p:spPr>
+        <p:txBody>
+          <a:bodyPr wrap="none" rtlCol="0">
+            <a:spAutoFit/>
+          </a:bodyPr>
+          <a:lstStyle/>
+          <a:p>
+            <a:r>
+              <a:rPr lang="en-US" sz="1200" dirty="0"/>
+              <a:t>Obtain CL</a:t>
+            </a:r>
+          </a:p>
+        </p:txBody>
+      </p:sp>
+      <p:sp>
+        <p:nvSpPr>
+          <p:cNvPr id="69" name="TextBox 68">
+            <a:extLst>
+              <a:ext uri="{FF2B5EF4-FFF2-40B4-BE49-F238E27FC236}">
+                <a16:creationId xmlns:a16="http://schemas.microsoft.com/office/drawing/2014/main" id="{659DBE75-9370-B940-A8F6-DF4669788F9B}"/>
+              </a:ext>
+            </a:extLst>
+          </p:cNvPr>
+          <p:cNvSpPr txBox="1"/>
+          <p:nvPr/>
+        </p:nvSpPr>
+        <p:spPr>
+          <a:xfrm>
+            <a:off x="4990898" y="1708054"/>
+            <a:ext cx="885307" cy="276999"/>
+          </a:xfrm>
+          <a:prstGeom prst="rect">
+            <a:avLst/>
+          </a:prstGeom>
+          <a:noFill/>
+        </p:spPr>
+        <p:txBody>
+          <a:bodyPr wrap="none" rtlCol="0">
+            <a:spAutoFit/>
+          </a:bodyPr>
+          <a:lstStyle/>
+          <a:p>
+            <a:r>
+              <a:rPr lang="en-US" sz="1200" dirty="0"/>
+              <a:t>Monitoring</a:t>
+            </a:r>
+          </a:p>
+        </p:txBody>
+      </p:sp>
+      <p:sp>
+        <p:nvSpPr>
+          <p:cNvPr id="70" name="TextBox 69">
+            <a:extLst>
+              <a:ext uri="{FF2B5EF4-FFF2-40B4-BE49-F238E27FC236}">
+                <a16:creationId xmlns:a16="http://schemas.microsoft.com/office/drawing/2014/main" id="{50FCEE3F-3D29-684A-A4F0-9AB2D3F5EAEF}"/>
+              </a:ext>
+            </a:extLst>
+          </p:cNvPr>
+          <p:cNvSpPr txBox="1"/>
+          <p:nvPr/>
+        </p:nvSpPr>
+        <p:spPr>
+          <a:xfrm>
+            <a:off x="6012822" y="1418414"/>
+            <a:ext cx="720069" cy="276999"/>
+          </a:xfrm>
+          <a:prstGeom prst="rect">
+            <a:avLst/>
+          </a:prstGeom>
+          <a:noFill/>
+        </p:spPr>
+        <p:txBody>
+          <a:bodyPr wrap="none" rtlCol="0">
+            <a:spAutoFit/>
+          </a:bodyPr>
+          <a:lstStyle/>
+          <a:p>
+            <a:r>
+              <a:rPr lang="en-US" sz="1200" dirty="0"/>
+              <a:t>Apply CL</a:t>
+            </a:r>
+          </a:p>
+        </p:txBody>
+      </p:sp>
+    </p:spTree>
+    <p:extLst>
+      <p:ext uri="{BB962C8B-B14F-4D97-AF65-F5344CB8AC3E}">
+        <p14:creationId xmlns:p14="http://schemas.microsoft.com/office/powerpoint/2010/main" val="2672299946"/>
+      </p:ext>
+    </p:extLst>
+  </p:cSld>
+  <p:clrMapOvr>
+    <a:masterClrMapping/>
+  </p:clrMapOvr>
+</p:sld>
+</file>
+
+<file path=ppt/slides/slide3.xml><?xml version="1.0" encoding="utf-8"?>
+<p:sld xmlns:a="http://schemas.openxmlformats.org/drawingml/2006/main" xmlns:r="http://schemas.openxmlformats.org/officeDocument/2006/relationships" xmlns:p="http://schemas.openxmlformats.org/presentationml/2006/main">
+  <p:cSld>
+    <p:spTree>
+      <p:nvGrpSpPr>
+        <p:cNvPr id="1" name=""/>
+        <p:cNvGrpSpPr/>
+        <p:nvPr/>
+      </p:nvGrpSpPr>
+      <p:grpSpPr>
+        <a:xfrm>
+          <a:off x="0" y="0"/>
+          <a:ext cx="0" cy="0"/>
+          <a:chOff x="0" y="0"/>
+          <a:chExt cx="0" cy="0"/>
+        </a:xfrm>
+      </p:grpSpPr>
+      <mc:AlternateContent xmlns:mc="http://schemas.openxmlformats.org/markup-compatibility/2006">
+        <mc:Choice xmlns:a14="http://schemas.microsoft.com/office/drawing/2010/main" Requires="a14">
+          <p:sp>
+            <p:nvSpPr>
+              <p:cNvPr id="4" name="TextBox 3">
+                <a:extLst>
+                  <a:ext uri="{FF2B5EF4-FFF2-40B4-BE49-F238E27FC236}">
+                    <a16:creationId xmlns:a16="http://schemas.microsoft.com/office/drawing/2014/main" id="{A31694BD-2860-5046-A743-8E4B35BA6A6E}"/>
+                  </a:ext>
+                </a:extLst>
+              </p:cNvPr>
+              <p:cNvSpPr txBox="1"/>
+              <p:nvPr/>
+            </p:nvSpPr>
+            <p:spPr>
+              <a:xfrm>
+                <a:off x="473864" y="1689508"/>
+                <a:ext cx="1032990" cy="523990"/>
+              </a:xfrm>
+              <a:prstGeom prst="rect">
+                <a:avLst/>
+              </a:prstGeom>
+              <a:solidFill>
+                <a:schemeClr val="accent6"/>
+              </a:solidFill>
+              <a:ln>
+                <a:solidFill>
+                  <a:schemeClr val="tx1"/>
+                </a:solidFill>
+              </a:ln>
+            </p:spPr>
+            <p:txBody>
+              <a:bodyPr wrap="square" rtlCol="0">
+                <a:spAutoFit/>
+              </a:bodyPr>
+              <a:lstStyle/>
+              <a:p>
+                <a:r>
+                  <a:rPr lang="en-US" sz="1400" dirty="0"/>
+                  <a:t>Dataset: </a:t>
+                </a:r>
+                <a14:m>
+                  <m:oMath xmlns:m="http://schemas.openxmlformats.org/officeDocument/2006/math">
+                    <m:r>
+                      <m:rPr>
+                        <m:lit/>
+                      </m:rPr>
+                      <a:rPr lang="en-US" sz="1400" i="1">
+                        <a:latin typeface="Cambria Math" panose="02040503050406030204" pitchFamily="18" charset="0"/>
+                      </a:rPr>
+                      <m:t>{</m:t>
+                    </m:r>
+                    <m:d>
+                      <m:dPr>
+                        <m:ctrlPr>
+                          <a:rPr lang="en-US" sz="1400" i="1">
+                            <a:latin typeface="Cambria Math" panose="02040503050406030204" pitchFamily="18" charset="0"/>
+                          </a:rPr>
+                        </m:ctrlPr>
+                      </m:dPr>
+                      <m:e>
+                        <m:sSub>
+                          <m:sSubPr>
+                            <m:ctrlPr>
+                              <a:rPr lang="en-US" sz="1400" i="1">
+                                <a:latin typeface="Cambria Math" panose="02040503050406030204" pitchFamily="18" charset="0"/>
+                              </a:rPr>
+                            </m:ctrlPr>
+                          </m:sSubPr>
+                          <m:e>
+                            <m:r>
+                              <a:rPr lang="en-US" sz="1400" b="1" i="1">
+                                <a:latin typeface="Cambria Math" panose="02040503050406030204" pitchFamily="18" charset="0"/>
+                              </a:rPr>
+                              <m:t>𝒙</m:t>
+                            </m:r>
+                          </m:e>
+                          <m:sub>
+                            <m:r>
+                              <a:rPr lang="en-US" sz="1400" i="1">
+                                <a:latin typeface="Cambria Math" panose="02040503050406030204" pitchFamily="18" charset="0"/>
+                              </a:rPr>
+                              <m:t>𝑖</m:t>
+                            </m:r>
+                          </m:sub>
+                        </m:sSub>
+                        <m:r>
+                          <a:rPr lang="en-US" sz="1400" i="1">
+                            <a:latin typeface="Cambria Math" panose="02040503050406030204" pitchFamily="18" charset="0"/>
+                          </a:rPr>
+                          <m:t>, </m:t>
+                        </m:r>
+                        <m:sSub>
+                          <m:sSubPr>
+                            <m:ctrlPr>
+                              <a:rPr lang="en-US" sz="1400" i="1">
+                                <a:latin typeface="Cambria Math" panose="02040503050406030204" pitchFamily="18" charset="0"/>
+                              </a:rPr>
+                            </m:ctrlPr>
+                          </m:sSubPr>
+                          <m:e>
+                            <m:r>
+                              <a:rPr lang="en-US" sz="1400" i="1">
+                                <a:latin typeface="Cambria Math" panose="02040503050406030204" pitchFamily="18" charset="0"/>
+                              </a:rPr>
+                              <m:t>𝑦</m:t>
+                            </m:r>
+                          </m:e>
+                          <m:sub>
+                            <m:r>
+                              <a:rPr lang="en-US" sz="1400" i="1">
+                                <a:latin typeface="Cambria Math" panose="02040503050406030204" pitchFamily="18" charset="0"/>
+                              </a:rPr>
+                              <m:t>𝑖</m:t>
+                            </m:r>
+                          </m:sub>
+                        </m:sSub>
+                      </m:e>
+                    </m:d>
+                    <m:sSubSup>
+                      <m:sSubSupPr>
+                        <m:ctrlPr>
+                          <a:rPr lang="en-US" sz="1400" i="1">
+                            <a:latin typeface="Cambria Math" panose="02040503050406030204" pitchFamily="18" charset="0"/>
+                          </a:rPr>
+                        </m:ctrlPr>
+                      </m:sSubSupPr>
+                      <m:e>
+                        <m:r>
+                          <m:rPr>
+                            <m:lit/>
+                          </m:rPr>
+                          <a:rPr lang="en-US" sz="1400" i="1">
+                            <a:latin typeface="Cambria Math" panose="02040503050406030204" pitchFamily="18" charset="0"/>
+                          </a:rPr>
+                          <m:t>}</m:t>
+                        </m:r>
+                      </m:e>
+                      <m:sub>
+                        <m:r>
+                          <a:rPr lang="en-US" sz="1400" i="1">
+                            <a:latin typeface="Cambria Math" panose="02040503050406030204" pitchFamily="18" charset="0"/>
+                          </a:rPr>
+                          <m:t>𝑖</m:t>
+                        </m:r>
+                        <m:r>
+                          <a:rPr lang="en-US" sz="1400" i="1">
+                            <a:latin typeface="Cambria Math" panose="02040503050406030204" pitchFamily="18" charset="0"/>
+                          </a:rPr>
+                          <m:t>=1</m:t>
+                        </m:r>
+                      </m:sub>
+                      <m:sup>
+                        <m:r>
+                          <a:rPr lang="en-US" sz="1400" i="1">
+                            <a:latin typeface="Cambria Math" panose="02040503050406030204" pitchFamily="18" charset="0"/>
+                          </a:rPr>
+                          <m:t>𝑚</m:t>
+                        </m:r>
+                      </m:sup>
+                    </m:sSubSup>
+                  </m:oMath>
+                </a14:m>
+                <a:endParaRPr lang="en-US" sz="1400" dirty="0"/>
+              </a:p>
+            </p:txBody>
+          </p:sp>
+        </mc:Choice>
+        <mc:Fallback>
+          <p:sp>
+            <p:nvSpPr>
+              <p:cNvPr id="4" name="TextBox 3">
+                <a:extLst>
+                  <a:ext uri="{FF2B5EF4-FFF2-40B4-BE49-F238E27FC236}">
+                    <a16:creationId xmlns:a16="http://schemas.microsoft.com/office/drawing/2014/main" id="{A31694BD-2860-5046-A743-8E4B35BA6A6E}"/>
+                  </a:ext>
+                </a:extLst>
+              </p:cNvPr>
+              <p:cNvSpPr txBox="1">
+                <a:spLocks noRot="1" noChangeAspect="1" noMove="1" noResize="1" noEditPoints="1" noAdjustHandles="1" noChangeArrowheads="1" noChangeShapeType="1" noTextEdit="1"/>
+              </p:cNvSpPr>
+              <p:nvPr/>
+            </p:nvSpPr>
+            <p:spPr>
+              <a:xfrm>
+                <a:off x="473864" y="1689508"/>
+                <a:ext cx="1032990" cy="523990"/>
+              </a:xfrm>
+              <a:prstGeom prst="rect">
+                <a:avLst/>
+              </a:prstGeom>
+              <a:blipFill>
+                <a:blip r:embed="rId2"/>
+                <a:stretch>
+                  <a:fillRect b="-2326"/>
+                </a:stretch>
+              </a:blipFill>
+              <a:ln>
+                <a:solidFill>
+                  <a:schemeClr val="tx1"/>
+                </a:solidFill>
+              </a:ln>
+            </p:spPr>
+            <p:txBody>
+              <a:bodyPr/>
+              <a:lstStyle/>
+              <a:p>
+                <a:r>
+                  <a:rPr lang="en-US">
+                    <a:noFill/>
+                  </a:rPr>
+                  <a:t> </a:t>
+                </a:r>
+              </a:p>
+            </p:txBody>
+          </p:sp>
+        </mc:Fallback>
+      </mc:AlternateContent>
+      <p:cxnSp>
+        <p:nvCxnSpPr>
+          <p:cNvPr id="5" name="Straight Arrow Connector 4">
+            <a:extLst>
+              <a:ext uri="{FF2B5EF4-FFF2-40B4-BE49-F238E27FC236}">
+                <a16:creationId xmlns:a16="http://schemas.microsoft.com/office/drawing/2014/main" id="{90B16711-508C-554E-86F8-B18486A903C1}"/>
+              </a:ext>
+            </a:extLst>
+          </p:cNvPr>
+          <p:cNvCxnSpPr>
+            <a:cxnSpLocks/>
+            <a:stCxn id="60" idx="0"/>
+            <a:endCxn id="14" idx="1"/>
+          </p:cNvCxnSpPr>
+          <p:nvPr/>
+        </p:nvCxnSpPr>
+        <p:spPr>
+          <a:xfrm flipV="1">
+            <a:off x="4226153" y="1325601"/>
+            <a:ext cx="516605" cy="398398"/>
+          </a:xfrm>
+          <a:prstGeom prst="straightConnector1">
+            <a:avLst/>
+          </a:prstGeom>
+          <a:ln w="28575">
+            <a:solidFill>
+              <a:schemeClr val="tx1"/>
+            </a:solidFill>
+            <a:tailEnd type="triangle"/>
+          </a:ln>
+        </p:spPr>
+        <p:style>
+          <a:lnRef idx="1">
+            <a:schemeClr val="accent1"/>
+          </a:lnRef>
+          <a:fillRef idx="0">
+            <a:schemeClr val="accent1"/>
+          </a:fillRef>
+          <a:effectRef idx="0">
+            <a:schemeClr val="accent1"/>
+          </a:effectRef>
+          <a:fontRef idx="minor">
+            <a:schemeClr val="tx1"/>
+          </a:fontRef>
+        </p:style>
+      </p:cxnSp>
+      <p:cxnSp>
+        <p:nvCxnSpPr>
+          <p:cNvPr id="6" name="Straight Arrow Connector 5">
+            <a:extLst>
+              <a:ext uri="{FF2B5EF4-FFF2-40B4-BE49-F238E27FC236}">
+                <a16:creationId xmlns:a16="http://schemas.microsoft.com/office/drawing/2014/main" id="{07803F07-A468-9F43-B713-246F7BFE501D}"/>
+              </a:ext>
+            </a:extLst>
+          </p:cNvPr>
+          <p:cNvCxnSpPr>
+            <a:cxnSpLocks/>
+            <a:stCxn id="60" idx="2"/>
+            <a:endCxn id="37" idx="1"/>
+          </p:cNvCxnSpPr>
+          <p:nvPr/>
+        </p:nvCxnSpPr>
+        <p:spPr>
+          <a:xfrm>
+            <a:off x="4226153" y="2179007"/>
+            <a:ext cx="520528" cy="397365"/>
+          </a:xfrm>
+          <a:prstGeom prst="straightConnector1">
+            <a:avLst/>
+          </a:prstGeom>
+          <a:ln w="28575">
+            <a:solidFill>
+              <a:schemeClr val="tx1"/>
+            </a:solidFill>
+            <a:tailEnd type="triangle"/>
+          </a:ln>
+        </p:spPr>
+        <p:style>
+          <a:lnRef idx="1">
+            <a:schemeClr val="accent1"/>
+          </a:lnRef>
+          <a:fillRef idx="0">
+            <a:schemeClr val="accent1"/>
+          </a:fillRef>
+          <a:effectRef idx="0">
+            <a:schemeClr val="accent1"/>
+          </a:effectRef>
+          <a:fontRef idx="minor">
+            <a:schemeClr val="tx1"/>
+          </a:fontRef>
+        </p:style>
+      </p:cxnSp>
+      <p:cxnSp>
+        <p:nvCxnSpPr>
+          <p:cNvPr id="25" name="Elbow Connector 24">
+            <a:extLst>
+              <a:ext uri="{FF2B5EF4-FFF2-40B4-BE49-F238E27FC236}">
+                <a16:creationId xmlns:a16="http://schemas.microsoft.com/office/drawing/2014/main" id="{411065AF-E81A-274A-B039-4A2B3E76069D}"/>
+              </a:ext>
+            </a:extLst>
+          </p:cNvPr>
+          <p:cNvCxnSpPr>
+            <a:cxnSpLocks/>
+            <a:stCxn id="95" idx="2"/>
+          </p:cNvCxnSpPr>
+          <p:nvPr/>
+        </p:nvCxnSpPr>
+        <p:spPr>
+          <a:xfrm rot="5400000">
+            <a:off x="3955639" y="-256724"/>
+            <a:ext cx="602308" cy="6532868"/>
+          </a:xfrm>
+          <a:prstGeom prst="bentConnector2">
+            <a:avLst/>
+          </a:prstGeom>
+          <a:ln w="28575">
+            <a:solidFill>
+              <a:schemeClr val="tx1"/>
+            </a:solidFill>
+          </a:ln>
+        </p:spPr>
+        <p:style>
+          <a:lnRef idx="1">
+            <a:schemeClr val="accent1"/>
+          </a:lnRef>
+          <a:fillRef idx="0">
+            <a:schemeClr val="accent1"/>
+          </a:fillRef>
+          <a:effectRef idx="0">
+            <a:schemeClr val="accent1"/>
+          </a:effectRef>
+          <a:fontRef idx="minor">
+            <a:schemeClr val="tx1"/>
+          </a:fontRef>
+        </p:style>
+      </p:cxnSp>
+      <p:cxnSp>
+        <p:nvCxnSpPr>
+          <p:cNvPr id="27" name="Straight Arrow Connector 26">
+            <a:extLst>
+              <a:ext uri="{FF2B5EF4-FFF2-40B4-BE49-F238E27FC236}">
+                <a16:creationId xmlns:a16="http://schemas.microsoft.com/office/drawing/2014/main" id="{6832457E-9B82-6043-AAA7-40CAC3EA50EF}"/>
+              </a:ext>
+            </a:extLst>
+          </p:cNvPr>
+          <p:cNvCxnSpPr>
+            <a:cxnSpLocks/>
+            <a:endCxn id="4" idx="2"/>
+          </p:cNvCxnSpPr>
+          <p:nvPr/>
+        </p:nvCxnSpPr>
+        <p:spPr>
+          <a:xfrm flipV="1">
+            <a:off x="990359" y="2213498"/>
+            <a:ext cx="0" cy="1101325"/>
+          </a:xfrm>
+          <a:prstGeom prst="straightConnector1">
+            <a:avLst/>
+          </a:prstGeom>
+          <a:ln w="28575">
+            <a:solidFill>
+              <a:schemeClr val="tx1"/>
+            </a:solidFill>
+            <a:tailEnd type="triangle"/>
+          </a:ln>
+        </p:spPr>
+        <p:style>
+          <a:lnRef idx="1">
+            <a:schemeClr val="accent1"/>
+          </a:lnRef>
+          <a:fillRef idx="0">
+            <a:schemeClr val="accent1"/>
+          </a:fillRef>
+          <a:effectRef idx="0">
+            <a:schemeClr val="accent1"/>
+          </a:effectRef>
+          <a:fontRef idx="minor">
+            <a:schemeClr val="tx1"/>
+          </a:fontRef>
+        </p:style>
+      </p:cxnSp>
+      <p:sp>
+        <p:nvSpPr>
+          <p:cNvPr id="42" name="TextBox 41">
+            <a:extLst>
+              <a:ext uri="{FF2B5EF4-FFF2-40B4-BE49-F238E27FC236}">
+                <a16:creationId xmlns:a16="http://schemas.microsoft.com/office/drawing/2014/main" id="{46EEE423-DAE8-3E41-9D1A-8702DF5C18F2}"/>
+              </a:ext>
+            </a:extLst>
+          </p:cNvPr>
+          <p:cNvSpPr txBox="1"/>
+          <p:nvPr/>
+        </p:nvSpPr>
+        <p:spPr>
+          <a:xfrm>
+            <a:off x="2067383" y="2919236"/>
+            <a:ext cx="2351285" cy="307777"/>
+          </a:xfrm>
+          <a:prstGeom prst="rect">
+            <a:avLst/>
+          </a:prstGeom>
+          <a:noFill/>
+          <a:ln>
+            <a:noFill/>
+          </a:ln>
+        </p:spPr>
+        <p:txBody>
+          <a:bodyPr wrap="none" rtlCol="0">
+            <a:spAutoFit/>
+          </a:bodyPr>
+          <a:lstStyle/>
+          <a:p>
+            <a:r>
+              <a:rPr lang="en-US" sz="1400" dirty="0"/>
+              <a:t>The dataset has concept drift </a:t>
+            </a:r>
+          </a:p>
+        </p:txBody>
+      </p:sp>
+      <p:sp>
+        <p:nvSpPr>
+          <p:cNvPr id="43" name="TextBox 42">
+            <a:extLst>
+              <a:ext uri="{FF2B5EF4-FFF2-40B4-BE49-F238E27FC236}">
+                <a16:creationId xmlns:a16="http://schemas.microsoft.com/office/drawing/2014/main" id="{7A071DC3-D1A4-DD49-94E4-03A810AF279F}"/>
+              </a:ext>
+            </a:extLst>
+          </p:cNvPr>
+          <p:cNvSpPr txBox="1"/>
+          <p:nvPr/>
+        </p:nvSpPr>
+        <p:spPr>
+          <a:xfrm rot="16200000">
+            <a:off x="949521" y="2401014"/>
+            <a:ext cx="899990" cy="738664"/>
+          </a:xfrm>
+          <a:prstGeom prst="rect">
+            <a:avLst/>
+          </a:prstGeom>
+          <a:noFill/>
+          <a:ln>
+            <a:noFill/>
+          </a:ln>
+        </p:spPr>
+        <p:txBody>
+          <a:bodyPr wrap="square" rtlCol="0">
+            <a:spAutoFit/>
+          </a:bodyPr>
+          <a:lstStyle/>
+          <a:p>
+            <a:r>
+              <a:rPr lang="en-US" sz="1400" dirty="0"/>
+              <a:t>Remove unstable data</a:t>
+            </a:r>
+          </a:p>
+        </p:txBody>
+      </p:sp>
+      <p:pic>
+        <p:nvPicPr>
+          <p:cNvPr id="53" name="Picture 52">
+            <a:extLst>
+              <a:ext uri="{FF2B5EF4-FFF2-40B4-BE49-F238E27FC236}">
+                <a16:creationId xmlns:a16="http://schemas.microsoft.com/office/drawing/2014/main" id="{0B21975F-76C6-4C4C-9C42-9825CD4CE9A5}"/>
+              </a:ext>
+            </a:extLst>
+          </p:cNvPr>
+          <p:cNvPicPr>
+            <a:picLocks noChangeAspect="1"/>
+          </p:cNvPicPr>
+          <p:nvPr/>
+        </p:nvPicPr>
+        <p:blipFill>
+          <a:blip r:embed="rId3">
+            <a:extLst>
+              <a:ext uri="{28A0092B-C50C-407E-A947-70E740481C1C}">
+                <a14:useLocalDpi xmlns:a14="http://schemas.microsoft.com/office/drawing/2010/main" val="0"/>
+              </a:ext>
+            </a:extLst>
+          </a:blip>
+          <a:stretch>
+            <a:fillRect/>
+          </a:stretch>
+        </p:blipFill>
+        <p:spPr>
+          <a:xfrm>
+            <a:off x="2656101" y="1648370"/>
+            <a:ext cx="972551" cy="606266"/>
+          </a:xfrm>
+          <a:prstGeom prst="rect">
+            <a:avLst/>
+          </a:prstGeom>
+          <a:ln>
+            <a:solidFill>
+              <a:schemeClr val="tx1"/>
+            </a:solidFill>
+          </a:ln>
+        </p:spPr>
+      </p:pic>
+      <p:cxnSp>
+        <p:nvCxnSpPr>
+          <p:cNvPr id="57" name="Straight Arrow Connector 56">
+            <a:extLst>
+              <a:ext uri="{FF2B5EF4-FFF2-40B4-BE49-F238E27FC236}">
+                <a16:creationId xmlns:a16="http://schemas.microsoft.com/office/drawing/2014/main" id="{FA20AECA-F7CF-7E49-8D32-D250C2DEDB46}"/>
+              </a:ext>
+            </a:extLst>
+          </p:cNvPr>
+          <p:cNvCxnSpPr>
+            <a:cxnSpLocks/>
+            <a:stCxn id="4" idx="3"/>
+            <a:endCxn id="21" idx="1"/>
+          </p:cNvCxnSpPr>
+          <p:nvPr/>
+        </p:nvCxnSpPr>
+        <p:spPr>
+          <a:xfrm>
+            <a:off x="1506854" y="1951503"/>
+            <a:ext cx="172972" cy="1"/>
+          </a:xfrm>
+          <a:prstGeom prst="straightConnector1">
+            <a:avLst/>
+          </a:prstGeom>
+          <a:ln w="28575">
+            <a:solidFill>
+              <a:schemeClr val="tx1"/>
+            </a:solidFill>
+            <a:tailEnd type="triangle"/>
+          </a:ln>
+        </p:spPr>
+        <p:style>
+          <a:lnRef idx="1">
+            <a:schemeClr val="accent1"/>
+          </a:lnRef>
+          <a:fillRef idx="0">
+            <a:schemeClr val="accent1"/>
+          </a:fillRef>
+          <a:effectRef idx="0">
+            <a:schemeClr val="accent1"/>
+          </a:effectRef>
+          <a:fontRef idx="minor">
+            <a:schemeClr val="tx1"/>
+          </a:fontRef>
+        </p:style>
+      </p:cxnSp>
+      <p:sp>
+        <p:nvSpPr>
+          <p:cNvPr id="88" name="Rounded Rectangle 87">
+            <a:extLst>
+              <a:ext uri="{FF2B5EF4-FFF2-40B4-BE49-F238E27FC236}">
+                <a16:creationId xmlns:a16="http://schemas.microsoft.com/office/drawing/2014/main" id="{E7A586EF-D1AE-9D41-8381-90DF99027950}"/>
+              </a:ext>
+            </a:extLst>
+          </p:cNvPr>
+          <p:cNvSpPr/>
+          <p:nvPr/>
+        </p:nvSpPr>
+        <p:spPr>
+          <a:xfrm>
+            <a:off x="345439" y="649432"/>
+            <a:ext cx="7538722" cy="2815936"/>
+          </a:xfrm>
+          <a:prstGeom prst="roundRect">
+            <a:avLst/>
+          </a:prstGeom>
+          <a:noFill/>
+          <a:ln w="38100">
+            <a:solidFill>
+              <a:schemeClr val="tx1"/>
+            </a:solidFill>
+          </a:ln>
+        </p:spPr>
+        <p:style>
+          <a:lnRef idx="2">
+            <a:schemeClr val="accent1">
+              <a:shade val="50000"/>
+            </a:schemeClr>
+          </a:lnRef>
+          <a:fillRef idx="1">
+            <a:schemeClr val="accent1"/>
+          </a:fillRef>
+          <a:effectRef idx="0">
+            <a:schemeClr val="accent1"/>
+          </a:effectRef>
+          <a:fontRef idx="minor">
+            <a:schemeClr val="lt1"/>
+          </a:fontRef>
+        </p:style>
+        <p:txBody>
+          <a:bodyPr rtlCol="0" anchor="ctr"/>
+          <a:lstStyle/>
+          <a:p>
+            <a:pPr algn="ctr"/>
+            <a:endParaRPr lang="en-US"/>
+          </a:p>
+        </p:txBody>
+      </p:sp>
+      <p:sp>
+        <p:nvSpPr>
+          <p:cNvPr id="21" name="Rounded Rectangle 20">
+            <a:extLst>
+              <a:ext uri="{FF2B5EF4-FFF2-40B4-BE49-F238E27FC236}">
+                <a16:creationId xmlns:a16="http://schemas.microsoft.com/office/drawing/2014/main" id="{743C6CCE-BAA0-A54C-8470-BEB33A352F8B}"/>
+              </a:ext>
+            </a:extLst>
+          </p:cNvPr>
+          <p:cNvSpPr/>
+          <p:nvPr/>
+        </p:nvSpPr>
+        <p:spPr>
+          <a:xfrm>
+            <a:off x="1679826" y="1780090"/>
+            <a:ext cx="795854" cy="342827"/>
+          </a:xfrm>
+          <a:prstGeom prst="roundRect">
+            <a:avLst/>
+          </a:prstGeom>
+          <a:solidFill>
+            <a:schemeClr val="accent5">
+              <a:lumMod val="60000"/>
+              <a:lumOff val="40000"/>
+            </a:schemeClr>
+          </a:solidFill>
+          <a:ln>
+            <a:solidFill>
+              <a:schemeClr val="tx1"/>
+            </a:solidFill>
+          </a:ln>
+        </p:spPr>
+        <p:style>
+          <a:lnRef idx="2">
+            <a:schemeClr val="accent1">
+              <a:shade val="50000"/>
+            </a:schemeClr>
+          </a:lnRef>
+          <a:fillRef idx="1">
+            <a:schemeClr val="accent1"/>
+          </a:fillRef>
+          <a:effectRef idx="0">
+            <a:schemeClr val="accent1"/>
+          </a:effectRef>
+          <a:fontRef idx="minor">
+            <a:schemeClr val="lt1"/>
+          </a:fontRef>
+        </p:style>
+        <p:txBody>
+          <a:bodyPr rtlCol="0" anchor="ctr"/>
+          <a:lstStyle/>
+          <a:p>
+            <a:pPr algn="ctr"/>
+            <a:r>
+              <a:rPr lang="en-US" sz="1400" dirty="0">
+                <a:solidFill>
+                  <a:schemeClr val="tx1"/>
+                </a:solidFill>
+              </a:rPr>
+              <a:t>Training</a:t>
+            </a:r>
+          </a:p>
+        </p:txBody>
+      </p:sp>
+      <p:cxnSp>
+        <p:nvCxnSpPr>
+          <p:cNvPr id="33" name="Straight Arrow Connector 32">
+            <a:extLst>
+              <a:ext uri="{FF2B5EF4-FFF2-40B4-BE49-F238E27FC236}">
+                <a16:creationId xmlns:a16="http://schemas.microsoft.com/office/drawing/2014/main" id="{98547258-3BD5-1E47-BFDE-25FA57D86421}"/>
+              </a:ext>
+            </a:extLst>
+          </p:cNvPr>
+          <p:cNvCxnSpPr>
+            <a:cxnSpLocks/>
+            <a:stCxn id="21" idx="3"/>
+            <a:endCxn id="53" idx="1"/>
+          </p:cNvCxnSpPr>
+          <p:nvPr/>
+        </p:nvCxnSpPr>
+        <p:spPr>
+          <a:xfrm flipV="1">
+            <a:off x="2475680" y="1951503"/>
+            <a:ext cx="180421" cy="1"/>
+          </a:xfrm>
+          <a:prstGeom prst="straightConnector1">
+            <a:avLst/>
+          </a:prstGeom>
+          <a:ln w="28575">
+            <a:solidFill>
+              <a:schemeClr val="tx1"/>
+            </a:solidFill>
+            <a:tailEnd type="triangle"/>
+          </a:ln>
+        </p:spPr>
+        <p:style>
+          <a:lnRef idx="1">
+            <a:schemeClr val="accent1"/>
+          </a:lnRef>
+          <a:fillRef idx="0">
+            <a:schemeClr val="accent1"/>
+          </a:fillRef>
+          <a:effectRef idx="0">
+            <a:schemeClr val="accent1"/>
+          </a:effectRef>
+          <a:fontRef idx="minor">
+            <a:schemeClr val="tx1"/>
+          </a:fontRef>
+        </p:style>
+      </p:cxnSp>
+      <p:sp>
+        <p:nvSpPr>
+          <p:cNvPr id="60" name="Rounded Rectangle 59">
+            <a:extLst>
+              <a:ext uri="{FF2B5EF4-FFF2-40B4-BE49-F238E27FC236}">
+                <a16:creationId xmlns:a16="http://schemas.microsoft.com/office/drawing/2014/main" id="{ACE44DF8-4CAD-4A45-A48E-99D3B85B9202}"/>
+              </a:ext>
+            </a:extLst>
+          </p:cNvPr>
+          <p:cNvSpPr/>
+          <p:nvPr/>
+        </p:nvSpPr>
+        <p:spPr>
+          <a:xfrm>
+            <a:off x="3810137" y="1723999"/>
+            <a:ext cx="832031" cy="455008"/>
+          </a:xfrm>
+          <a:prstGeom prst="roundRect">
+            <a:avLst/>
+          </a:prstGeom>
+          <a:solidFill>
+            <a:schemeClr val="accent5">
+              <a:lumMod val="60000"/>
+              <a:lumOff val="40000"/>
+            </a:schemeClr>
+          </a:solidFill>
+          <a:ln>
+            <a:solidFill>
+              <a:schemeClr val="tx1"/>
+            </a:solidFill>
+          </a:ln>
+        </p:spPr>
+        <p:style>
+          <a:lnRef idx="2">
+            <a:schemeClr val="accent1">
+              <a:shade val="50000"/>
+            </a:schemeClr>
+          </a:lnRef>
+          <a:fillRef idx="1">
+            <a:schemeClr val="accent1"/>
+          </a:fillRef>
+          <a:effectRef idx="0">
+            <a:schemeClr val="accent1"/>
+          </a:effectRef>
+          <a:fontRef idx="minor">
+            <a:schemeClr val="lt1"/>
+          </a:fontRef>
+        </p:style>
+        <p:txBody>
+          <a:bodyPr rtlCol="0" anchor="ctr"/>
+          <a:lstStyle/>
+          <a:p>
+            <a:pPr algn="ctr"/>
+            <a:r>
+              <a:rPr lang="en-US" sz="1400" dirty="0">
+                <a:solidFill>
+                  <a:schemeClr val="tx1"/>
+                </a:solidFill>
+              </a:rPr>
+              <a:t>Concept Drift?</a:t>
+            </a:r>
+          </a:p>
+        </p:txBody>
+      </p:sp>
+      <p:cxnSp>
+        <p:nvCxnSpPr>
+          <p:cNvPr id="63" name="Straight Arrow Connector 62">
+            <a:extLst>
+              <a:ext uri="{FF2B5EF4-FFF2-40B4-BE49-F238E27FC236}">
+                <a16:creationId xmlns:a16="http://schemas.microsoft.com/office/drawing/2014/main" id="{9535B4C2-B5A1-D743-A94B-5E718A6E26C5}"/>
+              </a:ext>
+            </a:extLst>
+          </p:cNvPr>
+          <p:cNvCxnSpPr>
+            <a:cxnSpLocks/>
+            <a:stCxn id="53" idx="3"/>
+            <a:endCxn id="60" idx="1"/>
+          </p:cNvCxnSpPr>
+          <p:nvPr/>
+        </p:nvCxnSpPr>
+        <p:spPr>
+          <a:xfrm>
+            <a:off x="3628652" y="1951503"/>
+            <a:ext cx="181485" cy="0"/>
+          </a:xfrm>
+          <a:prstGeom prst="straightConnector1">
+            <a:avLst/>
+          </a:prstGeom>
+          <a:ln w="28575">
+            <a:solidFill>
+              <a:schemeClr val="tx1"/>
+            </a:solidFill>
+            <a:tailEnd type="triangle"/>
+          </a:ln>
+        </p:spPr>
+        <p:style>
+          <a:lnRef idx="1">
+            <a:schemeClr val="accent1"/>
+          </a:lnRef>
+          <a:fillRef idx="0">
+            <a:schemeClr val="accent1"/>
+          </a:fillRef>
+          <a:effectRef idx="0">
+            <a:schemeClr val="accent1"/>
+          </a:effectRef>
+          <a:fontRef idx="minor">
+            <a:schemeClr val="tx1"/>
+          </a:fontRef>
+        </p:style>
+      </p:cxnSp>
+      <p:cxnSp>
+        <p:nvCxnSpPr>
+          <p:cNvPr id="82" name="Straight Arrow Connector 81">
+            <a:extLst>
+              <a:ext uri="{FF2B5EF4-FFF2-40B4-BE49-F238E27FC236}">
+                <a16:creationId xmlns:a16="http://schemas.microsoft.com/office/drawing/2014/main" id="{15506030-1547-E94B-AD3B-85974E389D55}"/>
+              </a:ext>
+            </a:extLst>
+          </p:cNvPr>
+          <p:cNvCxnSpPr>
+            <a:cxnSpLocks/>
+            <a:stCxn id="14" idx="3"/>
+            <a:endCxn id="94" idx="1"/>
+          </p:cNvCxnSpPr>
+          <p:nvPr/>
+        </p:nvCxnSpPr>
+        <p:spPr>
+          <a:xfrm flipV="1">
+            <a:off x="7108698" y="1325600"/>
+            <a:ext cx="180858" cy="1"/>
+          </a:xfrm>
+          <a:prstGeom prst="straightConnector1">
+            <a:avLst/>
+          </a:prstGeom>
+          <a:ln w="28575">
+            <a:solidFill>
+              <a:schemeClr val="tx1"/>
+            </a:solidFill>
+            <a:tailEnd type="triangle"/>
+          </a:ln>
+        </p:spPr>
+        <p:style>
+          <a:lnRef idx="1">
+            <a:schemeClr val="accent1"/>
+          </a:lnRef>
+          <a:fillRef idx="0">
+            <a:schemeClr val="accent1"/>
+          </a:fillRef>
+          <a:effectRef idx="0">
+            <a:schemeClr val="accent1"/>
+          </a:effectRef>
+          <a:fontRef idx="minor">
+            <a:schemeClr val="tx1"/>
+          </a:fontRef>
+        </p:style>
+      </p:cxnSp>
+      <p:cxnSp>
+        <p:nvCxnSpPr>
+          <p:cNvPr id="86" name="Straight Arrow Connector 85">
+            <a:extLst>
+              <a:ext uri="{FF2B5EF4-FFF2-40B4-BE49-F238E27FC236}">
+                <a16:creationId xmlns:a16="http://schemas.microsoft.com/office/drawing/2014/main" id="{7FD2FE63-3B23-344C-BF30-E2A50F4F756A}"/>
+              </a:ext>
+            </a:extLst>
+          </p:cNvPr>
+          <p:cNvCxnSpPr>
+            <a:cxnSpLocks/>
+            <a:stCxn id="37" idx="3"/>
+            <a:endCxn id="95" idx="1"/>
+          </p:cNvCxnSpPr>
+          <p:nvPr/>
+        </p:nvCxnSpPr>
+        <p:spPr>
+          <a:xfrm flipV="1">
+            <a:off x="7112621" y="2572411"/>
+            <a:ext cx="176935" cy="3961"/>
+          </a:xfrm>
+          <a:prstGeom prst="straightConnector1">
+            <a:avLst/>
+          </a:prstGeom>
+          <a:ln w="28575">
+            <a:solidFill>
+              <a:schemeClr val="tx1"/>
+            </a:solidFill>
+            <a:tailEnd type="triangle"/>
+          </a:ln>
+        </p:spPr>
+        <p:style>
+          <a:lnRef idx="1">
+            <a:schemeClr val="accent1"/>
+          </a:lnRef>
+          <a:fillRef idx="0">
+            <a:schemeClr val="accent1"/>
+          </a:fillRef>
+          <a:effectRef idx="0">
+            <a:schemeClr val="accent1"/>
+          </a:effectRef>
+          <a:fontRef idx="minor">
+            <a:schemeClr val="tx1"/>
+          </a:fontRef>
+        </p:style>
+      </p:cxnSp>
+      <p:sp>
+        <p:nvSpPr>
+          <p:cNvPr id="94" name="Rounded Rectangle 93">
+            <a:extLst>
+              <a:ext uri="{FF2B5EF4-FFF2-40B4-BE49-F238E27FC236}">
+                <a16:creationId xmlns:a16="http://schemas.microsoft.com/office/drawing/2014/main" id="{DBC85158-F680-2045-8829-F2563FDC1C01}"/>
+              </a:ext>
+            </a:extLst>
+          </p:cNvPr>
+          <p:cNvSpPr/>
+          <p:nvPr/>
+        </p:nvSpPr>
+        <p:spPr>
+          <a:xfrm>
+            <a:off x="7289556" y="1189455"/>
+            <a:ext cx="467342" cy="272290"/>
+          </a:xfrm>
+          <a:prstGeom prst="roundRect">
+            <a:avLst/>
+          </a:prstGeom>
+          <a:solidFill>
+            <a:schemeClr val="accent5">
+              <a:lumMod val="60000"/>
+              <a:lumOff val="40000"/>
+            </a:schemeClr>
+          </a:solidFill>
+          <a:ln>
+            <a:solidFill>
+              <a:schemeClr val="tx1"/>
+            </a:solidFill>
+          </a:ln>
+        </p:spPr>
+        <p:style>
+          <a:lnRef idx="2">
+            <a:schemeClr val="accent1">
+              <a:shade val="50000"/>
+            </a:schemeClr>
+          </a:lnRef>
+          <a:fillRef idx="1">
+            <a:schemeClr val="accent1"/>
+          </a:fillRef>
+          <a:effectRef idx="0">
+            <a:schemeClr val="accent1"/>
+          </a:effectRef>
+          <a:fontRef idx="minor">
+            <a:schemeClr val="lt1"/>
+          </a:fontRef>
+        </p:style>
+        <p:txBody>
+          <a:bodyPr rtlCol="0" anchor="ctr"/>
+          <a:lstStyle/>
+          <a:p>
+            <a:pPr algn="ctr"/>
+            <a:r>
+              <a:rPr lang="en-US" sz="1400" dirty="0">
+                <a:solidFill>
+                  <a:schemeClr val="tx1"/>
+                </a:solidFill>
+              </a:rPr>
+              <a:t>No</a:t>
+            </a:r>
+          </a:p>
+        </p:txBody>
+      </p:sp>
+      <p:sp>
+        <p:nvSpPr>
+          <p:cNvPr id="95" name="Rounded Rectangle 94">
+            <a:extLst>
+              <a:ext uri="{FF2B5EF4-FFF2-40B4-BE49-F238E27FC236}">
+                <a16:creationId xmlns:a16="http://schemas.microsoft.com/office/drawing/2014/main" id="{C855DC51-EB63-D744-A5FE-183B0FC4C252}"/>
+              </a:ext>
+            </a:extLst>
+          </p:cNvPr>
+          <p:cNvSpPr/>
+          <p:nvPr/>
+        </p:nvSpPr>
+        <p:spPr>
+          <a:xfrm>
+            <a:off x="7289556" y="2436266"/>
+            <a:ext cx="467342" cy="272290"/>
+          </a:xfrm>
+          <a:prstGeom prst="roundRect">
+            <a:avLst/>
+          </a:prstGeom>
+          <a:solidFill>
+            <a:schemeClr val="accent5">
+              <a:lumMod val="60000"/>
+              <a:lumOff val="40000"/>
+            </a:schemeClr>
+          </a:solidFill>
+          <a:ln>
+            <a:solidFill>
+              <a:schemeClr val="tx1"/>
+            </a:solidFill>
+          </a:ln>
+        </p:spPr>
+        <p:style>
+          <a:lnRef idx="2">
+            <a:schemeClr val="accent1">
+              <a:shade val="50000"/>
+            </a:schemeClr>
+          </a:lnRef>
+          <a:fillRef idx="1">
+            <a:schemeClr val="accent1"/>
+          </a:fillRef>
+          <a:effectRef idx="0">
+            <a:schemeClr val="accent1"/>
+          </a:effectRef>
+          <a:fontRef idx="minor">
+            <a:schemeClr val="lt1"/>
+          </a:fontRef>
+        </p:style>
+        <p:txBody>
+          <a:bodyPr rtlCol="0" anchor="ctr"/>
+          <a:lstStyle/>
+          <a:p>
+            <a:pPr algn="ctr"/>
+            <a:r>
+              <a:rPr lang="en-US" sz="1400" dirty="0">
+                <a:solidFill>
+                  <a:schemeClr val="tx1"/>
+                </a:solidFill>
+              </a:rPr>
+              <a:t>Yes</a:t>
+            </a:r>
+          </a:p>
+        </p:txBody>
+      </p:sp>
+      <p:grpSp>
+        <p:nvGrpSpPr>
+          <p:cNvPr id="22" name="Group 21">
+            <a:extLst>
+              <a:ext uri="{FF2B5EF4-FFF2-40B4-BE49-F238E27FC236}">
+                <a16:creationId xmlns:a16="http://schemas.microsoft.com/office/drawing/2014/main" id="{B5446F60-3B9F-1A4C-B6D7-9FB847A7C60A}"/>
+              </a:ext>
+            </a:extLst>
+          </p:cNvPr>
+          <p:cNvGrpSpPr/>
+          <p:nvPr/>
+        </p:nvGrpSpPr>
+        <p:grpSpPr>
+          <a:xfrm>
+            <a:off x="4742758" y="732812"/>
+            <a:ext cx="2365940" cy="1185577"/>
+            <a:chOff x="4742758" y="820364"/>
+            <a:chExt cx="2365940" cy="1185577"/>
+          </a:xfrm>
+        </p:grpSpPr>
+        <p:sp>
+          <p:nvSpPr>
+            <p:cNvPr id="14" name="Rectangle 13">
+              <a:extLst>
+                <a:ext uri="{FF2B5EF4-FFF2-40B4-BE49-F238E27FC236}">
+                  <a16:creationId xmlns:a16="http://schemas.microsoft.com/office/drawing/2014/main" id="{F2B7E52E-6C32-894F-BBFA-4BBF9D357FE0}"/>
+                </a:ext>
+              </a:extLst>
+            </p:cNvPr>
+            <p:cNvSpPr/>
+            <p:nvPr/>
+          </p:nvSpPr>
+          <p:spPr>
+            <a:xfrm>
+              <a:off x="4742758" y="820364"/>
+              <a:ext cx="2365940" cy="1185577"/>
+            </a:xfrm>
+            <a:prstGeom prst="rect">
+              <a:avLst/>
+            </a:prstGeom>
+            <a:noFill/>
+            <a:ln>
+              <a:solidFill>
+                <a:schemeClr val="tx1"/>
+              </a:solidFill>
+            </a:ln>
+          </p:spPr>
+          <p:style>
+            <a:lnRef idx="2">
+              <a:schemeClr val="accent1">
+                <a:shade val="50000"/>
+              </a:schemeClr>
+            </a:lnRef>
+            <a:fillRef idx="1">
+              <a:schemeClr val="accent1"/>
+            </a:fillRef>
+            <a:effectRef idx="0">
+              <a:schemeClr val="accent1"/>
+            </a:effectRef>
+            <a:fontRef idx="minor">
+              <a:schemeClr val="lt1"/>
+            </a:fontRef>
+          </p:style>
+          <p:txBody>
+            <a:bodyPr rtlCol="0" anchor="ctr"/>
+            <a:lstStyle/>
+            <a:p>
+              <a:pPr algn="ctr"/>
+              <a:endParaRPr lang="en-US"/>
+            </a:p>
+          </p:txBody>
+        </p:sp>
+        <p:pic>
+          <p:nvPicPr>
+            <p:cNvPr id="3" name="Picture 2">
+              <a:extLst>
+                <a:ext uri="{FF2B5EF4-FFF2-40B4-BE49-F238E27FC236}">
+                  <a16:creationId xmlns:a16="http://schemas.microsoft.com/office/drawing/2014/main" id="{8DF4B0DF-3D36-4D48-B0F3-CD7DC93A27F0}"/>
+                </a:ext>
+              </a:extLst>
+            </p:cNvPr>
+            <p:cNvPicPr>
+              <a:picLocks noChangeAspect="1"/>
+            </p:cNvPicPr>
+            <p:nvPr/>
+          </p:nvPicPr>
+          <p:blipFill>
+            <a:blip r:embed="rId4"/>
+            <a:stretch>
+              <a:fillRect/>
+            </a:stretch>
+          </p:blipFill>
+          <p:spPr>
+            <a:xfrm>
+              <a:off x="5058185" y="829447"/>
+              <a:ext cx="1908545" cy="1143000"/>
+            </a:xfrm>
+            <a:prstGeom prst="rect">
+              <a:avLst/>
+            </a:prstGeom>
+          </p:spPr>
+        </p:pic>
+        <p:sp>
+          <p:nvSpPr>
+            <p:cNvPr id="7" name="TextBox 6">
+              <a:extLst>
+                <a:ext uri="{FF2B5EF4-FFF2-40B4-BE49-F238E27FC236}">
+                  <a16:creationId xmlns:a16="http://schemas.microsoft.com/office/drawing/2014/main" id="{B086702A-5EBA-3C44-B5EB-653FE0D17FF5}"/>
+                </a:ext>
+              </a:extLst>
+            </p:cNvPr>
+            <p:cNvSpPr txBox="1"/>
+            <p:nvPr/>
+          </p:nvSpPr>
+          <p:spPr>
+            <a:xfrm rot="16200000">
+              <a:off x="4525878" y="1247059"/>
+              <a:ext cx="845103" cy="307777"/>
+            </a:xfrm>
+            <a:prstGeom prst="rect">
+              <a:avLst/>
+            </a:prstGeom>
+            <a:noFill/>
+          </p:spPr>
+          <p:txBody>
+            <a:bodyPr wrap="none" rtlCol="0">
+              <a:spAutoFit/>
+            </a:bodyPr>
+            <a:lstStyle/>
+            <a:p>
+              <a:r>
+                <a:rPr lang="en-US" sz="1400" dirty="0"/>
+                <a:t>MEWMA</a:t>
+              </a:r>
+            </a:p>
+          </p:txBody>
+        </p:sp>
+      </p:grpSp>
+      <p:grpSp>
+        <p:nvGrpSpPr>
+          <p:cNvPr id="23" name="Group 22">
+            <a:extLst>
+              <a:ext uri="{FF2B5EF4-FFF2-40B4-BE49-F238E27FC236}">
+                <a16:creationId xmlns:a16="http://schemas.microsoft.com/office/drawing/2014/main" id="{25A37355-1C43-1D49-9966-8F4CE0E1EDFD}"/>
+              </a:ext>
+            </a:extLst>
+          </p:cNvPr>
+          <p:cNvGrpSpPr/>
+          <p:nvPr/>
+        </p:nvGrpSpPr>
+        <p:grpSpPr>
+          <a:xfrm>
+            <a:off x="4746681" y="1983583"/>
+            <a:ext cx="2365940" cy="1185577"/>
+            <a:chOff x="4746681" y="2071135"/>
+            <a:chExt cx="2365940" cy="1185577"/>
+          </a:xfrm>
+        </p:grpSpPr>
+        <p:sp>
+          <p:nvSpPr>
+            <p:cNvPr id="37" name="Rectangle 36">
+              <a:extLst>
+                <a:ext uri="{FF2B5EF4-FFF2-40B4-BE49-F238E27FC236}">
+                  <a16:creationId xmlns:a16="http://schemas.microsoft.com/office/drawing/2014/main" id="{6E2E468E-6436-1F4B-92B4-B8DBA1DE9DCA}"/>
+                </a:ext>
+              </a:extLst>
+            </p:cNvPr>
+            <p:cNvSpPr/>
+            <p:nvPr/>
+          </p:nvSpPr>
+          <p:spPr>
+            <a:xfrm>
+              <a:off x="4746681" y="2071135"/>
+              <a:ext cx="2365940" cy="1185577"/>
+            </a:xfrm>
+            <a:prstGeom prst="rect">
+              <a:avLst/>
+            </a:prstGeom>
+            <a:noFill/>
+            <a:ln>
+              <a:solidFill>
+                <a:schemeClr val="tx1"/>
+              </a:solidFill>
+            </a:ln>
+          </p:spPr>
+          <p:style>
+            <a:lnRef idx="2">
+              <a:schemeClr val="accent1">
+                <a:shade val="50000"/>
+              </a:schemeClr>
+            </a:lnRef>
+            <a:fillRef idx="1">
+              <a:schemeClr val="accent1"/>
+            </a:fillRef>
+            <a:effectRef idx="0">
+              <a:schemeClr val="accent1"/>
+            </a:effectRef>
+            <a:fontRef idx="minor">
+              <a:schemeClr val="lt1"/>
+            </a:fontRef>
+          </p:style>
+          <p:txBody>
+            <a:bodyPr rtlCol="0" anchor="ctr"/>
+            <a:lstStyle/>
+            <a:p>
+              <a:pPr algn="ctr"/>
+              <a:endParaRPr lang="en-US"/>
+            </a:p>
+          </p:txBody>
+        </p:sp>
+        <p:pic>
+          <p:nvPicPr>
+            <p:cNvPr id="38" name="Picture 37">
+              <a:extLst>
+                <a:ext uri="{FF2B5EF4-FFF2-40B4-BE49-F238E27FC236}">
+                  <a16:creationId xmlns:a16="http://schemas.microsoft.com/office/drawing/2014/main" id="{EBAFB552-715A-D64D-B850-C767B9E87B84}"/>
+                </a:ext>
+              </a:extLst>
+            </p:cNvPr>
+            <p:cNvPicPr>
+              <a:picLocks noChangeAspect="1"/>
+            </p:cNvPicPr>
+            <p:nvPr/>
+          </p:nvPicPr>
+          <p:blipFill>
+            <a:blip r:embed="rId5"/>
+            <a:srcRect/>
+            <a:stretch/>
+          </p:blipFill>
+          <p:spPr>
+            <a:xfrm>
+              <a:off x="4970181" y="2080218"/>
+              <a:ext cx="2000471" cy="1143000"/>
+            </a:xfrm>
+            <a:prstGeom prst="rect">
+              <a:avLst/>
+            </a:prstGeom>
+          </p:spPr>
+        </p:pic>
+        <p:sp>
+          <p:nvSpPr>
+            <p:cNvPr id="39" name="TextBox 38">
+              <a:extLst>
+                <a:ext uri="{FF2B5EF4-FFF2-40B4-BE49-F238E27FC236}">
+                  <a16:creationId xmlns:a16="http://schemas.microsoft.com/office/drawing/2014/main" id="{BCECAFD2-7703-BD4B-B9A4-417230B6BB24}"/>
+                </a:ext>
+              </a:extLst>
+            </p:cNvPr>
+            <p:cNvSpPr txBox="1"/>
+            <p:nvPr/>
+          </p:nvSpPr>
+          <p:spPr>
+            <a:xfrm rot="16200000">
+              <a:off x="4525878" y="2497830"/>
+              <a:ext cx="845103" cy="307777"/>
+            </a:xfrm>
+            <a:prstGeom prst="rect">
+              <a:avLst/>
+            </a:prstGeom>
+            <a:noFill/>
+          </p:spPr>
+          <p:txBody>
+            <a:bodyPr wrap="none" rtlCol="0">
+              <a:spAutoFit/>
+            </a:bodyPr>
+            <a:lstStyle/>
+            <a:p>
+              <a:r>
+                <a:rPr lang="en-US" sz="1400" dirty="0"/>
+                <a:t>MEWMA</a:t>
+              </a:r>
+            </a:p>
+          </p:txBody>
+        </p:sp>
+      </p:grpSp>
+    </p:spTree>
+    <p:extLst>
+      <p:ext uri="{BB962C8B-B14F-4D97-AF65-F5344CB8AC3E}">
+        <p14:creationId xmlns:p14="http://schemas.microsoft.com/office/powerpoint/2010/main" val="2476828899"/>
+      </p:ext>
+    </p:extLst>
+  </p:cSld>
+  <p:clrMapOvr>
+    <a:masterClrMapping/>
+  </p:clrMapOvr>
+</p:sld>
+</file>
+
+<file path=ppt/slides/slide4.xml><?xml version="1.0" encoding="utf-8"?>
+<p:sld xmlns:a="http://schemas.openxmlformats.org/drawingml/2006/main" xmlns:r="http://schemas.openxmlformats.org/officeDocument/2006/relationships" xmlns:p="http://schemas.openxmlformats.org/presentationml/2006/main">
+  <p:cSld>
+    <p:spTree>
+      <p:nvGrpSpPr>
+        <p:cNvPr id="1" name=""/>
+        <p:cNvGrpSpPr/>
+        <p:nvPr/>
+      </p:nvGrpSpPr>
+      <p:grpSpPr>
+        <a:xfrm>
+          <a:off x="0" y="0"/>
+          <a:ext cx="0" cy="0"/>
+          <a:chOff x="0" y="0"/>
+          <a:chExt cx="0" cy="0"/>
+        </a:xfrm>
+      </p:grpSpPr>
+      <p:pic>
+        <p:nvPicPr>
+          <p:cNvPr id="43" name="Picture 42">
+            <a:extLst>
+              <a:ext uri="{FF2B5EF4-FFF2-40B4-BE49-F238E27FC236}">
+                <a16:creationId xmlns:a16="http://schemas.microsoft.com/office/drawing/2014/main" id="{D48EDCA5-89C0-1046-9920-6500616BF51B}"/>
+              </a:ext>
+            </a:extLst>
+          </p:cNvPr>
+          <p:cNvPicPr>
+            <a:picLocks noChangeAspect="1"/>
+          </p:cNvPicPr>
+          <p:nvPr/>
+        </p:nvPicPr>
+        <p:blipFill>
+          <a:blip r:embed="rId2"/>
+          <a:srcRect/>
+          <a:stretch/>
+        </p:blipFill>
+        <p:spPr>
+          <a:xfrm>
+            <a:off x="5999247" y="560383"/>
+            <a:ext cx="1522033" cy="911523"/>
+          </a:xfrm>
+          <a:prstGeom prst="rect">
+            <a:avLst/>
+          </a:prstGeom>
+          <a:ln>
+            <a:solidFill>
+              <a:schemeClr val="tx1"/>
+            </a:solidFill>
+          </a:ln>
+        </p:spPr>
+      </p:pic>
+      <mc:AlternateContent xmlns:mc="http://schemas.openxmlformats.org/markup-compatibility/2006" xmlns:a14="http://schemas.microsoft.com/office/drawing/2010/main">
+        <mc:Choice Requires="a14">
+          <p:sp>
+            <p:nvSpPr>
+              <p:cNvPr id="12" name="TextBox 11">
+                <a:extLst>
+                  <a:ext uri="{FF2B5EF4-FFF2-40B4-BE49-F238E27FC236}">
+                    <a16:creationId xmlns:a16="http://schemas.microsoft.com/office/drawing/2014/main" id="{B769E38E-BB4A-874B-9920-B65D02AF338A}"/>
+                  </a:ext>
+                </a:extLst>
+              </p:cNvPr>
+              <p:cNvSpPr txBox="1"/>
+              <p:nvPr/>
+            </p:nvSpPr>
+            <p:spPr>
+              <a:xfrm>
+                <a:off x="2431412" y="1547513"/>
+                <a:ext cx="1436661" cy="549509"/>
+              </a:xfrm>
+              <a:prstGeom prst="rect">
+                <a:avLst/>
+              </a:prstGeom>
+              <a:solidFill>
+                <a:schemeClr val="accent6"/>
+              </a:solidFill>
+              <a:ln>
+                <a:solidFill>
+                  <a:schemeClr val="tx1"/>
+                </a:solidFill>
+              </a:ln>
+            </p:spPr>
+            <p:txBody>
+              <a:bodyPr wrap="square" rtlCol="0">
+                <a:spAutoFit/>
+              </a:bodyPr>
+              <a:lstStyle/>
+              <a:p>
+                <a:r>
+                  <a:rPr lang="en-US" sz="1400" dirty="0"/>
+                  <a:t>Phase-I Dataset: </a:t>
+                </a:r>
+                <a14:m>
+                  <m:oMath xmlns:m="http://schemas.openxmlformats.org/officeDocument/2006/math">
+                    <m:r>
+                      <m:rPr>
+                        <m:lit/>
+                      </m:rPr>
+                      <a:rPr lang="en-US" sz="1400" i="1">
+                        <a:latin typeface="Cambria Math" panose="02040503050406030204" pitchFamily="18" charset="0"/>
+                      </a:rPr>
+                      <m:t>{</m:t>
+                    </m:r>
+                    <m:d>
+                      <m:dPr>
+                        <m:ctrlPr>
+                          <a:rPr lang="en-US" sz="1400" i="1">
+                            <a:latin typeface="Cambria Math" panose="02040503050406030204" pitchFamily="18" charset="0"/>
+                          </a:rPr>
+                        </m:ctrlPr>
+                      </m:dPr>
+                      <m:e>
+                        <m:sSub>
+                          <m:sSubPr>
+                            <m:ctrlPr>
+                              <a:rPr lang="en-US" sz="1400" i="1">
+                                <a:latin typeface="Cambria Math" panose="02040503050406030204" pitchFamily="18" charset="0"/>
+                              </a:rPr>
+                            </m:ctrlPr>
+                          </m:sSubPr>
+                          <m:e>
+                            <m:r>
+                              <a:rPr lang="en-US" sz="1400" b="1" i="1">
+                                <a:latin typeface="Cambria Math" panose="02040503050406030204" pitchFamily="18" charset="0"/>
+                              </a:rPr>
+                              <m:t>𝒙</m:t>
+                            </m:r>
+                          </m:e>
+                          <m:sub>
+                            <m:r>
+                              <a:rPr lang="en-US" sz="1400" i="1">
+                                <a:latin typeface="Cambria Math" panose="02040503050406030204" pitchFamily="18" charset="0"/>
+                              </a:rPr>
+                              <m:t>𝑖</m:t>
+                            </m:r>
+                          </m:sub>
+                        </m:sSub>
+                        <m:r>
+                          <a:rPr lang="en-US" sz="1400" i="1">
+                            <a:latin typeface="Cambria Math" panose="02040503050406030204" pitchFamily="18" charset="0"/>
+                          </a:rPr>
+                          <m:t>, </m:t>
+                        </m:r>
+                        <m:sSub>
+                          <m:sSubPr>
+                            <m:ctrlPr>
+                              <a:rPr lang="en-US" sz="1400" i="1">
+                                <a:latin typeface="Cambria Math" panose="02040503050406030204" pitchFamily="18" charset="0"/>
+                              </a:rPr>
+                            </m:ctrlPr>
+                          </m:sSubPr>
+                          <m:e>
+                            <m:r>
+                              <a:rPr lang="en-US" sz="1400" i="1">
+                                <a:latin typeface="Cambria Math" panose="02040503050406030204" pitchFamily="18" charset="0"/>
+                              </a:rPr>
+                              <m:t>𝑦</m:t>
+                            </m:r>
+                          </m:e>
+                          <m:sub>
+                            <m:r>
+                              <a:rPr lang="en-US" sz="1400" i="1">
+                                <a:latin typeface="Cambria Math" panose="02040503050406030204" pitchFamily="18" charset="0"/>
+                              </a:rPr>
+                              <m:t>𝑖</m:t>
+                            </m:r>
+                          </m:sub>
+                        </m:sSub>
+                      </m:e>
+                    </m:d>
+                    <m:sSubSup>
+                      <m:sSubSupPr>
+                        <m:ctrlPr>
+                          <a:rPr lang="en-US" sz="1400" i="1">
+                            <a:latin typeface="Cambria Math" panose="02040503050406030204" pitchFamily="18" charset="0"/>
+                          </a:rPr>
+                        </m:ctrlPr>
+                      </m:sSubSupPr>
+                      <m:e>
+                        <m:r>
+                          <m:rPr>
+                            <m:lit/>
+                          </m:rPr>
+                          <a:rPr lang="en-US" sz="1400" i="1">
+                            <a:latin typeface="Cambria Math" panose="02040503050406030204" pitchFamily="18" charset="0"/>
+                          </a:rPr>
+                          <m:t>}</m:t>
+                        </m:r>
+                      </m:e>
+                      <m:sub>
+                        <m:r>
+                          <a:rPr lang="en-US" sz="1400" i="1">
+                            <a:latin typeface="Cambria Math" panose="02040503050406030204" pitchFamily="18" charset="0"/>
+                          </a:rPr>
+                          <m:t>𝑖</m:t>
+                        </m:r>
+                        <m:r>
+                          <a:rPr lang="en-US" sz="1400" i="1">
+                            <a:latin typeface="Cambria Math" panose="02040503050406030204" pitchFamily="18" charset="0"/>
+                          </a:rPr>
+                          <m:t>=</m:t>
+                        </m:r>
+                        <m:sSub>
+                          <m:sSubPr>
+                            <m:ctrlPr>
+                              <a:rPr lang="en-US" sz="1400" i="1">
+                                <a:latin typeface="Cambria Math" panose="02040503050406030204" pitchFamily="18" charset="0"/>
+                              </a:rPr>
+                            </m:ctrlPr>
+                          </m:sSubPr>
+                          <m:e>
+                            <m:r>
+                              <a:rPr lang="en-US" sz="1400" i="1">
+                                <a:latin typeface="Cambria Math" panose="02040503050406030204" pitchFamily="18" charset="0"/>
+                              </a:rPr>
+                              <m:t>𝑛</m:t>
+                            </m:r>
+                          </m:e>
+                          <m:sub>
+                            <m:r>
+                              <a:rPr lang="en-US" altLang="zh-CN" sz="1400" i="1">
+                                <a:latin typeface="Cambria Math" panose="02040503050406030204" pitchFamily="18" charset="0"/>
+                              </a:rPr>
+                              <m:t>1</m:t>
+                            </m:r>
+                          </m:sub>
+                        </m:sSub>
+                        <m:r>
+                          <a:rPr lang="en-US" altLang="zh-CN" sz="1400" i="1">
+                            <a:latin typeface="Cambria Math" panose="02040503050406030204" pitchFamily="18" charset="0"/>
+                          </a:rPr>
+                          <m:t>+</m:t>
+                        </m:r>
+                        <m:r>
+                          <a:rPr lang="en-US" sz="1400" i="1">
+                            <a:latin typeface="Cambria Math" panose="02040503050406030204" pitchFamily="18" charset="0"/>
+                          </a:rPr>
+                          <m:t>1</m:t>
+                        </m:r>
+                      </m:sub>
+                      <m:sup>
+                        <m:r>
+                          <a:rPr lang="en-US" sz="1400" i="1">
+                            <a:latin typeface="Cambria Math" panose="02040503050406030204" pitchFamily="18" charset="0"/>
+                          </a:rPr>
+                          <m:t>𝑛</m:t>
+                        </m:r>
+                      </m:sup>
+                    </m:sSubSup>
+                  </m:oMath>
+                </a14:m>
+                <a:endParaRPr lang="en-US" sz="1400" dirty="0"/>
+              </a:p>
+            </p:txBody>
+          </p:sp>
+        </mc:Choice>
+        <mc:Fallback xmlns="">
+          <p:sp>
+            <p:nvSpPr>
+              <p:cNvPr id="12" name="TextBox 11">
+                <a:extLst>
+                  <a:ext uri="{FF2B5EF4-FFF2-40B4-BE49-F238E27FC236}">
+                    <a16:creationId xmlns:a16="http://schemas.microsoft.com/office/drawing/2014/main" id="{B769E38E-BB4A-874B-9920-B65D02AF338A}"/>
+                  </a:ext>
+                </a:extLst>
+              </p:cNvPr>
+              <p:cNvSpPr txBox="1">
+                <a:spLocks noRot="1" noChangeAspect="1" noMove="1" noResize="1" noEditPoints="1" noAdjustHandles="1" noChangeArrowheads="1" noChangeShapeType="1" noTextEdit="1"/>
+              </p:cNvSpPr>
+              <p:nvPr/>
+            </p:nvSpPr>
+            <p:spPr>
+              <a:xfrm>
+                <a:off x="2431412" y="1547513"/>
+                <a:ext cx="1436661" cy="549509"/>
+              </a:xfrm>
+              <a:prstGeom prst="rect">
+                <a:avLst/>
+              </a:prstGeom>
+              <a:blipFill>
+                <a:blip r:embed="rId3"/>
+                <a:stretch>
+                  <a:fillRect t="-2222"/>
+                </a:stretch>
+              </a:blipFill>
+              <a:ln>
+                <a:solidFill>
+                  <a:schemeClr val="tx1"/>
+                </a:solidFill>
+              </a:ln>
+            </p:spPr>
+            <p:txBody>
+              <a:bodyPr/>
+              <a:lstStyle/>
+              <a:p>
+                <a:r>
+                  <a:rPr lang="en-US">
+                    <a:noFill/>
+                  </a:rPr>
+                  <a:t> </a:t>
+                </a:r>
+              </a:p>
+            </p:txBody>
+          </p:sp>
+        </mc:Fallback>
+      </mc:AlternateContent>
+      <mc:AlternateContent xmlns:mc="http://schemas.openxmlformats.org/markup-compatibility/2006" xmlns:a14="http://schemas.microsoft.com/office/drawing/2010/main">
+        <mc:Choice Requires="a14">
+          <p:sp>
+            <p:nvSpPr>
+              <p:cNvPr id="9" name="TextBox 8">
+                <a:extLst>
+                  <a:ext uri="{FF2B5EF4-FFF2-40B4-BE49-F238E27FC236}">
+                    <a16:creationId xmlns:a16="http://schemas.microsoft.com/office/drawing/2014/main" id="{D71D5991-F741-3342-84D4-BBB622BA6CD9}"/>
+                  </a:ext>
+                </a:extLst>
+              </p:cNvPr>
+              <p:cNvSpPr txBox="1"/>
+              <p:nvPr/>
+            </p:nvSpPr>
+            <p:spPr>
+              <a:xfrm>
+                <a:off x="2431413" y="811859"/>
+                <a:ext cx="1436660" cy="551498"/>
+              </a:xfrm>
+              <a:prstGeom prst="rect">
+                <a:avLst/>
+              </a:prstGeom>
+              <a:solidFill>
+                <a:schemeClr val="accent6"/>
+              </a:solidFill>
+              <a:ln>
+                <a:solidFill>
+                  <a:schemeClr val="tx1"/>
+                </a:solidFill>
+              </a:ln>
+            </p:spPr>
+            <p:txBody>
+              <a:bodyPr wrap="square" rtlCol="0">
+                <a:spAutoFit/>
+              </a:bodyPr>
+              <a:lstStyle/>
+              <a:p>
+                <a:r>
+                  <a:rPr lang="en-US" sz="1400" dirty="0"/>
+                  <a:t>Training Dataset: </a:t>
+                </a:r>
+                <a14:m>
+                  <m:oMath xmlns:m="http://schemas.openxmlformats.org/officeDocument/2006/math">
+                    <m:r>
+                      <m:rPr>
+                        <m:lit/>
+                      </m:rPr>
+                      <a:rPr lang="en-US" sz="1400" i="1">
+                        <a:latin typeface="Cambria Math" panose="02040503050406030204" pitchFamily="18" charset="0"/>
+                      </a:rPr>
+                      <m:t>{</m:t>
+                    </m:r>
+                    <m:d>
+                      <m:dPr>
+                        <m:ctrlPr>
+                          <a:rPr lang="en-US" sz="1400" i="1">
+                            <a:latin typeface="Cambria Math" panose="02040503050406030204" pitchFamily="18" charset="0"/>
+                          </a:rPr>
+                        </m:ctrlPr>
+                      </m:dPr>
+                      <m:e>
+                        <m:sSub>
+                          <m:sSubPr>
+                            <m:ctrlPr>
+                              <a:rPr lang="en-US" sz="1400" i="1">
+                                <a:latin typeface="Cambria Math" panose="02040503050406030204" pitchFamily="18" charset="0"/>
+                              </a:rPr>
+                            </m:ctrlPr>
+                          </m:sSubPr>
+                          <m:e>
+                            <m:r>
+                              <a:rPr lang="en-US" sz="1400" b="1" i="1">
+                                <a:latin typeface="Cambria Math" panose="02040503050406030204" pitchFamily="18" charset="0"/>
+                              </a:rPr>
+                              <m:t>𝒙</m:t>
+                            </m:r>
+                          </m:e>
+                          <m:sub>
+                            <m:r>
+                              <a:rPr lang="en-US" sz="1400" i="1">
+                                <a:latin typeface="Cambria Math" panose="02040503050406030204" pitchFamily="18" charset="0"/>
+                              </a:rPr>
+                              <m:t>𝑖</m:t>
+                            </m:r>
+                          </m:sub>
+                        </m:sSub>
+                        <m:r>
+                          <a:rPr lang="en-US" sz="1400" i="1">
+                            <a:latin typeface="Cambria Math" panose="02040503050406030204" pitchFamily="18" charset="0"/>
+                          </a:rPr>
+                          <m:t>, </m:t>
+                        </m:r>
+                        <m:sSub>
+                          <m:sSubPr>
+                            <m:ctrlPr>
+                              <a:rPr lang="en-US" sz="1400" i="1">
+                                <a:latin typeface="Cambria Math" panose="02040503050406030204" pitchFamily="18" charset="0"/>
+                              </a:rPr>
+                            </m:ctrlPr>
+                          </m:sSubPr>
+                          <m:e>
+                            <m:r>
+                              <a:rPr lang="en-US" sz="1400" i="1">
+                                <a:latin typeface="Cambria Math" panose="02040503050406030204" pitchFamily="18" charset="0"/>
+                              </a:rPr>
+                              <m:t>𝑦</m:t>
+                            </m:r>
+                          </m:e>
+                          <m:sub>
+                            <m:r>
+                              <a:rPr lang="en-US" sz="1400" i="1">
+                                <a:latin typeface="Cambria Math" panose="02040503050406030204" pitchFamily="18" charset="0"/>
+                              </a:rPr>
+                              <m:t>𝑖</m:t>
+                            </m:r>
+                          </m:sub>
+                        </m:sSub>
+                      </m:e>
+                    </m:d>
+                    <m:sSubSup>
+                      <m:sSubSupPr>
+                        <m:ctrlPr>
+                          <a:rPr lang="en-US" sz="1400" i="1">
+                            <a:latin typeface="Cambria Math" panose="02040503050406030204" pitchFamily="18" charset="0"/>
+                          </a:rPr>
+                        </m:ctrlPr>
+                      </m:sSubSupPr>
+                      <m:e>
+                        <m:r>
+                          <m:rPr>
+                            <m:lit/>
+                          </m:rPr>
+                          <a:rPr lang="en-US" sz="1400" i="1">
+                            <a:latin typeface="Cambria Math" panose="02040503050406030204" pitchFamily="18" charset="0"/>
+                          </a:rPr>
+                          <m:t>}</m:t>
+                        </m:r>
+                      </m:e>
+                      <m:sub>
+                        <m:r>
+                          <a:rPr lang="en-US" sz="1400" i="1">
+                            <a:latin typeface="Cambria Math" panose="02040503050406030204" pitchFamily="18" charset="0"/>
+                          </a:rPr>
+                          <m:t>𝑖</m:t>
+                        </m:r>
+                        <m:r>
+                          <a:rPr lang="en-US" sz="1400" i="1">
+                            <a:latin typeface="Cambria Math" panose="02040503050406030204" pitchFamily="18" charset="0"/>
+                          </a:rPr>
+                          <m:t>=1</m:t>
+                        </m:r>
+                      </m:sub>
+                      <m:sup>
+                        <m:sSub>
+                          <m:sSubPr>
+                            <m:ctrlPr>
+                              <a:rPr lang="en-US" sz="1400" i="1">
+                                <a:latin typeface="Cambria Math" panose="02040503050406030204" pitchFamily="18" charset="0"/>
+                              </a:rPr>
+                            </m:ctrlPr>
+                          </m:sSubPr>
+                          <m:e>
+                            <m:r>
+                              <a:rPr lang="en-US" sz="1400" i="1">
+                                <a:latin typeface="Cambria Math" panose="02040503050406030204" pitchFamily="18" charset="0"/>
+                              </a:rPr>
+                              <m:t>𝑛</m:t>
+                            </m:r>
+                          </m:e>
+                          <m:sub>
+                            <m:r>
+                              <a:rPr lang="en-US" sz="1400" i="1">
+                                <a:latin typeface="Cambria Math" panose="02040503050406030204" pitchFamily="18" charset="0"/>
+                              </a:rPr>
+                              <m:t>1</m:t>
+                            </m:r>
+                          </m:sub>
+                        </m:sSub>
+                      </m:sup>
+                    </m:sSubSup>
+                  </m:oMath>
+                </a14:m>
+                <a:endParaRPr lang="en-US" sz="1400" dirty="0"/>
+              </a:p>
+            </p:txBody>
+          </p:sp>
+        </mc:Choice>
+        <mc:Fallback xmlns="">
+          <p:sp>
+            <p:nvSpPr>
+              <p:cNvPr id="9" name="TextBox 8">
+                <a:extLst>
+                  <a:ext uri="{FF2B5EF4-FFF2-40B4-BE49-F238E27FC236}">
+                    <a16:creationId xmlns:a16="http://schemas.microsoft.com/office/drawing/2014/main" id="{D71D5991-F741-3342-84D4-BBB622BA6CD9}"/>
+                  </a:ext>
+                </a:extLst>
+              </p:cNvPr>
+              <p:cNvSpPr txBox="1">
+                <a:spLocks noRot="1" noChangeAspect="1" noMove="1" noResize="1" noEditPoints="1" noAdjustHandles="1" noChangeArrowheads="1" noChangeShapeType="1" noTextEdit="1"/>
+              </p:cNvSpPr>
+              <p:nvPr/>
+            </p:nvSpPr>
+            <p:spPr>
+              <a:xfrm>
+                <a:off x="2431413" y="811859"/>
+                <a:ext cx="1436660" cy="551498"/>
+              </a:xfrm>
+              <a:prstGeom prst="rect">
+                <a:avLst/>
+              </a:prstGeom>
+              <a:blipFill>
+                <a:blip r:embed="rId4"/>
+                <a:stretch>
+                  <a:fillRect t="-2222"/>
+                </a:stretch>
+              </a:blipFill>
+              <a:ln>
+                <a:solidFill>
+                  <a:schemeClr val="tx1"/>
+                </a:solidFill>
+              </a:ln>
+            </p:spPr>
+            <p:txBody>
+              <a:bodyPr/>
+              <a:lstStyle/>
+              <a:p>
+                <a:r>
+                  <a:rPr lang="en-US">
+                    <a:noFill/>
+                  </a:rPr>
+                  <a:t> </a:t>
+                </a:r>
+              </a:p>
+            </p:txBody>
+          </p:sp>
+        </mc:Fallback>
+      </mc:AlternateContent>
+      <p:cxnSp>
+        <p:nvCxnSpPr>
+          <p:cNvPr id="6" name="Straight Arrow Connector 5">
+            <a:extLst>
+              <a:ext uri="{FF2B5EF4-FFF2-40B4-BE49-F238E27FC236}">
+                <a16:creationId xmlns:a16="http://schemas.microsoft.com/office/drawing/2014/main" id="{49C806A0-813B-D241-8A1A-FF670D4FBA80}"/>
+              </a:ext>
+            </a:extLst>
+          </p:cNvPr>
+          <p:cNvCxnSpPr>
+            <a:cxnSpLocks/>
+            <a:stCxn id="5" idx="3"/>
+            <a:endCxn id="9" idx="1"/>
+          </p:cNvCxnSpPr>
+          <p:nvPr/>
+        </p:nvCxnSpPr>
+        <p:spPr>
+          <a:xfrm flipV="1">
+            <a:off x="2102181" y="1087608"/>
+            <a:ext cx="329232" cy="405982"/>
+          </a:xfrm>
+          <a:prstGeom prst="straightConnector1">
+            <a:avLst/>
+          </a:prstGeom>
+          <a:ln w="28575">
+            <a:solidFill>
+              <a:schemeClr val="tx1"/>
+            </a:solidFill>
+            <a:tailEnd type="triangle"/>
+          </a:ln>
+        </p:spPr>
+        <p:style>
+          <a:lnRef idx="1">
+            <a:schemeClr val="accent1"/>
+          </a:lnRef>
+          <a:fillRef idx="0">
+            <a:schemeClr val="accent1"/>
+          </a:fillRef>
+          <a:effectRef idx="0">
+            <a:schemeClr val="accent1"/>
+          </a:effectRef>
+          <a:fontRef idx="minor">
+            <a:schemeClr val="tx1"/>
+          </a:fontRef>
+        </p:style>
+      </p:cxnSp>
+      <p:cxnSp>
+        <p:nvCxnSpPr>
+          <p:cNvPr id="17" name="Straight Arrow Connector 16">
+            <a:extLst>
+              <a:ext uri="{FF2B5EF4-FFF2-40B4-BE49-F238E27FC236}">
+                <a16:creationId xmlns:a16="http://schemas.microsoft.com/office/drawing/2014/main" id="{1EC5E9C2-E2D6-7E43-9896-CE98A068092E}"/>
+              </a:ext>
+            </a:extLst>
+          </p:cNvPr>
+          <p:cNvCxnSpPr>
+            <a:cxnSpLocks/>
+            <a:stCxn id="9" idx="3"/>
+            <a:endCxn id="19" idx="1"/>
+          </p:cNvCxnSpPr>
+          <p:nvPr/>
+        </p:nvCxnSpPr>
+        <p:spPr>
+          <a:xfrm>
+            <a:off x="3868073" y="1087608"/>
+            <a:ext cx="634340" cy="405983"/>
+          </a:xfrm>
+          <a:prstGeom prst="straightConnector1">
+            <a:avLst/>
+          </a:prstGeom>
+          <a:ln w="28575">
+            <a:solidFill>
+              <a:schemeClr val="tx1"/>
+            </a:solidFill>
+            <a:tailEnd type="triangle"/>
+          </a:ln>
+        </p:spPr>
+        <p:style>
+          <a:lnRef idx="1">
+            <a:schemeClr val="accent1"/>
+          </a:lnRef>
+          <a:fillRef idx="0">
+            <a:schemeClr val="accent1"/>
+          </a:fillRef>
+          <a:effectRef idx="0">
+            <a:schemeClr val="accent1"/>
+          </a:effectRef>
+          <a:fontRef idx="minor">
+            <a:schemeClr val="tx1"/>
+          </a:fontRef>
+        </p:style>
+      </p:cxnSp>
+      <p:cxnSp>
+        <p:nvCxnSpPr>
+          <p:cNvPr id="45" name="Straight Arrow Connector 44">
+            <a:extLst>
+              <a:ext uri="{FF2B5EF4-FFF2-40B4-BE49-F238E27FC236}">
+                <a16:creationId xmlns:a16="http://schemas.microsoft.com/office/drawing/2014/main" id="{5D9D6A46-5B4C-AC40-9697-DF13E525C583}"/>
+              </a:ext>
+            </a:extLst>
+          </p:cNvPr>
+          <p:cNvCxnSpPr>
+            <a:cxnSpLocks/>
+            <a:stCxn id="12" idx="3"/>
+            <a:endCxn id="19" idx="1"/>
+          </p:cNvCxnSpPr>
+          <p:nvPr/>
+        </p:nvCxnSpPr>
+        <p:spPr>
+          <a:xfrm flipV="1">
+            <a:off x="3868073" y="1493591"/>
+            <a:ext cx="634340" cy="328677"/>
+          </a:xfrm>
+          <a:prstGeom prst="straightConnector1">
+            <a:avLst/>
+          </a:prstGeom>
+          <a:ln w="28575">
+            <a:solidFill>
+              <a:schemeClr val="tx1"/>
+            </a:solidFill>
+            <a:tailEnd type="triangle"/>
+          </a:ln>
+        </p:spPr>
+        <p:style>
+          <a:lnRef idx="1">
+            <a:schemeClr val="accent1"/>
+          </a:lnRef>
+          <a:fillRef idx="0">
+            <a:schemeClr val="accent1"/>
+          </a:fillRef>
+          <a:effectRef idx="0">
+            <a:schemeClr val="accent1"/>
+          </a:effectRef>
+          <a:fontRef idx="minor">
+            <a:schemeClr val="tx1"/>
+          </a:fontRef>
+        </p:style>
+      </p:cxnSp>
+      <p:sp>
+        <p:nvSpPr>
+          <p:cNvPr id="19" name="Rounded Rectangle 18">
+            <a:extLst>
+              <a:ext uri="{FF2B5EF4-FFF2-40B4-BE49-F238E27FC236}">
+                <a16:creationId xmlns:a16="http://schemas.microsoft.com/office/drawing/2014/main" id="{137FB4BA-8BFD-704E-B6BA-915F83B40ACF}"/>
+              </a:ext>
+            </a:extLst>
+          </p:cNvPr>
+          <p:cNvSpPr/>
+          <p:nvPr/>
+        </p:nvSpPr>
+        <p:spPr>
+          <a:xfrm>
+            <a:off x="4502413" y="1353235"/>
+            <a:ext cx="782845" cy="280711"/>
+          </a:xfrm>
+          <a:prstGeom prst="roundRect">
+            <a:avLst/>
+          </a:prstGeom>
+          <a:solidFill>
+            <a:schemeClr val="accent4">
+              <a:lumMod val="20000"/>
+              <a:lumOff val="80000"/>
+            </a:schemeClr>
+          </a:solidFill>
+          <a:ln>
+            <a:solidFill>
+              <a:schemeClr val="tx1"/>
+            </a:solidFill>
+          </a:ln>
+        </p:spPr>
+        <p:style>
+          <a:lnRef idx="2">
+            <a:schemeClr val="accent1">
+              <a:shade val="50000"/>
+            </a:schemeClr>
+          </a:lnRef>
+          <a:fillRef idx="1">
+            <a:schemeClr val="accent1"/>
+          </a:fillRef>
+          <a:effectRef idx="0">
+            <a:schemeClr val="accent1"/>
+          </a:effectRef>
+          <a:fontRef idx="minor">
+            <a:schemeClr val="lt1"/>
+          </a:fontRef>
+        </p:style>
+        <p:txBody>
+          <a:bodyPr rtlCol="0" anchor="ctr"/>
+          <a:lstStyle/>
+          <a:p>
+            <a:pPr algn="ctr"/>
+            <a:r>
+              <a:rPr lang="en-US" sz="1400" dirty="0">
+                <a:solidFill>
+                  <a:schemeClr val="tx1"/>
+                </a:solidFill>
+              </a:rPr>
+              <a:t>Model</a:t>
+            </a:r>
+          </a:p>
+        </p:txBody>
+      </p:sp>
+      <p:cxnSp>
+        <p:nvCxnSpPr>
+          <p:cNvPr id="48" name="Straight Arrow Connector 47">
+            <a:extLst>
+              <a:ext uri="{FF2B5EF4-FFF2-40B4-BE49-F238E27FC236}">
+                <a16:creationId xmlns:a16="http://schemas.microsoft.com/office/drawing/2014/main" id="{BFEF1553-7ACA-6448-AE5A-C23C6984DBC5}"/>
+              </a:ext>
+            </a:extLst>
+          </p:cNvPr>
+          <p:cNvCxnSpPr>
+            <a:cxnSpLocks/>
+            <a:stCxn id="43" idx="2"/>
+            <a:endCxn id="40" idx="0"/>
+          </p:cNvCxnSpPr>
+          <p:nvPr/>
+        </p:nvCxnSpPr>
+        <p:spPr>
+          <a:xfrm>
+            <a:off x="6760264" y="1474177"/>
+            <a:ext cx="0" cy="215787"/>
+          </a:xfrm>
+          <a:prstGeom prst="straightConnector1">
+            <a:avLst/>
+          </a:prstGeom>
+          <a:ln w="28575">
+            <a:solidFill>
+              <a:schemeClr val="tx1"/>
+            </a:solidFill>
+            <a:tailEnd type="triangle"/>
+          </a:ln>
+        </p:spPr>
+        <p:style>
+          <a:lnRef idx="1">
+            <a:schemeClr val="accent1"/>
+          </a:lnRef>
+          <a:fillRef idx="0">
+            <a:schemeClr val="accent1"/>
+          </a:fillRef>
+          <a:effectRef idx="0">
+            <a:schemeClr val="accent1"/>
+          </a:effectRef>
+          <a:fontRef idx="minor">
+            <a:schemeClr val="tx1"/>
+          </a:fontRef>
+        </p:style>
+      </p:cxnSp>
+      <p:pic>
+        <p:nvPicPr>
+          <p:cNvPr id="81" name="Picture 80">
+            <a:extLst>
+              <a:ext uri="{FF2B5EF4-FFF2-40B4-BE49-F238E27FC236}">
+                <a16:creationId xmlns:a16="http://schemas.microsoft.com/office/drawing/2014/main" id="{A755851F-4D9D-CE4B-863E-DC9E1672196F}"/>
+              </a:ext>
+            </a:extLst>
+          </p:cNvPr>
+          <p:cNvPicPr>
+            <a:picLocks noChangeAspect="1"/>
+          </p:cNvPicPr>
+          <p:nvPr/>
+        </p:nvPicPr>
+        <p:blipFill>
+          <a:blip r:embed="rId5"/>
+          <a:srcRect/>
+          <a:stretch/>
+        </p:blipFill>
+        <p:spPr>
+          <a:xfrm>
+            <a:off x="929322" y="2543278"/>
+            <a:ext cx="1429746" cy="856254"/>
+          </a:xfrm>
+          <a:prstGeom prst="rect">
+            <a:avLst/>
+          </a:prstGeom>
+          <a:ln w="6350">
+            <a:solidFill>
+              <a:schemeClr val="tx1"/>
+            </a:solidFill>
+          </a:ln>
+        </p:spPr>
+      </p:pic>
+      <p:sp>
+        <p:nvSpPr>
+          <p:cNvPr id="73" name="TextBox 72">
+            <a:extLst>
+              <a:ext uri="{FF2B5EF4-FFF2-40B4-BE49-F238E27FC236}">
+                <a16:creationId xmlns:a16="http://schemas.microsoft.com/office/drawing/2014/main" id="{6F7EB666-A889-4C4F-BAE1-3040939C05D1}"/>
+              </a:ext>
+            </a:extLst>
+          </p:cNvPr>
+          <p:cNvSpPr txBox="1"/>
+          <p:nvPr/>
+        </p:nvSpPr>
+        <p:spPr>
+          <a:xfrm>
+            <a:off x="1263546" y="3353725"/>
+            <a:ext cx="761299" cy="307777"/>
+          </a:xfrm>
+          <a:prstGeom prst="rect">
+            <a:avLst/>
+          </a:prstGeom>
+          <a:noFill/>
+        </p:spPr>
+        <p:txBody>
+          <a:bodyPr wrap="none" rtlCol="0">
+            <a:spAutoFit/>
+          </a:bodyPr>
+          <a:lstStyle/>
+          <a:p>
+            <a:r>
+              <a:rPr lang="en-US" sz="1400" dirty="0"/>
+              <a:t>Gradual</a:t>
+            </a:r>
+          </a:p>
+        </p:txBody>
+      </p:sp>
+      <p:pic>
+        <p:nvPicPr>
+          <p:cNvPr id="86" name="Picture 85">
+            <a:extLst>
+              <a:ext uri="{FF2B5EF4-FFF2-40B4-BE49-F238E27FC236}">
+                <a16:creationId xmlns:a16="http://schemas.microsoft.com/office/drawing/2014/main" id="{4B0A9A9A-EB5D-F54E-BD9F-5FFA0145E724}"/>
+              </a:ext>
+            </a:extLst>
+          </p:cNvPr>
+          <p:cNvPicPr>
+            <a:picLocks noChangeAspect="1"/>
+          </p:cNvPicPr>
+          <p:nvPr/>
+        </p:nvPicPr>
+        <p:blipFill>
+          <a:blip r:embed="rId6"/>
+          <a:srcRect/>
+          <a:stretch/>
+        </p:blipFill>
+        <p:spPr>
+          <a:xfrm>
+            <a:off x="3324279" y="2543279"/>
+            <a:ext cx="1429745" cy="856253"/>
+          </a:xfrm>
+          <a:prstGeom prst="rect">
+            <a:avLst/>
+          </a:prstGeom>
+          <a:ln w="6350">
+            <a:solidFill>
+              <a:schemeClr val="tx1"/>
+            </a:solidFill>
+          </a:ln>
+        </p:spPr>
+      </p:pic>
+      <p:sp>
+        <p:nvSpPr>
+          <p:cNvPr id="74" name="TextBox 73">
+            <a:extLst>
+              <a:ext uri="{FF2B5EF4-FFF2-40B4-BE49-F238E27FC236}">
+                <a16:creationId xmlns:a16="http://schemas.microsoft.com/office/drawing/2014/main" id="{D55780FA-4F1F-3342-8DA9-E19A7601CC6F}"/>
+              </a:ext>
+            </a:extLst>
+          </p:cNvPr>
+          <p:cNvSpPr txBox="1"/>
+          <p:nvPr/>
+        </p:nvSpPr>
+        <p:spPr>
+          <a:xfrm>
+            <a:off x="3691524" y="3353725"/>
+            <a:ext cx="695255" cy="307777"/>
+          </a:xfrm>
+          <a:prstGeom prst="rect">
+            <a:avLst/>
+          </a:prstGeom>
+          <a:noFill/>
+        </p:spPr>
+        <p:txBody>
+          <a:bodyPr wrap="none" rtlCol="0">
+            <a:spAutoFit/>
+          </a:bodyPr>
+          <a:lstStyle/>
+          <a:p>
+            <a:r>
+              <a:rPr lang="en-US" sz="1400" dirty="0"/>
+              <a:t>Abrupt</a:t>
+            </a:r>
+          </a:p>
+        </p:txBody>
+      </p:sp>
+      <p:sp>
+        <p:nvSpPr>
+          <p:cNvPr id="75" name="TextBox 74">
+            <a:extLst>
+              <a:ext uri="{FF2B5EF4-FFF2-40B4-BE49-F238E27FC236}">
+                <a16:creationId xmlns:a16="http://schemas.microsoft.com/office/drawing/2014/main" id="{0B8AA886-D242-6048-90F8-6954B30993B9}"/>
+              </a:ext>
+            </a:extLst>
+          </p:cNvPr>
+          <p:cNvSpPr txBox="1"/>
+          <p:nvPr/>
+        </p:nvSpPr>
+        <p:spPr>
+          <a:xfrm>
+            <a:off x="5974559" y="3353725"/>
+            <a:ext cx="919098" cy="307777"/>
+          </a:xfrm>
+          <a:prstGeom prst="rect">
+            <a:avLst/>
+          </a:prstGeom>
+          <a:noFill/>
+        </p:spPr>
+        <p:txBody>
+          <a:bodyPr wrap="none" rtlCol="0">
+            <a:spAutoFit/>
+          </a:bodyPr>
+          <a:lstStyle/>
+          <a:p>
+            <a:r>
+              <a:rPr lang="en-US" sz="1400" dirty="0"/>
+              <a:t>In-Control</a:t>
+            </a:r>
+          </a:p>
+        </p:txBody>
+      </p:sp>
+      <p:pic>
+        <p:nvPicPr>
+          <p:cNvPr id="90" name="Picture 89">
+            <a:extLst>
+              <a:ext uri="{FF2B5EF4-FFF2-40B4-BE49-F238E27FC236}">
+                <a16:creationId xmlns:a16="http://schemas.microsoft.com/office/drawing/2014/main" id="{20F0A21B-10A6-6948-B09B-46F47EE3AD93}"/>
+              </a:ext>
+            </a:extLst>
+          </p:cNvPr>
+          <p:cNvPicPr>
+            <a:picLocks noChangeAspect="1"/>
+          </p:cNvPicPr>
+          <p:nvPr/>
+        </p:nvPicPr>
+        <p:blipFill>
+          <a:blip r:embed="rId7"/>
+          <a:srcRect/>
+          <a:stretch/>
+        </p:blipFill>
+        <p:spPr>
+          <a:xfrm>
+            <a:off x="5719237" y="2543279"/>
+            <a:ext cx="1429743" cy="856253"/>
+          </a:xfrm>
+          <a:prstGeom prst="rect">
+            <a:avLst/>
+          </a:prstGeom>
+          <a:ln w="6350">
+            <a:solidFill>
+              <a:schemeClr val="tx1"/>
+            </a:solidFill>
+          </a:ln>
+        </p:spPr>
+      </p:pic>
+      <p:cxnSp>
+        <p:nvCxnSpPr>
+          <p:cNvPr id="13" name="Straight Arrow Connector 12">
+            <a:extLst>
+              <a:ext uri="{FF2B5EF4-FFF2-40B4-BE49-F238E27FC236}">
+                <a16:creationId xmlns:a16="http://schemas.microsoft.com/office/drawing/2014/main" id="{AB12DE88-3BCC-5840-A00B-73EB3D8DD482}"/>
+              </a:ext>
+            </a:extLst>
+          </p:cNvPr>
+          <p:cNvCxnSpPr>
+            <a:cxnSpLocks/>
+            <a:stCxn id="5" idx="3"/>
+            <a:endCxn id="12" idx="1"/>
+          </p:cNvCxnSpPr>
+          <p:nvPr/>
+        </p:nvCxnSpPr>
+        <p:spPr>
+          <a:xfrm>
+            <a:off x="2102181" y="1493590"/>
+            <a:ext cx="329231" cy="328678"/>
+          </a:xfrm>
+          <a:prstGeom prst="straightConnector1">
+            <a:avLst/>
+          </a:prstGeom>
+          <a:ln w="28575">
+            <a:solidFill>
+              <a:schemeClr val="tx1"/>
+            </a:solidFill>
+            <a:tailEnd type="triangle"/>
+          </a:ln>
+        </p:spPr>
+        <p:style>
+          <a:lnRef idx="1">
+            <a:schemeClr val="accent1"/>
+          </a:lnRef>
+          <a:fillRef idx="0">
+            <a:schemeClr val="accent1"/>
+          </a:fillRef>
+          <a:effectRef idx="0">
+            <a:schemeClr val="accent1"/>
+          </a:effectRef>
+          <a:fontRef idx="minor">
+            <a:schemeClr val="tx1"/>
+          </a:fontRef>
+        </p:style>
+      </p:cxnSp>
+      <mc:AlternateContent xmlns:mc="http://schemas.openxmlformats.org/markup-compatibility/2006" xmlns:a14="http://schemas.microsoft.com/office/drawing/2010/main">
+        <mc:Choice Requires="a14">
+          <p:sp>
+            <p:nvSpPr>
+              <p:cNvPr id="5" name="TextBox 4">
+                <a:extLst>
+                  <a:ext uri="{FF2B5EF4-FFF2-40B4-BE49-F238E27FC236}">
+                    <a16:creationId xmlns:a16="http://schemas.microsoft.com/office/drawing/2014/main" id="{7100BC10-7CEF-A947-81B8-16607851B162}"/>
+                  </a:ext>
+                </a:extLst>
+              </p:cNvPr>
+              <p:cNvSpPr txBox="1"/>
+              <p:nvPr/>
+            </p:nvSpPr>
+            <p:spPr>
+              <a:xfrm>
+                <a:off x="514090" y="1231595"/>
+                <a:ext cx="1588091" cy="523990"/>
+              </a:xfrm>
+              <a:prstGeom prst="rect">
+                <a:avLst/>
+              </a:prstGeom>
+              <a:solidFill>
+                <a:schemeClr val="accent6"/>
+              </a:solidFill>
+              <a:ln>
+                <a:solidFill>
+                  <a:schemeClr val="tx1"/>
+                </a:solidFill>
+              </a:ln>
+            </p:spPr>
+            <p:txBody>
+              <a:bodyPr wrap="square" rtlCol="0">
+                <a:spAutoFit/>
+              </a:bodyPr>
+              <a:lstStyle/>
+              <a:p>
+                <a:r>
+                  <a:rPr lang="en-US" sz="1400" dirty="0"/>
+                  <a:t>Stationary</a:t>
+                </a:r>
+                <a:r>
+                  <a:rPr lang="zh-CN" altLang="en-US" sz="1400" dirty="0"/>
+                  <a:t> </a:t>
+                </a:r>
+                <a:r>
+                  <a:rPr lang="en-US" sz="1400" dirty="0"/>
+                  <a:t>Dataset: </a:t>
+                </a:r>
+                <a14:m>
+                  <m:oMath xmlns:m="http://schemas.openxmlformats.org/officeDocument/2006/math">
+                    <m:r>
+                      <m:rPr>
+                        <m:lit/>
+                      </m:rPr>
+                      <a:rPr lang="en-US" sz="1400" i="1">
+                        <a:latin typeface="Cambria Math" panose="02040503050406030204" pitchFamily="18" charset="0"/>
+                      </a:rPr>
+                      <m:t>{</m:t>
+                    </m:r>
+                    <m:d>
+                      <m:dPr>
+                        <m:ctrlPr>
+                          <a:rPr lang="en-US" sz="1400" i="1">
+                            <a:latin typeface="Cambria Math" panose="02040503050406030204" pitchFamily="18" charset="0"/>
+                          </a:rPr>
+                        </m:ctrlPr>
+                      </m:dPr>
+                      <m:e>
+                        <m:sSub>
+                          <m:sSubPr>
+                            <m:ctrlPr>
+                              <a:rPr lang="en-US" sz="1400" i="1">
+                                <a:latin typeface="Cambria Math" panose="02040503050406030204" pitchFamily="18" charset="0"/>
+                              </a:rPr>
+                            </m:ctrlPr>
+                          </m:sSubPr>
+                          <m:e>
+                            <m:r>
+                              <a:rPr lang="en-US" sz="1400" b="1" i="1">
+                                <a:latin typeface="Cambria Math" panose="02040503050406030204" pitchFamily="18" charset="0"/>
+                              </a:rPr>
+                              <m:t>𝒙</m:t>
+                            </m:r>
+                          </m:e>
+                          <m:sub>
+                            <m:r>
+                              <a:rPr lang="en-US" sz="1400" i="1">
+                                <a:latin typeface="Cambria Math" panose="02040503050406030204" pitchFamily="18" charset="0"/>
+                              </a:rPr>
+                              <m:t>𝑖</m:t>
+                            </m:r>
+                          </m:sub>
+                        </m:sSub>
+                        <m:r>
+                          <a:rPr lang="en-US" sz="1400" i="1">
+                            <a:latin typeface="Cambria Math" panose="02040503050406030204" pitchFamily="18" charset="0"/>
+                          </a:rPr>
+                          <m:t>, </m:t>
+                        </m:r>
+                        <m:sSub>
+                          <m:sSubPr>
+                            <m:ctrlPr>
+                              <a:rPr lang="en-US" sz="1400" i="1">
+                                <a:latin typeface="Cambria Math" panose="02040503050406030204" pitchFamily="18" charset="0"/>
+                              </a:rPr>
+                            </m:ctrlPr>
+                          </m:sSubPr>
+                          <m:e>
+                            <m:r>
+                              <a:rPr lang="en-US" sz="1400" i="1">
+                                <a:latin typeface="Cambria Math" panose="02040503050406030204" pitchFamily="18" charset="0"/>
+                              </a:rPr>
+                              <m:t>𝑦</m:t>
+                            </m:r>
+                          </m:e>
+                          <m:sub>
+                            <m:r>
+                              <a:rPr lang="en-US" sz="1400" i="1">
+                                <a:latin typeface="Cambria Math" panose="02040503050406030204" pitchFamily="18" charset="0"/>
+                              </a:rPr>
+                              <m:t>𝑖</m:t>
+                            </m:r>
+                          </m:sub>
+                        </m:sSub>
+                      </m:e>
+                    </m:d>
+                    <m:sSubSup>
+                      <m:sSubSupPr>
+                        <m:ctrlPr>
+                          <a:rPr lang="en-US" sz="1400" i="1">
+                            <a:latin typeface="Cambria Math" panose="02040503050406030204" pitchFamily="18" charset="0"/>
+                          </a:rPr>
+                        </m:ctrlPr>
+                      </m:sSubSupPr>
+                      <m:e>
+                        <m:r>
+                          <m:rPr>
+                            <m:lit/>
+                          </m:rPr>
+                          <a:rPr lang="en-US" sz="1400" i="1">
+                            <a:latin typeface="Cambria Math" panose="02040503050406030204" pitchFamily="18" charset="0"/>
+                          </a:rPr>
+                          <m:t>}</m:t>
+                        </m:r>
+                      </m:e>
+                      <m:sub>
+                        <m:r>
+                          <a:rPr lang="en-US" sz="1400" i="1">
+                            <a:latin typeface="Cambria Math" panose="02040503050406030204" pitchFamily="18" charset="0"/>
+                          </a:rPr>
+                          <m:t>𝑖</m:t>
+                        </m:r>
+                        <m:r>
+                          <a:rPr lang="en-US" sz="1400" i="1">
+                            <a:latin typeface="Cambria Math" panose="02040503050406030204" pitchFamily="18" charset="0"/>
+                          </a:rPr>
+                          <m:t>=1</m:t>
+                        </m:r>
+                      </m:sub>
+                      <m:sup>
+                        <m:r>
+                          <a:rPr lang="en-US" sz="1400" i="1">
+                            <a:latin typeface="Cambria Math" panose="02040503050406030204" pitchFamily="18" charset="0"/>
+                          </a:rPr>
+                          <m:t>𝑛</m:t>
+                        </m:r>
+                      </m:sup>
+                    </m:sSubSup>
+                  </m:oMath>
+                </a14:m>
+                <a:endParaRPr lang="en-US" sz="1400" dirty="0"/>
+              </a:p>
+            </p:txBody>
+          </p:sp>
+        </mc:Choice>
+        <mc:Fallback xmlns="">
+          <p:sp>
+            <p:nvSpPr>
+              <p:cNvPr id="5" name="TextBox 4">
+                <a:extLst>
+                  <a:ext uri="{FF2B5EF4-FFF2-40B4-BE49-F238E27FC236}">
+                    <a16:creationId xmlns:a16="http://schemas.microsoft.com/office/drawing/2014/main" id="{7100BC10-7CEF-A947-81B8-16607851B162}"/>
+                  </a:ext>
+                </a:extLst>
+              </p:cNvPr>
+              <p:cNvSpPr txBox="1">
+                <a:spLocks noRot="1" noChangeAspect="1" noMove="1" noResize="1" noEditPoints="1" noAdjustHandles="1" noChangeArrowheads="1" noChangeShapeType="1" noTextEdit="1"/>
+              </p:cNvSpPr>
+              <p:nvPr/>
+            </p:nvSpPr>
+            <p:spPr>
+              <a:xfrm>
+                <a:off x="514090" y="1231595"/>
+                <a:ext cx="1588091" cy="523990"/>
+              </a:xfrm>
+              <a:prstGeom prst="rect">
+                <a:avLst/>
+              </a:prstGeom>
+              <a:blipFill>
+                <a:blip r:embed="rId11"/>
+                <a:stretch>
+                  <a:fillRect l="-781" r="-781" b="-2326"/>
+                </a:stretch>
+              </a:blipFill>
+              <a:ln>
+                <a:solidFill>
+                  <a:schemeClr val="tx1"/>
+                </a:solidFill>
+              </a:ln>
+            </p:spPr>
+            <p:txBody>
+              <a:bodyPr/>
+              <a:lstStyle/>
+              <a:p>
+                <a:r>
+                  <a:rPr lang="en-US">
+                    <a:noFill/>
+                  </a:rPr>
+                  <a:t> </a:t>
+                </a:r>
+              </a:p>
+            </p:txBody>
+          </p:sp>
+        </mc:Fallback>
+      </mc:AlternateContent>
+      <p:sp>
+        <p:nvSpPr>
+          <p:cNvPr id="76" name="Rounded Rectangle 75">
+            <a:extLst>
+              <a:ext uri="{FF2B5EF4-FFF2-40B4-BE49-F238E27FC236}">
+                <a16:creationId xmlns:a16="http://schemas.microsoft.com/office/drawing/2014/main" id="{406D56CB-86AF-D04D-A732-681A4D7E6BDE}"/>
+              </a:ext>
+            </a:extLst>
+          </p:cNvPr>
+          <p:cNvSpPr/>
+          <p:nvPr/>
+        </p:nvSpPr>
+        <p:spPr>
+          <a:xfrm>
+            <a:off x="346510" y="475723"/>
+            <a:ext cx="7536580" cy="3163355"/>
+          </a:xfrm>
+          <a:prstGeom prst="roundRect">
+            <a:avLst/>
+          </a:prstGeom>
+          <a:noFill/>
+          <a:ln w="38100">
+            <a:solidFill>
+              <a:schemeClr val="tx1"/>
+            </a:solidFill>
+          </a:ln>
+        </p:spPr>
+        <p:style>
+          <a:lnRef idx="2">
+            <a:schemeClr val="accent1">
+              <a:shade val="50000"/>
+            </a:schemeClr>
+          </a:lnRef>
+          <a:fillRef idx="1">
+            <a:schemeClr val="accent1"/>
+          </a:fillRef>
+          <a:effectRef idx="0">
+            <a:schemeClr val="accent1"/>
+          </a:effectRef>
+          <a:fontRef idx="minor">
+            <a:schemeClr val="lt1"/>
+          </a:fontRef>
+        </p:style>
+        <p:txBody>
+          <a:bodyPr rtlCol="0" anchor="ctr"/>
+          <a:lstStyle/>
+          <a:p>
+            <a:pPr algn="ctr"/>
+            <a:endParaRPr lang="en-US"/>
+          </a:p>
+        </p:txBody>
+      </p:sp>
+      <p:cxnSp>
+        <p:nvCxnSpPr>
+          <p:cNvPr id="38" name="Elbow Connector 37">
+            <a:extLst>
+              <a:ext uri="{FF2B5EF4-FFF2-40B4-BE49-F238E27FC236}">
+                <a16:creationId xmlns:a16="http://schemas.microsoft.com/office/drawing/2014/main" id="{AA110424-7A0C-9F45-99E3-9A5FD7502EA0}"/>
+              </a:ext>
+            </a:extLst>
+          </p:cNvPr>
+          <p:cNvCxnSpPr>
+            <a:cxnSpLocks/>
+            <a:stCxn id="19" idx="0"/>
+            <a:endCxn id="43" idx="1"/>
+          </p:cNvCxnSpPr>
+          <p:nvPr/>
+        </p:nvCxnSpPr>
+        <p:spPr>
+          <a:xfrm rot="5400000" flipH="1" flipV="1">
+            <a:off x="5277996" y="631985"/>
+            <a:ext cx="337090" cy="1105411"/>
+          </a:xfrm>
+          <a:prstGeom prst="bentConnector2">
+            <a:avLst/>
+          </a:prstGeom>
+          <a:ln w="28575">
+            <a:solidFill>
+              <a:schemeClr val="tx1"/>
+            </a:solidFill>
+            <a:tailEnd type="triangle"/>
+          </a:ln>
+        </p:spPr>
+        <p:style>
+          <a:lnRef idx="1">
+            <a:schemeClr val="accent1"/>
+          </a:lnRef>
+          <a:fillRef idx="0">
+            <a:schemeClr val="accent1"/>
+          </a:fillRef>
+          <a:effectRef idx="0">
+            <a:schemeClr val="accent1"/>
+          </a:effectRef>
+          <a:fontRef idx="minor">
+            <a:schemeClr val="tx1"/>
+          </a:fontRef>
+        </p:style>
+      </p:cxnSp>
+      <p:cxnSp>
+        <p:nvCxnSpPr>
+          <p:cNvPr id="65" name="Elbow Connector 64">
+            <a:extLst>
+              <a:ext uri="{FF2B5EF4-FFF2-40B4-BE49-F238E27FC236}">
+                <a16:creationId xmlns:a16="http://schemas.microsoft.com/office/drawing/2014/main" id="{D4C43AC1-D224-DB4C-8C3E-6BEAB32DB796}"/>
+              </a:ext>
+            </a:extLst>
+          </p:cNvPr>
+          <p:cNvCxnSpPr>
+            <a:cxnSpLocks/>
+            <a:stCxn id="19" idx="2"/>
+            <a:endCxn id="40" idx="1"/>
+          </p:cNvCxnSpPr>
+          <p:nvPr/>
+        </p:nvCxnSpPr>
+        <p:spPr>
+          <a:xfrm rot="16200000" flipH="1">
+            <a:off x="5313058" y="1214724"/>
+            <a:ext cx="327792" cy="1166236"/>
+          </a:xfrm>
+          <a:prstGeom prst="bentConnector2">
+            <a:avLst/>
+          </a:prstGeom>
+          <a:ln w="28575">
+            <a:solidFill>
+              <a:schemeClr val="tx1"/>
+            </a:solidFill>
+            <a:tailEnd type="triangle"/>
+          </a:ln>
+        </p:spPr>
+        <p:style>
+          <a:lnRef idx="1">
+            <a:schemeClr val="accent1"/>
+          </a:lnRef>
+          <a:fillRef idx="0">
+            <a:schemeClr val="accent1"/>
+          </a:fillRef>
+          <a:effectRef idx="0">
+            <a:schemeClr val="accent1"/>
+          </a:effectRef>
+          <a:fontRef idx="minor">
+            <a:schemeClr val="tx1"/>
+          </a:fontRef>
+        </p:style>
+      </p:cxnSp>
+      <p:sp>
+        <p:nvSpPr>
+          <p:cNvPr id="15" name="TextBox 14">
+            <a:extLst>
+              <a:ext uri="{FF2B5EF4-FFF2-40B4-BE49-F238E27FC236}">
+                <a16:creationId xmlns:a16="http://schemas.microsoft.com/office/drawing/2014/main" id="{77452524-3615-F84A-96ED-C5D796A64479}"/>
+              </a:ext>
+            </a:extLst>
+          </p:cNvPr>
+          <p:cNvSpPr txBox="1"/>
+          <p:nvPr/>
+        </p:nvSpPr>
+        <p:spPr>
+          <a:xfrm>
+            <a:off x="3987354" y="1010927"/>
+            <a:ext cx="676917" cy="276999"/>
+          </a:xfrm>
+          <a:prstGeom prst="rect">
+            <a:avLst/>
+          </a:prstGeom>
+          <a:noFill/>
+        </p:spPr>
+        <p:txBody>
+          <a:bodyPr wrap="none" rtlCol="0">
+            <a:spAutoFit/>
+          </a:bodyPr>
+          <a:lstStyle/>
+          <a:p>
+            <a:r>
+              <a:rPr lang="en-US" sz="1200" dirty="0"/>
+              <a:t>Training</a:t>
+            </a:r>
+          </a:p>
+        </p:txBody>
+      </p:sp>
+      <p:sp>
+        <p:nvSpPr>
+          <p:cNvPr id="44" name="TextBox 43">
+            <a:extLst>
+              <a:ext uri="{FF2B5EF4-FFF2-40B4-BE49-F238E27FC236}">
+                <a16:creationId xmlns:a16="http://schemas.microsoft.com/office/drawing/2014/main" id="{F90E22BC-D3C2-9F4C-90BC-6921DB6E02FC}"/>
+              </a:ext>
+            </a:extLst>
+          </p:cNvPr>
+          <p:cNvSpPr txBox="1"/>
+          <p:nvPr/>
+        </p:nvSpPr>
+        <p:spPr>
+          <a:xfrm>
+            <a:off x="3842383" y="1736161"/>
+            <a:ext cx="966859" cy="276999"/>
+          </a:xfrm>
+          <a:prstGeom prst="rect">
+            <a:avLst/>
+          </a:prstGeom>
+          <a:noFill/>
+        </p:spPr>
+        <p:txBody>
+          <a:bodyPr wrap="square" rtlCol="0">
+            <a:spAutoFit/>
+          </a:bodyPr>
+          <a:lstStyle/>
+          <a:p>
+            <a:r>
+              <a:rPr lang="en-US" sz="1200" dirty="0"/>
+              <a:t>Calculate CL</a:t>
+            </a:r>
+          </a:p>
+        </p:txBody>
+      </p:sp>
+      <p:sp>
+        <p:nvSpPr>
+          <p:cNvPr id="68" name="TextBox 67">
+            <a:extLst>
+              <a:ext uri="{FF2B5EF4-FFF2-40B4-BE49-F238E27FC236}">
+                <a16:creationId xmlns:a16="http://schemas.microsoft.com/office/drawing/2014/main" id="{DFE0CF83-98DB-D94B-958C-B2B201BBCC1A}"/>
+              </a:ext>
+            </a:extLst>
+          </p:cNvPr>
+          <p:cNvSpPr txBox="1"/>
+          <p:nvPr/>
+        </p:nvSpPr>
+        <p:spPr>
+          <a:xfrm>
+            <a:off x="5040334" y="753062"/>
+            <a:ext cx="786434" cy="276999"/>
+          </a:xfrm>
+          <a:prstGeom prst="rect">
+            <a:avLst/>
+          </a:prstGeom>
+          <a:noFill/>
+        </p:spPr>
+        <p:txBody>
+          <a:bodyPr wrap="none" rtlCol="0">
+            <a:spAutoFit/>
+          </a:bodyPr>
+          <a:lstStyle/>
+          <a:p>
+            <a:r>
+              <a:rPr lang="en-US" sz="1200" dirty="0"/>
+              <a:t>Obtain CL</a:t>
+            </a:r>
+          </a:p>
+        </p:txBody>
+      </p:sp>
+      <p:sp>
+        <p:nvSpPr>
+          <p:cNvPr id="69" name="TextBox 68">
+            <a:extLst>
+              <a:ext uri="{FF2B5EF4-FFF2-40B4-BE49-F238E27FC236}">
+                <a16:creationId xmlns:a16="http://schemas.microsoft.com/office/drawing/2014/main" id="{659DBE75-9370-B940-A8F6-DF4669788F9B}"/>
+              </a:ext>
+            </a:extLst>
+          </p:cNvPr>
+          <p:cNvSpPr txBox="1"/>
+          <p:nvPr/>
+        </p:nvSpPr>
+        <p:spPr>
+          <a:xfrm>
+            <a:off x="4990898" y="1708054"/>
+            <a:ext cx="885307" cy="276999"/>
+          </a:xfrm>
+          <a:prstGeom prst="rect">
+            <a:avLst/>
+          </a:prstGeom>
+          <a:noFill/>
+        </p:spPr>
+        <p:txBody>
+          <a:bodyPr wrap="none" rtlCol="0">
+            <a:spAutoFit/>
+          </a:bodyPr>
+          <a:lstStyle/>
+          <a:p>
+            <a:r>
+              <a:rPr lang="en-US" sz="1200" dirty="0"/>
+              <a:t>Monitoring</a:t>
+            </a:r>
+          </a:p>
+        </p:txBody>
+      </p:sp>
+      <p:sp>
+        <p:nvSpPr>
+          <p:cNvPr id="70" name="TextBox 69">
+            <a:extLst>
+              <a:ext uri="{FF2B5EF4-FFF2-40B4-BE49-F238E27FC236}">
+                <a16:creationId xmlns:a16="http://schemas.microsoft.com/office/drawing/2014/main" id="{50FCEE3F-3D29-684A-A4F0-9AB2D3F5EAEF}"/>
+              </a:ext>
+            </a:extLst>
+          </p:cNvPr>
+          <p:cNvSpPr txBox="1"/>
+          <p:nvPr/>
+        </p:nvSpPr>
+        <p:spPr>
+          <a:xfrm>
+            <a:off x="6012822" y="1437870"/>
+            <a:ext cx="720069" cy="276999"/>
+          </a:xfrm>
+          <a:prstGeom prst="rect">
+            <a:avLst/>
+          </a:prstGeom>
+          <a:noFill/>
+        </p:spPr>
+        <p:txBody>
+          <a:bodyPr wrap="none" rtlCol="0">
+            <a:spAutoFit/>
+          </a:bodyPr>
+          <a:lstStyle/>
+          <a:p>
+            <a:r>
+              <a:rPr lang="en-US" sz="1200" dirty="0"/>
+              <a:t>Apply CL</a:t>
+            </a:r>
+          </a:p>
+        </p:txBody>
+      </p:sp>
+      <p:cxnSp>
+        <p:nvCxnSpPr>
+          <p:cNvPr id="55" name="Straight Arrow Connector 54">
+            <a:extLst>
+              <a:ext uri="{FF2B5EF4-FFF2-40B4-BE49-F238E27FC236}">
+                <a16:creationId xmlns:a16="http://schemas.microsoft.com/office/drawing/2014/main" id="{59D9343F-C586-0849-9443-4F7D6F639232}"/>
+              </a:ext>
+            </a:extLst>
+          </p:cNvPr>
+          <p:cNvCxnSpPr>
+            <a:cxnSpLocks/>
+            <a:stCxn id="40" idx="2"/>
+            <a:endCxn id="81" idx="0"/>
+          </p:cNvCxnSpPr>
+          <p:nvPr/>
+        </p:nvCxnSpPr>
+        <p:spPr>
+          <a:xfrm flipH="1">
+            <a:off x="1644195" y="2233511"/>
+            <a:ext cx="5116069" cy="309767"/>
+          </a:xfrm>
+          <a:prstGeom prst="straightConnector1">
+            <a:avLst/>
+          </a:prstGeom>
+          <a:ln w="19050">
+            <a:solidFill>
+              <a:schemeClr val="tx1"/>
+            </a:solidFill>
+            <a:tailEnd type="triangle"/>
+          </a:ln>
+        </p:spPr>
+        <p:style>
+          <a:lnRef idx="1">
+            <a:schemeClr val="accent1"/>
+          </a:lnRef>
+          <a:fillRef idx="0">
+            <a:schemeClr val="accent1"/>
+          </a:fillRef>
+          <a:effectRef idx="0">
+            <a:schemeClr val="accent1"/>
+          </a:effectRef>
+          <a:fontRef idx="minor">
+            <a:schemeClr val="tx1"/>
+          </a:fontRef>
+        </p:style>
+      </p:cxnSp>
+      <p:cxnSp>
+        <p:nvCxnSpPr>
+          <p:cNvPr id="61" name="Straight Arrow Connector 60">
+            <a:extLst>
+              <a:ext uri="{FF2B5EF4-FFF2-40B4-BE49-F238E27FC236}">
+                <a16:creationId xmlns:a16="http://schemas.microsoft.com/office/drawing/2014/main" id="{504E96F7-8D62-9B49-9246-F29BEEB01327}"/>
+              </a:ext>
+            </a:extLst>
+          </p:cNvPr>
+          <p:cNvCxnSpPr>
+            <a:cxnSpLocks/>
+            <a:stCxn id="40" idx="2"/>
+            <a:endCxn id="86" idx="0"/>
+          </p:cNvCxnSpPr>
+          <p:nvPr/>
+        </p:nvCxnSpPr>
+        <p:spPr>
+          <a:xfrm flipH="1">
+            <a:off x="4039152" y="2233511"/>
+            <a:ext cx="2721112" cy="309768"/>
+          </a:xfrm>
+          <a:prstGeom prst="straightConnector1">
+            <a:avLst/>
+          </a:prstGeom>
+          <a:ln w="19050">
+            <a:solidFill>
+              <a:schemeClr val="tx1"/>
+            </a:solidFill>
+            <a:tailEnd type="triangle"/>
+          </a:ln>
+        </p:spPr>
+        <p:style>
+          <a:lnRef idx="1">
+            <a:schemeClr val="accent1"/>
+          </a:lnRef>
+          <a:fillRef idx="0">
+            <a:schemeClr val="accent1"/>
+          </a:fillRef>
+          <a:effectRef idx="0">
+            <a:schemeClr val="accent1"/>
+          </a:effectRef>
+          <a:fontRef idx="minor">
+            <a:schemeClr val="tx1"/>
+          </a:fontRef>
+        </p:style>
+      </p:cxnSp>
+      <p:cxnSp>
+        <p:nvCxnSpPr>
+          <p:cNvPr id="58" name="Straight Arrow Connector 57">
+            <a:extLst>
+              <a:ext uri="{FF2B5EF4-FFF2-40B4-BE49-F238E27FC236}">
+                <a16:creationId xmlns:a16="http://schemas.microsoft.com/office/drawing/2014/main" id="{0C77AA27-B398-794E-A38B-B4B5EBA97F94}"/>
+              </a:ext>
+            </a:extLst>
+          </p:cNvPr>
+          <p:cNvCxnSpPr>
+            <a:cxnSpLocks/>
+            <a:stCxn id="40" idx="2"/>
+            <a:endCxn id="90" idx="0"/>
+          </p:cNvCxnSpPr>
+          <p:nvPr/>
+        </p:nvCxnSpPr>
+        <p:spPr>
+          <a:xfrm flipH="1">
+            <a:off x="6434109" y="2233511"/>
+            <a:ext cx="326155" cy="309768"/>
+          </a:xfrm>
+          <a:prstGeom prst="straightConnector1">
+            <a:avLst/>
+          </a:prstGeom>
+          <a:ln w="19050">
+            <a:solidFill>
+              <a:schemeClr val="tx1"/>
+            </a:solidFill>
+            <a:tailEnd type="triangle"/>
+          </a:ln>
+        </p:spPr>
+        <p:style>
+          <a:lnRef idx="1">
+            <a:schemeClr val="accent1"/>
+          </a:lnRef>
+          <a:fillRef idx="0">
+            <a:schemeClr val="accent1"/>
+          </a:fillRef>
+          <a:effectRef idx="0">
+            <a:schemeClr val="accent1"/>
+          </a:effectRef>
+          <a:fontRef idx="minor">
+            <a:schemeClr val="tx1"/>
+          </a:fontRef>
+        </p:style>
+      </p:cxnSp>
       <mc:AlternateContent xmlns:mc="http://schemas.openxmlformats.org/markup-compatibility/2006">
         <mc:Choice xmlns:a14="http://schemas.microsoft.com/office/drawing/2010/main" Requires="a14">
           <p:sp>
@@ -6652,329 +10332,10 @@
           </p:sp>
         </mc:Fallback>
       </mc:AlternateContent>
-      <p:sp>
-        <p:nvSpPr>
-          <p:cNvPr id="76" name="Rounded Rectangle 75">
-            <a:extLst>
-              <a:ext uri="{FF2B5EF4-FFF2-40B4-BE49-F238E27FC236}">
-                <a16:creationId xmlns:a16="http://schemas.microsoft.com/office/drawing/2014/main" id="{406D56CB-86AF-D04D-A732-681A4D7E6BDE}"/>
-              </a:ext>
-            </a:extLst>
-          </p:cNvPr>
-          <p:cNvSpPr/>
-          <p:nvPr/>
-        </p:nvSpPr>
-        <p:spPr>
-          <a:xfrm>
-            <a:off x="346510" y="475723"/>
-            <a:ext cx="7536580" cy="3163355"/>
-          </a:xfrm>
-          <a:prstGeom prst="roundRect">
-            <a:avLst/>
-          </a:prstGeom>
-          <a:noFill/>
-          <a:ln w="38100">
-            <a:solidFill>
-              <a:schemeClr val="tx1"/>
-            </a:solidFill>
-          </a:ln>
-        </p:spPr>
-        <p:style>
-          <a:lnRef idx="2">
-            <a:schemeClr val="accent1">
-              <a:shade val="50000"/>
-            </a:schemeClr>
-          </a:lnRef>
-          <a:fillRef idx="1">
-            <a:schemeClr val="accent1"/>
-          </a:fillRef>
-          <a:effectRef idx="0">
-            <a:schemeClr val="accent1"/>
-          </a:effectRef>
-          <a:fontRef idx="minor">
-            <a:schemeClr val="lt1"/>
-          </a:fontRef>
-        </p:style>
-        <p:txBody>
-          <a:bodyPr rtlCol="0" anchor="ctr"/>
-          <a:lstStyle/>
-          <a:p>
-            <a:pPr algn="ctr"/>
-            <a:endParaRPr lang="en-US"/>
-          </a:p>
-        </p:txBody>
-      </p:sp>
-      <p:cxnSp>
-        <p:nvCxnSpPr>
-          <p:cNvPr id="38" name="Elbow Connector 37">
-            <a:extLst>
-              <a:ext uri="{FF2B5EF4-FFF2-40B4-BE49-F238E27FC236}">
-                <a16:creationId xmlns:a16="http://schemas.microsoft.com/office/drawing/2014/main" id="{AA110424-7A0C-9F45-99E3-9A5FD7502EA0}"/>
-              </a:ext>
-            </a:extLst>
-          </p:cNvPr>
-          <p:cNvCxnSpPr>
-            <a:cxnSpLocks/>
-            <a:stCxn id="19" idx="0"/>
-            <a:endCxn id="43" idx="1"/>
-          </p:cNvCxnSpPr>
-          <p:nvPr/>
-        </p:nvCxnSpPr>
-        <p:spPr>
-          <a:xfrm rot="5400000" flipH="1" flipV="1">
-            <a:off x="5277996" y="631985"/>
-            <a:ext cx="337090" cy="1105411"/>
-          </a:xfrm>
-          <a:prstGeom prst="bentConnector2">
-            <a:avLst/>
-          </a:prstGeom>
-          <a:ln w="28575">
-            <a:solidFill>
-              <a:schemeClr val="tx1"/>
-            </a:solidFill>
-            <a:tailEnd type="triangle"/>
-          </a:ln>
-        </p:spPr>
-        <p:style>
-          <a:lnRef idx="1">
-            <a:schemeClr val="accent1"/>
-          </a:lnRef>
-          <a:fillRef idx="0">
-            <a:schemeClr val="accent1"/>
-          </a:fillRef>
-          <a:effectRef idx="0">
-            <a:schemeClr val="accent1"/>
-          </a:effectRef>
-          <a:fontRef idx="minor">
-            <a:schemeClr val="tx1"/>
-          </a:fontRef>
-        </p:style>
-      </p:cxnSp>
-      <p:cxnSp>
-        <p:nvCxnSpPr>
-          <p:cNvPr id="65" name="Elbow Connector 64">
-            <a:extLst>
-              <a:ext uri="{FF2B5EF4-FFF2-40B4-BE49-F238E27FC236}">
-                <a16:creationId xmlns:a16="http://schemas.microsoft.com/office/drawing/2014/main" id="{D4C43AC1-D224-DB4C-8C3E-6BEAB32DB796}"/>
-              </a:ext>
-            </a:extLst>
-          </p:cNvPr>
-          <p:cNvCxnSpPr>
-            <a:cxnSpLocks/>
-            <a:stCxn id="19" idx="2"/>
-            <a:endCxn id="40" idx="1"/>
-          </p:cNvCxnSpPr>
-          <p:nvPr/>
-        </p:nvCxnSpPr>
-        <p:spPr>
-          <a:xfrm rot="16200000" flipH="1">
-            <a:off x="5313058" y="1214724"/>
-            <a:ext cx="327792" cy="1166236"/>
-          </a:xfrm>
-          <a:prstGeom prst="bentConnector2">
-            <a:avLst/>
-          </a:prstGeom>
-          <a:ln w="28575">
-            <a:solidFill>
-              <a:schemeClr val="tx1"/>
-            </a:solidFill>
-            <a:tailEnd type="triangle"/>
-          </a:ln>
-        </p:spPr>
-        <p:style>
-          <a:lnRef idx="1">
-            <a:schemeClr val="accent1"/>
-          </a:lnRef>
-          <a:fillRef idx="0">
-            <a:schemeClr val="accent1"/>
-          </a:fillRef>
-          <a:effectRef idx="0">
-            <a:schemeClr val="accent1"/>
-          </a:effectRef>
-          <a:fontRef idx="minor">
-            <a:schemeClr val="tx1"/>
-          </a:fontRef>
-        </p:style>
-      </p:cxnSp>
-      <p:sp>
-        <p:nvSpPr>
-          <p:cNvPr id="15" name="TextBox 14">
-            <a:extLst>
-              <a:ext uri="{FF2B5EF4-FFF2-40B4-BE49-F238E27FC236}">
-                <a16:creationId xmlns:a16="http://schemas.microsoft.com/office/drawing/2014/main" id="{77452524-3615-F84A-96ED-C5D796A64479}"/>
-              </a:ext>
-            </a:extLst>
-          </p:cNvPr>
-          <p:cNvSpPr txBox="1"/>
-          <p:nvPr/>
-        </p:nvSpPr>
-        <p:spPr>
-          <a:xfrm>
-            <a:off x="3987354" y="1010927"/>
-            <a:ext cx="676917" cy="276999"/>
-          </a:xfrm>
-          <a:prstGeom prst="rect">
-            <a:avLst/>
-          </a:prstGeom>
-          <a:noFill/>
-        </p:spPr>
-        <p:txBody>
-          <a:bodyPr wrap="none" rtlCol="0">
-            <a:spAutoFit/>
-          </a:bodyPr>
-          <a:lstStyle/>
-          <a:p>
-            <a:r>
-              <a:rPr lang="en-US" sz="1200" dirty="0"/>
-              <a:t>Training</a:t>
-            </a:r>
-          </a:p>
-        </p:txBody>
-      </p:sp>
-      <p:sp>
-        <p:nvSpPr>
-          <p:cNvPr id="44" name="TextBox 43">
-            <a:extLst>
-              <a:ext uri="{FF2B5EF4-FFF2-40B4-BE49-F238E27FC236}">
-                <a16:creationId xmlns:a16="http://schemas.microsoft.com/office/drawing/2014/main" id="{F90E22BC-D3C2-9F4C-90BC-6921DB6E02FC}"/>
-              </a:ext>
-            </a:extLst>
-          </p:cNvPr>
-          <p:cNvSpPr txBox="1"/>
-          <p:nvPr/>
-        </p:nvSpPr>
-        <p:spPr>
-          <a:xfrm>
-            <a:off x="3842383" y="1736161"/>
-            <a:ext cx="966859" cy="276999"/>
-          </a:xfrm>
-          <a:prstGeom prst="rect">
-            <a:avLst/>
-          </a:prstGeom>
-          <a:noFill/>
-        </p:spPr>
-        <p:txBody>
-          <a:bodyPr wrap="square" rtlCol="0">
-            <a:spAutoFit/>
-          </a:bodyPr>
-          <a:lstStyle/>
-          <a:p>
-            <a:r>
-              <a:rPr lang="en-US" sz="1200" dirty="0"/>
-              <a:t>Calculate CL</a:t>
-            </a:r>
-          </a:p>
-        </p:txBody>
-      </p:sp>
-      <p:sp>
-        <p:nvSpPr>
-          <p:cNvPr id="68" name="TextBox 67">
-            <a:extLst>
-              <a:ext uri="{FF2B5EF4-FFF2-40B4-BE49-F238E27FC236}">
-                <a16:creationId xmlns:a16="http://schemas.microsoft.com/office/drawing/2014/main" id="{DFE0CF83-98DB-D94B-958C-B2B201BBCC1A}"/>
-              </a:ext>
-            </a:extLst>
-          </p:cNvPr>
-          <p:cNvSpPr txBox="1"/>
-          <p:nvPr/>
-        </p:nvSpPr>
-        <p:spPr>
-          <a:xfrm>
-            <a:off x="5040334" y="753062"/>
-            <a:ext cx="786434" cy="276999"/>
-          </a:xfrm>
-          <a:prstGeom prst="rect">
-            <a:avLst/>
-          </a:prstGeom>
-          <a:noFill/>
-        </p:spPr>
-        <p:txBody>
-          <a:bodyPr wrap="none" rtlCol="0">
-            <a:spAutoFit/>
-          </a:bodyPr>
-          <a:lstStyle/>
-          <a:p>
-            <a:r>
-              <a:rPr lang="en-US" sz="1200" dirty="0"/>
-              <a:t>Obtain CL</a:t>
-            </a:r>
-          </a:p>
-        </p:txBody>
-      </p:sp>
-      <p:sp>
-        <p:nvSpPr>
-          <p:cNvPr id="69" name="TextBox 68">
-            <a:extLst>
-              <a:ext uri="{FF2B5EF4-FFF2-40B4-BE49-F238E27FC236}">
-                <a16:creationId xmlns:a16="http://schemas.microsoft.com/office/drawing/2014/main" id="{659DBE75-9370-B940-A8F6-DF4669788F9B}"/>
-              </a:ext>
-            </a:extLst>
-          </p:cNvPr>
-          <p:cNvSpPr txBox="1"/>
-          <p:nvPr/>
-        </p:nvSpPr>
-        <p:spPr>
-          <a:xfrm>
-            <a:off x="4990898" y="1708054"/>
-            <a:ext cx="885307" cy="276999"/>
-          </a:xfrm>
-          <a:prstGeom prst="rect">
-            <a:avLst/>
-          </a:prstGeom>
-          <a:noFill/>
-        </p:spPr>
-        <p:txBody>
-          <a:bodyPr wrap="none" rtlCol="0">
-            <a:spAutoFit/>
-          </a:bodyPr>
-          <a:lstStyle/>
-          <a:p>
-            <a:r>
-              <a:rPr lang="en-US" sz="1200" dirty="0"/>
-              <a:t>Monitoring</a:t>
-            </a:r>
-          </a:p>
-        </p:txBody>
-      </p:sp>
-      <p:sp>
-        <p:nvSpPr>
-          <p:cNvPr id="70" name="TextBox 69">
-            <a:extLst>
-              <a:ext uri="{FF2B5EF4-FFF2-40B4-BE49-F238E27FC236}">
-                <a16:creationId xmlns:a16="http://schemas.microsoft.com/office/drawing/2014/main" id="{50FCEE3F-3D29-684A-A4F0-9AB2D3F5EAEF}"/>
-              </a:ext>
-            </a:extLst>
-          </p:cNvPr>
-          <p:cNvSpPr txBox="1"/>
-          <p:nvPr/>
-        </p:nvSpPr>
-        <p:spPr>
-          <a:xfrm>
-            <a:off x="6012822" y="1418414"/>
-            <a:ext cx="720069" cy="276999"/>
-          </a:xfrm>
-          <a:prstGeom prst="rect">
-            <a:avLst/>
-          </a:prstGeom>
-          <a:noFill/>
-        </p:spPr>
-        <p:txBody>
-          <a:bodyPr wrap="none" rtlCol="0">
-            <a:spAutoFit/>
-          </a:bodyPr>
-          <a:lstStyle/>
-          <a:p>
-            <a:r>
-              <a:rPr lang="en-US" sz="1200" dirty="0"/>
-              <a:t>Apply CL</a:t>
-            </a:r>
-          </a:p>
-        </p:txBody>
-      </p:sp>
     </p:spTree>
     <p:extLst>
       <p:ext uri="{BB962C8B-B14F-4D97-AF65-F5344CB8AC3E}">
-        <p14:creationId xmlns:p14="http://schemas.microsoft.com/office/powerpoint/2010/main" val="2672299946"/>
+        <p14:creationId xmlns:p14="http://schemas.microsoft.com/office/powerpoint/2010/main" val="971119426"/>
       </p:ext>
     </p:extLst>
   </p:cSld>
@@ -6984,7 +10345,7 @@
 </p:sld>
 </file>
 
-<file path=ppt/slides/slide3.xml><?xml version="1.0" encoding="utf-8"?>
+<file path=ppt/slides/slide5.xml><?xml version="1.0" encoding="utf-8"?>
 <p:sld xmlns:a="http://schemas.openxmlformats.org/drawingml/2006/main" xmlns:r="http://schemas.openxmlformats.org/officeDocument/2006/relationships" xmlns:p="http://schemas.openxmlformats.org/presentationml/2006/main">
   <p:cSld>
     <p:spTree>

--- a/figures/v14/flow_chart/gen_fig_most_updated_1.pptx
+++ b/figures/v14/flow_chart/gen_fig_most_updated_1.pptx
@@ -10,6 +10,7 @@
     <p:sldId id="259" r:id="rId4"/>
     <p:sldId id="260" r:id="rId5"/>
     <p:sldId id="258" r:id="rId6"/>
+    <p:sldId id="261" r:id="rId7"/>
   </p:sldIdLst>
   <p:sldSz cx="8229600" cy="4114800"/>
   <p:notesSz cx="6858000" cy="9144000"/>
@@ -378,7 +379,7 @@
           <a:p>
             <a:fld id="{AC1F32C0-9D6C-C745-86B7-7A480FC22073}" type="datetimeFigureOut">
               <a:rPr lang="en-US" smtClean="0"/>
-              <a:t>4/6/20</a:t>
+              <a:t>4/12/20</a:t>
             </a:fld>
             <a:endParaRPr lang="en-US"/>
           </a:p>
@@ -548,7 +549,7 @@
           <a:p>
             <a:fld id="{AC1F32C0-9D6C-C745-86B7-7A480FC22073}" type="datetimeFigureOut">
               <a:rPr lang="en-US" smtClean="0"/>
-              <a:t>4/6/20</a:t>
+              <a:t>4/12/20</a:t>
             </a:fld>
             <a:endParaRPr lang="en-US"/>
           </a:p>
@@ -728,7 +729,7 @@
           <a:p>
             <a:fld id="{AC1F32C0-9D6C-C745-86B7-7A480FC22073}" type="datetimeFigureOut">
               <a:rPr lang="en-US" smtClean="0"/>
-              <a:t>4/6/20</a:t>
+              <a:t>4/12/20</a:t>
             </a:fld>
             <a:endParaRPr lang="en-US"/>
           </a:p>
@@ -898,7 +899,7 @@
           <a:p>
             <a:fld id="{AC1F32C0-9D6C-C745-86B7-7A480FC22073}" type="datetimeFigureOut">
               <a:rPr lang="en-US" smtClean="0"/>
-              <a:t>4/6/20</a:t>
+              <a:t>4/12/20</a:t>
             </a:fld>
             <a:endParaRPr lang="en-US"/>
           </a:p>
@@ -1144,7 +1145,7 @@
           <a:p>
             <a:fld id="{AC1F32C0-9D6C-C745-86B7-7A480FC22073}" type="datetimeFigureOut">
               <a:rPr lang="en-US" smtClean="0"/>
-              <a:t>4/6/20</a:t>
+              <a:t>4/12/20</a:t>
             </a:fld>
             <a:endParaRPr lang="en-US"/>
           </a:p>
@@ -1376,7 +1377,7 @@
           <a:p>
             <a:fld id="{AC1F32C0-9D6C-C745-86B7-7A480FC22073}" type="datetimeFigureOut">
               <a:rPr lang="en-US" smtClean="0"/>
-              <a:t>4/6/20</a:t>
+              <a:t>4/12/20</a:t>
             </a:fld>
             <a:endParaRPr lang="en-US"/>
           </a:p>
@@ -1743,7 +1744,7 @@
           <a:p>
             <a:fld id="{AC1F32C0-9D6C-C745-86B7-7A480FC22073}" type="datetimeFigureOut">
               <a:rPr lang="en-US" smtClean="0"/>
-              <a:t>4/6/20</a:t>
+              <a:t>4/12/20</a:t>
             </a:fld>
             <a:endParaRPr lang="en-US"/>
           </a:p>
@@ -1861,7 +1862,7 @@
           <a:p>
             <a:fld id="{AC1F32C0-9D6C-C745-86B7-7A480FC22073}" type="datetimeFigureOut">
               <a:rPr lang="en-US" smtClean="0"/>
-              <a:t>4/6/20</a:t>
+              <a:t>4/12/20</a:t>
             </a:fld>
             <a:endParaRPr lang="en-US"/>
           </a:p>
@@ -1956,7 +1957,7 @@
           <a:p>
             <a:fld id="{AC1F32C0-9D6C-C745-86B7-7A480FC22073}" type="datetimeFigureOut">
               <a:rPr lang="en-US" smtClean="0"/>
-              <a:t>4/6/20</a:t>
+              <a:t>4/12/20</a:t>
             </a:fld>
             <a:endParaRPr lang="en-US"/>
           </a:p>
@@ -2233,7 +2234,7 @@
           <a:p>
             <a:fld id="{AC1F32C0-9D6C-C745-86B7-7A480FC22073}" type="datetimeFigureOut">
               <a:rPr lang="en-US" smtClean="0"/>
-              <a:t>4/6/20</a:t>
+              <a:t>4/12/20</a:t>
             </a:fld>
             <a:endParaRPr lang="en-US"/>
           </a:p>
@@ -2490,7 +2491,7 @@
           <a:p>
             <a:fld id="{AC1F32C0-9D6C-C745-86B7-7A480FC22073}" type="datetimeFigureOut">
               <a:rPr lang="en-US" smtClean="0"/>
-              <a:t>4/6/20</a:t>
+              <a:t>4/12/20</a:t>
             </a:fld>
             <a:endParaRPr lang="en-US"/>
           </a:p>
@@ -2703,7 +2704,7 @@
           <a:p>
             <a:fld id="{AC1F32C0-9D6C-C745-86B7-7A480FC22073}" type="datetimeFigureOut">
               <a:rPr lang="en-US" smtClean="0"/>
-              <a:t>4/6/20</a:t>
+              <a:t>4/12/20</a:t>
             </a:fld>
             <a:endParaRPr lang="en-US"/>
           </a:p>
@@ -7003,8 +7004,8 @@
           <a:chExt cx="0" cy="0"/>
         </a:xfrm>
       </p:grpSpPr>
-      <mc:AlternateContent xmlns:mc="http://schemas.openxmlformats.org/markup-compatibility/2006">
-        <mc:Choice xmlns:a14="http://schemas.microsoft.com/office/drawing/2010/main" Requires="a14">
+      <mc:AlternateContent xmlns:mc="http://schemas.openxmlformats.org/markup-compatibility/2006" xmlns:a14="http://schemas.microsoft.com/office/drawing/2010/main">
+        <mc:Choice Requires="a14">
           <p:sp>
             <p:nvSpPr>
               <p:cNvPr id="4" name="TextBox 3">
@@ -7171,7 +7172,7 @@
             </p:txBody>
           </p:sp>
         </mc:Choice>
-        <mc:Fallback>
+        <mc:Fallback xmlns="">
           <p:sp>
             <p:nvSpPr>
               <p:cNvPr id="4" name="TextBox 3">
@@ -10072,8 +10073,8 @@
           </a:fontRef>
         </p:style>
       </p:cxnSp>
-      <mc:AlternateContent xmlns:mc="http://schemas.openxmlformats.org/markup-compatibility/2006">
-        <mc:Choice xmlns:a14="http://schemas.microsoft.com/office/drawing/2010/main" Requires="a14">
+      <mc:AlternateContent xmlns:mc="http://schemas.openxmlformats.org/markup-compatibility/2006" xmlns:a14="http://schemas.microsoft.com/office/drawing/2010/main">
+        <mc:Choice Requires="a14">
           <p:sp>
             <p:nvSpPr>
               <p:cNvPr id="40" name="TextBox 39">
@@ -10282,7 +10283,7 @@
             </p:txBody>
           </p:sp>
         </mc:Choice>
-        <mc:Fallback>
+        <mc:Fallback xmlns="">
           <p:sp>
             <p:nvSpPr>
               <p:cNvPr id="40" name="TextBox 39">
@@ -10346,6 +10347,349 @@
 </file>
 
 <file path=ppt/slides/slide5.xml><?xml version="1.0" encoding="utf-8"?>
+<p:sld xmlns:a="http://schemas.openxmlformats.org/drawingml/2006/main" xmlns:r="http://schemas.openxmlformats.org/officeDocument/2006/relationships" xmlns:p="http://schemas.openxmlformats.org/presentationml/2006/main">
+  <p:cSld>
+    <p:spTree>
+      <p:nvGrpSpPr>
+        <p:cNvPr id="1" name=""/>
+        <p:cNvGrpSpPr/>
+        <p:nvPr/>
+      </p:nvGrpSpPr>
+      <p:grpSpPr>
+        <a:xfrm>
+          <a:off x="0" y="0"/>
+          <a:ext cx="0" cy="0"/>
+          <a:chOff x="0" y="0"/>
+          <a:chExt cx="0" cy="0"/>
+        </a:xfrm>
+      </p:grpSpPr>
+      <p:grpSp>
+        <p:nvGrpSpPr>
+          <p:cNvPr id="6" name="Group 5">
+            <a:extLst>
+              <a:ext uri="{FF2B5EF4-FFF2-40B4-BE49-F238E27FC236}">
+                <a16:creationId xmlns:a16="http://schemas.microsoft.com/office/drawing/2014/main" id="{5CC3A95B-B2DC-8146-8A21-4E584CFCA72B}"/>
+              </a:ext>
+            </a:extLst>
+          </p:cNvPr>
+          <p:cNvGrpSpPr/>
+          <p:nvPr/>
+        </p:nvGrpSpPr>
+        <p:grpSpPr>
+          <a:xfrm>
+            <a:off x="346510" y="205740"/>
+            <a:ext cx="7536580" cy="3703320"/>
+            <a:chOff x="346510" y="139930"/>
+            <a:chExt cx="7536580" cy="3703320"/>
+          </a:xfrm>
+        </p:grpSpPr>
+        <p:sp>
+          <p:nvSpPr>
+            <p:cNvPr id="4" name="Rounded Rectangle 3">
+              <a:extLst>
+                <a:ext uri="{FF2B5EF4-FFF2-40B4-BE49-F238E27FC236}">
+                  <a16:creationId xmlns:a16="http://schemas.microsoft.com/office/drawing/2014/main" id="{D3FD52E3-DB0D-9647-8F92-C8E39219B2B9}"/>
+                </a:ext>
+              </a:extLst>
+            </p:cNvPr>
+            <p:cNvSpPr>
+              <a:spLocks/>
+            </p:cNvSpPr>
+            <p:nvPr/>
+          </p:nvSpPr>
+          <p:spPr>
+            <a:xfrm>
+              <a:off x="346510" y="139930"/>
+              <a:ext cx="7536580" cy="3703320"/>
+            </a:xfrm>
+            <a:prstGeom prst="roundRect">
+              <a:avLst/>
+            </a:prstGeom>
+            <a:noFill/>
+            <a:ln w="38100">
+              <a:solidFill>
+                <a:schemeClr val="tx1"/>
+              </a:solidFill>
+            </a:ln>
+          </p:spPr>
+          <p:style>
+            <a:lnRef idx="2">
+              <a:schemeClr val="accent1">
+                <a:shade val="50000"/>
+              </a:schemeClr>
+            </a:lnRef>
+            <a:fillRef idx="1">
+              <a:schemeClr val="accent1"/>
+            </a:fillRef>
+            <a:effectRef idx="0">
+              <a:schemeClr val="accent1"/>
+            </a:effectRef>
+            <a:fontRef idx="minor">
+              <a:schemeClr val="lt1"/>
+            </a:fontRef>
+          </p:style>
+          <p:txBody>
+            <a:bodyPr rtlCol="0" anchor="ctr"/>
+            <a:lstStyle/>
+            <a:p>
+              <a:pPr algn="ctr"/>
+              <a:endParaRPr lang="en-US" dirty="0"/>
+            </a:p>
+          </p:txBody>
+        </p:sp>
+        <p:sp>
+          <p:nvSpPr>
+            <p:cNvPr id="9" name="TextBox 8">
+              <a:extLst>
+                <a:ext uri="{FF2B5EF4-FFF2-40B4-BE49-F238E27FC236}">
+                  <a16:creationId xmlns:a16="http://schemas.microsoft.com/office/drawing/2014/main" id="{44C408DB-BA89-D24C-8265-BB56DAF3C3FF}"/>
+                </a:ext>
+              </a:extLst>
+            </p:cNvPr>
+            <p:cNvSpPr txBox="1">
+              <a:spLocks noChangeAspect="1"/>
+            </p:cNvSpPr>
+            <p:nvPr/>
+          </p:nvSpPr>
+          <p:spPr>
+            <a:xfrm>
+              <a:off x="2366827" y="3497745"/>
+              <a:ext cx="3057888" cy="331629"/>
+            </a:xfrm>
+            <a:prstGeom prst="rect">
+              <a:avLst/>
+            </a:prstGeom>
+            <a:noFill/>
+          </p:spPr>
+          <p:txBody>
+            <a:bodyPr wrap="none" rtlCol="0">
+              <a:spAutoFit/>
+            </a:bodyPr>
+            <a:lstStyle/>
+            <a:p>
+              <a:r>
+                <a:rPr lang="en-US" dirty="0"/>
+                <a:t>Diagnose the origin of concept drift</a:t>
+              </a:r>
+            </a:p>
+          </p:txBody>
+        </p:sp>
+        <p:grpSp>
+          <p:nvGrpSpPr>
+            <p:cNvPr id="15" name="Group 14">
+              <a:extLst>
+                <a:ext uri="{FF2B5EF4-FFF2-40B4-BE49-F238E27FC236}">
+                  <a16:creationId xmlns:a16="http://schemas.microsoft.com/office/drawing/2014/main" id="{0A71536A-AC2D-BA48-8C7C-B5437E331354}"/>
+                </a:ext>
+              </a:extLst>
+            </p:cNvPr>
+            <p:cNvGrpSpPr>
+              <a:grpSpLocks noChangeAspect="1"/>
+            </p:cNvGrpSpPr>
+            <p:nvPr/>
+          </p:nvGrpSpPr>
+          <p:grpSpPr>
+            <a:xfrm>
+              <a:off x="1054716" y="231767"/>
+              <a:ext cx="6155692" cy="3265978"/>
+              <a:chOff x="1499501" y="620283"/>
+              <a:chExt cx="6155692" cy="3265978"/>
+            </a:xfrm>
+          </p:grpSpPr>
+          <p:grpSp>
+            <p:nvGrpSpPr>
+              <p:cNvPr id="2" name="Group 1">
+                <a:extLst>
+                  <a:ext uri="{FF2B5EF4-FFF2-40B4-BE49-F238E27FC236}">
+                    <a16:creationId xmlns:a16="http://schemas.microsoft.com/office/drawing/2014/main" id="{E7893B92-2981-F543-A96B-91A74BEE7A86}"/>
+                  </a:ext>
+                </a:extLst>
+              </p:cNvPr>
+              <p:cNvGrpSpPr/>
+              <p:nvPr/>
+            </p:nvGrpSpPr>
+            <p:grpSpPr>
+              <a:xfrm>
+                <a:off x="1499501" y="620283"/>
+                <a:ext cx="2980944" cy="3265978"/>
+                <a:chOff x="1140164" y="425600"/>
+                <a:chExt cx="2980944" cy="3265978"/>
+              </a:xfrm>
+            </p:grpSpPr>
+            <p:pic>
+              <p:nvPicPr>
+                <p:cNvPr id="7" name="Picture 6">
+                  <a:extLst>
+                    <a:ext uri="{FF2B5EF4-FFF2-40B4-BE49-F238E27FC236}">
+                      <a16:creationId xmlns:a16="http://schemas.microsoft.com/office/drawing/2014/main" id="{EDAB300E-FA72-0147-80FF-E634D74AE088}"/>
+                    </a:ext>
+                  </a:extLst>
+                </p:cNvPr>
+                <p:cNvPicPr>
+                  <a:picLocks noChangeAspect="1"/>
+                </p:cNvPicPr>
+                <p:nvPr/>
+              </p:nvPicPr>
+              <p:blipFill rotWithShape="1">
+                <a:blip r:embed="rId2"/>
+                <a:srcRect t="-1" b="37483"/>
+                <a:stretch/>
+              </p:blipFill>
+              <p:spPr>
+                <a:xfrm>
+                  <a:off x="1140164" y="425600"/>
+                  <a:ext cx="2980944" cy="3265978"/>
+                </a:xfrm>
+                <a:prstGeom prst="rect">
+                  <a:avLst/>
+                </a:prstGeom>
+                <a:ln w="19050">
+                  <a:solidFill>
+                    <a:schemeClr val="tx1"/>
+                  </a:solidFill>
+                </a:ln>
+              </p:spPr>
+            </p:pic>
+            <p:pic>
+              <p:nvPicPr>
+                <p:cNvPr id="8" name="Picture 7">
+                  <a:extLst>
+                    <a:ext uri="{FF2B5EF4-FFF2-40B4-BE49-F238E27FC236}">
+                      <a16:creationId xmlns:a16="http://schemas.microsoft.com/office/drawing/2014/main" id="{87BA90E1-0834-4944-836A-F96FF73106CB}"/>
+                    </a:ext>
+                  </a:extLst>
+                </p:cNvPr>
+                <p:cNvPicPr>
+                  <a:picLocks noChangeAspect="1"/>
+                </p:cNvPicPr>
+                <p:nvPr/>
+              </p:nvPicPr>
+              <p:blipFill rotWithShape="1">
+                <a:blip r:embed="rId3"/>
+                <a:srcRect l="2262" t="96862" r="4316" b="797"/>
+                <a:stretch/>
+              </p:blipFill>
+              <p:spPr>
+                <a:xfrm>
+                  <a:off x="1173341" y="3567511"/>
+                  <a:ext cx="2907792" cy="106415"/>
+                </a:xfrm>
+                <a:prstGeom prst="rect">
+                  <a:avLst/>
+                </a:prstGeom>
+                <a:ln w="19050">
+                  <a:solidFill>
+                    <a:schemeClr val="bg1"/>
+                  </a:solidFill>
+                </a:ln>
+              </p:spPr>
+            </p:pic>
+          </p:grpSp>
+          <p:grpSp>
+            <p:nvGrpSpPr>
+              <p:cNvPr id="5" name="Group 4">
+                <a:extLst>
+                  <a:ext uri="{FF2B5EF4-FFF2-40B4-BE49-F238E27FC236}">
+                    <a16:creationId xmlns:a16="http://schemas.microsoft.com/office/drawing/2014/main" id="{3129F8D2-3A53-1B47-9795-A3B4803ED1C7}"/>
+                  </a:ext>
+                </a:extLst>
+              </p:cNvPr>
+              <p:cNvGrpSpPr/>
+              <p:nvPr/>
+            </p:nvGrpSpPr>
+            <p:grpSpPr>
+              <a:xfrm>
+                <a:off x="4674249" y="620283"/>
+                <a:ext cx="2980944" cy="3265978"/>
+                <a:chOff x="4953141" y="434453"/>
+                <a:chExt cx="2980944" cy="3265978"/>
+              </a:xfrm>
+            </p:grpSpPr>
+            <p:pic>
+              <p:nvPicPr>
+                <p:cNvPr id="3" name="Picture 2">
+                  <a:extLst>
+                    <a:ext uri="{FF2B5EF4-FFF2-40B4-BE49-F238E27FC236}">
+                      <a16:creationId xmlns:a16="http://schemas.microsoft.com/office/drawing/2014/main" id="{D1628B8D-8C44-E74D-ACEF-56799B0389FE}"/>
+                    </a:ext>
+                  </a:extLst>
+                </p:cNvPr>
+                <p:cNvPicPr>
+                  <a:picLocks noChangeAspect="1"/>
+                </p:cNvPicPr>
+                <p:nvPr/>
+              </p:nvPicPr>
+              <p:blipFill rotWithShape="1">
+                <a:blip r:embed="rId4"/>
+                <a:srcRect t="2" b="37479"/>
+                <a:stretch/>
+              </p:blipFill>
+              <p:spPr>
+                <a:xfrm>
+                  <a:off x="4953141" y="434453"/>
+                  <a:ext cx="2980944" cy="3265978"/>
+                </a:xfrm>
+                <a:prstGeom prst="rect">
+                  <a:avLst/>
+                </a:prstGeom>
+                <a:ln w="19050">
+                  <a:solidFill>
+                    <a:schemeClr val="tx1"/>
+                  </a:solidFill>
+                </a:ln>
+              </p:spPr>
+            </p:pic>
+            <p:pic>
+              <p:nvPicPr>
+                <p:cNvPr id="14" name="Picture 13">
+                  <a:extLst>
+                    <a:ext uri="{FF2B5EF4-FFF2-40B4-BE49-F238E27FC236}">
+                      <a16:creationId xmlns:a16="http://schemas.microsoft.com/office/drawing/2014/main" id="{45A54495-EABE-2140-AEDF-159AD9DD314C}"/>
+                    </a:ext>
+                  </a:extLst>
+                </p:cNvPr>
+                <p:cNvPicPr>
+                  <a:picLocks noChangeAspect="1"/>
+                </p:cNvPicPr>
+                <p:nvPr/>
+              </p:nvPicPr>
+              <p:blipFill rotWithShape="1">
+                <a:blip r:embed="rId3"/>
+                <a:srcRect l="2262" t="96862" r="4316" b="797"/>
+                <a:stretch/>
+              </p:blipFill>
+              <p:spPr>
+                <a:xfrm>
+                  <a:off x="4983408" y="3577888"/>
+                  <a:ext cx="2907792" cy="106415"/>
+                </a:xfrm>
+                <a:prstGeom prst="rect">
+                  <a:avLst/>
+                </a:prstGeom>
+                <a:ln w="19050">
+                  <a:solidFill>
+                    <a:schemeClr val="bg1"/>
+                  </a:solidFill>
+                </a:ln>
+              </p:spPr>
+            </p:pic>
+          </p:grpSp>
+        </p:grpSp>
+      </p:grpSp>
+    </p:spTree>
+    <p:extLst>
+      <p:ext uri="{BB962C8B-B14F-4D97-AF65-F5344CB8AC3E}">
+        <p14:creationId xmlns:p14="http://schemas.microsoft.com/office/powerpoint/2010/main" val="870818237"/>
+      </p:ext>
+    </p:extLst>
+  </p:cSld>
+  <p:clrMapOvr>
+    <a:masterClrMapping/>
+  </p:clrMapOvr>
+</p:sld>
+</file>
+
+<file path=ppt/slides/slide6.xml><?xml version="1.0" encoding="utf-8"?>
 <p:sld xmlns:a="http://schemas.openxmlformats.org/drawingml/2006/main" xmlns:r="http://schemas.openxmlformats.org/officeDocument/2006/relationships" xmlns:p="http://schemas.openxmlformats.org/presentationml/2006/main">
   <p:cSld>
     <p:spTree>
@@ -10672,7 +11016,7 @@
     </p:spTree>
     <p:extLst>
       <p:ext uri="{BB962C8B-B14F-4D97-AF65-F5344CB8AC3E}">
-        <p14:creationId xmlns:p14="http://schemas.microsoft.com/office/powerpoint/2010/main" val="870818237"/>
+        <p14:creationId xmlns:p14="http://schemas.microsoft.com/office/powerpoint/2010/main" val="3982966916"/>
       </p:ext>
     </p:extLst>
   </p:cSld>

--- a/figures/v14/flow_chart/gen_fig_most_updated_1.pptx
+++ b/figures/v14/flow_chart/gen_fig_most_updated_1.pptx
@@ -10453,7 +10453,7 @@
           </p:nvSpPr>
           <p:spPr>
             <a:xfrm>
-              <a:off x="2366827" y="3497745"/>
+              <a:off x="2366827" y="3475973"/>
               <a:ext cx="3057888" cy="331629"/>
             </a:xfrm>
             <a:prstGeom prst="rect">

--- a/figures/v14/flow_chart/gen_fig_most_updated_1.pptx
+++ b/figures/v14/flow_chart/gen_fig_most_updated_1.pptx
@@ -7004,8 +7004,8 @@
           <a:chExt cx="0" cy="0"/>
         </a:xfrm>
       </p:grpSpPr>
-      <mc:AlternateContent xmlns:mc="http://schemas.openxmlformats.org/markup-compatibility/2006" xmlns:a14="http://schemas.microsoft.com/office/drawing/2010/main">
-        <mc:Choice Requires="a14">
+      <mc:AlternateContent xmlns:mc="http://schemas.openxmlformats.org/markup-compatibility/2006">
+        <mc:Choice xmlns:a14="http://schemas.microsoft.com/office/drawing/2010/main" Requires="a14">
           <p:sp>
             <p:nvSpPr>
               <p:cNvPr id="4" name="TextBox 3">
@@ -7043,7 +7043,7 @@
               <a:p>
                 <a:r>
                   <a:rPr lang="en-US" sz="1400" dirty="0"/>
-                  <a:t>Dataset: </a:t>
+                  <a:t>Data Set: </a:t>
                 </a:r>
                 <a14:m>
                   <m:oMath xmlns:m="http://schemas.openxmlformats.org/officeDocument/2006/math">
@@ -7172,7 +7172,7 @@
             </p:txBody>
           </p:sp>
         </mc:Choice>
-        <mc:Fallback xmlns="">
+        <mc:Fallback>
           <p:sp>
             <p:nvSpPr>
               <p:cNvPr id="4" name="TextBox 3">
@@ -7418,7 +7418,7 @@
         <p:spPr>
           <a:xfrm>
             <a:off x="2067383" y="2919236"/>
-            <a:ext cx="2351285" cy="307777"/>
+            <a:ext cx="2391360" cy="307777"/>
           </a:xfrm>
           <a:prstGeom prst="rect">
             <a:avLst/>
@@ -7436,7 +7436,7 @@
           <a:p>
             <a:r>
               <a:rPr lang="en-US" sz="1400" dirty="0"/>
-              <a:t>The dataset has concept drift </a:t>
+              <a:t>The data set has concept drift </a:t>
             </a:r>
           </a:p>
         </p:txBody>
@@ -8397,8 +8397,8 @@
           </a:ln>
         </p:spPr>
       </p:pic>
-      <mc:AlternateContent xmlns:mc="http://schemas.openxmlformats.org/markup-compatibility/2006" xmlns:a14="http://schemas.microsoft.com/office/drawing/2010/main">
-        <mc:Choice Requires="a14">
+      <mc:AlternateContent xmlns:mc="http://schemas.openxmlformats.org/markup-compatibility/2006">
+        <mc:Choice xmlns:a14="http://schemas.microsoft.com/office/drawing/2010/main" Requires="a14">
           <p:sp>
             <p:nvSpPr>
               <p:cNvPr id="12" name="TextBox 11">
@@ -8413,8 +8413,8 @@
             </p:nvSpPr>
             <p:spPr>
               <a:xfrm>
-                <a:off x="2431412" y="1547513"/>
-                <a:ext cx="1436661" cy="549509"/>
+                <a:off x="2431411" y="1547513"/>
+                <a:ext cx="1463040" cy="549509"/>
               </a:xfrm>
               <a:prstGeom prst="rect">
                 <a:avLst/>
@@ -8430,13 +8430,13 @@
             </p:spPr>
             <p:txBody>
               <a:bodyPr wrap="square" rtlCol="0">
-                <a:spAutoFit/>
+                <a:noAutofit/>
               </a:bodyPr>
               <a:lstStyle/>
               <a:p>
                 <a:r>
                   <a:rPr lang="en-US" sz="1400" dirty="0"/>
-                  <a:t>Phase-I Dataset: </a:t>
+                  <a:t>Phase-I Data Set: </a:t>
                 </a:r>
                 <a14:m>
                   <m:oMath xmlns:m="http://schemas.openxmlformats.org/officeDocument/2006/math">
@@ -8602,7 +8602,7 @@
             </p:txBody>
           </p:sp>
         </mc:Choice>
-        <mc:Fallback xmlns="">
+        <mc:Fallback>
           <p:sp>
             <p:nvSpPr>
               <p:cNvPr id="12" name="TextBox 11">
@@ -8619,8 +8619,8 @@
             </p:nvSpPr>
             <p:spPr>
               <a:xfrm>
-                <a:off x="2431412" y="1547513"/>
-                <a:ext cx="1436661" cy="549509"/>
+                <a:off x="2431411" y="1547513"/>
+                <a:ext cx="1463040" cy="549509"/>
               </a:xfrm>
               <a:prstGeom prst="rect">
                 <a:avLst/>
@@ -8652,8 +8652,8 @@
           </p:sp>
         </mc:Fallback>
       </mc:AlternateContent>
-      <mc:AlternateContent xmlns:mc="http://schemas.openxmlformats.org/markup-compatibility/2006" xmlns:a14="http://schemas.microsoft.com/office/drawing/2010/main">
-        <mc:Choice Requires="a14">
+      <mc:AlternateContent xmlns:mc="http://schemas.openxmlformats.org/markup-compatibility/2006">
+        <mc:Choice xmlns:a14="http://schemas.microsoft.com/office/drawing/2010/main" Requires="a14">
           <p:sp>
             <p:nvSpPr>
               <p:cNvPr id="9" name="TextBox 8">
@@ -8669,7 +8669,7 @@
             <p:spPr>
               <a:xfrm>
                 <a:off x="2431413" y="811859"/>
-                <a:ext cx="1436660" cy="551498"/>
+                <a:ext cx="1463040" cy="551498"/>
               </a:xfrm>
               <a:prstGeom prst="rect">
                 <a:avLst/>
@@ -8685,13 +8685,13 @@
             </p:spPr>
             <p:txBody>
               <a:bodyPr wrap="square" rtlCol="0">
-                <a:spAutoFit/>
+                <a:noAutofit/>
               </a:bodyPr>
               <a:lstStyle/>
               <a:p>
                 <a:r>
                   <a:rPr lang="en-US" sz="1400" dirty="0"/>
-                  <a:t>Training Dataset: </a:t>
+                  <a:t>Training Data Set: </a:t>
                 </a:r>
                 <a14:m>
                   <m:oMath xmlns:m="http://schemas.openxmlformats.org/officeDocument/2006/math">
@@ -8839,7 +8839,7 @@
             </p:txBody>
           </p:sp>
         </mc:Choice>
-        <mc:Fallback xmlns="">
+        <mc:Fallback>
           <p:sp>
             <p:nvSpPr>
               <p:cNvPr id="9" name="TextBox 8">
@@ -8857,7 +8857,7 @@
             <p:spPr>
               <a:xfrm>
                 <a:off x="2431413" y="811859"/>
-                <a:ext cx="1436660" cy="551498"/>
+                <a:ext cx="1463040" cy="551498"/>
               </a:xfrm>
               <a:prstGeom prst="rect">
                 <a:avLst/>
@@ -8865,7 +8865,7 @@
               <a:blipFill>
                 <a:blip r:embed="rId4"/>
                 <a:stretch>
-                  <a:fillRect t="-2222"/>
+                  <a:fillRect t="-2222" r="-1695"/>
                 </a:stretch>
               </a:blipFill>
               <a:ln>
@@ -8907,8 +8907,8 @@
         </p:nvCxnSpPr>
         <p:spPr>
           <a:xfrm flipV="1">
-            <a:off x="2102181" y="1087608"/>
-            <a:ext cx="329232" cy="405982"/>
+            <a:off x="2141721" y="1087608"/>
+            <a:ext cx="289692" cy="405982"/>
           </a:xfrm>
           <a:prstGeom prst="straightConnector1">
             <a:avLst/>
@@ -8953,8 +8953,8 @@
         </p:nvCxnSpPr>
         <p:spPr>
           <a:xfrm>
-            <a:off x="3868073" y="1087608"/>
-            <a:ext cx="634340" cy="405983"/>
+            <a:off x="3894453" y="1087608"/>
+            <a:ext cx="607960" cy="405983"/>
           </a:xfrm>
           <a:prstGeom prst="straightConnector1">
             <a:avLst/>
@@ -8999,8 +8999,8 @@
         </p:nvCxnSpPr>
         <p:spPr>
           <a:xfrm flipV="1">
-            <a:off x="3868073" y="1493591"/>
-            <a:ext cx="634340" cy="328677"/>
+            <a:off x="3894451" y="1493591"/>
+            <a:ext cx="607962" cy="328677"/>
           </a:xfrm>
           <a:prstGeom prst="straightConnector1">
             <a:avLst/>
@@ -9109,8 +9109,8 @@
         </p:nvCxnSpPr>
         <p:spPr>
           <a:xfrm>
-            <a:off x="6760264" y="1474177"/>
-            <a:ext cx="0" cy="215787"/>
+            <a:off x="6760264" y="1471906"/>
+            <a:ext cx="26756" cy="218058"/>
           </a:xfrm>
           <a:prstGeom prst="straightConnector1">
             <a:avLst/>
@@ -9362,8 +9362,8 @@
         </p:nvCxnSpPr>
         <p:spPr>
           <a:xfrm>
-            <a:off x="2102181" y="1493590"/>
-            <a:ext cx="329231" cy="328678"/>
+            <a:off x="2141721" y="1493590"/>
+            <a:ext cx="289690" cy="328678"/>
           </a:xfrm>
           <a:prstGeom prst="straightConnector1">
             <a:avLst/>
@@ -9390,8 +9390,8 @@
           </a:fontRef>
         </p:style>
       </p:cxnSp>
-      <mc:AlternateContent xmlns:mc="http://schemas.openxmlformats.org/markup-compatibility/2006" xmlns:a14="http://schemas.microsoft.com/office/drawing/2010/main">
-        <mc:Choice Requires="a14">
+      <mc:AlternateContent xmlns:mc="http://schemas.openxmlformats.org/markup-compatibility/2006">
+        <mc:Choice xmlns:a14="http://schemas.microsoft.com/office/drawing/2010/main" Requires="a14">
           <p:sp>
             <p:nvSpPr>
               <p:cNvPr id="5" name="TextBox 4">
@@ -9406,8 +9406,8 @@
             </p:nvSpPr>
             <p:spPr>
               <a:xfrm>
-                <a:off x="514090" y="1231595"/>
-                <a:ext cx="1588091" cy="523990"/>
+                <a:off x="514089" y="1231595"/>
+                <a:ext cx="1627632" cy="523990"/>
               </a:xfrm>
               <a:prstGeom prst="rect">
                 <a:avLst/>
@@ -9423,7 +9423,7 @@
             </p:spPr>
             <p:txBody>
               <a:bodyPr wrap="square" rtlCol="0">
-                <a:spAutoFit/>
+                <a:noAutofit/>
               </a:bodyPr>
               <a:lstStyle/>
               <a:p>
@@ -9437,7 +9437,7 @@
                 </a:r>
                 <a:r>
                   <a:rPr lang="en-US" sz="1400" dirty="0"/>
-                  <a:t>Dataset: </a:t>
+                  <a:t>Data Set: </a:t>
                 </a:r>
                 <a14:m>
                   <m:oMath xmlns:m="http://schemas.openxmlformats.org/officeDocument/2006/math">
@@ -9566,7 +9566,7 @@
             </p:txBody>
           </p:sp>
         </mc:Choice>
-        <mc:Fallback xmlns="">
+        <mc:Fallback>
           <p:sp>
             <p:nvSpPr>
               <p:cNvPr id="5" name="TextBox 4">
@@ -9583,16 +9583,16 @@
             </p:nvSpPr>
             <p:spPr>
               <a:xfrm>
-                <a:off x="514090" y="1231595"/>
-                <a:ext cx="1588091" cy="523990"/>
+                <a:off x="514089" y="1231595"/>
+                <a:ext cx="1627632" cy="523990"/>
               </a:xfrm>
               <a:prstGeom prst="rect">
                 <a:avLst/>
               </a:prstGeom>
               <a:blipFill>
-                <a:blip r:embed="rId11"/>
+                <a:blip r:embed="rId8"/>
                 <a:stretch>
-                  <a:fillRect l="-781" r="-781" b="-2326"/>
+                  <a:fillRect l="-763" r="-1527" b="-2326"/>
                 </a:stretch>
               </a:blipFill>
               <a:ln>
@@ -9954,7 +9954,7 @@
         <p:spPr>
           <a:xfrm flipH="1">
             <a:off x="1644195" y="2233511"/>
-            <a:ext cx="5116069" cy="309767"/>
+            <a:ext cx="5142825" cy="309767"/>
           </a:xfrm>
           <a:prstGeom prst="straightConnector1">
             <a:avLst/>
@@ -10000,7 +10000,7 @@
         <p:spPr>
           <a:xfrm flipH="1">
             <a:off x="4039152" y="2233511"/>
-            <a:ext cx="2721112" cy="309768"/>
+            <a:ext cx="2747868" cy="309768"/>
           </a:xfrm>
           <a:prstGeom prst="straightConnector1">
             <a:avLst/>
@@ -10046,7 +10046,7 @@
         <p:spPr>
           <a:xfrm flipH="1">
             <a:off x="6434109" y="2233511"/>
-            <a:ext cx="326155" cy="309768"/>
+            <a:ext cx="352911" cy="309768"/>
           </a:xfrm>
           <a:prstGeom prst="straightConnector1">
             <a:avLst/>
@@ -10073,8 +10073,8 @@
           </a:fontRef>
         </p:style>
       </p:cxnSp>
-      <mc:AlternateContent xmlns:mc="http://schemas.openxmlformats.org/markup-compatibility/2006" xmlns:a14="http://schemas.microsoft.com/office/drawing/2010/main">
-        <mc:Choice Requires="a14">
+      <mc:AlternateContent xmlns:mc="http://schemas.openxmlformats.org/markup-compatibility/2006">
+        <mc:Choice xmlns:a14="http://schemas.microsoft.com/office/drawing/2010/main" Requires="a14">
           <p:sp>
             <p:nvSpPr>
               <p:cNvPr id="40" name="TextBox 39">
@@ -10090,7 +10090,7 @@
             <p:spPr>
               <a:xfrm>
                 <a:off x="6060072" y="1689964"/>
-                <a:ext cx="1400384" cy="543547"/>
+                <a:ext cx="1453896" cy="543547"/>
               </a:xfrm>
               <a:prstGeom prst="rect">
                 <a:avLst/>
@@ -10106,13 +10106,13 @@
             </p:spPr>
             <p:txBody>
               <a:bodyPr wrap="square" rtlCol="0">
-                <a:spAutoFit/>
+                <a:noAutofit/>
               </a:bodyPr>
               <a:lstStyle/>
               <a:p>
                 <a:r>
                   <a:rPr lang="en-US" sz="1400" dirty="0"/>
-                  <a:t>Phase-II Dataset: </a:t>
+                  <a:t>Phase-II Data Set: </a:t>
                 </a:r>
                 <a14:m>
                   <m:oMath xmlns:m="http://schemas.openxmlformats.org/officeDocument/2006/math">
@@ -10283,7 +10283,7 @@
             </p:txBody>
           </p:sp>
         </mc:Choice>
-        <mc:Fallback xmlns="">
+        <mc:Fallback>
           <p:sp>
             <p:nvSpPr>
               <p:cNvPr id="40" name="TextBox 39">
@@ -10301,15 +10301,15 @@
             <p:spPr>
               <a:xfrm>
                 <a:off x="6060072" y="1689964"/>
-                <a:ext cx="1400384" cy="543547"/>
+                <a:ext cx="1453896" cy="543547"/>
               </a:xfrm>
               <a:prstGeom prst="rect">
                 <a:avLst/>
               </a:prstGeom>
               <a:blipFill>
-                <a:blip r:embed="rId12"/>
+                <a:blip r:embed="rId9"/>
                 <a:stretch>
-                  <a:fillRect l="-893" r="-2679" b="-2222"/>
+                  <a:fillRect l="-855" r="-2564" b="-2222"/>
                 </a:stretch>
               </a:blipFill>
               <a:ln>
@@ -10377,10 +10377,10 @@
         </p:nvGrpSpPr>
         <p:grpSpPr>
           <a:xfrm>
-            <a:off x="346510" y="205740"/>
-            <a:ext cx="7536580" cy="3703320"/>
-            <a:chOff x="346510" y="139930"/>
-            <a:chExt cx="7536580" cy="3703320"/>
+            <a:off x="346510" y="274320"/>
+            <a:ext cx="7536580" cy="3566160"/>
+            <a:chOff x="346510" y="259676"/>
+            <a:chExt cx="7536580" cy="3566160"/>
           </a:xfrm>
         </p:grpSpPr>
         <p:sp>
@@ -10399,8 +10399,8 @@
           </p:nvSpPr>
           <p:spPr>
             <a:xfrm>
-              <a:off x="346510" y="139930"/>
-              <a:ext cx="7536580" cy="3703320"/>
+              <a:off x="346510" y="259676"/>
+              <a:ext cx="7536580" cy="3566160"/>
             </a:xfrm>
             <a:prstGeom prst="roundRect">
               <a:avLst/>
@@ -10490,10 +10490,10 @@
           </p:nvGrpSpPr>
           <p:grpSpPr>
             <a:xfrm>
-              <a:off x="1054716" y="231767"/>
-              <a:ext cx="6155692" cy="3265978"/>
-              <a:chOff x="1499501" y="620283"/>
-              <a:chExt cx="6155692" cy="3265978"/>
+              <a:off x="1054716" y="380503"/>
+              <a:ext cx="6155692" cy="3117242"/>
+              <a:chOff x="1499501" y="769019"/>
+              <a:chExt cx="6155692" cy="3117242"/>
             </a:xfrm>
           </p:grpSpPr>
           <p:grpSp>
@@ -10510,10 +10510,10 @@
             </p:nvGrpSpPr>
             <p:grpSpPr>
               <a:xfrm>
-                <a:off x="1499501" y="620283"/>
-                <a:ext cx="2980944" cy="3265978"/>
-                <a:chOff x="1140164" y="425600"/>
-                <a:chExt cx="2980944" cy="3265978"/>
+                <a:off x="1499501" y="769019"/>
+                <a:ext cx="2980944" cy="3117241"/>
+                <a:chOff x="1140164" y="574336"/>
+                <a:chExt cx="2980944" cy="3117241"/>
               </a:xfrm>
             </p:grpSpPr>
             <p:pic>
@@ -10532,13 +10532,13 @@
               </p:nvPicPr>
               <p:blipFill rotWithShape="1">
                 <a:blip r:embed="rId2"/>
-                <a:srcRect t="-1" b="37483"/>
+                <a:srcRect t="2846" b="37483"/>
                 <a:stretch/>
               </p:blipFill>
               <p:spPr>
                 <a:xfrm>
-                  <a:off x="1140164" y="425600"/>
-                  <a:ext cx="2980944" cy="3265978"/>
+                  <a:off x="1140164" y="574336"/>
+                  <a:ext cx="2980944" cy="3117241"/>
                 </a:xfrm>
                 <a:prstGeom prst="rect">
                   <a:avLst/>
@@ -10599,10 +10599,10 @@
             </p:nvGrpSpPr>
             <p:grpSpPr>
               <a:xfrm>
-                <a:off x="4674249" y="620283"/>
-                <a:ext cx="2980944" cy="3265978"/>
-                <a:chOff x="4953141" y="434453"/>
-                <a:chExt cx="2980944" cy="3265978"/>
+                <a:off x="4674249" y="769019"/>
+                <a:ext cx="2980944" cy="3117242"/>
+                <a:chOff x="4953141" y="583189"/>
+                <a:chExt cx="2980944" cy="3117242"/>
               </a:xfrm>
             </p:grpSpPr>
             <p:pic>
@@ -10621,13 +10621,13 @@
               </p:nvPicPr>
               <p:blipFill rotWithShape="1">
                 <a:blip r:embed="rId4"/>
-                <a:srcRect t="2" b="37479"/>
+                <a:srcRect t="2850" b="37478"/>
                 <a:stretch/>
               </p:blipFill>
               <p:spPr>
                 <a:xfrm>
-                  <a:off x="4953141" y="434453"/>
-                  <a:ext cx="2980944" cy="3265978"/>
+                  <a:off x="4953141" y="583189"/>
+                  <a:ext cx="2980944" cy="3117242"/>
                 </a:xfrm>
                 <a:prstGeom prst="rect">
                   <a:avLst/>

--- a/figures/v14/flow_chart/gen_fig_most_updated_1.pptx
+++ b/figures/v14/flow_chart/gen_fig_most_updated_1.pptx
@@ -8,9 +8,10 @@
     <p:sldId id="256" r:id="rId2"/>
     <p:sldId id="257" r:id="rId3"/>
     <p:sldId id="259" r:id="rId4"/>
-    <p:sldId id="260" r:id="rId5"/>
-    <p:sldId id="258" r:id="rId6"/>
-    <p:sldId id="261" r:id="rId7"/>
+    <p:sldId id="262" r:id="rId5"/>
+    <p:sldId id="260" r:id="rId6"/>
+    <p:sldId id="258" r:id="rId7"/>
+    <p:sldId id="261" r:id="rId8"/>
   </p:sldIdLst>
   <p:sldSz cx="8229600" cy="4114800"/>
   <p:notesSz cx="6858000" cy="9144000"/>
@@ -120,7 +121,7 @@
 <file path=ppt/revisionInfo.xml><?xml version="1.0" encoding="utf-8"?>
 <p1510:revInfo xmlns:a="http://schemas.openxmlformats.org/drawingml/2006/main" xmlns:r="http://schemas.openxmlformats.org/officeDocument/2006/relationships" xmlns:p1510="http://schemas.microsoft.com/office/powerpoint/2015/10/main">
   <p1510:revLst>
-    <p1510:client id="{E1C7DD92-5C8B-6D40-8552-D1C6541AE98C}" v="32" dt="2020-03-28T17:19:18.235"/>
+    <p1510:client id="{3A5D9265-AF77-D24B-881E-869CB090A6C5}" v="4" dt="2020-04-29T03:00:37.925"/>
   </p1510:revLst>
 </p1510:revInfo>
 </file>
@@ -245,6 +246,85 @@
       </pc:sldChg>
     </pc:docChg>
   </pc:docChgLst>
+  <pc:docChgLst>
+    <pc:chgData name="Kungang Zhang" userId="ebd511bc26b39877" providerId="LiveId" clId="{3A5D9265-AF77-D24B-881E-869CB090A6C5}"/>
+    <pc:docChg chg="custSel addSld delSld modSld">
+      <pc:chgData name="Kungang Zhang" userId="ebd511bc26b39877" providerId="LiveId" clId="{3A5D9265-AF77-D24B-881E-869CB090A6C5}" dt="2020-04-29T03:02:02.928" v="35" actId="1038"/>
+      <pc:docMkLst>
+        <pc:docMk/>
+      </pc:docMkLst>
+      <pc:sldChg chg="delSp modSp add">
+        <pc:chgData name="Kungang Zhang" userId="ebd511bc26b39877" providerId="LiveId" clId="{3A5D9265-AF77-D24B-881E-869CB090A6C5}" dt="2020-04-29T03:02:02.928" v="35" actId="1038"/>
+        <pc:sldMkLst>
+          <pc:docMk/>
+          <pc:sldMk cId="915752005" sldId="262"/>
+        </pc:sldMkLst>
+        <pc:spChg chg="mod">
+          <ac:chgData name="Kungang Zhang" userId="ebd511bc26b39877" providerId="LiveId" clId="{3A5D9265-AF77-D24B-881E-869CB090A6C5}" dt="2020-04-29T03:02:02.928" v="35" actId="1038"/>
+          <ac:spMkLst>
+            <pc:docMk/>
+            <pc:sldMk cId="915752005" sldId="262"/>
+            <ac:spMk id="21" creationId="{743C6CCE-BAA0-A54C-8470-BEB33A352F8B}"/>
+          </ac:spMkLst>
+        </pc:spChg>
+        <pc:grpChg chg="mod">
+          <ac:chgData name="Kungang Zhang" userId="ebd511bc26b39877" providerId="LiveId" clId="{3A5D9265-AF77-D24B-881E-869CB090A6C5}" dt="2020-04-29T03:00:37.925" v="3" actId="14826"/>
+          <ac:grpSpMkLst>
+            <pc:docMk/>
+            <pc:sldMk cId="915752005" sldId="262"/>
+            <ac:grpSpMk id="23" creationId="{25A37355-1C43-1D49-9966-8F4CE0E1EDFD}"/>
+          </ac:grpSpMkLst>
+        </pc:grpChg>
+        <pc:picChg chg="mod">
+          <ac:chgData name="Kungang Zhang" userId="ebd511bc26b39877" providerId="LiveId" clId="{3A5D9265-AF77-D24B-881E-869CB090A6C5}" dt="2020-04-29T03:00:37.925" v="3" actId="14826"/>
+          <ac:picMkLst>
+            <pc:docMk/>
+            <pc:sldMk cId="915752005" sldId="262"/>
+            <ac:picMk id="38" creationId="{EBAFB552-715A-D64D-B850-C767B9E87B84}"/>
+          </ac:picMkLst>
+        </pc:picChg>
+        <pc:picChg chg="del">
+          <ac:chgData name="Kungang Zhang" userId="ebd511bc26b39877" providerId="LiveId" clId="{3A5D9265-AF77-D24B-881E-869CB090A6C5}" dt="2020-04-29T03:01:43.392" v="4" actId="478"/>
+          <ac:picMkLst>
+            <pc:docMk/>
+            <pc:sldMk cId="915752005" sldId="262"/>
+            <ac:picMk id="53" creationId="{0B21975F-76C6-4C4C-9C42-9825CD4CE9A5}"/>
+          </ac:picMkLst>
+        </pc:picChg>
+        <pc:cxnChg chg="mod">
+          <ac:chgData name="Kungang Zhang" userId="ebd511bc26b39877" providerId="LiveId" clId="{3A5D9265-AF77-D24B-881E-869CB090A6C5}" dt="2020-04-29T03:02:02.928" v="35" actId="1038"/>
+          <ac:cxnSpMkLst>
+            <pc:docMk/>
+            <pc:sldMk cId="915752005" sldId="262"/>
+            <ac:cxnSpMk id="33" creationId="{98547258-3BD5-1E47-BFDE-25FA57D86421}"/>
+          </ac:cxnSpMkLst>
+        </pc:cxnChg>
+        <pc:cxnChg chg="mod">
+          <ac:chgData name="Kungang Zhang" userId="ebd511bc26b39877" providerId="LiveId" clId="{3A5D9265-AF77-D24B-881E-869CB090A6C5}" dt="2020-04-29T03:02:02.928" v="35" actId="1038"/>
+          <ac:cxnSpMkLst>
+            <pc:docMk/>
+            <pc:sldMk cId="915752005" sldId="262"/>
+            <ac:cxnSpMk id="57" creationId="{FA20AECA-F7CF-7E49-8D32-D250C2DEDB46}"/>
+          </ac:cxnSpMkLst>
+        </pc:cxnChg>
+        <pc:cxnChg chg="del mod">
+          <ac:chgData name="Kungang Zhang" userId="ebd511bc26b39877" providerId="LiveId" clId="{3A5D9265-AF77-D24B-881E-869CB090A6C5}" dt="2020-04-29T03:01:47.767" v="5" actId="478"/>
+          <ac:cxnSpMkLst>
+            <pc:docMk/>
+            <pc:sldMk cId="915752005" sldId="262"/>
+            <ac:cxnSpMk id="63" creationId="{9535B4C2-B5A1-D743-A94B-5E718A6E26C5}"/>
+          </ac:cxnSpMkLst>
+        </pc:cxnChg>
+      </pc:sldChg>
+      <pc:sldChg chg="add del">
+        <pc:chgData name="Kungang Zhang" userId="ebd511bc26b39877" providerId="LiveId" clId="{3A5D9265-AF77-D24B-881E-869CB090A6C5}" dt="2020-04-29T01:38:08.638" v="1"/>
+        <pc:sldMkLst>
+          <pc:docMk/>
+          <pc:sldMk cId="3313285769" sldId="262"/>
+        </pc:sldMkLst>
+      </pc:sldChg>
+    </pc:docChg>
+  </pc:docChgLst>
 </pc:chgInfo>
 </file>
 
@@ -379,7 +459,7 @@
           <a:p>
             <a:fld id="{AC1F32C0-9D6C-C745-86B7-7A480FC22073}" type="datetimeFigureOut">
               <a:rPr lang="en-US" smtClean="0"/>
-              <a:t>4/12/20</a:t>
+              <a:t>4/28/20</a:t>
             </a:fld>
             <a:endParaRPr lang="en-US"/>
           </a:p>
@@ -549,7 +629,7 @@
           <a:p>
             <a:fld id="{AC1F32C0-9D6C-C745-86B7-7A480FC22073}" type="datetimeFigureOut">
               <a:rPr lang="en-US" smtClean="0"/>
-              <a:t>4/12/20</a:t>
+              <a:t>4/28/20</a:t>
             </a:fld>
             <a:endParaRPr lang="en-US"/>
           </a:p>
@@ -729,7 +809,7 @@
           <a:p>
             <a:fld id="{AC1F32C0-9D6C-C745-86B7-7A480FC22073}" type="datetimeFigureOut">
               <a:rPr lang="en-US" smtClean="0"/>
-              <a:t>4/12/20</a:t>
+              <a:t>4/28/20</a:t>
             </a:fld>
             <a:endParaRPr lang="en-US"/>
           </a:p>
@@ -899,7 +979,7 @@
           <a:p>
             <a:fld id="{AC1F32C0-9D6C-C745-86B7-7A480FC22073}" type="datetimeFigureOut">
               <a:rPr lang="en-US" smtClean="0"/>
-              <a:t>4/12/20</a:t>
+              <a:t>4/28/20</a:t>
             </a:fld>
             <a:endParaRPr lang="en-US"/>
           </a:p>
@@ -1145,7 +1225,7 @@
           <a:p>
             <a:fld id="{AC1F32C0-9D6C-C745-86B7-7A480FC22073}" type="datetimeFigureOut">
               <a:rPr lang="en-US" smtClean="0"/>
-              <a:t>4/12/20</a:t>
+              <a:t>4/28/20</a:t>
             </a:fld>
             <a:endParaRPr lang="en-US"/>
           </a:p>
@@ -1377,7 +1457,7 @@
           <a:p>
             <a:fld id="{AC1F32C0-9D6C-C745-86B7-7A480FC22073}" type="datetimeFigureOut">
               <a:rPr lang="en-US" smtClean="0"/>
-              <a:t>4/12/20</a:t>
+              <a:t>4/28/20</a:t>
             </a:fld>
             <a:endParaRPr lang="en-US"/>
           </a:p>
@@ -1744,7 +1824,7 @@
           <a:p>
             <a:fld id="{AC1F32C0-9D6C-C745-86B7-7A480FC22073}" type="datetimeFigureOut">
               <a:rPr lang="en-US" smtClean="0"/>
-              <a:t>4/12/20</a:t>
+              <a:t>4/28/20</a:t>
             </a:fld>
             <a:endParaRPr lang="en-US"/>
           </a:p>
@@ -1862,7 +1942,7 @@
           <a:p>
             <a:fld id="{AC1F32C0-9D6C-C745-86B7-7A480FC22073}" type="datetimeFigureOut">
               <a:rPr lang="en-US" smtClean="0"/>
-              <a:t>4/12/20</a:t>
+              <a:t>4/28/20</a:t>
             </a:fld>
             <a:endParaRPr lang="en-US"/>
           </a:p>
@@ -1957,7 +2037,7 @@
           <a:p>
             <a:fld id="{AC1F32C0-9D6C-C745-86B7-7A480FC22073}" type="datetimeFigureOut">
               <a:rPr lang="en-US" smtClean="0"/>
-              <a:t>4/12/20</a:t>
+              <a:t>4/28/20</a:t>
             </a:fld>
             <a:endParaRPr lang="en-US"/>
           </a:p>
@@ -2234,7 +2314,7 @@
           <a:p>
             <a:fld id="{AC1F32C0-9D6C-C745-86B7-7A480FC22073}" type="datetimeFigureOut">
               <a:rPr lang="en-US" smtClean="0"/>
-              <a:t>4/12/20</a:t>
+              <a:t>4/28/20</a:t>
             </a:fld>
             <a:endParaRPr lang="en-US"/>
           </a:p>
@@ -2491,7 +2571,7 @@
           <a:p>
             <a:fld id="{AC1F32C0-9D6C-C745-86B7-7A480FC22073}" type="datetimeFigureOut">
               <a:rPr lang="en-US" smtClean="0"/>
-              <a:t>4/12/20</a:t>
+              <a:t>4/28/20</a:t>
             </a:fld>
             <a:endParaRPr lang="en-US"/>
           </a:p>
@@ -2704,7 +2784,7 @@
           <a:p>
             <a:fld id="{AC1F32C0-9D6C-C745-86B7-7A480FC22073}" type="datetimeFigureOut">
               <a:rPr lang="en-US" smtClean="0"/>
-              <a:t>4/12/20</a:t>
+              <a:t>4/28/20</a:t>
             </a:fld>
             <a:endParaRPr lang="en-US"/>
           </a:p>
@@ -7004,8 +7084,8 @@
           <a:chExt cx="0" cy="0"/>
         </a:xfrm>
       </p:grpSpPr>
-      <mc:AlternateContent xmlns:mc="http://schemas.openxmlformats.org/markup-compatibility/2006">
-        <mc:Choice xmlns:a14="http://schemas.microsoft.com/office/drawing/2010/main" Requires="a14">
+      <mc:AlternateContent xmlns:mc="http://schemas.openxmlformats.org/markup-compatibility/2006" xmlns:a14="http://schemas.microsoft.com/office/drawing/2010/main">
+        <mc:Choice Requires="a14">
           <p:sp>
             <p:nvSpPr>
               <p:cNvPr id="4" name="TextBox 3">
@@ -7172,7 +7252,7 @@
             </p:txBody>
           </p:sp>
         </mc:Choice>
-        <mc:Fallback>
+        <mc:Fallback xmlns="">
           <p:sp>
             <p:nvSpPr>
               <p:cNvPr id="4" name="TextBox 3">
@@ -8363,6 +8443,1278 @@
           <a:chExt cx="0" cy="0"/>
         </a:xfrm>
       </p:grpSpPr>
+      <mc:AlternateContent xmlns:mc="http://schemas.openxmlformats.org/markup-compatibility/2006" xmlns:a14="http://schemas.microsoft.com/office/drawing/2010/main">
+        <mc:Choice Requires="a14">
+          <p:sp>
+            <p:nvSpPr>
+              <p:cNvPr id="4" name="TextBox 3">
+                <a:extLst>
+                  <a:ext uri="{FF2B5EF4-FFF2-40B4-BE49-F238E27FC236}">
+                    <a16:creationId xmlns:a16="http://schemas.microsoft.com/office/drawing/2014/main" id="{A31694BD-2860-5046-A743-8E4B35BA6A6E}"/>
+                  </a:ext>
+                </a:extLst>
+              </p:cNvPr>
+              <p:cNvSpPr txBox="1"/>
+              <p:nvPr/>
+            </p:nvSpPr>
+            <p:spPr>
+              <a:xfrm>
+                <a:off x="473864" y="1689508"/>
+                <a:ext cx="1032990" cy="523990"/>
+              </a:xfrm>
+              <a:prstGeom prst="rect">
+                <a:avLst/>
+              </a:prstGeom>
+              <a:solidFill>
+                <a:schemeClr val="accent6"/>
+              </a:solidFill>
+              <a:ln>
+                <a:solidFill>
+                  <a:schemeClr val="tx1"/>
+                </a:solidFill>
+              </a:ln>
+            </p:spPr>
+            <p:txBody>
+              <a:bodyPr wrap="square" rtlCol="0">
+                <a:spAutoFit/>
+              </a:bodyPr>
+              <a:lstStyle/>
+              <a:p>
+                <a:r>
+                  <a:rPr lang="en-US" sz="1400" dirty="0"/>
+                  <a:t>Data Set: </a:t>
+                </a:r>
+                <a14:m>
+                  <m:oMath xmlns:m="http://schemas.openxmlformats.org/officeDocument/2006/math">
+                    <m:r>
+                      <m:rPr>
+                        <m:lit/>
+                      </m:rPr>
+                      <a:rPr lang="en-US" sz="1400" i="1">
+                        <a:latin typeface="Cambria Math" panose="02040503050406030204" pitchFamily="18" charset="0"/>
+                      </a:rPr>
+                      <m:t>{</m:t>
+                    </m:r>
+                    <m:d>
+                      <m:dPr>
+                        <m:ctrlPr>
+                          <a:rPr lang="en-US" sz="1400" i="1">
+                            <a:latin typeface="Cambria Math" panose="02040503050406030204" pitchFamily="18" charset="0"/>
+                          </a:rPr>
+                        </m:ctrlPr>
+                      </m:dPr>
+                      <m:e>
+                        <m:sSub>
+                          <m:sSubPr>
+                            <m:ctrlPr>
+                              <a:rPr lang="en-US" sz="1400" i="1">
+                                <a:latin typeface="Cambria Math" panose="02040503050406030204" pitchFamily="18" charset="0"/>
+                              </a:rPr>
+                            </m:ctrlPr>
+                          </m:sSubPr>
+                          <m:e>
+                            <m:r>
+                              <a:rPr lang="en-US" sz="1400" b="1" i="1">
+                                <a:latin typeface="Cambria Math" panose="02040503050406030204" pitchFamily="18" charset="0"/>
+                              </a:rPr>
+                              <m:t>𝒙</m:t>
+                            </m:r>
+                          </m:e>
+                          <m:sub>
+                            <m:r>
+                              <a:rPr lang="en-US" sz="1400" i="1">
+                                <a:latin typeface="Cambria Math" panose="02040503050406030204" pitchFamily="18" charset="0"/>
+                              </a:rPr>
+                              <m:t>𝑖</m:t>
+                            </m:r>
+                          </m:sub>
+                        </m:sSub>
+                        <m:r>
+                          <a:rPr lang="en-US" sz="1400" i="1">
+                            <a:latin typeface="Cambria Math" panose="02040503050406030204" pitchFamily="18" charset="0"/>
+                          </a:rPr>
+                          <m:t>, </m:t>
+                        </m:r>
+                        <m:sSub>
+                          <m:sSubPr>
+                            <m:ctrlPr>
+                              <a:rPr lang="en-US" sz="1400" i="1">
+                                <a:latin typeface="Cambria Math" panose="02040503050406030204" pitchFamily="18" charset="0"/>
+                              </a:rPr>
+                            </m:ctrlPr>
+                          </m:sSubPr>
+                          <m:e>
+                            <m:r>
+                              <a:rPr lang="en-US" sz="1400" i="1">
+                                <a:latin typeface="Cambria Math" panose="02040503050406030204" pitchFamily="18" charset="0"/>
+                              </a:rPr>
+                              <m:t>𝑦</m:t>
+                            </m:r>
+                          </m:e>
+                          <m:sub>
+                            <m:r>
+                              <a:rPr lang="en-US" sz="1400" i="1">
+                                <a:latin typeface="Cambria Math" panose="02040503050406030204" pitchFamily="18" charset="0"/>
+                              </a:rPr>
+                              <m:t>𝑖</m:t>
+                            </m:r>
+                          </m:sub>
+                        </m:sSub>
+                      </m:e>
+                    </m:d>
+                    <m:sSubSup>
+                      <m:sSubSupPr>
+                        <m:ctrlPr>
+                          <a:rPr lang="en-US" sz="1400" i="1">
+                            <a:latin typeface="Cambria Math" panose="02040503050406030204" pitchFamily="18" charset="0"/>
+                          </a:rPr>
+                        </m:ctrlPr>
+                      </m:sSubSupPr>
+                      <m:e>
+                        <m:r>
+                          <m:rPr>
+                            <m:lit/>
+                          </m:rPr>
+                          <a:rPr lang="en-US" sz="1400" i="1">
+                            <a:latin typeface="Cambria Math" panose="02040503050406030204" pitchFamily="18" charset="0"/>
+                          </a:rPr>
+                          <m:t>}</m:t>
+                        </m:r>
+                      </m:e>
+                      <m:sub>
+                        <m:r>
+                          <a:rPr lang="en-US" sz="1400" i="1">
+                            <a:latin typeface="Cambria Math" panose="02040503050406030204" pitchFamily="18" charset="0"/>
+                          </a:rPr>
+                          <m:t>𝑖</m:t>
+                        </m:r>
+                        <m:r>
+                          <a:rPr lang="en-US" sz="1400" i="1">
+                            <a:latin typeface="Cambria Math" panose="02040503050406030204" pitchFamily="18" charset="0"/>
+                          </a:rPr>
+                          <m:t>=1</m:t>
+                        </m:r>
+                      </m:sub>
+                      <m:sup>
+                        <m:r>
+                          <a:rPr lang="en-US" sz="1400" i="1">
+                            <a:latin typeface="Cambria Math" panose="02040503050406030204" pitchFamily="18" charset="0"/>
+                          </a:rPr>
+                          <m:t>𝑚</m:t>
+                        </m:r>
+                      </m:sup>
+                    </m:sSubSup>
+                  </m:oMath>
+                </a14:m>
+                <a:endParaRPr lang="en-US" sz="1400" dirty="0"/>
+              </a:p>
+            </p:txBody>
+          </p:sp>
+        </mc:Choice>
+        <mc:Fallback xmlns="">
+          <p:sp>
+            <p:nvSpPr>
+              <p:cNvPr id="4" name="TextBox 3">
+                <a:extLst>
+                  <a:ext uri="{FF2B5EF4-FFF2-40B4-BE49-F238E27FC236}">
+                    <a16:creationId xmlns:a16="http://schemas.microsoft.com/office/drawing/2014/main" id="{A31694BD-2860-5046-A743-8E4B35BA6A6E}"/>
+                  </a:ext>
+                </a:extLst>
+              </p:cNvPr>
+              <p:cNvSpPr txBox="1">
+                <a:spLocks noRot="1" noChangeAspect="1" noMove="1" noResize="1" noEditPoints="1" noAdjustHandles="1" noChangeArrowheads="1" noChangeShapeType="1" noTextEdit="1"/>
+              </p:cNvSpPr>
+              <p:nvPr/>
+            </p:nvSpPr>
+            <p:spPr>
+              <a:xfrm>
+                <a:off x="473864" y="1689508"/>
+                <a:ext cx="1032990" cy="523990"/>
+              </a:xfrm>
+              <a:prstGeom prst="rect">
+                <a:avLst/>
+              </a:prstGeom>
+              <a:blipFill>
+                <a:blip r:embed="rId2"/>
+                <a:stretch>
+                  <a:fillRect b="-2326"/>
+                </a:stretch>
+              </a:blipFill>
+              <a:ln>
+                <a:solidFill>
+                  <a:schemeClr val="tx1"/>
+                </a:solidFill>
+              </a:ln>
+            </p:spPr>
+            <p:txBody>
+              <a:bodyPr/>
+              <a:lstStyle/>
+              <a:p>
+                <a:r>
+                  <a:rPr lang="en-US">
+                    <a:noFill/>
+                  </a:rPr>
+                  <a:t> </a:t>
+                </a:r>
+              </a:p>
+            </p:txBody>
+          </p:sp>
+        </mc:Fallback>
+      </mc:AlternateContent>
+      <p:cxnSp>
+        <p:nvCxnSpPr>
+          <p:cNvPr id="5" name="Straight Arrow Connector 4">
+            <a:extLst>
+              <a:ext uri="{FF2B5EF4-FFF2-40B4-BE49-F238E27FC236}">
+                <a16:creationId xmlns:a16="http://schemas.microsoft.com/office/drawing/2014/main" id="{90B16711-508C-554E-86F8-B18486A903C1}"/>
+              </a:ext>
+            </a:extLst>
+          </p:cNvPr>
+          <p:cNvCxnSpPr>
+            <a:cxnSpLocks/>
+            <a:stCxn id="60" idx="0"/>
+            <a:endCxn id="14" idx="1"/>
+          </p:cNvCxnSpPr>
+          <p:nvPr/>
+        </p:nvCxnSpPr>
+        <p:spPr>
+          <a:xfrm flipV="1">
+            <a:off x="4226153" y="1325601"/>
+            <a:ext cx="516605" cy="398398"/>
+          </a:xfrm>
+          <a:prstGeom prst="straightConnector1">
+            <a:avLst/>
+          </a:prstGeom>
+          <a:ln w="28575">
+            <a:solidFill>
+              <a:schemeClr val="tx1"/>
+            </a:solidFill>
+            <a:tailEnd type="triangle"/>
+          </a:ln>
+        </p:spPr>
+        <p:style>
+          <a:lnRef idx="1">
+            <a:schemeClr val="accent1"/>
+          </a:lnRef>
+          <a:fillRef idx="0">
+            <a:schemeClr val="accent1"/>
+          </a:fillRef>
+          <a:effectRef idx="0">
+            <a:schemeClr val="accent1"/>
+          </a:effectRef>
+          <a:fontRef idx="minor">
+            <a:schemeClr val="tx1"/>
+          </a:fontRef>
+        </p:style>
+      </p:cxnSp>
+      <p:cxnSp>
+        <p:nvCxnSpPr>
+          <p:cNvPr id="6" name="Straight Arrow Connector 5">
+            <a:extLst>
+              <a:ext uri="{FF2B5EF4-FFF2-40B4-BE49-F238E27FC236}">
+                <a16:creationId xmlns:a16="http://schemas.microsoft.com/office/drawing/2014/main" id="{07803F07-A468-9F43-B713-246F7BFE501D}"/>
+              </a:ext>
+            </a:extLst>
+          </p:cNvPr>
+          <p:cNvCxnSpPr>
+            <a:cxnSpLocks/>
+            <a:stCxn id="60" idx="2"/>
+            <a:endCxn id="37" idx="1"/>
+          </p:cNvCxnSpPr>
+          <p:nvPr/>
+        </p:nvCxnSpPr>
+        <p:spPr>
+          <a:xfrm>
+            <a:off x="4226153" y="2179007"/>
+            <a:ext cx="520528" cy="397365"/>
+          </a:xfrm>
+          <a:prstGeom prst="straightConnector1">
+            <a:avLst/>
+          </a:prstGeom>
+          <a:ln w="28575">
+            <a:solidFill>
+              <a:schemeClr val="tx1"/>
+            </a:solidFill>
+            <a:tailEnd type="triangle"/>
+          </a:ln>
+        </p:spPr>
+        <p:style>
+          <a:lnRef idx="1">
+            <a:schemeClr val="accent1"/>
+          </a:lnRef>
+          <a:fillRef idx="0">
+            <a:schemeClr val="accent1"/>
+          </a:fillRef>
+          <a:effectRef idx="0">
+            <a:schemeClr val="accent1"/>
+          </a:effectRef>
+          <a:fontRef idx="minor">
+            <a:schemeClr val="tx1"/>
+          </a:fontRef>
+        </p:style>
+      </p:cxnSp>
+      <p:cxnSp>
+        <p:nvCxnSpPr>
+          <p:cNvPr id="25" name="Elbow Connector 24">
+            <a:extLst>
+              <a:ext uri="{FF2B5EF4-FFF2-40B4-BE49-F238E27FC236}">
+                <a16:creationId xmlns:a16="http://schemas.microsoft.com/office/drawing/2014/main" id="{411065AF-E81A-274A-B039-4A2B3E76069D}"/>
+              </a:ext>
+            </a:extLst>
+          </p:cNvPr>
+          <p:cNvCxnSpPr>
+            <a:cxnSpLocks/>
+            <a:stCxn id="95" idx="2"/>
+          </p:cNvCxnSpPr>
+          <p:nvPr/>
+        </p:nvCxnSpPr>
+        <p:spPr>
+          <a:xfrm rot="5400000">
+            <a:off x="3955639" y="-256724"/>
+            <a:ext cx="602308" cy="6532868"/>
+          </a:xfrm>
+          <a:prstGeom prst="bentConnector2">
+            <a:avLst/>
+          </a:prstGeom>
+          <a:ln w="28575">
+            <a:solidFill>
+              <a:schemeClr val="tx1"/>
+            </a:solidFill>
+          </a:ln>
+        </p:spPr>
+        <p:style>
+          <a:lnRef idx="1">
+            <a:schemeClr val="accent1"/>
+          </a:lnRef>
+          <a:fillRef idx="0">
+            <a:schemeClr val="accent1"/>
+          </a:fillRef>
+          <a:effectRef idx="0">
+            <a:schemeClr val="accent1"/>
+          </a:effectRef>
+          <a:fontRef idx="minor">
+            <a:schemeClr val="tx1"/>
+          </a:fontRef>
+        </p:style>
+      </p:cxnSp>
+      <p:cxnSp>
+        <p:nvCxnSpPr>
+          <p:cNvPr id="27" name="Straight Arrow Connector 26">
+            <a:extLst>
+              <a:ext uri="{FF2B5EF4-FFF2-40B4-BE49-F238E27FC236}">
+                <a16:creationId xmlns:a16="http://schemas.microsoft.com/office/drawing/2014/main" id="{6832457E-9B82-6043-AAA7-40CAC3EA50EF}"/>
+              </a:ext>
+            </a:extLst>
+          </p:cNvPr>
+          <p:cNvCxnSpPr>
+            <a:cxnSpLocks/>
+            <a:endCxn id="4" idx="2"/>
+          </p:cNvCxnSpPr>
+          <p:nvPr/>
+        </p:nvCxnSpPr>
+        <p:spPr>
+          <a:xfrm flipV="1">
+            <a:off x="990359" y="2213498"/>
+            <a:ext cx="0" cy="1101325"/>
+          </a:xfrm>
+          <a:prstGeom prst="straightConnector1">
+            <a:avLst/>
+          </a:prstGeom>
+          <a:ln w="28575">
+            <a:solidFill>
+              <a:schemeClr val="tx1"/>
+            </a:solidFill>
+            <a:tailEnd type="triangle"/>
+          </a:ln>
+        </p:spPr>
+        <p:style>
+          <a:lnRef idx="1">
+            <a:schemeClr val="accent1"/>
+          </a:lnRef>
+          <a:fillRef idx="0">
+            <a:schemeClr val="accent1"/>
+          </a:fillRef>
+          <a:effectRef idx="0">
+            <a:schemeClr val="accent1"/>
+          </a:effectRef>
+          <a:fontRef idx="minor">
+            <a:schemeClr val="tx1"/>
+          </a:fontRef>
+        </p:style>
+      </p:cxnSp>
+      <p:sp>
+        <p:nvSpPr>
+          <p:cNvPr id="42" name="TextBox 41">
+            <a:extLst>
+              <a:ext uri="{FF2B5EF4-FFF2-40B4-BE49-F238E27FC236}">
+                <a16:creationId xmlns:a16="http://schemas.microsoft.com/office/drawing/2014/main" id="{46EEE423-DAE8-3E41-9D1A-8702DF5C18F2}"/>
+              </a:ext>
+            </a:extLst>
+          </p:cNvPr>
+          <p:cNvSpPr txBox="1"/>
+          <p:nvPr/>
+        </p:nvSpPr>
+        <p:spPr>
+          <a:xfrm>
+            <a:off x="2067383" y="2919236"/>
+            <a:ext cx="2391360" cy="307777"/>
+          </a:xfrm>
+          <a:prstGeom prst="rect">
+            <a:avLst/>
+          </a:prstGeom>
+          <a:noFill/>
+          <a:ln>
+            <a:noFill/>
+          </a:ln>
+        </p:spPr>
+        <p:txBody>
+          <a:bodyPr wrap="none" rtlCol="0">
+            <a:spAutoFit/>
+          </a:bodyPr>
+          <a:lstStyle/>
+          <a:p>
+            <a:r>
+              <a:rPr lang="en-US" sz="1400" dirty="0"/>
+              <a:t>The data set has concept drift </a:t>
+            </a:r>
+          </a:p>
+        </p:txBody>
+      </p:sp>
+      <p:sp>
+        <p:nvSpPr>
+          <p:cNvPr id="43" name="TextBox 42">
+            <a:extLst>
+              <a:ext uri="{FF2B5EF4-FFF2-40B4-BE49-F238E27FC236}">
+                <a16:creationId xmlns:a16="http://schemas.microsoft.com/office/drawing/2014/main" id="{7A071DC3-D1A4-DD49-94E4-03A810AF279F}"/>
+              </a:ext>
+            </a:extLst>
+          </p:cNvPr>
+          <p:cNvSpPr txBox="1"/>
+          <p:nvPr/>
+        </p:nvSpPr>
+        <p:spPr>
+          <a:xfrm rot="16200000">
+            <a:off x="949521" y="2401014"/>
+            <a:ext cx="899990" cy="738664"/>
+          </a:xfrm>
+          <a:prstGeom prst="rect">
+            <a:avLst/>
+          </a:prstGeom>
+          <a:noFill/>
+          <a:ln>
+            <a:noFill/>
+          </a:ln>
+        </p:spPr>
+        <p:txBody>
+          <a:bodyPr wrap="square" rtlCol="0">
+            <a:spAutoFit/>
+          </a:bodyPr>
+          <a:lstStyle/>
+          <a:p>
+            <a:r>
+              <a:rPr lang="en-US" sz="1400" dirty="0"/>
+              <a:t>Remove unstable data</a:t>
+            </a:r>
+          </a:p>
+        </p:txBody>
+      </p:sp>
+      <p:cxnSp>
+        <p:nvCxnSpPr>
+          <p:cNvPr id="57" name="Straight Arrow Connector 56">
+            <a:extLst>
+              <a:ext uri="{FF2B5EF4-FFF2-40B4-BE49-F238E27FC236}">
+                <a16:creationId xmlns:a16="http://schemas.microsoft.com/office/drawing/2014/main" id="{FA20AECA-F7CF-7E49-8D32-D250C2DEDB46}"/>
+              </a:ext>
+            </a:extLst>
+          </p:cNvPr>
+          <p:cNvCxnSpPr>
+            <a:cxnSpLocks/>
+            <a:stCxn id="4" idx="3"/>
+            <a:endCxn id="21" idx="1"/>
+          </p:cNvCxnSpPr>
+          <p:nvPr/>
+        </p:nvCxnSpPr>
+        <p:spPr>
+          <a:xfrm>
+            <a:off x="1506854" y="1951503"/>
+            <a:ext cx="786588" cy="1"/>
+          </a:xfrm>
+          <a:prstGeom prst="straightConnector1">
+            <a:avLst/>
+          </a:prstGeom>
+          <a:ln w="28575">
+            <a:solidFill>
+              <a:schemeClr val="tx1"/>
+            </a:solidFill>
+            <a:tailEnd type="triangle"/>
+          </a:ln>
+        </p:spPr>
+        <p:style>
+          <a:lnRef idx="1">
+            <a:schemeClr val="accent1"/>
+          </a:lnRef>
+          <a:fillRef idx="0">
+            <a:schemeClr val="accent1"/>
+          </a:fillRef>
+          <a:effectRef idx="0">
+            <a:schemeClr val="accent1"/>
+          </a:effectRef>
+          <a:fontRef idx="minor">
+            <a:schemeClr val="tx1"/>
+          </a:fontRef>
+        </p:style>
+      </p:cxnSp>
+      <p:sp>
+        <p:nvSpPr>
+          <p:cNvPr id="88" name="Rounded Rectangle 87">
+            <a:extLst>
+              <a:ext uri="{FF2B5EF4-FFF2-40B4-BE49-F238E27FC236}">
+                <a16:creationId xmlns:a16="http://schemas.microsoft.com/office/drawing/2014/main" id="{E7A586EF-D1AE-9D41-8381-90DF99027950}"/>
+              </a:ext>
+            </a:extLst>
+          </p:cNvPr>
+          <p:cNvSpPr/>
+          <p:nvPr/>
+        </p:nvSpPr>
+        <p:spPr>
+          <a:xfrm>
+            <a:off x="345439" y="649432"/>
+            <a:ext cx="7538722" cy="2815936"/>
+          </a:xfrm>
+          <a:prstGeom prst="roundRect">
+            <a:avLst/>
+          </a:prstGeom>
+          <a:noFill/>
+          <a:ln w="38100">
+            <a:solidFill>
+              <a:schemeClr val="tx1"/>
+            </a:solidFill>
+          </a:ln>
+        </p:spPr>
+        <p:style>
+          <a:lnRef idx="2">
+            <a:schemeClr val="accent1">
+              <a:shade val="50000"/>
+            </a:schemeClr>
+          </a:lnRef>
+          <a:fillRef idx="1">
+            <a:schemeClr val="accent1"/>
+          </a:fillRef>
+          <a:effectRef idx="0">
+            <a:schemeClr val="accent1"/>
+          </a:effectRef>
+          <a:fontRef idx="minor">
+            <a:schemeClr val="lt1"/>
+          </a:fontRef>
+        </p:style>
+        <p:txBody>
+          <a:bodyPr rtlCol="0" anchor="ctr"/>
+          <a:lstStyle/>
+          <a:p>
+            <a:pPr algn="ctr"/>
+            <a:endParaRPr lang="en-US"/>
+          </a:p>
+        </p:txBody>
+      </p:sp>
+      <p:sp>
+        <p:nvSpPr>
+          <p:cNvPr id="21" name="Rounded Rectangle 20">
+            <a:extLst>
+              <a:ext uri="{FF2B5EF4-FFF2-40B4-BE49-F238E27FC236}">
+                <a16:creationId xmlns:a16="http://schemas.microsoft.com/office/drawing/2014/main" id="{743C6CCE-BAA0-A54C-8470-BEB33A352F8B}"/>
+              </a:ext>
+            </a:extLst>
+          </p:cNvPr>
+          <p:cNvSpPr/>
+          <p:nvPr/>
+        </p:nvSpPr>
+        <p:spPr>
+          <a:xfrm>
+            <a:off x="2293442" y="1780090"/>
+            <a:ext cx="795854" cy="342827"/>
+          </a:xfrm>
+          <a:prstGeom prst="roundRect">
+            <a:avLst/>
+          </a:prstGeom>
+          <a:solidFill>
+            <a:schemeClr val="accent5">
+              <a:lumMod val="60000"/>
+              <a:lumOff val="40000"/>
+            </a:schemeClr>
+          </a:solidFill>
+          <a:ln>
+            <a:solidFill>
+              <a:schemeClr val="tx1"/>
+            </a:solidFill>
+          </a:ln>
+        </p:spPr>
+        <p:style>
+          <a:lnRef idx="2">
+            <a:schemeClr val="accent1">
+              <a:shade val="50000"/>
+            </a:schemeClr>
+          </a:lnRef>
+          <a:fillRef idx="1">
+            <a:schemeClr val="accent1"/>
+          </a:fillRef>
+          <a:effectRef idx="0">
+            <a:schemeClr val="accent1"/>
+          </a:effectRef>
+          <a:fontRef idx="minor">
+            <a:schemeClr val="lt1"/>
+          </a:fontRef>
+        </p:style>
+        <p:txBody>
+          <a:bodyPr rtlCol="0" anchor="ctr"/>
+          <a:lstStyle/>
+          <a:p>
+            <a:pPr algn="ctr"/>
+            <a:r>
+              <a:rPr lang="en-US" sz="1400" dirty="0">
+                <a:solidFill>
+                  <a:schemeClr val="tx1"/>
+                </a:solidFill>
+              </a:rPr>
+              <a:t>Training</a:t>
+            </a:r>
+          </a:p>
+        </p:txBody>
+      </p:sp>
+      <p:cxnSp>
+        <p:nvCxnSpPr>
+          <p:cNvPr id="33" name="Straight Arrow Connector 32">
+            <a:extLst>
+              <a:ext uri="{FF2B5EF4-FFF2-40B4-BE49-F238E27FC236}">
+                <a16:creationId xmlns:a16="http://schemas.microsoft.com/office/drawing/2014/main" id="{98547258-3BD5-1E47-BFDE-25FA57D86421}"/>
+              </a:ext>
+            </a:extLst>
+          </p:cNvPr>
+          <p:cNvCxnSpPr>
+            <a:cxnSpLocks/>
+            <a:stCxn id="21" idx="3"/>
+            <a:endCxn id="60" idx="1"/>
+          </p:cNvCxnSpPr>
+          <p:nvPr/>
+        </p:nvCxnSpPr>
+        <p:spPr>
+          <a:xfrm flipV="1">
+            <a:off x="3089296" y="1951503"/>
+            <a:ext cx="720841" cy="1"/>
+          </a:xfrm>
+          <a:prstGeom prst="straightConnector1">
+            <a:avLst/>
+          </a:prstGeom>
+          <a:ln w="28575">
+            <a:solidFill>
+              <a:schemeClr val="tx1"/>
+            </a:solidFill>
+            <a:tailEnd type="triangle"/>
+          </a:ln>
+        </p:spPr>
+        <p:style>
+          <a:lnRef idx="1">
+            <a:schemeClr val="accent1"/>
+          </a:lnRef>
+          <a:fillRef idx="0">
+            <a:schemeClr val="accent1"/>
+          </a:fillRef>
+          <a:effectRef idx="0">
+            <a:schemeClr val="accent1"/>
+          </a:effectRef>
+          <a:fontRef idx="minor">
+            <a:schemeClr val="tx1"/>
+          </a:fontRef>
+        </p:style>
+      </p:cxnSp>
+      <p:sp>
+        <p:nvSpPr>
+          <p:cNvPr id="60" name="Rounded Rectangle 59">
+            <a:extLst>
+              <a:ext uri="{FF2B5EF4-FFF2-40B4-BE49-F238E27FC236}">
+                <a16:creationId xmlns:a16="http://schemas.microsoft.com/office/drawing/2014/main" id="{ACE44DF8-4CAD-4A45-A48E-99D3B85B9202}"/>
+              </a:ext>
+            </a:extLst>
+          </p:cNvPr>
+          <p:cNvSpPr/>
+          <p:nvPr/>
+        </p:nvSpPr>
+        <p:spPr>
+          <a:xfrm>
+            <a:off x="3810137" y="1723999"/>
+            <a:ext cx="832031" cy="455008"/>
+          </a:xfrm>
+          <a:prstGeom prst="roundRect">
+            <a:avLst/>
+          </a:prstGeom>
+          <a:solidFill>
+            <a:schemeClr val="accent5">
+              <a:lumMod val="60000"/>
+              <a:lumOff val="40000"/>
+            </a:schemeClr>
+          </a:solidFill>
+          <a:ln>
+            <a:solidFill>
+              <a:schemeClr val="tx1"/>
+            </a:solidFill>
+          </a:ln>
+        </p:spPr>
+        <p:style>
+          <a:lnRef idx="2">
+            <a:schemeClr val="accent1">
+              <a:shade val="50000"/>
+            </a:schemeClr>
+          </a:lnRef>
+          <a:fillRef idx="1">
+            <a:schemeClr val="accent1"/>
+          </a:fillRef>
+          <a:effectRef idx="0">
+            <a:schemeClr val="accent1"/>
+          </a:effectRef>
+          <a:fontRef idx="minor">
+            <a:schemeClr val="lt1"/>
+          </a:fontRef>
+        </p:style>
+        <p:txBody>
+          <a:bodyPr rtlCol="0" anchor="ctr"/>
+          <a:lstStyle/>
+          <a:p>
+            <a:pPr algn="ctr"/>
+            <a:r>
+              <a:rPr lang="en-US" sz="1400" dirty="0">
+                <a:solidFill>
+                  <a:schemeClr val="tx1"/>
+                </a:solidFill>
+              </a:rPr>
+              <a:t>Concept Drift?</a:t>
+            </a:r>
+          </a:p>
+        </p:txBody>
+      </p:sp>
+      <p:cxnSp>
+        <p:nvCxnSpPr>
+          <p:cNvPr id="82" name="Straight Arrow Connector 81">
+            <a:extLst>
+              <a:ext uri="{FF2B5EF4-FFF2-40B4-BE49-F238E27FC236}">
+                <a16:creationId xmlns:a16="http://schemas.microsoft.com/office/drawing/2014/main" id="{15506030-1547-E94B-AD3B-85974E389D55}"/>
+              </a:ext>
+            </a:extLst>
+          </p:cNvPr>
+          <p:cNvCxnSpPr>
+            <a:cxnSpLocks/>
+            <a:stCxn id="14" idx="3"/>
+            <a:endCxn id="94" idx="1"/>
+          </p:cNvCxnSpPr>
+          <p:nvPr/>
+        </p:nvCxnSpPr>
+        <p:spPr>
+          <a:xfrm flipV="1">
+            <a:off x="7108698" y="1325600"/>
+            <a:ext cx="180858" cy="1"/>
+          </a:xfrm>
+          <a:prstGeom prst="straightConnector1">
+            <a:avLst/>
+          </a:prstGeom>
+          <a:ln w="28575">
+            <a:solidFill>
+              <a:schemeClr val="tx1"/>
+            </a:solidFill>
+            <a:tailEnd type="triangle"/>
+          </a:ln>
+        </p:spPr>
+        <p:style>
+          <a:lnRef idx="1">
+            <a:schemeClr val="accent1"/>
+          </a:lnRef>
+          <a:fillRef idx="0">
+            <a:schemeClr val="accent1"/>
+          </a:fillRef>
+          <a:effectRef idx="0">
+            <a:schemeClr val="accent1"/>
+          </a:effectRef>
+          <a:fontRef idx="minor">
+            <a:schemeClr val="tx1"/>
+          </a:fontRef>
+        </p:style>
+      </p:cxnSp>
+      <p:cxnSp>
+        <p:nvCxnSpPr>
+          <p:cNvPr id="86" name="Straight Arrow Connector 85">
+            <a:extLst>
+              <a:ext uri="{FF2B5EF4-FFF2-40B4-BE49-F238E27FC236}">
+                <a16:creationId xmlns:a16="http://schemas.microsoft.com/office/drawing/2014/main" id="{7FD2FE63-3B23-344C-BF30-E2A50F4F756A}"/>
+              </a:ext>
+            </a:extLst>
+          </p:cNvPr>
+          <p:cNvCxnSpPr>
+            <a:cxnSpLocks/>
+            <a:stCxn id="37" idx="3"/>
+            <a:endCxn id="95" idx="1"/>
+          </p:cNvCxnSpPr>
+          <p:nvPr/>
+        </p:nvCxnSpPr>
+        <p:spPr>
+          <a:xfrm flipV="1">
+            <a:off x="7112621" y="2572411"/>
+            <a:ext cx="176935" cy="3961"/>
+          </a:xfrm>
+          <a:prstGeom prst="straightConnector1">
+            <a:avLst/>
+          </a:prstGeom>
+          <a:ln w="28575">
+            <a:solidFill>
+              <a:schemeClr val="tx1"/>
+            </a:solidFill>
+            <a:tailEnd type="triangle"/>
+          </a:ln>
+        </p:spPr>
+        <p:style>
+          <a:lnRef idx="1">
+            <a:schemeClr val="accent1"/>
+          </a:lnRef>
+          <a:fillRef idx="0">
+            <a:schemeClr val="accent1"/>
+          </a:fillRef>
+          <a:effectRef idx="0">
+            <a:schemeClr val="accent1"/>
+          </a:effectRef>
+          <a:fontRef idx="minor">
+            <a:schemeClr val="tx1"/>
+          </a:fontRef>
+        </p:style>
+      </p:cxnSp>
+      <p:sp>
+        <p:nvSpPr>
+          <p:cNvPr id="94" name="Rounded Rectangle 93">
+            <a:extLst>
+              <a:ext uri="{FF2B5EF4-FFF2-40B4-BE49-F238E27FC236}">
+                <a16:creationId xmlns:a16="http://schemas.microsoft.com/office/drawing/2014/main" id="{DBC85158-F680-2045-8829-F2563FDC1C01}"/>
+              </a:ext>
+            </a:extLst>
+          </p:cNvPr>
+          <p:cNvSpPr/>
+          <p:nvPr/>
+        </p:nvSpPr>
+        <p:spPr>
+          <a:xfrm>
+            <a:off x="7289556" y="1189455"/>
+            <a:ext cx="467342" cy="272290"/>
+          </a:xfrm>
+          <a:prstGeom prst="roundRect">
+            <a:avLst/>
+          </a:prstGeom>
+          <a:solidFill>
+            <a:schemeClr val="accent5">
+              <a:lumMod val="60000"/>
+              <a:lumOff val="40000"/>
+            </a:schemeClr>
+          </a:solidFill>
+          <a:ln>
+            <a:solidFill>
+              <a:schemeClr val="tx1"/>
+            </a:solidFill>
+          </a:ln>
+        </p:spPr>
+        <p:style>
+          <a:lnRef idx="2">
+            <a:schemeClr val="accent1">
+              <a:shade val="50000"/>
+            </a:schemeClr>
+          </a:lnRef>
+          <a:fillRef idx="1">
+            <a:schemeClr val="accent1"/>
+          </a:fillRef>
+          <a:effectRef idx="0">
+            <a:schemeClr val="accent1"/>
+          </a:effectRef>
+          <a:fontRef idx="minor">
+            <a:schemeClr val="lt1"/>
+          </a:fontRef>
+        </p:style>
+        <p:txBody>
+          <a:bodyPr rtlCol="0" anchor="ctr"/>
+          <a:lstStyle/>
+          <a:p>
+            <a:pPr algn="ctr"/>
+            <a:r>
+              <a:rPr lang="en-US" sz="1400" dirty="0">
+                <a:solidFill>
+                  <a:schemeClr val="tx1"/>
+                </a:solidFill>
+              </a:rPr>
+              <a:t>No</a:t>
+            </a:r>
+          </a:p>
+        </p:txBody>
+      </p:sp>
+      <p:sp>
+        <p:nvSpPr>
+          <p:cNvPr id="95" name="Rounded Rectangle 94">
+            <a:extLst>
+              <a:ext uri="{FF2B5EF4-FFF2-40B4-BE49-F238E27FC236}">
+                <a16:creationId xmlns:a16="http://schemas.microsoft.com/office/drawing/2014/main" id="{C855DC51-EB63-D744-A5FE-183B0FC4C252}"/>
+              </a:ext>
+            </a:extLst>
+          </p:cNvPr>
+          <p:cNvSpPr/>
+          <p:nvPr/>
+        </p:nvSpPr>
+        <p:spPr>
+          <a:xfrm>
+            <a:off x="7289556" y="2436266"/>
+            <a:ext cx="467342" cy="272290"/>
+          </a:xfrm>
+          <a:prstGeom prst="roundRect">
+            <a:avLst/>
+          </a:prstGeom>
+          <a:solidFill>
+            <a:schemeClr val="accent5">
+              <a:lumMod val="60000"/>
+              <a:lumOff val="40000"/>
+            </a:schemeClr>
+          </a:solidFill>
+          <a:ln>
+            <a:solidFill>
+              <a:schemeClr val="tx1"/>
+            </a:solidFill>
+          </a:ln>
+        </p:spPr>
+        <p:style>
+          <a:lnRef idx="2">
+            <a:schemeClr val="accent1">
+              <a:shade val="50000"/>
+            </a:schemeClr>
+          </a:lnRef>
+          <a:fillRef idx="1">
+            <a:schemeClr val="accent1"/>
+          </a:fillRef>
+          <a:effectRef idx="0">
+            <a:schemeClr val="accent1"/>
+          </a:effectRef>
+          <a:fontRef idx="minor">
+            <a:schemeClr val="lt1"/>
+          </a:fontRef>
+        </p:style>
+        <p:txBody>
+          <a:bodyPr rtlCol="0" anchor="ctr"/>
+          <a:lstStyle/>
+          <a:p>
+            <a:pPr algn="ctr"/>
+            <a:r>
+              <a:rPr lang="en-US" sz="1400" dirty="0">
+                <a:solidFill>
+                  <a:schemeClr val="tx1"/>
+                </a:solidFill>
+              </a:rPr>
+              <a:t>Yes</a:t>
+            </a:r>
+          </a:p>
+        </p:txBody>
+      </p:sp>
+      <p:grpSp>
+        <p:nvGrpSpPr>
+          <p:cNvPr id="22" name="Group 21">
+            <a:extLst>
+              <a:ext uri="{FF2B5EF4-FFF2-40B4-BE49-F238E27FC236}">
+                <a16:creationId xmlns:a16="http://schemas.microsoft.com/office/drawing/2014/main" id="{B5446F60-3B9F-1A4C-B6D7-9FB847A7C60A}"/>
+              </a:ext>
+            </a:extLst>
+          </p:cNvPr>
+          <p:cNvGrpSpPr/>
+          <p:nvPr/>
+        </p:nvGrpSpPr>
+        <p:grpSpPr>
+          <a:xfrm>
+            <a:off x="4742758" y="732812"/>
+            <a:ext cx="2365940" cy="1185577"/>
+            <a:chOff x="4742758" y="820364"/>
+            <a:chExt cx="2365940" cy="1185577"/>
+          </a:xfrm>
+        </p:grpSpPr>
+        <p:sp>
+          <p:nvSpPr>
+            <p:cNvPr id="14" name="Rectangle 13">
+              <a:extLst>
+                <a:ext uri="{FF2B5EF4-FFF2-40B4-BE49-F238E27FC236}">
+                  <a16:creationId xmlns:a16="http://schemas.microsoft.com/office/drawing/2014/main" id="{F2B7E52E-6C32-894F-BBFA-4BBF9D357FE0}"/>
+                </a:ext>
+              </a:extLst>
+            </p:cNvPr>
+            <p:cNvSpPr/>
+            <p:nvPr/>
+          </p:nvSpPr>
+          <p:spPr>
+            <a:xfrm>
+              <a:off x="4742758" y="820364"/>
+              <a:ext cx="2365940" cy="1185577"/>
+            </a:xfrm>
+            <a:prstGeom prst="rect">
+              <a:avLst/>
+            </a:prstGeom>
+            <a:noFill/>
+            <a:ln>
+              <a:solidFill>
+                <a:schemeClr val="tx1"/>
+              </a:solidFill>
+            </a:ln>
+          </p:spPr>
+          <p:style>
+            <a:lnRef idx="2">
+              <a:schemeClr val="accent1">
+                <a:shade val="50000"/>
+              </a:schemeClr>
+            </a:lnRef>
+            <a:fillRef idx="1">
+              <a:schemeClr val="accent1"/>
+            </a:fillRef>
+            <a:effectRef idx="0">
+              <a:schemeClr val="accent1"/>
+            </a:effectRef>
+            <a:fontRef idx="minor">
+              <a:schemeClr val="lt1"/>
+            </a:fontRef>
+          </p:style>
+          <p:txBody>
+            <a:bodyPr rtlCol="0" anchor="ctr"/>
+            <a:lstStyle/>
+            <a:p>
+              <a:pPr algn="ctr"/>
+              <a:endParaRPr lang="en-US"/>
+            </a:p>
+          </p:txBody>
+        </p:sp>
+        <p:pic>
+          <p:nvPicPr>
+            <p:cNvPr id="3" name="Picture 2">
+              <a:extLst>
+                <a:ext uri="{FF2B5EF4-FFF2-40B4-BE49-F238E27FC236}">
+                  <a16:creationId xmlns:a16="http://schemas.microsoft.com/office/drawing/2014/main" id="{8DF4B0DF-3D36-4D48-B0F3-CD7DC93A27F0}"/>
+                </a:ext>
+              </a:extLst>
+            </p:cNvPr>
+            <p:cNvPicPr>
+              <a:picLocks noChangeAspect="1"/>
+            </p:cNvPicPr>
+            <p:nvPr/>
+          </p:nvPicPr>
+          <p:blipFill>
+            <a:blip r:embed="rId3"/>
+            <a:stretch>
+              <a:fillRect/>
+            </a:stretch>
+          </p:blipFill>
+          <p:spPr>
+            <a:xfrm>
+              <a:off x="5058185" y="829447"/>
+              <a:ext cx="1908545" cy="1143000"/>
+            </a:xfrm>
+            <a:prstGeom prst="rect">
+              <a:avLst/>
+            </a:prstGeom>
+          </p:spPr>
+        </p:pic>
+        <p:sp>
+          <p:nvSpPr>
+            <p:cNvPr id="7" name="TextBox 6">
+              <a:extLst>
+                <a:ext uri="{FF2B5EF4-FFF2-40B4-BE49-F238E27FC236}">
+                  <a16:creationId xmlns:a16="http://schemas.microsoft.com/office/drawing/2014/main" id="{B086702A-5EBA-3C44-B5EB-653FE0D17FF5}"/>
+                </a:ext>
+              </a:extLst>
+            </p:cNvPr>
+            <p:cNvSpPr txBox="1"/>
+            <p:nvPr/>
+          </p:nvSpPr>
+          <p:spPr>
+            <a:xfrm rot="16200000">
+              <a:off x="4525878" y="1247059"/>
+              <a:ext cx="845103" cy="307777"/>
+            </a:xfrm>
+            <a:prstGeom prst="rect">
+              <a:avLst/>
+            </a:prstGeom>
+            <a:noFill/>
+          </p:spPr>
+          <p:txBody>
+            <a:bodyPr wrap="none" rtlCol="0">
+              <a:spAutoFit/>
+            </a:bodyPr>
+            <a:lstStyle/>
+            <a:p>
+              <a:r>
+                <a:rPr lang="en-US" sz="1400" dirty="0"/>
+                <a:t>MEWMA</a:t>
+              </a:r>
+            </a:p>
+          </p:txBody>
+        </p:sp>
+      </p:grpSp>
+      <p:grpSp>
+        <p:nvGrpSpPr>
+          <p:cNvPr id="23" name="Group 22">
+            <a:extLst>
+              <a:ext uri="{FF2B5EF4-FFF2-40B4-BE49-F238E27FC236}">
+                <a16:creationId xmlns:a16="http://schemas.microsoft.com/office/drawing/2014/main" id="{25A37355-1C43-1D49-9966-8F4CE0E1EDFD}"/>
+              </a:ext>
+            </a:extLst>
+          </p:cNvPr>
+          <p:cNvGrpSpPr/>
+          <p:nvPr/>
+        </p:nvGrpSpPr>
+        <p:grpSpPr>
+          <a:xfrm>
+            <a:off x="4746681" y="1983583"/>
+            <a:ext cx="2365940" cy="1185577"/>
+            <a:chOff x="4746681" y="2071135"/>
+            <a:chExt cx="2365940" cy="1185577"/>
+          </a:xfrm>
+        </p:grpSpPr>
+        <p:sp>
+          <p:nvSpPr>
+            <p:cNvPr id="37" name="Rectangle 36">
+              <a:extLst>
+                <a:ext uri="{FF2B5EF4-FFF2-40B4-BE49-F238E27FC236}">
+                  <a16:creationId xmlns:a16="http://schemas.microsoft.com/office/drawing/2014/main" id="{6E2E468E-6436-1F4B-92B4-B8DBA1DE9DCA}"/>
+                </a:ext>
+              </a:extLst>
+            </p:cNvPr>
+            <p:cNvSpPr/>
+            <p:nvPr/>
+          </p:nvSpPr>
+          <p:spPr>
+            <a:xfrm>
+              <a:off x="4746681" y="2071135"/>
+              <a:ext cx="2365940" cy="1185577"/>
+            </a:xfrm>
+            <a:prstGeom prst="rect">
+              <a:avLst/>
+            </a:prstGeom>
+            <a:noFill/>
+            <a:ln>
+              <a:solidFill>
+                <a:schemeClr val="tx1"/>
+              </a:solidFill>
+            </a:ln>
+          </p:spPr>
+          <p:style>
+            <a:lnRef idx="2">
+              <a:schemeClr val="accent1">
+                <a:shade val="50000"/>
+              </a:schemeClr>
+            </a:lnRef>
+            <a:fillRef idx="1">
+              <a:schemeClr val="accent1"/>
+            </a:fillRef>
+            <a:effectRef idx="0">
+              <a:schemeClr val="accent1"/>
+            </a:effectRef>
+            <a:fontRef idx="minor">
+              <a:schemeClr val="lt1"/>
+            </a:fontRef>
+          </p:style>
+          <p:txBody>
+            <a:bodyPr rtlCol="0" anchor="ctr"/>
+            <a:lstStyle/>
+            <a:p>
+              <a:pPr algn="ctr"/>
+              <a:endParaRPr lang="en-US"/>
+            </a:p>
+          </p:txBody>
+        </p:sp>
+        <p:pic>
+          <p:nvPicPr>
+            <p:cNvPr id="38" name="Picture 37">
+              <a:extLst>
+                <a:ext uri="{FF2B5EF4-FFF2-40B4-BE49-F238E27FC236}">
+                  <a16:creationId xmlns:a16="http://schemas.microsoft.com/office/drawing/2014/main" id="{EBAFB552-715A-D64D-B850-C767B9E87B84}"/>
+                </a:ext>
+              </a:extLst>
+            </p:cNvPr>
+            <p:cNvPicPr>
+              <a:picLocks noChangeAspect="1"/>
+            </p:cNvPicPr>
+            <p:nvPr/>
+          </p:nvPicPr>
+          <p:blipFill>
+            <a:blip r:embed="rId4"/>
+            <a:srcRect/>
+            <a:stretch/>
+          </p:blipFill>
+          <p:spPr>
+            <a:xfrm>
+              <a:off x="4970181" y="2098112"/>
+              <a:ext cx="2000471" cy="1107212"/>
+            </a:xfrm>
+            <a:prstGeom prst="rect">
+              <a:avLst/>
+            </a:prstGeom>
+          </p:spPr>
+        </p:pic>
+        <p:sp>
+          <p:nvSpPr>
+            <p:cNvPr id="39" name="TextBox 38">
+              <a:extLst>
+                <a:ext uri="{FF2B5EF4-FFF2-40B4-BE49-F238E27FC236}">
+                  <a16:creationId xmlns:a16="http://schemas.microsoft.com/office/drawing/2014/main" id="{BCECAFD2-7703-BD4B-B9A4-417230B6BB24}"/>
+                </a:ext>
+              </a:extLst>
+            </p:cNvPr>
+            <p:cNvSpPr txBox="1"/>
+            <p:nvPr/>
+          </p:nvSpPr>
+          <p:spPr>
+            <a:xfrm rot="16200000">
+              <a:off x="4525878" y="2497830"/>
+              <a:ext cx="845103" cy="307777"/>
+            </a:xfrm>
+            <a:prstGeom prst="rect">
+              <a:avLst/>
+            </a:prstGeom>
+            <a:noFill/>
+          </p:spPr>
+          <p:txBody>
+            <a:bodyPr wrap="none" rtlCol="0">
+              <a:spAutoFit/>
+            </a:bodyPr>
+            <a:lstStyle/>
+            <a:p>
+              <a:r>
+                <a:rPr lang="en-US" sz="1400" dirty="0"/>
+                <a:t>MEWMA</a:t>
+              </a:r>
+            </a:p>
+          </p:txBody>
+        </p:sp>
+      </p:grpSp>
+    </p:spTree>
+    <p:extLst>
+      <p:ext uri="{BB962C8B-B14F-4D97-AF65-F5344CB8AC3E}">
+        <p14:creationId xmlns:p14="http://schemas.microsoft.com/office/powerpoint/2010/main" val="915752005"/>
+      </p:ext>
+    </p:extLst>
+  </p:cSld>
+  <p:clrMapOvr>
+    <a:masterClrMapping/>
+  </p:clrMapOvr>
+</p:sld>
+</file>
+
+<file path=ppt/slides/slide5.xml><?xml version="1.0" encoding="utf-8"?>
+<p:sld xmlns:a="http://schemas.openxmlformats.org/drawingml/2006/main" xmlns:r="http://schemas.openxmlformats.org/officeDocument/2006/relationships" xmlns:p="http://schemas.openxmlformats.org/presentationml/2006/main">
+  <p:cSld>
+    <p:spTree>
+      <p:nvGrpSpPr>
+        <p:cNvPr id="1" name=""/>
+        <p:cNvGrpSpPr/>
+        <p:nvPr/>
+      </p:nvGrpSpPr>
+      <p:grpSpPr>
+        <a:xfrm>
+          <a:off x="0" y="0"/>
+          <a:ext cx="0" cy="0"/>
+          <a:chOff x="0" y="0"/>
+          <a:chExt cx="0" cy="0"/>
+        </a:xfrm>
+      </p:grpSpPr>
       <p:pic>
         <p:nvPicPr>
           <p:cNvPr id="43" name="Picture 42">
@@ -8397,8 +9749,8 @@
           </a:ln>
         </p:spPr>
       </p:pic>
-      <mc:AlternateContent xmlns:mc="http://schemas.openxmlformats.org/markup-compatibility/2006">
-        <mc:Choice xmlns:a14="http://schemas.microsoft.com/office/drawing/2010/main" Requires="a14">
+      <mc:AlternateContent xmlns:mc="http://schemas.openxmlformats.org/markup-compatibility/2006" xmlns:a14="http://schemas.microsoft.com/office/drawing/2010/main">
+        <mc:Choice Requires="a14">
           <p:sp>
             <p:nvSpPr>
               <p:cNvPr id="12" name="TextBox 11">
@@ -8602,7 +9954,7 @@
             </p:txBody>
           </p:sp>
         </mc:Choice>
-        <mc:Fallback>
+        <mc:Fallback xmlns="">
           <p:sp>
             <p:nvSpPr>
               <p:cNvPr id="12" name="TextBox 11">
@@ -8652,8 +10004,8 @@
           </p:sp>
         </mc:Fallback>
       </mc:AlternateContent>
-      <mc:AlternateContent xmlns:mc="http://schemas.openxmlformats.org/markup-compatibility/2006">
-        <mc:Choice xmlns:a14="http://schemas.microsoft.com/office/drawing/2010/main" Requires="a14">
+      <mc:AlternateContent xmlns:mc="http://schemas.openxmlformats.org/markup-compatibility/2006" xmlns:a14="http://schemas.microsoft.com/office/drawing/2010/main">
+        <mc:Choice Requires="a14">
           <p:sp>
             <p:nvSpPr>
               <p:cNvPr id="9" name="TextBox 8">
@@ -8839,7 +10191,7 @@
             </p:txBody>
           </p:sp>
         </mc:Choice>
-        <mc:Fallback>
+        <mc:Fallback xmlns="">
           <p:sp>
             <p:nvSpPr>
               <p:cNvPr id="9" name="TextBox 8">
@@ -9390,8 +10742,8 @@
           </a:fontRef>
         </p:style>
       </p:cxnSp>
-      <mc:AlternateContent xmlns:mc="http://schemas.openxmlformats.org/markup-compatibility/2006">
-        <mc:Choice xmlns:a14="http://schemas.microsoft.com/office/drawing/2010/main" Requires="a14">
+      <mc:AlternateContent xmlns:mc="http://schemas.openxmlformats.org/markup-compatibility/2006" xmlns:a14="http://schemas.microsoft.com/office/drawing/2010/main">
+        <mc:Choice Requires="a14">
           <p:sp>
             <p:nvSpPr>
               <p:cNvPr id="5" name="TextBox 4">
@@ -9566,7 +10918,7 @@
             </p:txBody>
           </p:sp>
         </mc:Choice>
-        <mc:Fallback>
+        <mc:Fallback xmlns="">
           <p:sp>
             <p:nvSpPr>
               <p:cNvPr id="5" name="TextBox 4">
@@ -10073,8 +11425,8 @@
           </a:fontRef>
         </p:style>
       </p:cxnSp>
-      <mc:AlternateContent xmlns:mc="http://schemas.openxmlformats.org/markup-compatibility/2006">
-        <mc:Choice xmlns:a14="http://schemas.microsoft.com/office/drawing/2010/main" Requires="a14">
+      <mc:AlternateContent xmlns:mc="http://schemas.openxmlformats.org/markup-compatibility/2006" xmlns:a14="http://schemas.microsoft.com/office/drawing/2010/main">
+        <mc:Choice Requires="a14">
           <p:sp>
             <p:nvSpPr>
               <p:cNvPr id="40" name="TextBox 39">
@@ -10283,7 +11635,7 @@
             </p:txBody>
           </p:sp>
         </mc:Choice>
-        <mc:Fallback>
+        <mc:Fallback xmlns="">
           <p:sp>
             <p:nvSpPr>
               <p:cNvPr id="40" name="TextBox 39">
@@ -10346,7 +11698,7 @@
 </p:sld>
 </file>
 
-<file path=ppt/slides/slide5.xml><?xml version="1.0" encoding="utf-8"?>
+<file path=ppt/slides/slide6.xml><?xml version="1.0" encoding="utf-8"?>
 <p:sld xmlns:a="http://schemas.openxmlformats.org/drawingml/2006/main" xmlns:r="http://schemas.openxmlformats.org/officeDocument/2006/relationships" xmlns:p="http://schemas.openxmlformats.org/presentationml/2006/main">
   <p:cSld>
     <p:spTree>
@@ -10689,7 +12041,7 @@
 </p:sld>
 </file>
 
-<file path=ppt/slides/slide6.xml><?xml version="1.0" encoding="utf-8"?>
+<file path=ppt/slides/slide7.xml><?xml version="1.0" encoding="utf-8"?>
 <p:sld xmlns:a="http://schemas.openxmlformats.org/drawingml/2006/main" xmlns:r="http://schemas.openxmlformats.org/officeDocument/2006/relationships" xmlns:p="http://schemas.openxmlformats.org/presentationml/2006/main">
   <p:cSld>
     <p:spTree>

--- a/figures/v14/flow_chart/gen_fig_most_updated_1.pptx
+++ b/figures/v14/flow_chart/gen_fig_most_updated_1.pptx
@@ -459,7 +459,7 @@
           <a:p>
             <a:fld id="{AC1F32C0-9D6C-C745-86B7-7A480FC22073}" type="datetimeFigureOut">
               <a:rPr lang="en-US" smtClean="0"/>
-              <a:t>4/28/20</a:t>
+              <a:t>5/7/20</a:t>
             </a:fld>
             <a:endParaRPr lang="en-US"/>
           </a:p>
@@ -629,7 +629,7 @@
           <a:p>
             <a:fld id="{AC1F32C0-9D6C-C745-86B7-7A480FC22073}" type="datetimeFigureOut">
               <a:rPr lang="en-US" smtClean="0"/>
-              <a:t>4/28/20</a:t>
+              <a:t>5/7/20</a:t>
             </a:fld>
             <a:endParaRPr lang="en-US"/>
           </a:p>
@@ -809,7 +809,7 @@
           <a:p>
             <a:fld id="{AC1F32C0-9D6C-C745-86B7-7A480FC22073}" type="datetimeFigureOut">
               <a:rPr lang="en-US" smtClean="0"/>
-              <a:t>4/28/20</a:t>
+              <a:t>5/7/20</a:t>
             </a:fld>
             <a:endParaRPr lang="en-US"/>
           </a:p>
@@ -979,7 +979,7 @@
           <a:p>
             <a:fld id="{AC1F32C0-9D6C-C745-86B7-7A480FC22073}" type="datetimeFigureOut">
               <a:rPr lang="en-US" smtClean="0"/>
-              <a:t>4/28/20</a:t>
+              <a:t>5/7/20</a:t>
             </a:fld>
             <a:endParaRPr lang="en-US"/>
           </a:p>
@@ -1225,7 +1225,7 @@
           <a:p>
             <a:fld id="{AC1F32C0-9D6C-C745-86B7-7A480FC22073}" type="datetimeFigureOut">
               <a:rPr lang="en-US" smtClean="0"/>
-              <a:t>4/28/20</a:t>
+              <a:t>5/7/20</a:t>
             </a:fld>
             <a:endParaRPr lang="en-US"/>
           </a:p>
@@ -1457,7 +1457,7 @@
           <a:p>
             <a:fld id="{AC1F32C0-9D6C-C745-86B7-7A480FC22073}" type="datetimeFigureOut">
               <a:rPr lang="en-US" smtClean="0"/>
-              <a:t>4/28/20</a:t>
+              <a:t>5/7/20</a:t>
             </a:fld>
             <a:endParaRPr lang="en-US"/>
           </a:p>
@@ -1824,7 +1824,7 @@
           <a:p>
             <a:fld id="{AC1F32C0-9D6C-C745-86B7-7A480FC22073}" type="datetimeFigureOut">
               <a:rPr lang="en-US" smtClean="0"/>
-              <a:t>4/28/20</a:t>
+              <a:t>5/7/20</a:t>
             </a:fld>
             <a:endParaRPr lang="en-US"/>
           </a:p>
@@ -1942,7 +1942,7 @@
           <a:p>
             <a:fld id="{AC1F32C0-9D6C-C745-86B7-7A480FC22073}" type="datetimeFigureOut">
               <a:rPr lang="en-US" smtClean="0"/>
-              <a:t>4/28/20</a:t>
+              <a:t>5/7/20</a:t>
             </a:fld>
             <a:endParaRPr lang="en-US"/>
           </a:p>
@@ -2037,7 +2037,7 @@
           <a:p>
             <a:fld id="{AC1F32C0-9D6C-C745-86B7-7A480FC22073}" type="datetimeFigureOut">
               <a:rPr lang="en-US" smtClean="0"/>
-              <a:t>4/28/20</a:t>
+              <a:t>5/7/20</a:t>
             </a:fld>
             <a:endParaRPr lang="en-US"/>
           </a:p>
@@ -2314,7 +2314,7 @@
           <a:p>
             <a:fld id="{AC1F32C0-9D6C-C745-86B7-7A480FC22073}" type="datetimeFigureOut">
               <a:rPr lang="en-US" smtClean="0"/>
-              <a:t>4/28/20</a:t>
+              <a:t>5/7/20</a:t>
             </a:fld>
             <a:endParaRPr lang="en-US"/>
           </a:p>
@@ -2571,7 +2571,7 @@
           <a:p>
             <a:fld id="{AC1F32C0-9D6C-C745-86B7-7A480FC22073}" type="datetimeFigureOut">
               <a:rPr lang="en-US" smtClean="0"/>
-              <a:t>4/28/20</a:t>
+              <a:t>5/7/20</a:t>
             </a:fld>
             <a:endParaRPr lang="en-US"/>
           </a:p>
@@ -2784,7 +2784,7 @@
           <a:p>
             <a:fld id="{AC1F32C0-9D6C-C745-86B7-7A480FC22073}" type="datetimeFigureOut">
               <a:rPr lang="en-US" smtClean="0"/>
-              <a:t>4/28/20</a:t>
+              <a:t>5/7/20</a:t>
             </a:fld>
             <a:endParaRPr lang="en-US"/>
           </a:p>
@@ -10460,9 +10460,9 @@
           <p:nvPr/>
         </p:nvCxnSpPr>
         <p:spPr>
-          <a:xfrm>
-            <a:off x="6760264" y="1471906"/>
-            <a:ext cx="26756" cy="218058"/>
+          <a:xfrm flipH="1">
+            <a:off x="6760263" y="1471906"/>
+            <a:ext cx="1" cy="204578"/>
           </a:xfrm>
           <a:prstGeom prst="straightConnector1">
             <a:avLst/>
@@ -11084,8 +11084,8 @@
         </p:nvCxnSpPr>
         <p:spPr>
           <a:xfrm rot="16200000" flipH="1">
-            <a:off x="5313058" y="1214724"/>
-            <a:ext cx="327792" cy="1166236"/>
+            <a:off x="5306419" y="1221362"/>
+            <a:ext cx="314312" cy="1139479"/>
           </a:xfrm>
           <a:prstGeom prst="bentConnector2">
             <a:avLst/>
@@ -11305,8 +11305,8 @@
         </p:nvCxnSpPr>
         <p:spPr>
           <a:xfrm flipH="1">
-            <a:off x="1644195" y="2233511"/>
-            <a:ext cx="5142825" cy="309767"/>
+            <a:off x="1644195" y="2220031"/>
+            <a:ext cx="5116068" cy="323247"/>
           </a:xfrm>
           <a:prstGeom prst="straightConnector1">
             <a:avLst/>
@@ -11351,8 +11351,8 @@
         </p:nvCxnSpPr>
         <p:spPr>
           <a:xfrm flipH="1">
-            <a:off x="4039152" y="2233511"/>
-            <a:ext cx="2747868" cy="309768"/>
+            <a:off x="4039152" y="2220031"/>
+            <a:ext cx="2721111" cy="323248"/>
           </a:xfrm>
           <a:prstGeom prst="straightConnector1">
             <a:avLst/>
@@ -11397,8 +11397,8 @@
         </p:nvCxnSpPr>
         <p:spPr>
           <a:xfrm flipH="1">
-            <a:off x="6434109" y="2233511"/>
-            <a:ext cx="352911" cy="309768"/>
+            <a:off x="6434109" y="2220031"/>
+            <a:ext cx="326154" cy="323248"/>
           </a:xfrm>
           <a:prstGeom prst="straightConnector1">
             <a:avLst/>
@@ -11425,8 +11425,8 @@
           </a:fontRef>
         </p:style>
       </p:cxnSp>
-      <mc:AlternateContent xmlns:mc="http://schemas.openxmlformats.org/markup-compatibility/2006" xmlns:a14="http://schemas.microsoft.com/office/drawing/2010/main">
-        <mc:Choice Requires="a14">
+      <mc:AlternateContent xmlns:mc="http://schemas.openxmlformats.org/markup-compatibility/2006">
+        <mc:Choice xmlns:a14="http://schemas.microsoft.com/office/drawing/2010/main" Requires="a14">
           <p:sp>
             <p:nvSpPr>
               <p:cNvPr id="40" name="TextBox 39">
@@ -11441,7 +11441,7 @@
             </p:nvSpPr>
             <p:spPr>
               <a:xfrm>
-                <a:off x="6060072" y="1689964"/>
+                <a:off x="6033315" y="1676484"/>
                 <a:ext cx="1453896" cy="543547"/>
               </a:xfrm>
               <a:prstGeom prst="rect">
@@ -11635,7 +11635,7 @@
             </p:txBody>
           </p:sp>
         </mc:Choice>
-        <mc:Fallback xmlns="">
+        <mc:Fallback>
           <p:sp>
             <p:nvSpPr>
               <p:cNvPr id="40" name="TextBox 39">
@@ -11652,7 +11652,7 @@
             </p:nvSpPr>
             <p:spPr>
               <a:xfrm>
-                <a:off x="6060072" y="1689964"/>
+                <a:off x="6033315" y="1676484"/>
                 <a:ext cx="1453896" cy="543547"/>
               </a:xfrm>
               <a:prstGeom prst="rect">
@@ -11661,7 +11661,7 @@
               <a:blipFill>
                 <a:blip r:embed="rId9"/>
                 <a:stretch>
-                  <a:fillRect l="-855" r="-2564" b="-2222"/>
+                  <a:fillRect l="-855" t="-2273" r="-1709" b="-2273"/>
                 </a:stretch>
               </a:blipFill>
               <a:ln>

--- a/figures/v14/flow_chart/gen_fig_most_updated_1.pptx
+++ b/figures/v14/flow_chart/gen_fig_most_updated_1.pptx
@@ -10462,7 +10462,7 @@
         <p:spPr>
           <a:xfrm flipH="1">
             <a:off x="6760263" y="1471906"/>
-            <a:ext cx="1" cy="204578"/>
+            <a:ext cx="1" cy="214738"/>
           </a:xfrm>
           <a:prstGeom prst="straightConnector1">
             <a:avLst/>
@@ -11084,8 +11084,8 @@
         </p:nvCxnSpPr>
         <p:spPr>
           <a:xfrm rot="16200000" flipH="1">
-            <a:off x="5306419" y="1221362"/>
-            <a:ext cx="314312" cy="1139479"/>
+            <a:off x="5301339" y="1226442"/>
+            <a:ext cx="324472" cy="1139479"/>
           </a:xfrm>
           <a:prstGeom prst="bentConnector2">
             <a:avLst/>
@@ -11305,8 +11305,8 @@
         </p:nvCxnSpPr>
         <p:spPr>
           <a:xfrm flipH="1">
-            <a:off x="1644195" y="2220031"/>
-            <a:ext cx="5116068" cy="323247"/>
+            <a:off x="1644195" y="2230191"/>
+            <a:ext cx="5116068" cy="313087"/>
           </a:xfrm>
           <a:prstGeom prst="straightConnector1">
             <a:avLst/>
@@ -11351,8 +11351,8 @@
         </p:nvCxnSpPr>
         <p:spPr>
           <a:xfrm flipH="1">
-            <a:off x="4039152" y="2220031"/>
-            <a:ext cx="2721111" cy="323248"/>
+            <a:off x="4039152" y="2230191"/>
+            <a:ext cx="2721111" cy="313088"/>
           </a:xfrm>
           <a:prstGeom prst="straightConnector1">
             <a:avLst/>
@@ -11397,8 +11397,8 @@
         </p:nvCxnSpPr>
         <p:spPr>
           <a:xfrm flipH="1">
-            <a:off x="6434109" y="2220031"/>
-            <a:ext cx="326154" cy="323248"/>
+            <a:off x="6434109" y="2230191"/>
+            <a:ext cx="326154" cy="313088"/>
           </a:xfrm>
           <a:prstGeom prst="straightConnector1">
             <a:avLst/>
@@ -11441,7 +11441,7 @@
             </p:nvSpPr>
             <p:spPr>
               <a:xfrm>
-                <a:off x="6033315" y="1676484"/>
+                <a:off x="6033315" y="1686644"/>
                 <a:ext cx="1453896" cy="543547"/>
               </a:xfrm>
               <a:prstGeom prst="rect">
@@ -11652,7 +11652,7 @@
             </p:nvSpPr>
             <p:spPr>
               <a:xfrm>
-                <a:off x="6033315" y="1676484"/>
+                <a:off x="6033315" y="1686644"/>
                 <a:ext cx="1453896" cy="543547"/>
               </a:xfrm>
               <a:prstGeom prst="rect">
@@ -11661,7 +11661,7 @@
               <a:blipFill>
                 <a:blip r:embed="rId9"/>
                 <a:stretch>
-                  <a:fillRect l="-855" t="-2273" r="-1709" b="-2273"/>
+                  <a:fillRect l="-855" r="-1709" b="-2222"/>
                 </a:stretch>
               </a:blipFill>
               <a:ln>

--- a/figures/v14/flow_chart/gen_fig_most_updated_1.pptx
+++ b/figures/v14/flow_chart/gen_fig_most_updated_1.pptx
@@ -459,7 +459,7 @@
           <a:p>
             <a:fld id="{AC1F32C0-9D6C-C745-86B7-7A480FC22073}" type="datetimeFigureOut">
               <a:rPr lang="en-US" smtClean="0"/>
-              <a:t>5/7/20</a:t>
+              <a:t>5/8/20</a:t>
             </a:fld>
             <a:endParaRPr lang="en-US"/>
           </a:p>
@@ -629,7 +629,7 @@
           <a:p>
             <a:fld id="{AC1F32C0-9D6C-C745-86B7-7A480FC22073}" type="datetimeFigureOut">
               <a:rPr lang="en-US" smtClean="0"/>
-              <a:t>5/7/20</a:t>
+              <a:t>5/8/20</a:t>
             </a:fld>
             <a:endParaRPr lang="en-US"/>
           </a:p>
@@ -809,7 +809,7 @@
           <a:p>
             <a:fld id="{AC1F32C0-9D6C-C745-86B7-7A480FC22073}" type="datetimeFigureOut">
               <a:rPr lang="en-US" smtClean="0"/>
-              <a:t>5/7/20</a:t>
+              <a:t>5/8/20</a:t>
             </a:fld>
             <a:endParaRPr lang="en-US"/>
           </a:p>
@@ -979,7 +979,7 @@
           <a:p>
             <a:fld id="{AC1F32C0-9D6C-C745-86B7-7A480FC22073}" type="datetimeFigureOut">
               <a:rPr lang="en-US" smtClean="0"/>
-              <a:t>5/7/20</a:t>
+              <a:t>5/8/20</a:t>
             </a:fld>
             <a:endParaRPr lang="en-US"/>
           </a:p>
@@ -1225,7 +1225,7 @@
           <a:p>
             <a:fld id="{AC1F32C0-9D6C-C745-86B7-7A480FC22073}" type="datetimeFigureOut">
               <a:rPr lang="en-US" smtClean="0"/>
-              <a:t>5/7/20</a:t>
+              <a:t>5/8/20</a:t>
             </a:fld>
             <a:endParaRPr lang="en-US"/>
           </a:p>
@@ -1457,7 +1457,7 @@
           <a:p>
             <a:fld id="{AC1F32C0-9D6C-C745-86B7-7A480FC22073}" type="datetimeFigureOut">
               <a:rPr lang="en-US" smtClean="0"/>
-              <a:t>5/7/20</a:t>
+              <a:t>5/8/20</a:t>
             </a:fld>
             <a:endParaRPr lang="en-US"/>
           </a:p>
@@ -1824,7 +1824,7 @@
           <a:p>
             <a:fld id="{AC1F32C0-9D6C-C745-86B7-7A480FC22073}" type="datetimeFigureOut">
               <a:rPr lang="en-US" smtClean="0"/>
-              <a:t>5/7/20</a:t>
+              <a:t>5/8/20</a:t>
             </a:fld>
             <a:endParaRPr lang="en-US"/>
           </a:p>
@@ -1942,7 +1942,7 @@
           <a:p>
             <a:fld id="{AC1F32C0-9D6C-C745-86B7-7A480FC22073}" type="datetimeFigureOut">
               <a:rPr lang="en-US" smtClean="0"/>
-              <a:t>5/7/20</a:t>
+              <a:t>5/8/20</a:t>
             </a:fld>
             <a:endParaRPr lang="en-US"/>
           </a:p>
@@ -2037,7 +2037,7 @@
           <a:p>
             <a:fld id="{AC1F32C0-9D6C-C745-86B7-7A480FC22073}" type="datetimeFigureOut">
               <a:rPr lang="en-US" smtClean="0"/>
-              <a:t>5/7/20</a:t>
+              <a:t>5/8/20</a:t>
             </a:fld>
             <a:endParaRPr lang="en-US"/>
           </a:p>
@@ -2314,7 +2314,7 @@
           <a:p>
             <a:fld id="{AC1F32C0-9D6C-C745-86B7-7A480FC22073}" type="datetimeFigureOut">
               <a:rPr lang="en-US" smtClean="0"/>
-              <a:t>5/7/20</a:t>
+              <a:t>5/8/20</a:t>
             </a:fld>
             <a:endParaRPr lang="en-US"/>
           </a:p>
@@ -2571,7 +2571,7 @@
           <a:p>
             <a:fld id="{AC1F32C0-9D6C-C745-86B7-7A480FC22073}" type="datetimeFigureOut">
               <a:rPr lang="en-US" smtClean="0"/>
-              <a:t>5/7/20</a:t>
+              <a:t>5/8/20</a:t>
             </a:fld>
             <a:endParaRPr lang="en-US"/>
           </a:p>
@@ -2784,7 +2784,7 @@
           <a:p>
             <a:fld id="{AC1F32C0-9D6C-C745-86B7-7A480FC22073}" type="datetimeFigureOut">
               <a:rPr lang="en-US" smtClean="0"/>
-              <a:t>5/7/20</a:t>
+              <a:t>5/8/20</a:t>
             </a:fld>
             <a:endParaRPr lang="en-US"/>
           </a:p>
@@ -11425,8 +11425,8 @@
           </a:fontRef>
         </p:style>
       </p:cxnSp>
-      <mc:AlternateContent xmlns:mc="http://schemas.openxmlformats.org/markup-compatibility/2006">
-        <mc:Choice xmlns:a14="http://schemas.microsoft.com/office/drawing/2010/main" Requires="a14">
+      <mc:AlternateContent xmlns:mc="http://schemas.openxmlformats.org/markup-compatibility/2006" xmlns:a14="http://schemas.microsoft.com/office/drawing/2010/main">
+        <mc:Choice Requires="a14">
           <p:sp>
             <p:nvSpPr>
               <p:cNvPr id="40" name="TextBox 39">
@@ -11635,7 +11635,7 @@
             </p:txBody>
           </p:sp>
         </mc:Choice>
-        <mc:Fallback>
+        <mc:Fallback xmlns="">
           <p:sp>
             <p:nvSpPr>
               <p:cNvPr id="40" name="TextBox 39">
@@ -11923,7 +11923,7 @@
               </p:blipFill>
               <p:spPr>
                 <a:xfrm>
-                  <a:off x="1173341" y="3567511"/>
+                  <a:off x="1173341" y="3563193"/>
                   <a:ext cx="2907792" cy="106415"/>
                 </a:xfrm>
                 <a:prstGeom prst="rect">
@@ -12012,7 +12012,7 @@
               </p:blipFill>
               <p:spPr>
                 <a:xfrm>
-                  <a:off x="4983408" y="3577888"/>
+                  <a:off x="4983408" y="3572046"/>
                   <a:ext cx="2907792" cy="106415"/>
                 </a:xfrm>
                 <a:prstGeom prst="rect">

--- a/figures/v14/flow_chart/gen_fig_most_updated_1.pptx
+++ b/figures/v14/flow_chart/gen_fig_most_updated_1.pptx
@@ -459,7 +459,7 @@
           <a:p>
             <a:fld id="{AC1F32C0-9D6C-C745-86B7-7A480FC22073}" type="datetimeFigureOut">
               <a:rPr lang="en-US" smtClean="0"/>
-              <a:t>5/8/20</a:t>
+              <a:t>5/11/20</a:t>
             </a:fld>
             <a:endParaRPr lang="en-US"/>
           </a:p>
@@ -629,7 +629,7 @@
           <a:p>
             <a:fld id="{AC1F32C0-9D6C-C745-86B7-7A480FC22073}" type="datetimeFigureOut">
               <a:rPr lang="en-US" smtClean="0"/>
-              <a:t>5/8/20</a:t>
+              <a:t>5/11/20</a:t>
             </a:fld>
             <a:endParaRPr lang="en-US"/>
           </a:p>
@@ -809,7 +809,7 @@
           <a:p>
             <a:fld id="{AC1F32C0-9D6C-C745-86B7-7A480FC22073}" type="datetimeFigureOut">
               <a:rPr lang="en-US" smtClean="0"/>
-              <a:t>5/8/20</a:t>
+              <a:t>5/11/20</a:t>
             </a:fld>
             <a:endParaRPr lang="en-US"/>
           </a:p>
@@ -979,7 +979,7 @@
           <a:p>
             <a:fld id="{AC1F32C0-9D6C-C745-86B7-7A480FC22073}" type="datetimeFigureOut">
               <a:rPr lang="en-US" smtClean="0"/>
-              <a:t>5/8/20</a:t>
+              <a:t>5/11/20</a:t>
             </a:fld>
             <a:endParaRPr lang="en-US"/>
           </a:p>
@@ -1225,7 +1225,7 @@
           <a:p>
             <a:fld id="{AC1F32C0-9D6C-C745-86B7-7A480FC22073}" type="datetimeFigureOut">
               <a:rPr lang="en-US" smtClean="0"/>
-              <a:t>5/8/20</a:t>
+              <a:t>5/11/20</a:t>
             </a:fld>
             <a:endParaRPr lang="en-US"/>
           </a:p>
@@ -1457,7 +1457,7 @@
           <a:p>
             <a:fld id="{AC1F32C0-9D6C-C745-86B7-7A480FC22073}" type="datetimeFigureOut">
               <a:rPr lang="en-US" smtClean="0"/>
-              <a:t>5/8/20</a:t>
+              <a:t>5/11/20</a:t>
             </a:fld>
             <a:endParaRPr lang="en-US"/>
           </a:p>
@@ -1824,7 +1824,7 @@
           <a:p>
             <a:fld id="{AC1F32C0-9D6C-C745-86B7-7A480FC22073}" type="datetimeFigureOut">
               <a:rPr lang="en-US" smtClean="0"/>
-              <a:t>5/8/20</a:t>
+              <a:t>5/11/20</a:t>
             </a:fld>
             <a:endParaRPr lang="en-US"/>
           </a:p>
@@ -1942,7 +1942,7 @@
           <a:p>
             <a:fld id="{AC1F32C0-9D6C-C745-86B7-7A480FC22073}" type="datetimeFigureOut">
               <a:rPr lang="en-US" smtClean="0"/>
-              <a:t>5/8/20</a:t>
+              <a:t>5/11/20</a:t>
             </a:fld>
             <a:endParaRPr lang="en-US"/>
           </a:p>
@@ -2037,7 +2037,7 @@
           <a:p>
             <a:fld id="{AC1F32C0-9D6C-C745-86B7-7A480FC22073}" type="datetimeFigureOut">
               <a:rPr lang="en-US" smtClean="0"/>
-              <a:t>5/8/20</a:t>
+              <a:t>5/11/20</a:t>
             </a:fld>
             <a:endParaRPr lang="en-US"/>
           </a:p>
@@ -2314,7 +2314,7 @@
           <a:p>
             <a:fld id="{AC1F32C0-9D6C-C745-86B7-7A480FC22073}" type="datetimeFigureOut">
               <a:rPr lang="en-US" smtClean="0"/>
-              <a:t>5/8/20</a:t>
+              <a:t>5/11/20</a:t>
             </a:fld>
             <a:endParaRPr lang="en-US"/>
           </a:p>
@@ -2571,7 +2571,7 @@
           <a:p>
             <a:fld id="{AC1F32C0-9D6C-C745-86B7-7A480FC22073}" type="datetimeFigureOut">
               <a:rPr lang="en-US" smtClean="0"/>
-              <a:t>5/8/20</a:t>
+              <a:t>5/11/20</a:t>
             </a:fld>
             <a:endParaRPr lang="en-US"/>
           </a:p>
@@ -2784,7 +2784,7 @@
           <a:p>
             <a:fld id="{AC1F32C0-9D6C-C745-86B7-7A480FC22073}" type="datetimeFigureOut">
               <a:rPr lang="en-US" smtClean="0"/>
-              <a:t>5/8/20</a:t>
+              <a:t>5/11/20</a:t>
             </a:fld>
             <a:endParaRPr lang="en-US"/>
           </a:p>
@@ -8856,8 +8856,8 @@
         </p:nvSpPr>
         <p:spPr>
           <a:xfrm>
-            <a:off x="2067383" y="2919236"/>
-            <a:ext cx="2391360" cy="307777"/>
+            <a:off x="2186656" y="2790029"/>
+            <a:ext cx="2010249" cy="523220"/>
           </a:xfrm>
           <a:prstGeom prst="rect">
             <a:avLst/>
@@ -8868,14 +8868,14 @@
           </a:ln>
         </p:spPr>
         <p:txBody>
-          <a:bodyPr wrap="none" rtlCol="0">
+          <a:bodyPr wrap="square" rtlCol="0">
             <a:spAutoFit/>
           </a:bodyPr>
           <a:lstStyle/>
           <a:p>
             <a:r>
               <a:rPr lang="en-US" sz="1400" dirty="0"/>
-              <a:t>The data set has concept drift </a:t>
+              <a:t>The data set has concept drift after point #10000</a:t>
             </a:r>
           </a:p>
         </p:txBody>
@@ -11717,10 +11717,10 @@
       </p:grpSpPr>
       <p:grpSp>
         <p:nvGrpSpPr>
-          <p:cNvPr id="6" name="Group 5">
+          <p:cNvPr id="19" name="Group 18">
             <a:extLst>
               <a:ext uri="{FF2B5EF4-FFF2-40B4-BE49-F238E27FC236}">
-                <a16:creationId xmlns:a16="http://schemas.microsoft.com/office/drawing/2014/main" id="{5CC3A95B-B2DC-8146-8A21-4E584CFCA72B}"/>
+                <a16:creationId xmlns:a16="http://schemas.microsoft.com/office/drawing/2014/main" id="{39DFFD2C-D26A-C143-9BE6-3F803D9BAC98}"/>
               </a:ext>
             </a:extLst>
           </p:cNvPr>
@@ -11731,7 +11731,7 @@
           <a:xfrm>
             <a:off x="346510" y="274320"/>
             <a:ext cx="7536580" cy="3566160"/>
-            <a:chOff x="346510" y="259676"/>
+            <a:chOff x="346510" y="274320"/>
             <a:chExt cx="7536580" cy="3566160"/>
           </a:xfrm>
         </p:grpSpPr>
@@ -11751,7 +11751,7 @@
           </p:nvSpPr>
           <p:spPr>
             <a:xfrm>
-              <a:off x="346510" y="259676"/>
+              <a:off x="346510" y="274320"/>
               <a:ext cx="7536580" cy="3566160"/>
             </a:xfrm>
             <a:prstGeom prst="roundRect">
@@ -11805,7 +11805,7 @@
           </p:nvSpPr>
           <p:spPr>
             <a:xfrm>
-              <a:off x="2366827" y="3475973"/>
+              <a:off x="2366827" y="3490617"/>
               <a:ext cx="3057888" cy="331629"/>
             </a:xfrm>
             <a:prstGeom prst="rect">
@@ -11828,32 +11828,30 @@
         </p:sp>
         <p:grpSp>
           <p:nvGrpSpPr>
-            <p:cNvPr id="15" name="Group 14">
+            <p:cNvPr id="18" name="Group 17">
               <a:extLst>
                 <a:ext uri="{FF2B5EF4-FFF2-40B4-BE49-F238E27FC236}">
-                  <a16:creationId xmlns:a16="http://schemas.microsoft.com/office/drawing/2014/main" id="{0A71536A-AC2D-BA48-8C7C-B5437E331354}"/>
+                  <a16:creationId xmlns:a16="http://schemas.microsoft.com/office/drawing/2014/main" id="{1259437F-5769-AC4B-BB5D-F95F70659D9B}"/>
                 </a:ext>
               </a:extLst>
             </p:cNvPr>
-            <p:cNvGrpSpPr>
-              <a:grpSpLocks noChangeAspect="1"/>
-            </p:cNvGrpSpPr>
+            <p:cNvGrpSpPr/>
             <p:nvPr/>
           </p:nvGrpSpPr>
           <p:grpSpPr>
             <a:xfrm>
-              <a:off x="1054716" y="380503"/>
-              <a:ext cx="6155692" cy="3117242"/>
-              <a:chOff x="1499501" y="769019"/>
-              <a:chExt cx="6155692" cy="3117242"/>
+              <a:off x="1054716" y="395147"/>
+              <a:ext cx="6158071" cy="3119625"/>
+              <a:chOff x="1054716" y="395147"/>
+              <a:chExt cx="6158071" cy="3119625"/>
             </a:xfrm>
           </p:grpSpPr>
           <p:grpSp>
             <p:nvGrpSpPr>
-              <p:cNvPr id="2" name="Group 1">
+              <p:cNvPr id="16" name="Group 15">
                 <a:extLst>
                   <a:ext uri="{FF2B5EF4-FFF2-40B4-BE49-F238E27FC236}">
-                    <a16:creationId xmlns:a16="http://schemas.microsoft.com/office/drawing/2014/main" id="{E7893B92-2981-F543-A96B-91A74BEE7A86}"/>
+                    <a16:creationId xmlns:a16="http://schemas.microsoft.com/office/drawing/2014/main" id="{34E48448-6205-F642-A801-51DC1E051F6F}"/>
                   </a:ext>
                 </a:extLst>
               </p:cNvPr>
@@ -11862,10 +11860,149 @@
             </p:nvGrpSpPr>
             <p:grpSpPr>
               <a:xfrm>
-                <a:off x="1499501" y="769019"/>
-                <a:ext cx="2980944" cy="3117241"/>
-                <a:chOff x="1140164" y="574336"/>
-                <a:chExt cx="2980944" cy="3117241"/>
+                <a:off x="4229464" y="395147"/>
+                <a:ext cx="2983323" cy="3119625"/>
+                <a:chOff x="4229464" y="395147"/>
+                <a:chExt cx="2983323" cy="3119625"/>
+              </a:xfrm>
+            </p:grpSpPr>
+            <p:pic>
+              <p:nvPicPr>
+                <p:cNvPr id="3" name="Picture 2">
+                  <a:extLst>
+                    <a:ext uri="{FF2B5EF4-FFF2-40B4-BE49-F238E27FC236}">
+                      <a16:creationId xmlns:a16="http://schemas.microsoft.com/office/drawing/2014/main" id="{D1628B8D-8C44-E74D-ACEF-56799B0389FE}"/>
+                    </a:ext>
+                  </a:extLst>
+                </p:cNvPr>
+                <p:cNvPicPr>
+                  <a:picLocks noChangeAspect="1"/>
+                </p:cNvPicPr>
+                <p:nvPr/>
+              </p:nvPicPr>
+              <p:blipFill rotWithShape="1">
+                <a:blip r:embed="rId2"/>
+                <a:srcRect t="2850" b="39883"/>
+                <a:stretch/>
+              </p:blipFill>
+              <p:spPr>
+                <a:xfrm>
+                  <a:off x="4229464" y="395147"/>
+                  <a:ext cx="2980944" cy="2991597"/>
+                </a:xfrm>
+                <a:prstGeom prst="rect">
+                  <a:avLst/>
+                </a:prstGeom>
+                <a:ln w="19050">
+                  <a:noFill/>
+                </a:ln>
+              </p:spPr>
+            </p:pic>
+            <p:pic>
+              <p:nvPicPr>
+                <p:cNvPr id="14" name="Picture 13">
+                  <a:extLst>
+                    <a:ext uri="{FF2B5EF4-FFF2-40B4-BE49-F238E27FC236}">
+                      <a16:creationId xmlns:a16="http://schemas.microsoft.com/office/drawing/2014/main" id="{45A54495-EABE-2140-AEDF-159AD9DD314C}"/>
+                    </a:ext>
+                  </a:extLst>
+                </p:cNvPr>
+                <p:cNvPicPr>
+                  <a:picLocks noChangeAspect="1"/>
+                </p:cNvPicPr>
+                <p:nvPr/>
+              </p:nvPicPr>
+              <p:blipFill rotWithShape="1">
+                <a:blip r:embed="rId3"/>
+                <a:srcRect l="2262" t="96862" r="4316" b="797"/>
+                <a:stretch/>
+              </p:blipFill>
+              <p:spPr>
+                <a:xfrm>
+                  <a:off x="4259731" y="3381325"/>
+                  <a:ext cx="2907792" cy="106415"/>
+                </a:xfrm>
+                <a:prstGeom prst="rect">
+                  <a:avLst/>
+                </a:prstGeom>
+                <a:ln w="19050">
+                  <a:solidFill>
+                    <a:schemeClr val="bg1"/>
+                  </a:solidFill>
+                </a:ln>
+              </p:spPr>
+            </p:pic>
+            <p:sp>
+              <p:nvSpPr>
+                <p:cNvPr id="10" name="Rectangle 9">
+                  <a:extLst>
+                    <a:ext uri="{FF2B5EF4-FFF2-40B4-BE49-F238E27FC236}">
+                      <a16:creationId xmlns:a16="http://schemas.microsoft.com/office/drawing/2014/main" id="{7CA1C148-B970-954D-836A-6FCFC3C2F9EF}"/>
+                    </a:ext>
+                  </a:extLst>
+                </p:cNvPr>
+                <p:cNvSpPr/>
+                <p:nvPr/>
+              </p:nvSpPr>
+              <p:spPr>
+                <a:xfrm>
+                  <a:off x="4231843" y="396668"/>
+                  <a:ext cx="2980944" cy="3118104"/>
+                </a:xfrm>
+                <a:prstGeom prst="rect">
+                  <a:avLst/>
+                </a:prstGeom>
+                <a:noFill/>
+                <a:ln w="19050">
+                  <a:solidFill>
+                    <a:schemeClr val="tx1"/>
+                  </a:solidFill>
+                </a:ln>
+              </p:spPr>
+              <p:style>
+                <a:lnRef idx="2">
+                  <a:schemeClr val="accent1">
+                    <a:shade val="50000"/>
+                  </a:schemeClr>
+                </a:lnRef>
+                <a:fillRef idx="1">
+                  <a:schemeClr val="accent1"/>
+                </a:fillRef>
+                <a:effectRef idx="0">
+                  <a:schemeClr val="accent1"/>
+                </a:effectRef>
+                <a:fontRef idx="minor">
+                  <a:schemeClr val="lt1"/>
+                </a:fontRef>
+              </p:style>
+              <p:txBody>
+                <a:bodyPr rtlCol="0" anchor="ctr"/>
+                <a:lstStyle/>
+                <a:p>
+                  <a:pPr algn="ctr"/>
+                  <a:endParaRPr lang="en-US"/>
+                </a:p>
+              </p:txBody>
+            </p:sp>
+          </p:grpSp>
+          <p:grpSp>
+            <p:nvGrpSpPr>
+              <p:cNvPr id="17" name="Group 16">
+                <a:extLst>
+                  <a:ext uri="{FF2B5EF4-FFF2-40B4-BE49-F238E27FC236}">
+                    <a16:creationId xmlns:a16="http://schemas.microsoft.com/office/drawing/2014/main" id="{4E299D06-ECB8-4044-ADDB-B23D6A070D29}"/>
+                  </a:ext>
+                </a:extLst>
+              </p:cNvPr>
+              <p:cNvGrpSpPr/>
+              <p:nvPr/>
+            </p:nvGrpSpPr>
+            <p:grpSpPr>
+              <a:xfrm>
+                <a:off x="1054716" y="396668"/>
+                <a:ext cx="2991710" cy="3118104"/>
+                <a:chOff x="1054716" y="396668"/>
+                <a:chExt cx="2991710" cy="3118104"/>
               </a:xfrm>
             </p:grpSpPr>
             <p:pic>
@@ -11883,22 +12020,20 @@
                 <p:nvPr/>
               </p:nvPicPr>
               <p:blipFill rotWithShape="1">
-                <a:blip r:embed="rId2"/>
-                <a:srcRect t="2846" b="37483"/>
+                <a:blip r:embed="rId4"/>
+                <a:srcRect t="2846" b="39991"/>
                 <a:stretch/>
               </p:blipFill>
               <p:spPr>
                 <a:xfrm>
-                  <a:off x="1140164" y="574336"/>
-                  <a:ext cx="2980944" cy="3117241"/>
+                  <a:off x="1054716" y="397856"/>
+                  <a:ext cx="2980944" cy="2986178"/>
                 </a:xfrm>
                 <a:prstGeom prst="rect">
                   <a:avLst/>
                 </a:prstGeom>
                 <a:ln w="19050">
-                  <a:solidFill>
-                    <a:schemeClr val="tx1"/>
-                  </a:solidFill>
+                  <a:noFill/>
                 </a:ln>
               </p:spPr>
             </p:pic>
@@ -11923,8 +12058,8 @@
               </p:blipFill>
               <p:spPr>
                 <a:xfrm>
-                  <a:off x="1173341" y="3563193"/>
-                  <a:ext cx="2907792" cy="106415"/>
+                  <a:off x="1087893" y="3380845"/>
+                  <a:ext cx="2907792" cy="107375"/>
                 </a:xfrm>
                 <a:prstGeom prst="rect">
                   <a:avLst/>
@@ -11936,95 +12071,58 @@
                 </a:ln>
               </p:spPr>
             </p:pic>
-          </p:grpSp>
-          <p:grpSp>
-            <p:nvGrpSpPr>
-              <p:cNvPr id="5" name="Group 4">
-                <a:extLst>
-                  <a:ext uri="{FF2B5EF4-FFF2-40B4-BE49-F238E27FC236}">
-                    <a16:creationId xmlns:a16="http://schemas.microsoft.com/office/drawing/2014/main" id="{3129F8D2-3A53-1B47-9795-A3B4803ED1C7}"/>
-                  </a:ext>
-                </a:extLst>
-              </p:cNvPr>
-              <p:cNvGrpSpPr/>
-              <p:nvPr/>
-            </p:nvGrpSpPr>
-            <p:grpSpPr>
-              <a:xfrm>
-                <a:off x="4674249" y="769019"/>
-                <a:ext cx="2980944" cy="3117242"/>
-                <a:chOff x="4953141" y="583189"/>
-                <a:chExt cx="2980944" cy="3117242"/>
-              </a:xfrm>
-            </p:grpSpPr>
-            <p:pic>
-              <p:nvPicPr>
-                <p:cNvPr id="3" name="Picture 2">
+            <p:sp>
+              <p:nvSpPr>
+                <p:cNvPr id="13" name="Rectangle 12">
                   <a:extLst>
                     <a:ext uri="{FF2B5EF4-FFF2-40B4-BE49-F238E27FC236}">
-                      <a16:creationId xmlns:a16="http://schemas.microsoft.com/office/drawing/2014/main" id="{D1628B8D-8C44-E74D-ACEF-56799B0389FE}"/>
+                      <a16:creationId xmlns:a16="http://schemas.microsoft.com/office/drawing/2014/main" id="{4ADF0598-6AE0-D047-843E-A2F44D40C1DD}"/>
                     </a:ext>
                   </a:extLst>
                 </p:cNvPr>
-                <p:cNvPicPr>
-                  <a:picLocks noChangeAspect="1"/>
-                </p:cNvPicPr>
+                <p:cNvSpPr/>
                 <p:nvPr/>
-              </p:nvPicPr>
-              <p:blipFill rotWithShape="1">
-                <a:blip r:embed="rId4"/>
-                <a:srcRect t="2850" b="37478"/>
-                <a:stretch/>
-              </p:blipFill>
+              </p:nvSpPr>
               <p:spPr>
                 <a:xfrm>
-                  <a:off x="4953141" y="583189"/>
-                  <a:ext cx="2980944" cy="3117242"/>
+                  <a:off x="1065482" y="396668"/>
+                  <a:ext cx="2980944" cy="3118104"/>
                 </a:xfrm>
                 <a:prstGeom prst="rect">
                   <a:avLst/>
                 </a:prstGeom>
+                <a:noFill/>
                 <a:ln w="19050">
                   <a:solidFill>
                     <a:schemeClr val="tx1"/>
                   </a:solidFill>
                 </a:ln>
               </p:spPr>
-            </p:pic>
-            <p:pic>
-              <p:nvPicPr>
-                <p:cNvPr id="14" name="Picture 13">
-                  <a:extLst>
-                    <a:ext uri="{FF2B5EF4-FFF2-40B4-BE49-F238E27FC236}">
-                      <a16:creationId xmlns:a16="http://schemas.microsoft.com/office/drawing/2014/main" id="{45A54495-EABE-2140-AEDF-159AD9DD314C}"/>
-                    </a:ext>
-                  </a:extLst>
-                </p:cNvPr>
-                <p:cNvPicPr>
-                  <a:picLocks noChangeAspect="1"/>
-                </p:cNvPicPr>
-                <p:nvPr/>
-              </p:nvPicPr>
-              <p:blipFill rotWithShape="1">
-                <a:blip r:embed="rId3"/>
-                <a:srcRect l="2262" t="96862" r="4316" b="797"/>
-                <a:stretch/>
-              </p:blipFill>
-              <p:spPr>
-                <a:xfrm>
-                  <a:off x="4983408" y="3572046"/>
-                  <a:ext cx="2907792" cy="106415"/>
-                </a:xfrm>
-                <a:prstGeom prst="rect">
-                  <a:avLst/>
-                </a:prstGeom>
-                <a:ln w="19050">
-                  <a:solidFill>
-                    <a:schemeClr val="bg1"/>
-                  </a:solidFill>
-                </a:ln>
-              </p:spPr>
-            </p:pic>
+              <p:style>
+                <a:lnRef idx="2">
+                  <a:schemeClr val="accent1">
+                    <a:shade val="50000"/>
+                  </a:schemeClr>
+                </a:lnRef>
+                <a:fillRef idx="1">
+                  <a:schemeClr val="accent1"/>
+                </a:fillRef>
+                <a:effectRef idx="0">
+                  <a:schemeClr val="accent1"/>
+                </a:effectRef>
+                <a:fontRef idx="minor">
+                  <a:schemeClr val="lt1"/>
+                </a:fontRef>
+              </p:style>
+              <p:txBody>
+                <a:bodyPr rtlCol="0" anchor="ctr"/>
+                <a:lstStyle/>
+                <a:p>
+                  <a:pPr algn="ctr"/>
+                  <a:endParaRPr lang="en-US"/>
+                </a:p>
+              </p:txBody>
+            </p:sp>
           </p:grpSp>
         </p:grpSp>
       </p:grpSp>

--- a/figures/v14/flow_chart/gen_fig_most_updated_1.pptx
+++ b/figures/v14/flow_chart/gen_fig_most_updated_1.pptx
@@ -459,7 +459,7 @@
           <a:p>
             <a:fld id="{AC1F32C0-9D6C-C745-86B7-7A480FC22073}" type="datetimeFigureOut">
               <a:rPr lang="en-US" smtClean="0"/>
-              <a:t>5/11/20</a:t>
+              <a:t>5/20/20</a:t>
             </a:fld>
             <a:endParaRPr lang="en-US"/>
           </a:p>
@@ -629,7 +629,7 @@
           <a:p>
             <a:fld id="{AC1F32C0-9D6C-C745-86B7-7A480FC22073}" type="datetimeFigureOut">
               <a:rPr lang="en-US" smtClean="0"/>
-              <a:t>5/11/20</a:t>
+              <a:t>5/20/20</a:t>
             </a:fld>
             <a:endParaRPr lang="en-US"/>
           </a:p>
@@ -809,7 +809,7 @@
           <a:p>
             <a:fld id="{AC1F32C0-9D6C-C745-86B7-7A480FC22073}" type="datetimeFigureOut">
               <a:rPr lang="en-US" smtClean="0"/>
-              <a:t>5/11/20</a:t>
+              <a:t>5/20/20</a:t>
             </a:fld>
             <a:endParaRPr lang="en-US"/>
           </a:p>
@@ -979,7 +979,7 @@
           <a:p>
             <a:fld id="{AC1F32C0-9D6C-C745-86B7-7A480FC22073}" type="datetimeFigureOut">
               <a:rPr lang="en-US" smtClean="0"/>
-              <a:t>5/11/20</a:t>
+              <a:t>5/20/20</a:t>
             </a:fld>
             <a:endParaRPr lang="en-US"/>
           </a:p>
@@ -1225,7 +1225,7 @@
           <a:p>
             <a:fld id="{AC1F32C0-9D6C-C745-86B7-7A480FC22073}" type="datetimeFigureOut">
               <a:rPr lang="en-US" smtClean="0"/>
-              <a:t>5/11/20</a:t>
+              <a:t>5/20/20</a:t>
             </a:fld>
             <a:endParaRPr lang="en-US"/>
           </a:p>
@@ -1457,7 +1457,7 @@
           <a:p>
             <a:fld id="{AC1F32C0-9D6C-C745-86B7-7A480FC22073}" type="datetimeFigureOut">
               <a:rPr lang="en-US" smtClean="0"/>
-              <a:t>5/11/20</a:t>
+              <a:t>5/20/20</a:t>
             </a:fld>
             <a:endParaRPr lang="en-US"/>
           </a:p>
@@ -1824,7 +1824,7 @@
           <a:p>
             <a:fld id="{AC1F32C0-9D6C-C745-86B7-7A480FC22073}" type="datetimeFigureOut">
               <a:rPr lang="en-US" smtClean="0"/>
-              <a:t>5/11/20</a:t>
+              <a:t>5/20/20</a:t>
             </a:fld>
             <a:endParaRPr lang="en-US"/>
           </a:p>
@@ -1942,7 +1942,7 @@
           <a:p>
             <a:fld id="{AC1F32C0-9D6C-C745-86B7-7A480FC22073}" type="datetimeFigureOut">
               <a:rPr lang="en-US" smtClean="0"/>
-              <a:t>5/11/20</a:t>
+              <a:t>5/20/20</a:t>
             </a:fld>
             <a:endParaRPr lang="en-US"/>
           </a:p>
@@ -2037,7 +2037,7 @@
           <a:p>
             <a:fld id="{AC1F32C0-9D6C-C745-86B7-7A480FC22073}" type="datetimeFigureOut">
               <a:rPr lang="en-US" smtClean="0"/>
-              <a:t>5/11/20</a:t>
+              <a:t>5/20/20</a:t>
             </a:fld>
             <a:endParaRPr lang="en-US"/>
           </a:p>
@@ -2314,7 +2314,7 @@
           <a:p>
             <a:fld id="{AC1F32C0-9D6C-C745-86B7-7A480FC22073}" type="datetimeFigureOut">
               <a:rPr lang="en-US" smtClean="0"/>
-              <a:t>5/11/20</a:t>
+              <a:t>5/20/20</a:t>
             </a:fld>
             <a:endParaRPr lang="en-US"/>
           </a:p>
@@ -2571,7 +2571,7 @@
           <a:p>
             <a:fld id="{AC1F32C0-9D6C-C745-86B7-7A480FC22073}" type="datetimeFigureOut">
               <a:rPr lang="en-US" smtClean="0"/>
-              <a:t>5/11/20</a:t>
+              <a:t>5/20/20</a:t>
             </a:fld>
             <a:endParaRPr lang="en-US"/>
           </a:p>
@@ -2784,7 +2784,7 @@
           <a:p>
             <a:fld id="{AC1F32C0-9D6C-C745-86B7-7A480FC22073}" type="datetimeFigureOut">
               <a:rPr lang="en-US" smtClean="0"/>
-              <a:t>5/11/20</a:t>
+              <a:t>5/20/20</a:t>
             </a:fld>
             <a:endParaRPr lang="en-US"/>
           </a:p>
@@ -8856,8 +8856,8 @@
         </p:nvSpPr>
         <p:spPr>
           <a:xfrm>
-            <a:off x="2186656" y="2790029"/>
-            <a:ext cx="2010249" cy="523220"/>
+            <a:off x="1967998" y="2790029"/>
+            <a:ext cx="2606588" cy="523220"/>
           </a:xfrm>
           <a:prstGeom prst="rect">
             <a:avLst/>
@@ -8875,7 +8875,7 @@
           <a:p>
             <a:r>
               <a:rPr lang="en-US" sz="1400" dirty="0"/>
-              <a:t>The data set has concept drift after point #10000</a:t>
+              <a:t>The data set has non-stationarity. A concept changes at #10000.</a:t>
             </a:r>
           </a:p>
         </p:txBody>
